--- a/TCC/3º Encontro/2017-Apresentacao Psystem.pptx
+++ b/TCC/3º Encontro/2017-Apresentacao Psystem.pptx
@@ -22,11 +22,18 @@
     <p:sldId id="286" r:id="rId16"/>
     <p:sldId id="287" r:id="rId17"/>
     <p:sldId id="288" r:id="rId18"/>
-    <p:sldId id="289" r:id="rId19"/>
-    <p:sldId id="290" r:id="rId20"/>
-    <p:sldId id="291" r:id="rId21"/>
-    <p:sldId id="279" r:id="rId22"/>
-    <p:sldId id="280" r:id="rId23"/>
+    <p:sldId id="292" r:id="rId19"/>
+    <p:sldId id="293" r:id="rId20"/>
+    <p:sldId id="294" r:id="rId21"/>
+    <p:sldId id="295" r:id="rId22"/>
+    <p:sldId id="296" r:id="rId23"/>
+    <p:sldId id="297" r:id="rId24"/>
+    <p:sldId id="298" r:id="rId25"/>
+    <p:sldId id="289" r:id="rId26"/>
+    <p:sldId id="290" r:id="rId27"/>
+    <p:sldId id="291" r:id="rId28"/>
+    <p:sldId id="279" r:id="rId29"/>
+    <p:sldId id="280" r:id="rId30"/>
   </p:sldIdLst>
   <p:sldSz cx="9144000" cy="6858000" type="screen4x3"/>
   <p:notesSz cx="6858000" cy="9144000"/>
@@ -157,7 +164,7 @@
   </p:defaultTextStyle>
   <p:extLst>
     <p:ext uri="{EFAFB233-063F-42B5-8137-9DF3F51BA10A}">
-      <p15:sldGuideLst xmlns:p15="http://schemas.microsoft.com/office/powerpoint/2012/main">
+      <p15:sldGuideLst xmlns:p15="http://schemas.microsoft.com/office/powerpoint/2012/main" xmlns="">
         <p15:guide id="1" orient="horz" pos="2160">
           <p15:clr>
             <a:srgbClr val="A4A3A4"/>
@@ -284,7 +291,7 @@
     </p:spTree>
     <p:extLst>
       <p:ext uri="{BB962C8B-B14F-4D97-AF65-F5344CB8AC3E}">
-        <p14:creationId xmlns:p14="http://schemas.microsoft.com/office/powerpoint/2010/main" val="3951886733"/>
+        <p14:creationId xmlns:p14="http://schemas.microsoft.com/office/powerpoint/2010/main" xmlns="" val="3951886733"/>
       </p:ext>
     </p:extLst>
   </p:cSld>
@@ -575,7 +582,7 @@
     </p:spTree>
     <p:extLst>
       <p:ext uri="{BB962C8B-B14F-4D97-AF65-F5344CB8AC3E}">
-        <p14:creationId xmlns:p14="http://schemas.microsoft.com/office/powerpoint/2010/main" val="1588299535"/>
+        <p14:creationId xmlns:p14="http://schemas.microsoft.com/office/powerpoint/2010/main" xmlns="" val="1588299535"/>
       </p:ext>
     </p:extLst>
   </p:cSld>
@@ -624,14 +631,14 @@
           </a:ln>
           <a:extLst>
             <a:ext uri="{909E8E84-426E-40DD-AFC4-6F175D3DCCD1}">
-              <a14:hiddenFill xmlns:a14="http://schemas.microsoft.com/office/drawing/2010/main">
+              <a14:hiddenFill xmlns:a14="http://schemas.microsoft.com/office/drawing/2010/main" xmlns="">
                 <a:solidFill>
                   <a:srgbClr val="FFFFFF"/>
                 </a:solidFill>
               </a14:hiddenFill>
             </a:ext>
             <a:ext uri="{91240B29-F687-4F45-9708-019B960494DF}">
-              <a14:hiddenLine xmlns:a14="http://schemas.microsoft.com/office/drawing/2010/main" w="9525">
+              <a14:hiddenLine xmlns:a14="http://schemas.microsoft.com/office/drawing/2010/main" xmlns="" w="9525">
                 <a:solidFill>
                   <a:srgbClr val="000000"/>
                 </a:solidFill>
@@ -772,7 +779,7 @@
                 <a:latin typeface="Verdana" pitchFamily="34" charset="0"/>
               </a:rPr>
               <a:pPr eaLnBrk="1" hangingPunct="1"/>
-              <a:t>‹#›</a:t>
+              <a:t>‹nº›</a:t>
             </a:fld>
             <a:endParaRPr lang="pt-BR" sz="1400" b="1">
               <a:solidFill>
@@ -1047,7 +1054,7 @@
     </p:spTree>
     <p:extLst>
       <p:ext uri="{BB962C8B-B14F-4D97-AF65-F5344CB8AC3E}">
-        <p14:creationId xmlns:p14="http://schemas.microsoft.com/office/powerpoint/2010/main" val="3359836669"/>
+        <p14:creationId xmlns:p14="http://schemas.microsoft.com/office/powerpoint/2010/main" xmlns="" val="3359836669"/>
       </p:ext>
     </p:extLst>
   </p:cSld>
@@ -1077,7 +1084,7 @@
     </p:spTree>
     <p:extLst>
       <p:ext uri="{BB962C8B-B14F-4D97-AF65-F5344CB8AC3E}">
-        <p14:creationId xmlns:p14="http://schemas.microsoft.com/office/powerpoint/2010/main" val="413836109"/>
+        <p14:creationId xmlns:p14="http://schemas.microsoft.com/office/powerpoint/2010/main" xmlns="" val="413836109"/>
       </p:ext>
     </p:extLst>
   </p:cSld>
@@ -1177,7 +1184,7 @@
           <a:blip r:embed="rId2" cstate="print">
             <a:extLst>
               <a:ext uri="{28A0092B-C50C-407E-A947-70E740481C1C}">
-                <a14:useLocalDpi xmlns:a14="http://schemas.microsoft.com/office/drawing/2010/main" val="0"/>
+                <a14:useLocalDpi xmlns:a14="http://schemas.microsoft.com/office/drawing/2010/main" xmlns="" val="0"/>
               </a:ext>
             </a:extLst>
           </a:blip>
@@ -1200,14 +1207,14 @@
           </a:ln>
           <a:extLst>
             <a:ext uri="{909E8E84-426E-40DD-AFC4-6F175D3DCCD1}">
-              <a14:hiddenFill xmlns:a14="http://schemas.microsoft.com/office/drawing/2010/main">
+              <a14:hiddenFill xmlns:a14="http://schemas.microsoft.com/office/drawing/2010/main" xmlns="">
                 <a:solidFill>
                   <a:srgbClr val="FFFFFF"/>
                 </a:solidFill>
               </a14:hiddenFill>
             </a:ext>
             <a:ext uri="{91240B29-F687-4F45-9708-019B960494DF}">
-              <a14:hiddenLine xmlns:a14="http://schemas.microsoft.com/office/drawing/2010/main" w="9525">
+              <a14:hiddenLine xmlns:a14="http://schemas.microsoft.com/office/drawing/2010/main" xmlns="" w="9525">
                 <a:solidFill>
                   <a:srgbClr val="000000"/>
                 </a:solidFill>
@@ -1271,7 +1278,7 @@
     </p:spTree>
     <p:extLst>
       <p:ext uri="{BB962C8B-B14F-4D97-AF65-F5344CB8AC3E}">
-        <p14:creationId xmlns:p14="http://schemas.microsoft.com/office/powerpoint/2010/main" val="2156181659"/>
+        <p14:creationId xmlns:p14="http://schemas.microsoft.com/office/powerpoint/2010/main" xmlns="" val="2156181659"/>
       </p:ext>
     </p:extLst>
   </p:cSld>
@@ -1438,7 +1445,7 @@
     </p:spTree>
     <p:extLst>
       <p:ext uri="{BB962C8B-B14F-4D97-AF65-F5344CB8AC3E}">
-        <p14:creationId xmlns:p14="http://schemas.microsoft.com/office/powerpoint/2010/main" val="83598666"/>
+        <p14:creationId xmlns:p14="http://schemas.microsoft.com/office/powerpoint/2010/main" xmlns="" val="83598666"/>
       </p:ext>
     </p:extLst>
   </p:cSld>
@@ -1482,7 +1489,7 @@
           <a:blip r:embed="rId8" cstate="print">
             <a:extLst>
               <a:ext uri="{28A0092B-C50C-407E-A947-70E740481C1C}">
-                <a14:useLocalDpi xmlns:a14="http://schemas.microsoft.com/office/drawing/2010/main" val="0"/>
+                <a14:useLocalDpi xmlns:a14="http://schemas.microsoft.com/office/drawing/2010/main" xmlns="" val="0"/>
               </a:ext>
             </a:extLst>
           </a:blip>
@@ -1505,14 +1512,14 @@
           </a:ln>
           <a:extLst>
             <a:ext uri="{909E8E84-426E-40DD-AFC4-6F175D3DCCD1}">
-              <a14:hiddenFill xmlns:a14="http://schemas.microsoft.com/office/drawing/2010/main">
+              <a14:hiddenFill xmlns:a14="http://schemas.microsoft.com/office/drawing/2010/main" xmlns="">
                 <a:solidFill>
                   <a:srgbClr val="FFFFFF"/>
                 </a:solidFill>
               </a14:hiddenFill>
             </a:ext>
             <a:ext uri="{91240B29-F687-4F45-9708-019B960494DF}">
-              <a14:hiddenLine xmlns:a14="http://schemas.microsoft.com/office/drawing/2010/main" w="9525">
+              <a14:hiddenLine xmlns:a14="http://schemas.microsoft.com/office/drawing/2010/main" xmlns="" w="9525">
                 <a:solidFill>
                   <a:srgbClr val="000000"/>
                 </a:solidFill>
@@ -1585,7 +1592,7 @@
           <a:blip r:embed="rId9" cstate="print">
             <a:extLst>
               <a:ext uri="{28A0092B-C50C-407E-A947-70E740481C1C}">
-                <a14:useLocalDpi xmlns:a14="http://schemas.microsoft.com/office/drawing/2010/main" val="0"/>
+                <a14:useLocalDpi xmlns:a14="http://schemas.microsoft.com/office/drawing/2010/main" xmlns="" val="0"/>
               </a:ext>
             </a:extLst>
           </a:blip>
@@ -1608,14 +1615,14 @@
           </a:ln>
           <a:extLst>
             <a:ext uri="{909E8E84-426E-40DD-AFC4-6F175D3DCCD1}">
-              <a14:hiddenFill xmlns:a14="http://schemas.microsoft.com/office/drawing/2010/main">
+              <a14:hiddenFill xmlns:a14="http://schemas.microsoft.com/office/drawing/2010/main" xmlns="">
                 <a:solidFill>
                   <a:srgbClr val="FFFFFF"/>
                 </a:solidFill>
               </a14:hiddenFill>
             </a:ext>
             <a:ext uri="{91240B29-F687-4F45-9708-019B960494DF}">
-              <a14:hiddenLine xmlns:a14="http://schemas.microsoft.com/office/drawing/2010/main" w="9525">
+              <a14:hiddenLine xmlns:a14="http://schemas.microsoft.com/office/drawing/2010/main" xmlns="" w="9525">
                 <a:solidFill>
                   <a:srgbClr val="000000"/>
                 </a:solidFill>
@@ -2179,14 +2186,14 @@
             </a:ln>
             <a:extLst>
               <a:ext uri="{909E8E84-426E-40DD-AFC4-6F175D3DCCD1}">
-                <a14:hiddenFill xmlns:a14="http://schemas.microsoft.com/office/drawing/2010/main">
+                <a14:hiddenFill xmlns:a14="http://schemas.microsoft.com/office/drawing/2010/main" xmlns="">
                   <a:solidFill>
                     <a:srgbClr val="FFFFFF"/>
                   </a:solidFill>
                 </a14:hiddenFill>
               </a:ext>
               <a:ext uri="{91240B29-F687-4F45-9708-019B960494DF}">
-                <a14:hiddenLine xmlns:a14="http://schemas.microsoft.com/office/drawing/2010/main" w="9525">
+                <a14:hiddenLine xmlns:a14="http://schemas.microsoft.com/office/drawing/2010/main" xmlns="" w="9525">
                   <a:solidFill>
                     <a:srgbClr val="000000"/>
                   </a:solidFill>
@@ -2336,14 +2343,14 @@
             </a:ln>
             <a:extLst>
               <a:ext uri="{909E8E84-426E-40DD-AFC4-6F175D3DCCD1}">
-                <a14:hiddenFill xmlns:a14="http://schemas.microsoft.com/office/drawing/2010/main">
+                <a14:hiddenFill xmlns:a14="http://schemas.microsoft.com/office/drawing/2010/main" xmlns="">
                   <a:solidFill>
                     <a:srgbClr val="FFFFFF"/>
                   </a:solidFill>
                 </a14:hiddenFill>
               </a:ext>
               <a:ext uri="{91240B29-F687-4F45-9708-019B960494DF}">
-                <a14:hiddenLine xmlns:a14="http://schemas.microsoft.com/office/drawing/2010/main" w="9525">
+                <a14:hiddenLine xmlns:a14="http://schemas.microsoft.com/office/drawing/2010/main" xmlns="" w="9525">
                   <a:solidFill>
                     <a:srgbClr val="000000"/>
                   </a:solidFill>
@@ -2711,7 +2718,7 @@
           <p:cNvPr id="4098" name="Picture 2">
             <a:extLst>
               <a:ext uri="{FF2B5EF4-FFF2-40B4-BE49-F238E27FC236}">
-                <a16:creationId xmlns:a16="http://schemas.microsoft.com/office/drawing/2014/main" id="{E78D3342-3CB1-4010-9B6B-88EB7ABCFE33}"/>
+                <a16:creationId xmlns:a16="http://schemas.microsoft.com/office/drawing/2014/main" xmlns="" id="{E78D3342-3CB1-4010-9B6B-88EB7ABCFE33}"/>
               </a:ext>
             </a:extLst>
           </p:cNvPr>
@@ -2721,10 +2728,10 @@
           <p:nvPr/>
         </p:nvPicPr>
         <p:blipFill>
-          <a:blip r:embed="rId2">
+          <a:blip r:embed="rId2" cstate="print">
             <a:extLst>
               <a:ext uri="{28A0092B-C50C-407E-A947-70E740481C1C}">
-                <a14:useLocalDpi xmlns:a14="http://schemas.microsoft.com/office/drawing/2010/main" val="0"/>
+                <a14:useLocalDpi xmlns:a14="http://schemas.microsoft.com/office/drawing/2010/main" xmlns="" val="0"/>
               </a:ext>
             </a:extLst>
           </a:blip>
@@ -2747,14 +2754,14 @@
           </a:ln>
           <a:extLst>
             <a:ext uri="{909E8E84-426E-40DD-AFC4-6F175D3DCCD1}">
-              <a14:hiddenFill xmlns:a14="http://schemas.microsoft.com/office/drawing/2010/main">
+              <a14:hiddenFill xmlns:a14="http://schemas.microsoft.com/office/drawing/2010/main" xmlns="">
                 <a:solidFill>
                   <a:srgbClr val="FFFFFF"/>
                 </a:solidFill>
               </a14:hiddenFill>
             </a:ext>
             <a:ext uri="{91240B29-F687-4F45-9708-019B960494DF}">
-              <a14:hiddenLine xmlns:a14="http://schemas.microsoft.com/office/drawing/2010/main" w="9525">
+              <a14:hiddenLine xmlns:a14="http://schemas.microsoft.com/office/drawing/2010/main" xmlns="" w="9525">
                 <a:solidFill>
                   <a:srgbClr val="000000"/>
                 </a:solidFill>
@@ -2769,7 +2776,7 @@
     </p:spTree>
     <p:extLst>
       <p:ext uri="{BB962C8B-B14F-4D97-AF65-F5344CB8AC3E}">
-        <p14:creationId xmlns:p14="http://schemas.microsoft.com/office/powerpoint/2010/main" val="1781569390"/>
+        <p14:creationId xmlns:p14="http://schemas.microsoft.com/office/powerpoint/2010/main" xmlns="" val="1781569390"/>
       </p:ext>
     </p:extLst>
   </p:cSld>
@@ -2829,7 +2836,7 @@
           <p:cNvPr id="6146" name="Picture 2">
             <a:extLst>
               <a:ext uri="{FF2B5EF4-FFF2-40B4-BE49-F238E27FC236}">
-                <a16:creationId xmlns:a16="http://schemas.microsoft.com/office/drawing/2014/main" id="{556A2F80-2684-47F2-8981-F7DE44CA7C80}"/>
+                <a16:creationId xmlns:a16="http://schemas.microsoft.com/office/drawing/2014/main" xmlns="" id="{556A2F80-2684-47F2-8981-F7DE44CA7C80}"/>
               </a:ext>
             </a:extLst>
           </p:cNvPr>
@@ -2839,10 +2846,10 @@
           <p:nvPr/>
         </p:nvPicPr>
         <p:blipFill>
-          <a:blip r:embed="rId2">
+          <a:blip r:embed="rId2" cstate="print">
             <a:extLst>
               <a:ext uri="{28A0092B-C50C-407E-A947-70E740481C1C}">
-                <a14:useLocalDpi xmlns:a14="http://schemas.microsoft.com/office/drawing/2010/main" val="0"/>
+                <a14:useLocalDpi xmlns:a14="http://schemas.microsoft.com/office/drawing/2010/main" xmlns="" val="0"/>
               </a:ext>
             </a:extLst>
           </a:blip>
@@ -2865,14 +2872,14 @@
           </a:ln>
           <a:extLst>
             <a:ext uri="{909E8E84-426E-40DD-AFC4-6F175D3DCCD1}">
-              <a14:hiddenFill xmlns:a14="http://schemas.microsoft.com/office/drawing/2010/main">
+              <a14:hiddenFill xmlns:a14="http://schemas.microsoft.com/office/drawing/2010/main" xmlns="">
                 <a:solidFill>
                   <a:srgbClr val="FFFFFF"/>
                 </a:solidFill>
               </a14:hiddenFill>
             </a:ext>
             <a:ext uri="{91240B29-F687-4F45-9708-019B960494DF}">
-              <a14:hiddenLine xmlns:a14="http://schemas.microsoft.com/office/drawing/2010/main" w="9525">
+              <a14:hiddenLine xmlns:a14="http://schemas.microsoft.com/office/drawing/2010/main" xmlns="" w="9525">
                 <a:solidFill>
                   <a:srgbClr val="000000"/>
                 </a:solidFill>
@@ -2887,7 +2894,7 @@
     </p:spTree>
     <p:extLst>
       <p:ext uri="{BB962C8B-B14F-4D97-AF65-F5344CB8AC3E}">
-        <p14:creationId xmlns:p14="http://schemas.microsoft.com/office/powerpoint/2010/main" val="2106631967"/>
+        <p14:creationId xmlns:p14="http://schemas.microsoft.com/office/powerpoint/2010/main" xmlns="" val="2106631967"/>
       </p:ext>
     </p:extLst>
   </p:cSld>
@@ -2947,7 +2954,7 @@
           <p:cNvPr id="7170" name="Picture 2">
             <a:extLst>
               <a:ext uri="{FF2B5EF4-FFF2-40B4-BE49-F238E27FC236}">
-                <a16:creationId xmlns:a16="http://schemas.microsoft.com/office/drawing/2014/main" id="{6275A695-A03A-49D0-973C-4396A7F4314A}"/>
+                <a16:creationId xmlns:a16="http://schemas.microsoft.com/office/drawing/2014/main" xmlns="" id="{6275A695-A03A-49D0-973C-4396A7F4314A}"/>
               </a:ext>
             </a:extLst>
           </p:cNvPr>
@@ -2957,10 +2964,10 @@
           <p:nvPr/>
         </p:nvPicPr>
         <p:blipFill>
-          <a:blip r:embed="rId2">
+          <a:blip r:embed="rId2" cstate="print">
             <a:extLst>
               <a:ext uri="{28A0092B-C50C-407E-A947-70E740481C1C}">
-                <a14:useLocalDpi xmlns:a14="http://schemas.microsoft.com/office/drawing/2010/main" val="0"/>
+                <a14:useLocalDpi xmlns:a14="http://schemas.microsoft.com/office/drawing/2010/main" xmlns="" val="0"/>
               </a:ext>
             </a:extLst>
           </a:blip>
@@ -2983,14 +2990,14 @@
           </a:ln>
           <a:extLst>
             <a:ext uri="{909E8E84-426E-40DD-AFC4-6F175D3DCCD1}">
-              <a14:hiddenFill xmlns:a14="http://schemas.microsoft.com/office/drawing/2010/main">
+              <a14:hiddenFill xmlns:a14="http://schemas.microsoft.com/office/drawing/2010/main" xmlns="">
                 <a:solidFill>
                   <a:srgbClr val="FFFFFF"/>
                 </a:solidFill>
               </a14:hiddenFill>
             </a:ext>
             <a:ext uri="{91240B29-F687-4F45-9708-019B960494DF}">
-              <a14:hiddenLine xmlns:a14="http://schemas.microsoft.com/office/drawing/2010/main" w="9525">
+              <a14:hiddenLine xmlns:a14="http://schemas.microsoft.com/office/drawing/2010/main" xmlns="" w="9525">
                 <a:solidFill>
                   <a:srgbClr val="000000"/>
                 </a:solidFill>
@@ -3005,7 +3012,7 @@
     </p:spTree>
     <p:extLst>
       <p:ext uri="{BB962C8B-B14F-4D97-AF65-F5344CB8AC3E}">
-        <p14:creationId xmlns:p14="http://schemas.microsoft.com/office/powerpoint/2010/main" val="3902333468"/>
+        <p14:creationId xmlns:p14="http://schemas.microsoft.com/office/powerpoint/2010/main" xmlns="" val="3902333468"/>
       </p:ext>
     </p:extLst>
   </p:cSld>
@@ -3065,7 +3072,7 @@
           <p:cNvPr id="8194" name="Picture 2">
             <a:extLst>
               <a:ext uri="{FF2B5EF4-FFF2-40B4-BE49-F238E27FC236}">
-                <a16:creationId xmlns:a16="http://schemas.microsoft.com/office/drawing/2014/main" id="{BE3038CC-B9FD-49DA-BE5E-677673705C62}"/>
+                <a16:creationId xmlns:a16="http://schemas.microsoft.com/office/drawing/2014/main" xmlns="" id="{BE3038CC-B9FD-49DA-BE5E-677673705C62}"/>
               </a:ext>
             </a:extLst>
           </p:cNvPr>
@@ -3075,10 +3082,10 @@
           <p:nvPr/>
         </p:nvPicPr>
         <p:blipFill>
-          <a:blip r:embed="rId2">
+          <a:blip r:embed="rId2" cstate="print">
             <a:extLst>
               <a:ext uri="{28A0092B-C50C-407E-A947-70E740481C1C}">
-                <a14:useLocalDpi xmlns:a14="http://schemas.microsoft.com/office/drawing/2010/main" val="0"/>
+                <a14:useLocalDpi xmlns:a14="http://schemas.microsoft.com/office/drawing/2010/main" xmlns="" val="0"/>
               </a:ext>
             </a:extLst>
           </a:blip>
@@ -3101,14 +3108,14 @@
           </a:ln>
           <a:extLst>
             <a:ext uri="{909E8E84-426E-40DD-AFC4-6F175D3DCCD1}">
-              <a14:hiddenFill xmlns:a14="http://schemas.microsoft.com/office/drawing/2010/main">
+              <a14:hiddenFill xmlns:a14="http://schemas.microsoft.com/office/drawing/2010/main" xmlns="">
                 <a:solidFill>
                   <a:srgbClr val="FFFFFF"/>
                 </a:solidFill>
               </a14:hiddenFill>
             </a:ext>
             <a:ext uri="{91240B29-F687-4F45-9708-019B960494DF}">
-              <a14:hiddenLine xmlns:a14="http://schemas.microsoft.com/office/drawing/2010/main" w="9525">
+              <a14:hiddenLine xmlns:a14="http://schemas.microsoft.com/office/drawing/2010/main" xmlns="" w="9525">
                 <a:solidFill>
                   <a:srgbClr val="000000"/>
                 </a:solidFill>
@@ -3123,7 +3130,7 @@
     </p:spTree>
     <p:extLst>
       <p:ext uri="{BB962C8B-B14F-4D97-AF65-F5344CB8AC3E}">
-        <p14:creationId xmlns:p14="http://schemas.microsoft.com/office/powerpoint/2010/main" val="2672192145"/>
+        <p14:creationId xmlns:p14="http://schemas.microsoft.com/office/powerpoint/2010/main" xmlns="" val="2672192145"/>
       </p:ext>
     </p:extLst>
   </p:cSld>
@@ -3183,7 +3190,7 @@
           <p:cNvPr id="5123" name="Picture 3">
             <a:extLst>
               <a:ext uri="{FF2B5EF4-FFF2-40B4-BE49-F238E27FC236}">
-                <a16:creationId xmlns:a16="http://schemas.microsoft.com/office/drawing/2014/main" id="{7C997CB2-E61A-4434-B314-03D59FE8A94D}"/>
+                <a16:creationId xmlns:a16="http://schemas.microsoft.com/office/drawing/2014/main" xmlns="" id="{7C997CB2-E61A-4434-B314-03D59FE8A94D}"/>
               </a:ext>
             </a:extLst>
           </p:cNvPr>
@@ -3193,10 +3200,10 @@
           <p:nvPr/>
         </p:nvPicPr>
         <p:blipFill>
-          <a:blip r:embed="rId2">
+          <a:blip r:embed="rId2" cstate="print">
             <a:extLst>
               <a:ext uri="{28A0092B-C50C-407E-A947-70E740481C1C}">
-                <a14:useLocalDpi xmlns:a14="http://schemas.microsoft.com/office/drawing/2010/main" val="0"/>
+                <a14:useLocalDpi xmlns:a14="http://schemas.microsoft.com/office/drawing/2010/main" xmlns="" val="0"/>
               </a:ext>
             </a:extLst>
           </a:blip>
@@ -3219,14 +3226,14 @@
           </a:ln>
           <a:extLst>
             <a:ext uri="{909E8E84-426E-40DD-AFC4-6F175D3DCCD1}">
-              <a14:hiddenFill xmlns:a14="http://schemas.microsoft.com/office/drawing/2010/main">
+              <a14:hiddenFill xmlns:a14="http://schemas.microsoft.com/office/drawing/2010/main" xmlns="">
                 <a:solidFill>
                   <a:srgbClr val="FFFFFF"/>
                 </a:solidFill>
               </a14:hiddenFill>
             </a:ext>
             <a:ext uri="{91240B29-F687-4F45-9708-019B960494DF}">
-              <a14:hiddenLine xmlns:a14="http://schemas.microsoft.com/office/drawing/2010/main" w="9525">
+              <a14:hiddenLine xmlns:a14="http://schemas.microsoft.com/office/drawing/2010/main" xmlns="" w="9525">
                 <a:solidFill>
                   <a:srgbClr val="000000"/>
                 </a:solidFill>
@@ -3241,7 +3248,7 @@
     </p:spTree>
     <p:extLst>
       <p:ext uri="{BB962C8B-B14F-4D97-AF65-F5344CB8AC3E}">
-        <p14:creationId xmlns:p14="http://schemas.microsoft.com/office/powerpoint/2010/main" val="395963370"/>
+        <p14:creationId xmlns:p14="http://schemas.microsoft.com/office/powerpoint/2010/main" xmlns="" val="395963370"/>
       </p:ext>
     </p:extLst>
   </p:cSld>
@@ -3301,7 +3308,7 @@
           <p:cNvPr id="9218" name="Picture 2">
             <a:extLst>
               <a:ext uri="{FF2B5EF4-FFF2-40B4-BE49-F238E27FC236}">
-                <a16:creationId xmlns:a16="http://schemas.microsoft.com/office/drawing/2014/main" id="{A17F7154-A810-45FB-BD82-9A98CA259559}"/>
+                <a16:creationId xmlns:a16="http://schemas.microsoft.com/office/drawing/2014/main" xmlns="" id="{A17F7154-A810-45FB-BD82-9A98CA259559}"/>
               </a:ext>
             </a:extLst>
           </p:cNvPr>
@@ -3311,10 +3318,10 @@
           <p:nvPr/>
         </p:nvPicPr>
         <p:blipFill>
-          <a:blip r:embed="rId2">
+          <a:blip r:embed="rId2" cstate="print">
             <a:extLst>
               <a:ext uri="{28A0092B-C50C-407E-A947-70E740481C1C}">
-                <a14:useLocalDpi xmlns:a14="http://schemas.microsoft.com/office/drawing/2010/main" val="0"/>
+                <a14:useLocalDpi xmlns:a14="http://schemas.microsoft.com/office/drawing/2010/main" xmlns="" val="0"/>
               </a:ext>
             </a:extLst>
           </a:blip>
@@ -3337,14 +3344,14 @@
           </a:ln>
           <a:extLst>
             <a:ext uri="{909E8E84-426E-40DD-AFC4-6F175D3DCCD1}">
-              <a14:hiddenFill xmlns:a14="http://schemas.microsoft.com/office/drawing/2010/main">
+              <a14:hiddenFill xmlns:a14="http://schemas.microsoft.com/office/drawing/2010/main" xmlns="">
                 <a:solidFill>
                   <a:srgbClr val="FFFFFF"/>
                 </a:solidFill>
               </a14:hiddenFill>
             </a:ext>
             <a:ext uri="{91240B29-F687-4F45-9708-019B960494DF}">
-              <a14:hiddenLine xmlns:a14="http://schemas.microsoft.com/office/drawing/2010/main" w="9525">
+              <a14:hiddenLine xmlns:a14="http://schemas.microsoft.com/office/drawing/2010/main" xmlns="" w="9525">
                 <a:solidFill>
                   <a:srgbClr val="000000"/>
                 </a:solidFill>
@@ -3359,7 +3366,7 @@
     </p:spTree>
     <p:extLst>
       <p:ext uri="{BB962C8B-B14F-4D97-AF65-F5344CB8AC3E}">
-        <p14:creationId xmlns:p14="http://schemas.microsoft.com/office/powerpoint/2010/main" val="168637805"/>
+        <p14:creationId xmlns:p14="http://schemas.microsoft.com/office/powerpoint/2010/main" xmlns="" val="168637805"/>
       </p:ext>
     </p:extLst>
   </p:cSld>
@@ -3419,7 +3426,7 @@
           <p:cNvPr id="10242" name="Picture 2">
             <a:extLst>
               <a:ext uri="{FF2B5EF4-FFF2-40B4-BE49-F238E27FC236}">
-                <a16:creationId xmlns:a16="http://schemas.microsoft.com/office/drawing/2014/main" id="{1FC76A72-578F-4ECB-96DA-A5AEF6084358}"/>
+                <a16:creationId xmlns:a16="http://schemas.microsoft.com/office/drawing/2014/main" xmlns="" id="{1FC76A72-578F-4ECB-96DA-A5AEF6084358}"/>
               </a:ext>
             </a:extLst>
           </p:cNvPr>
@@ -3429,10 +3436,10 @@
           <p:nvPr/>
         </p:nvPicPr>
         <p:blipFill>
-          <a:blip r:embed="rId2">
+          <a:blip r:embed="rId2" cstate="print">
             <a:extLst>
               <a:ext uri="{28A0092B-C50C-407E-A947-70E740481C1C}">
-                <a14:useLocalDpi xmlns:a14="http://schemas.microsoft.com/office/drawing/2010/main" val="0"/>
+                <a14:useLocalDpi xmlns:a14="http://schemas.microsoft.com/office/drawing/2010/main" xmlns="" val="0"/>
               </a:ext>
             </a:extLst>
           </a:blip>
@@ -3455,14 +3462,14 @@
           </a:ln>
           <a:extLst>
             <a:ext uri="{909E8E84-426E-40DD-AFC4-6F175D3DCCD1}">
-              <a14:hiddenFill xmlns:a14="http://schemas.microsoft.com/office/drawing/2010/main">
+              <a14:hiddenFill xmlns:a14="http://schemas.microsoft.com/office/drawing/2010/main" xmlns="">
                 <a:solidFill>
                   <a:srgbClr val="FFFFFF"/>
                 </a:solidFill>
               </a14:hiddenFill>
             </a:ext>
             <a:ext uri="{91240B29-F687-4F45-9708-019B960494DF}">
-              <a14:hiddenLine xmlns:a14="http://schemas.microsoft.com/office/drawing/2010/main" w="9525">
+              <a14:hiddenLine xmlns:a14="http://schemas.microsoft.com/office/drawing/2010/main" xmlns="" w="9525">
                 <a:solidFill>
                   <a:srgbClr val="000000"/>
                 </a:solidFill>
@@ -3477,7 +3484,7 @@
     </p:spTree>
     <p:extLst>
       <p:ext uri="{BB962C8B-B14F-4D97-AF65-F5344CB8AC3E}">
-        <p14:creationId xmlns:p14="http://schemas.microsoft.com/office/powerpoint/2010/main" val="4087995979"/>
+        <p14:creationId xmlns:p14="http://schemas.microsoft.com/office/powerpoint/2010/main" xmlns="" val="4087995979"/>
       </p:ext>
     </p:extLst>
   </p:cSld>
@@ -3580,14 +3587,14 @@
             </a:ln>
             <a:extLst>
               <a:ext uri="{909E8E84-426E-40DD-AFC4-6F175D3DCCD1}">
-                <a14:hiddenFill xmlns:a14="http://schemas.microsoft.com/office/drawing/2010/main">
+                <a14:hiddenFill xmlns:a14="http://schemas.microsoft.com/office/drawing/2010/main" xmlns="">
                   <a:solidFill>
                     <a:srgbClr val="FFFFFF"/>
                   </a:solidFill>
                 </a14:hiddenFill>
               </a:ext>
               <a:ext uri="{91240B29-F687-4F45-9708-019B960494DF}">
-                <a14:hiddenLine xmlns:a14="http://schemas.microsoft.com/office/drawing/2010/main" w="9525">
+                <a14:hiddenLine xmlns:a14="http://schemas.microsoft.com/office/drawing/2010/main" xmlns="" w="9525">
                   <a:solidFill>
                     <a:srgbClr val="000000"/>
                   </a:solidFill>
@@ -3737,14 +3744,14 @@
             </a:ln>
             <a:extLst>
               <a:ext uri="{909E8E84-426E-40DD-AFC4-6F175D3DCCD1}">
-                <a14:hiddenFill xmlns:a14="http://schemas.microsoft.com/office/drawing/2010/main">
+                <a14:hiddenFill xmlns:a14="http://schemas.microsoft.com/office/drawing/2010/main" xmlns="">
                   <a:solidFill>
                     <a:srgbClr val="FFFFFF"/>
                   </a:solidFill>
                 </a14:hiddenFill>
               </a:ext>
               <a:ext uri="{91240B29-F687-4F45-9708-019B960494DF}">
-                <a14:hiddenLine xmlns:a14="http://schemas.microsoft.com/office/drawing/2010/main" w="9525">
+                <a14:hiddenLine xmlns:a14="http://schemas.microsoft.com/office/drawing/2010/main" xmlns="" w="9525">
                   <a:solidFill>
                     <a:srgbClr val="000000"/>
                   </a:solidFill>
@@ -3989,7 +3996,7 @@
     </p:spTree>
     <p:extLst>
       <p:ext uri="{BB962C8B-B14F-4D97-AF65-F5344CB8AC3E}">
-        <p14:creationId xmlns:p14="http://schemas.microsoft.com/office/powerpoint/2010/main" val="2005090747"/>
+        <p14:creationId xmlns:p14="http://schemas.microsoft.com/office/powerpoint/2010/main" xmlns="" val="2005090747"/>
       </p:ext>
     </p:extLst>
   </p:cSld>
@@ -4003,6 +4010,1425 @@
 </file>
 
 <file path=ppt/slides/slide18.xml><?xml version="1.0" encoding="utf-8"?>
+<p:sld xmlns:a="http://schemas.openxmlformats.org/drawingml/2006/main" xmlns:r="http://schemas.openxmlformats.org/officeDocument/2006/relationships" xmlns:p="http://schemas.openxmlformats.org/presentationml/2006/main">
+  <p:cSld>
+    <p:spTree>
+      <p:nvGrpSpPr>
+        <p:cNvPr id="1" name=""/>
+        <p:cNvGrpSpPr/>
+        <p:nvPr/>
+      </p:nvGrpSpPr>
+      <p:grpSpPr>
+        <a:xfrm>
+          <a:off x="0" y="0"/>
+          <a:ext cx="0" cy="0"/>
+          <a:chOff x="0" y="0"/>
+          <a:chExt cx="0" cy="0"/>
+        </a:xfrm>
+      </p:grpSpPr>
+      <p:sp>
+        <p:nvSpPr>
+          <p:cNvPr id="4" name="Título 3"/>
+          <p:cNvSpPr>
+            <a:spLocks noGrp="1"/>
+          </p:cNvSpPr>
+          <p:nvPr>
+            <p:ph type="title"/>
+          </p:nvPr>
+        </p:nvSpPr>
+        <p:spPr/>
+        <p:txBody>
+          <a:bodyPr/>
+          <a:lstStyle/>
+          <a:p>
+            <a:pPr eaLnBrk="1" hangingPunct="1">
+              <a:defRPr/>
+            </a:pPr>
+            <a:r>
+              <a:rPr lang="pt-BR" dirty="0"/>
+              <a:t>MODULO </a:t>
+            </a:r>
+            <a:r>
+              <a:rPr lang="pt-BR" dirty="0" smtClean="0"/>
+              <a:t>AGENDA</a:t>
+            </a:r>
+            <a:endParaRPr lang="pt-BR" dirty="0"/>
+          </a:p>
+        </p:txBody>
+      </p:sp>
+      <p:sp>
+        <p:nvSpPr>
+          <p:cNvPr id="21507" name="Espaço Reservado para Conteúdo 4"/>
+          <p:cNvSpPr>
+            <a:spLocks noGrp="1"/>
+          </p:cNvSpPr>
+          <p:nvPr>
+            <p:ph idx="1"/>
+          </p:nvPr>
+        </p:nvSpPr>
+        <p:spPr bwMode="auto">
+          <a:xfrm>
+            <a:off x="179512" y="1340768"/>
+            <a:ext cx="8785225" cy="5328592"/>
+          </a:xfrm>
+          <a:extLst>
+            <a:ext uri="{909E8E84-426E-40DD-AFC4-6F175D3DCCD1}">
+              <a14:hiddenFill xmlns:a14="http://schemas.microsoft.com/office/drawing/2010/main" xmlns="">
+                <a:solidFill>
+                  <a:srgbClr val="FFFFFF"/>
+                </a:solidFill>
+              </a14:hiddenFill>
+            </a:ext>
+            <a:ext uri="{91240B29-F687-4F45-9708-019B960494DF}">
+              <a14:hiddenLine xmlns:a14="http://schemas.microsoft.com/office/drawing/2010/main" xmlns="" w="9525">
+                <a:solidFill>
+                  <a:srgbClr val="000000"/>
+                </a:solidFill>
+                <a:miter lim="800000"/>
+                <a:headEnd/>
+                <a:tailEnd/>
+              </a14:hiddenLine>
+            </a:ext>
+          </a:extLst>
+        </p:spPr>
+        <p:txBody>
+          <a:bodyPr vert="horz" wrap="square" lIns="91440" tIns="45720" rIns="91440" bIns="45720" numCol="1" anchor="t" anchorCtr="0" compatLnSpc="1">
+            <a:prstTxWarp prst="textNoShape">
+              <a:avLst/>
+            </a:prstTxWarp>
+          </a:bodyPr>
+          <a:lstStyle/>
+          <a:p>
+            <a:pPr algn="just" eaLnBrk="1" hangingPunct="1">
+              <a:buFont typeface="Arial" panose="020B0604020202020204" pitchFamily="34" charset="0"/>
+              <a:buChar char="•"/>
+              <a:defRPr/>
+            </a:pPr>
+            <a:r>
+              <a:rPr lang="pt-BR" sz="2000" dirty="0" smtClean="0">
+                <a:solidFill>
+                  <a:schemeClr val="tx2">
+                    <a:lumMod val="75000"/>
+                  </a:schemeClr>
+                </a:solidFill>
+              </a:rPr>
+              <a:t>Consultar agenda</a:t>
+            </a:r>
+            <a:endParaRPr lang="pt-BR" sz="2000" dirty="0">
+              <a:solidFill>
+                <a:schemeClr val="tx2">
+                  <a:lumMod val="75000"/>
+                </a:schemeClr>
+              </a:solidFill>
+            </a:endParaRPr>
+          </a:p>
+          <a:p>
+            <a:pPr lvl="1" algn="just" eaLnBrk="1" hangingPunct="1">
+              <a:buFont typeface="Arial" panose="020B0604020202020204" pitchFamily="34" charset="0"/>
+              <a:buChar char="•"/>
+              <a:defRPr/>
+            </a:pPr>
+            <a:r>
+              <a:rPr lang="pt-BR" sz="1800" dirty="0" smtClean="0">
+                <a:solidFill>
+                  <a:schemeClr val="tx2">
+                    <a:lumMod val="75000"/>
+                  </a:schemeClr>
+                </a:solidFill>
+              </a:rPr>
+              <a:t>Consulta de agendamentos realizados e dias e horários disponíveis para novos agendamentos.</a:t>
+            </a:r>
+            <a:endParaRPr lang="pt-BR" sz="1800" dirty="0">
+              <a:solidFill>
+                <a:schemeClr val="tx2">
+                  <a:lumMod val="75000"/>
+                </a:schemeClr>
+              </a:solidFill>
+            </a:endParaRPr>
+          </a:p>
+          <a:p>
+            <a:pPr algn="just" eaLnBrk="1" hangingPunct="1">
+              <a:buFont typeface="Arial" panose="020B0604020202020204" pitchFamily="34" charset="0"/>
+              <a:buChar char="•"/>
+              <a:defRPr/>
+            </a:pPr>
+            <a:r>
+              <a:rPr lang="pt-BR" sz="2000" dirty="0" smtClean="0">
+                <a:solidFill>
+                  <a:schemeClr val="tx2">
+                    <a:lumMod val="75000"/>
+                  </a:schemeClr>
+                </a:solidFill>
+              </a:rPr>
+              <a:t>Agendar</a:t>
+            </a:r>
+            <a:endParaRPr lang="pt-BR" sz="2000" dirty="0">
+              <a:solidFill>
+                <a:schemeClr val="tx2">
+                  <a:lumMod val="75000"/>
+                </a:schemeClr>
+              </a:solidFill>
+            </a:endParaRPr>
+          </a:p>
+          <a:p>
+            <a:pPr lvl="1" algn="just" eaLnBrk="1" hangingPunct="1">
+              <a:buFont typeface="Arial" panose="020B0604020202020204" pitchFamily="34" charset="0"/>
+              <a:buChar char="•"/>
+              <a:defRPr/>
+            </a:pPr>
+            <a:r>
+              <a:rPr lang="pt-BR" sz="1800" dirty="0" smtClean="0">
+                <a:solidFill>
+                  <a:schemeClr val="tx2">
+                    <a:lumMod val="75000"/>
+                  </a:schemeClr>
+                </a:solidFill>
+              </a:rPr>
+              <a:t>Agendamento de serviços disponibilizados pela clinica.</a:t>
+            </a:r>
+            <a:endParaRPr lang="pt-BR" sz="1800" dirty="0">
+              <a:solidFill>
+                <a:schemeClr val="tx2">
+                  <a:lumMod val="75000"/>
+                </a:schemeClr>
+              </a:solidFill>
+            </a:endParaRPr>
+          </a:p>
+          <a:p>
+            <a:pPr algn="just" eaLnBrk="1" hangingPunct="1">
+              <a:buFont typeface="Arial" panose="020B0604020202020204" pitchFamily="34" charset="0"/>
+              <a:buChar char="•"/>
+              <a:defRPr/>
+            </a:pPr>
+            <a:r>
+              <a:rPr lang="pt-BR" sz="2000" dirty="0" smtClean="0">
+                <a:solidFill>
+                  <a:schemeClr val="tx2">
+                    <a:lumMod val="75000"/>
+                  </a:schemeClr>
+                </a:solidFill>
+              </a:rPr>
+              <a:t>Alterar agendamento</a:t>
+            </a:r>
+          </a:p>
+          <a:p>
+            <a:pPr lvl="1" algn="just" eaLnBrk="1" hangingPunct="1">
+              <a:buFont typeface="Arial" panose="020B0604020202020204" pitchFamily="34" charset="0"/>
+              <a:buChar char="•"/>
+              <a:defRPr/>
+            </a:pPr>
+            <a:r>
+              <a:rPr lang="pt-BR" sz="1800" dirty="0" smtClean="0">
+                <a:solidFill>
+                  <a:schemeClr val="tx2">
+                    <a:lumMod val="75000"/>
+                  </a:schemeClr>
+                </a:solidFill>
+              </a:rPr>
+              <a:t>Alterar serviços, datas e horários previamente agendados, com possível geração de cobrança para alterações com menos de 24 horas de antecedência para a realização do serviço.</a:t>
+            </a:r>
+            <a:endParaRPr lang="pt-BR" sz="1800" dirty="0" smtClean="0">
+              <a:solidFill>
+                <a:schemeClr val="tx2">
+                  <a:lumMod val="75000"/>
+                </a:schemeClr>
+              </a:solidFill>
+            </a:endParaRPr>
+          </a:p>
+          <a:p>
+            <a:pPr algn="just" eaLnBrk="1" hangingPunct="1">
+              <a:buFont typeface="Arial" panose="020B0604020202020204" pitchFamily="34" charset="0"/>
+              <a:buChar char="•"/>
+              <a:defRPr/>
+            </a:pPr>
+            <a:r>
+              <a:rPr lang="pt-BR" sz="2000" dirty="0" smtClean="0">
+                <a:solidFill>
+                  <a:schemeClr val="tx2">
+                    <a:lumMod val="75000"/>
+                  </a:schemeClr>
+                </a:solidFill>
+              </a:rPr>
+              <a:t>Cancelar Agendamento</a:t>
+            </a:r>
+          </a:p>
+          <a:p>
+            <a:pPr lvl="1" algn="just" eaLnBrk="1" hangingPunct="1">
+              <a:buFont typeface="Arial" panose="020B0604020202020204" pitchFamily="34" charset="0"/>
+              <a:buChar char="•"/>
+              <a:defRPr/>
+            </a:pPr>
+            <a:r>
+              <a:rPr lang="pt-BR" sz="1800" dirty="0" smtClean="0">
+                <a:solidFill>
+                  <a:schemeClr val="tx2">
+                    <a:lumMod val="75000"/>
+                  </a:schemeClr>
+                </a:solidFill>
+              </a:rPr>
+              <a:t>Cancelamento de agendamentos, com </a:t>
+            </a:r>
+            <a:r>
+              <a:rPr lang="pt-BR" sz="1800" dirty="0" smtClean="0">
+                <a:solidFill>
+                  <a:schemeClr val="tx2">
+                    <a:lumMod val="75000"/>
+                  </a:schemeClr>
+                </a:solidFill>
+              </a:rPr>
+              <a:t>possível geração de cobrança para </a:t>
+            </a:r>
+            <a:r>
+              <a:rPr lang="pt-BR" sz="1800" dirty="0" smtClean="0">
+                <a:solidFill>
+                  <a:schemeClr val="tx2">
+                    <a:lumMod val="75000"/>
+                  </a:schemeClr>
+                </a:solidFill>
+              </a:rPr>
+              <a:t>cancelamentos com </a:t>
+            </a:r>
+            <a:r>
+              <a:rPr lang="pt-BR" sz="1800" dirty="0" smtClean="0">
+                <a:solidFill>
+                  <a:schemeClr val="tx2">
+                    <a:lumMod val="75000"/>
+                  </a:schemeClr>
+                </a:solidFill>
+              </a:rPr>
+              <a:t>menos de 24 horas de antecedência para a realização do serviço.</a:t>
+            </a:r>
+            <a:endParaRPr lang="pt-BR" sz="1800" dirty="0" smtClean="0">
+              <a:solidFill>
+                <a:schemeClr val="tx2">
+                  <a:lumMod val="75000"/>
+                </a:schemeClr>
+              </a:solidFill>
+            </a:endParaRPr>
+          </a:p>
+          <a:p>
+            <a:pPr algn="just" eaLnBrk="1" hangingPunct="1">
+              <a:buFont typeface="Arial" panose="020B0604020202020204" pitchFamily="34" charset="0"/>
+              <a:buChar char="•"/>
+              <a:defRPr/>
+            </a:pPr>
+            <a:r>
+              <a:rPr lang="pt-BR" sz="2000" dirty="0" smtClean="0">
+                <a:solidFill>
+                  <a:schemeClr val="tx2">
+                    <a:lumMod val="75000"/>
+                  </a:schemeClr>
+                </a:solidFill>
+              </a:rPr>
+              <a:t>Confirmar agendamento</a:t>
+            </a:r>
+            <a:endParaRPr lang="pt-BR" sz="2000" dirty="0">
+              <a:solidFill>
+                <a:schemeClr val="tx2">
+                  <a:lumMod val="75000"/>
+                </a:schemeClr>
+              </a:solidFill>
+            </a:endParaRPr>
+          </a:p>
+          <a:p>
+            <a:pPr lvl="1" algn="just" eaLnBrk="1" hangingPunct="1">
+              <a:buFont typeface="Arial" panose="020B0604020202020204" pitchFamily="34" charset="0"/>
+              <a:buChar char="•"/>
+              <a:defRPr/>
+            </a:pPr>
+            <a:r>
+              <a:rPr lang="pt-BR" sz="1800" dirty="0" smtClean="0">
+                <a:solidFill>
+                  <a:schemeClr val="tx2">
+                    <a:lumMod val="75000"/>
+                  </a:schemeClr>
+                </a:solidFill>
+              </a:rPr>
+              <a:t>Confirmação </a:t>
+            </a:r>
+            <a:r>
+              <a:rPr lang="pt-BR" sz="1800" dirty="0" smtClean="0">
+                <a:solidFill>
+                  <a:schemeClr val="tx2">
+                    <a:lumMod val="75000"/>
+                  </a:schemeClr>
+                </a:solidFill>
+              </a:rPr>
+              <a:t>de agendamentos com possível geração de cobrança para </a:t>
+            </a:r>
+            <a:r>
+              <a:rPr lang="pt-BR" sz="1800" dirty="0" smtClean="0">
+                <a:solidFill>
+                  <a:schemeClr val="tx2">
+                    <a:lumMod val="75000"/>
+                  </a:schemeClr>
+                </a:solidFill>
+              </a:rPr>
+              <a:t>confirmações com </a:t>
+            </a:r>
+            <a:r>
+              <a:rPr lang="pt-BR" sz="1800" dirty="0" smtClean="0">
+                <a:solidFill>
+                  <a:schemeClr val="tx2">
+                    <a:lumMod val="75000"/>
+                  </a:schemeClr>
+                </a:solidFill>
+              </a:rPr>
+              <a:t>menos de 24 horas de antecedência para a realização do serviço.</a:t>
+            </a:r>
+            <a:endParaRPr lang="pt-BR" sz="1800" dirty="0">
+              <a:solidFill>
+                <a:schemeClr val="tx2">
+                  <a:lumMod val="75000"/>
+                </a:schemeClr>
+              </a:solidFill>
+            </a:endParaRPr>
+          </a:p>
+          <a:p>
+            <a:pPr marL="0" indent="0" algn="ctr" eaLnBrk="1" hangingPunct="1">
+              <a:buFont typeface="Arial" panose="020B0604020202020204" pitchFamily="34" charset="0"/>
+              <a:buNone/>
+              <a:defRPr/>
+            </a:pPr>
+            <a:endParaRPr lang="pt-BR" sz="2000" dirty="0">
+              <a:solidFill>
+                <a:schemeClr val="tx2">
+                  <a:lumMod val="75000"/>
+                </a:schemeClr>
+              </a:solidFill>
+            </a:endParaRPr>
+          </a:p>
+          <a:p>
+            <a:pPr marL="0" indent="0" algn="ctr" eaLnBrk="1" hangingPunct="1">
+              <a:buFont typeface="Arial" panose="020B0604020202020204" pitchFamily="34" charset="0"/>
+              <a:buNone/>
+              <a:defRPr/>
+            </a:pPr>
+            <a:endParaRPr lang="pt-BR" sz="2000" dirty="0"/>
+          </a:p>
+          <a:p>
+            <a:pPr algn="just" eaLnBrk="1" hangingPunct="1">
+              <a:buFont typeface="Arial" panose="020B0604020202020204" pitchFamily="34" charset="0"/>
+              <a:buChar char="•"/>
+              <a:defRPr/>
+            </a:pPr>
+            <a:endParaRPr lang="pt-BR" sz="2000" dirty="0"/>
+          </a:p>
+        </p:txBody>
+      </p:sp>
+    </p:spTree>
+  </p:cSld>
+  <p:clrMapOvr>
+    <a:masterClrMapping/>
+  </p:clrMapOvr>
+  <p:transition spd="med">
+    <p:fade/>
+  </p:transition>
+</p:sld>
+</file>
+
+<file path=ppt/slides/slide19.xml><?xml version="1.0" encoding="utf-8"?>
+<p:sld xmlns:a="http://schemas.openxmlformats.org/drawingml/2006/main" xmlns:r="http://schemas.openxmlformats.org/officeDocument/2006/relationships" xmlns:p="http://schemas.openxmlformats.org/presentationml/2006/main">
+  <p:cSld>
+    <p:spTree>
+      <p:nvGrpSpPr>
+        <p:cNvPr id="1" name=""/>
+        <p:cNvGrpSpPr/>
+        <p:nvPr/>
+      </p:nvGrpSpPr>
+      <p:grpSpPr>
+        <a:xfrm>
+          <a:off x="0" y="0"/>
+          <a:ext cx="0" cy="0"/>
+          <a:chOff x="0" y="0"/>
+          <a:chExt cx="0" cy="0"/>
+        </a:xfrm>
+      </p:grpSpPr>
+      <p:pic>
+        <p:nvPicPr>
+          <p:cNvPr id="1026" name="Picture 2" descr="Realizar Agendamento de Consulta"/>
+          <p:cNvPicPr>
+            <a:picLocks noChangeAspect="1" noChangeArrowheads="1"/>
+          </p:cNvPicPr>
+          <p:nvPr/>
+        </p:nvPicPr>
+        <p:blipFill>
+          <a:blip r:embed="rId2" cstate="print">
+            <a:lum bright="10000"/>
+          </a:blip>
+          <a:srcRect/>
+          <a:stretch>
+            <a:fillRect/>
+          </a:stretch>
+        </p:blipFill>
+        <p:spPr bwMode="auto">
+          <a:xfrm>
+            <a:off x="611560" y="1484783"/>
+            <a:ext cx="8064896" cy="4938961"/>
+          </a:xfrm>
+          <a:prstGeom prst="rect">
+            <a:avLst/>
+          </a:prstGeom>
+          <a:noFill/>
+          <a:ln w="9525">
+            <a:noFill/>
+            <a:miter lim="800000"/>
+            <a:headEnd/>
+            <a:tailEnd/>
+          </a:ln>
+        </p:spPr>
+      </p:pic>
+      <p:sp>
+        <p:nvSpPr>
+          <p:cNvPr id="5" name="Título 3"/>
+          <p:cNvSpPr>
+            <a:spLocks noGrp="1"/>
+          </p:cNvSpPr>
+          <p:nvPr>
+            <p:ph type="title"/>
+          </p:nvPr>
+        </p:nvSpPr>
+        <p:spPr>
+          <a:xfrm>
+            <a:off x="166688" y="260350"/>
+            <a:ext cx="8797925" cy="922338"/>
+          </a:xfrm>
+        </p:spPr>
+        <p:txBody>
+          <a:bodyPr/>
+          <a:lstStyle/>
+          <a:p>
+            <a:pPr eaLnBrk="1" hangingPunct="1">
+              <a:defRPr/>
+            </a:pPr>
+            <a:r>
+              <a:rPr lang="pt-BR" dirty="0"/>
+              <a:t>MODULO </a:t>
+            </a:r>
+            <a:r>
+              <a:rPr lang="pt-BR" dirty="0" smtClean="0"/>
+              <a:t>AGENDA</a:t>
+            </a:r>
+            <a:endParaRPr lang="pt-BR" dirty="0"/>
+          </a:p>
+        </p:txBody>
+      </p:sp>
+    </p:spTree>
+  </p:cSld>
+  <p:clrMapOvr>
+    <a:masterClrMapping/>
+  </p:clrMapOvr>
+</p:sld>
+</file>
+
+<file path=ppt/slides/slide2.xml><?xml version="1.0" encoding="utf-8"?>
+<p:sld xmlns:a="http://schemas.openxmlformats.org/drawingml/2006/main" xmlns:r="http://schemas.openxmlformats.org/officeDocument/2006/relationships" xmlns:p="http://schemas.openxmlformats.org/presentationml/2006/main">
+  <p:cSld>
+    <p:spTree>
+      <p:nvGrpSpPr>
+        <p:cNvPr id="1" name=""/>
+        <p:cNvGrpSpPr/>
+        <p:nvPr/>
+      </p:nvGrpSpPr>
+      <p:grpSpPr>
+        <a:xfrm>
+          <a:off x="0" y="0"/>
+          <a:ext cx="0" cy="0"/>
+          <a:chOff x="0" y="0"/>
+          <a:chExt cx="0" cy="0"/>
+        </a:xfrm>
+      </p:grpSpPr>
+      <p:sp>
+        <p:nvSpPr>
+          <p:cNvPr id="4" name="Título 3"/>
+          <p:cNvSpPr>
+            <a:spLocks noGrp="1"/>
+          </p:cNvSpPr>
+          <p:nvPr>
+            <p:ph type="title"/>
+          </p:nvPr>
+        </p:nvSpPr>
+        <p:spPr/>
+        <p:txBody>
+          <a:bodyPr/>
+          <a:lstStyle/>
+          <a:p>
+            <a:pPr eaLnBrk="1" hangingPunct="1">
+              <a:defRPr/>
+            </a:pPr>
+            <a:r>
+              <a:rPr lang="pt-BR" dirty="0"/>
+              <a:t>Introdução Negócio</a:t>
+            </a:r>
+          </a:p>
+        </p:txBody>
+      </p:sp>
+      <p:sp>
+        <p:nvSpPr>
+          <p:cNvPr id="6" name="Rectangle 5">
+            <a:extLst>
+              <a:ext uri="{FF2B5EF4-FFF2-40B4-BE49-F238E27FC236}">
+                <a16:creationId xmlns:a16="http://schemas.microsoft.com/office/drawing/2014/main" xmlns="" id="{4D05B3A1-B0A5-41E6-851D-8FE05033C664}"/>
+              </a:ext>
+            </a:extLst>
+          </p:cNvPr>
+          <p:cNvSpPr>
+            <a:spLocks noGrp="1" noChangeArrowheads="1"/>
+          </p:cNvSpPr>
+          <p:nvPr/>
+        </p:nvSpPr>
+        <p:spPr bwMode="auto">
+          <a:xfrm>
+            <a:off x="179388" y="1484784"/>
+            <a:ext cx="8785225" cy="4751387"/>
+          </a:xfrm>
+          <a:prstGeom prst="rect">
+            <a:avLst/>
+          </a:prstGeom>
+          <a:extLst>
+            <a:ext uri="{909E8E84-426E-40DD-AFC4-6F175D3DCCD1}">
+              <a14:hiddenFill xmlns:a14="http://schemas.microsoft.com/office/drawing/2010/main" xmlns="">
+                <a:solidFill>
+                  <a:srgbClr val="FFFFFF"/>
+                </a:solidFill>
+              </a14:hiddenFill>
+            </a:ext>
+            <a:ext uri="{91240B29-F687-4F45-9708-019B960494DF}">
+              <a14:hiddenLine xmlns:a14="http://schemas.microsoft.com/office/drawing/2010/main" xmlns="" w="9525">
+                <a:solidFill>
+                  <a:srgbClr val="000000"/>
+                </a:solidFill>
+                <a:miter lim="800000"/>
+                <a:headEnd/>
+                <a:tailEnd/>
+              </a14:hiddenLine>
+            </a:ext>
+          </a:extLst>
+        </p:spPr>
+        <p:txBody>
+          <a:bodyPr vert="horz" wrap="square" lIns="91440" tIns="45720" rIns="91440" bIns="45720" numCol="1" anchor="t" anchorCtr="0" compatLnSpc="1">
+            <a:prstTxWarp prst="textNoShape">
+              <a:avLst/>
+            </a:prstTxWarp>
+          </a:bodyPr>
+          <a:lstStyle>
+            <a:lvl1pPr marL="342900" indent="-342900" algn="l" rtl="0" eaLnBrk="0" fontAlgn="base" hangingPunct="0">
+              <a:spcBef>
+                <a:spcPct val="20000"/>
+              </a:spcBef>
+              <a:spcAft>
+                <a:spcPct val="0"/>
+              </a:spcAft>
+              <a:buFont typeface="Arial" panose="020B0604020202020204" pitchFamily="34" charset="0"/>
+              <a:buChar char="•"/>
+              <a:defRPr sz="2800" kern="1200">
+                <a:solidFill>
+                  <a:schemeClr val="tx2"/>
+                </a:solidFill>
+                <a:latin typeface="+mn-lt"/>
+                <a:ea typeface="+mn-ea"/>
+                <a:cs typeface="+mn-cs"/>
+              </a:defRPr>
+            </a:lvl1pPr>
+            <a:lvl2pPr marL="742950" indent="-285750" algn="l" rtl="0" eaLnBrk="0" fontAlgn="base" hangingPunct="0">
+              <a:spcBef>
+                <a:spcPct val="20000"/>
+              </a:spcBef>
+              <a:spcAft>
+                <a:spcPct val="0"/>
+              </a:spcAft>
+              <a:buFont typeface="Arial" panose="020B0604020202020204" pitchFamily="34" charset="0"/>
+              <a:buChar char="–"/>
+              <a:defRPr sz="2400" kern="1200">
+                <a:solidFill>
+                  <a:schemeClr val="tx2"/>
+                </a:solidFill>
+                <a:latin typeface="+mn-lt"/>
+                <a:ea typeface="+mn-ea"/>
+                <a:cs typeface="+mn-cs"/>
+              </a:defRPr>
+            </a:lvl2pPr>
+            <a:lvl3pPr marL="1143000" indent="-228600" algn="l" rtl="0" eaLnBrk="0" fontAlgn="base" hangingPunct="0">
+              <a:spcBef>
+                <a:spcPct val="20000"/>
+              </a:spcBef>
+              <a:spcAft>
+                <a:spcPct val="0"/>
+              </a:spcAft>
+              <a:buFont typeface="Arial" panose="020B0604020202020204" pitchFamily="34" charset="0"/>
+              <a:buChar char="•"/>
+              <a:defRPr sz="2000" kern="1200">
+                <a:solidFill>
+                  <a:schemeClr val="tx2"/>
+                </a:solidFill>
+                <a:latin typeface="+mn-lt"/>
+                <a:ea typeface="+mn-ea"/>
+                <a:cs typeface="+mn-cs"/>
+              </a:defRPr>
+            </a:lvl3pPr>
+            <a:lvl4pPr marL="1600200" indent="-228600" algn="l" rtl="0" eaLnBrk="0" fontAlgn="base" hangingPunct="0">
+              <a:spcBef>
+                <a:spcPct val="20000"/>
+              </a:spcBef>
+              <a:spcAft>
+                <a:spcPct val="0"/>
+              </a:spcAft>
+              <a:buFont typeface="Arial" panose="020B0604020202020204" pitchFamily="34" charset="0"/>
+              <a:buChar char="–"/>
+              <a:defRPr sz="1800" kern="1200">
+                <a:solidFill>
+                  <a:schemeClr val="tx2"/>
+                </a:solidFill>
+                <a:latin typeface="+mn-lt"/>
+                <a:ea typeface="+mn-ea"/>
+                <a:cs typeface="+mn-cs"/>
+              </a:defRPr>
+            </a:lvl4pPr>
+            <a:lvl5pPr marL="2057400" indent="-228600" algn="l" rtl="0" eaLnBrk="0" fontAlgn="base" hangingPunct="0">
+              <a:spcBef>
+                <a:spcPct val="20000"/>
+              </a:spcBef>
+              <a:spcAft>
+                <a:spcPct val="0"/>
+              </a:spcAft>
+              <a:buFont typeface="Arial" panose="020B0604020202020204" pitchFamily="34" charset="0"/>
+              <a:buChar char="»"/>
+              <a:defRPr sz="1800" kern="1200">
+                <a:solidFill>
+                  <a:schemeClr val="tx2"/>
+                </a:solidFill>
+                <a:latin typeface="+mn-lt"/>
+                <a:ea typeface="+mn-ea"/>
+                <a:cs typeface="+mn-cs"/>
+              </a:defRPr>
+            </a:lvl5pPr>
+            <a:lvl6pPr marL="2514600" indent="-228600" algn="l" defTabSz="914400" rtl="0" eaLnBrk="1" latinLnBrk="0" hangingPunct="1">
+              <a:spcBef>
+                <a:spcPct val="20000"/>
+              </a:spcBef>
+              <a:buFont typeface="Arial" pitchFamily="34" charset="0"/>
+              <a:buChar char="•"/>
+              <a:defRPr sz="2000" kern="1200">
+                <a:solidFill>
+                  <a:schemeClr val="tx1"/>
+                </a:solidFill>
+                <a:latin typeface="+mn-lt"/>
+                <a:ea typeface="+mn-ea"/>
+                <a:cs typeface="+mn-cs"/>
+              </a:defRPr>
+            </a:lvl6pPr>
+            <a:lvl7pPr marL="2971800" indent="-228600" algn="l" defTabSz="914400" rtl="0" eaLnBrk="1" latinLnBrk="0" hangingPunct="1">
+              <a:spcBef>
+                <a:spcPct val="20000"/>
+              </a:spcBef>
+              <a:buFont typeface="Arial" pitchFamily="34" charset="0"/>
+              <a:buChar char="•"/>
+              <a:defRPr sz="2000" kern="1200">
+                <a:solidFill>
+                  <a:schemeClr val="tx1"/>
+                </a:solidFill>
+                <a:latin typeface="+mn-lt"/>
+                <a:ea typeface="+mn-ea"/>
+                <a:cs typeface="+mn-cs"/>
+              </a:defRPr>
+            </a:lvl7pPr>
+            <a:lvl8pPr marL="3429000" indent="-228600" algn="l" defTabSz="914400" rtl="0" eaLnBrk="1" latinLnBrk="0" hangingPunct="1">
+              <a:spcBef>
+                <a:spcPct val="20000"/>
+              </a:spcBef>
+              <a:buFont typeface="Arial" pitchFamily="34" charset="0"/>
+              <a:buChar char="•"/>
+              <a:defRPr sz="2000" kern="1200">
+                <a:solidFill>
+                  <a:schemeClr val="tx1"/>
+                </a:solidFill>
+                <a:latin typeface="+mn-lt"/>
+                <a:ea typeface="+mn-ea"/>
+                <a:cs typeface="+mn-cs"/>
+              </a:defRPr>
+            </a:lvl8pPr>
+            <a:lvl9pPr marL="3886200" indent="-228600" algn="l" defTabSz="914400" rtl="0" eaLnBrk="1" latinLnBrk="0" hangingPunct="1">
+              <a:spcBef>
+                <a:spcPct val="20000"/>
+              </a:spcBef>
+              <a:buFont typeface="Arial" pitchFamily="34" charset="0"/>
+              <a:buChar char="•"/>
+              <a:defRPr sz="2000" kern="1200">
+                <a:solidFill>
+                  <a:schemeClr val="tx1"/>
+                </a:solidFill>
+                <a:latin typeface="+mn-lt"/>
+                <a:ea typeface="+mn-ea"/>
+                <a:cs typeface="+mn-cs"/>
+              </a:defRPr>
+            </a:lvl9pPr>
+          </a:lstStyle>
+          <a:p>
+            <a:pPr eaLnBrk="1" hangingPunct="1">
+              <a:defRPr/>
+            </a:pPr>
+            <a:r>
+              <a:rPr lang="pt-BR" altLang="pt-BR" sz="2400" b="1" dirty="0">
+                <a:solidFill>
+                  <a:schemeClr val="tx2">
+                    <a:lumMod val="75000"/>
+                  </a:schemeClr>
+                </a:solidFill>
+              </a:rPr>
+              <a:t>Cliente: </a:t>
+            </a:r>
+            <a:r>
+              <a:rPr lang="pt-BR" altLang="pt-BR" sz="2400" dirty="0">
+                <a:solidFill>
+                  <a:schemeClr val="tx2">
+                    <a:lumMod val="75000"/>
+                  </a:schemeClr>
+                </a:solidFill>
+              </a:rPr>
+              <a:t>NR Avaliações Psicológicas</a:t>
+            </a:r>
+          </a:p>
+          <a:p>
+            <a:pPr marL="0" indent="0" eaLnBrk="1" hangingPunct="1">
+              <a:buFont typeface="Arial" panose="020B0604020202020204" pitchFamily="34" charset="0"/>
+              <a:buNone/>
+              <a:defRPr/>
+            </a:pPr>
+            <a:endParaRPr lang="pt-BR" altLang="pt-BR" sz="2400" dirty="0">
+              <a:solidFill>
+                <a:schemeClr val="tx2">
+                  <a:lumMod val="75000"/>
+                </a:schemeClr>
+              </a:solidFill>
+            </a:endParaRPr>
+          </a:p>
+          <a:p>
+            <a:pPr>
+              <a:defRPr/>
+            </a:pPr>
+            <a:r>
+              <a:rPr lang="pt-BR" altLang="pt-BR" sz="2400" b="1" dirty="0">
+                <a:solidFill>
+                  <a:schemeClr val="tx2">
+                    <a:lumMod val="75000"/>
+                  </a:schemeClr>
+                </a:solidFill>
+              </a:rPr>
+              <a:t>Ramo de Atividade: </a:t>
+            </a:r>
+            <a:r>
+              <a:rPr lang="pt-BR" altLang="pt-BR" sz="2400" dirty="0">
+                <a:solidFill>
+                  <a:schemeClr val="tx2">
+                    <a:lumMod val="75000"/>
+                  </a:schemeClr>
+                </a:solidFill>
+              </a:rPr>
+              <a:t>Empresa especializada em Avaliação Psicossocial voltada para Medicina e Segurança do Trabalho. </a:t>
+            </a:r>
+          </a:p>
+          <a:p>
+            <a:pPr marL="0" indent="0">
+              <a:buFont typeface="Arial" panose="020B0604020202020204" pitchFamily="34" charset="0"/>
+              <a:buNone/>
+              <a:defRPr/>
+            </a:pPr>
+            <a:endParaRPr lang="pt-BR" altLang="pt-BR" sz="2400" dirty="0">
+              <a:solidFill>
+                <a:schemeClr val="tx2">
+                  <a:lumMod val="75000"/>
+                </a:schemeClr>
+              </a:solidFill>
+            </a:endParaRPr>
+          </a:p>
+          <a:p>
+            <a:pPr>
+              <a:defRPr/>
+            </a:pPr>
+            <a:r>
+              <a:rPr lang="pt-BR" altLang="pt-BR" sz="2400" b="1" dirty="0">
+                <a:solidFill>
+                  <a:schemeClr val="tx2">
+                    <a:lumMod val="75000"/>
+                  </a:schemeClr>
+                </a:solidFill>
+              </a:rPr>
+              <a:t>Tempo de Atividade: </a:t>
+            </a:r>
+            <a:r>
+              <a:rPr lang="pt-BR" altLang="pt-BR" sz="2400" dirty="0">
+                <a:solidFill>
+                  <a:schemeClr val="tx2">
+                    <a:lumMod val="75000"/>
+                  </a:schemeClr>
+                </a:solidFill>
+              </a:rPr>
+              <a:t>2 anos</a:t>
+            </a:r>
+          </a:p>
+          <a:p>
+            <a:pPr lvl="1" eaLnBrk="1" hangingPunct="1">
+              <a:defRPr/>
+            </a:pPr>
+            <a:r>
+              <a:rPr lang="pt-BR" altLang="pt-BR" dirty="0">
+                <a:solidFill>
+                  <a:schemeClr val="tx2">
+                    <a:lumMod val="75000"/>
+                  </a:schemeClr>
+                </a:solidFill>
+              </a:rPr>
+              <a:t>Quantidade de Funcionários: Somente a Psicóloga.</a:t>
+            </a:r>
+          </a:p>
+          <a:p>
+            <a:pPr lvl="1" eaLnBrk="1" hangingPunct="1">
+              <a:defRPr/>
+            </a:pPr>
+            <a:r>
+              <a:rPr lang="pt-BR" altLang="pt-BR" dirty="0">
+                <a:solidFill>
+                  <a:schemeClr val="tx2">
+                    <a:lumMod val="75000"/>
+                  </a:schemeClr>
+                </a:solidFill>
+              </a:rPr>
+              <a:t>Principais Clientes: Empresas de Construção Civil / Empreiteiras.</a:t>
+            </a:r>
+          </a:p>
+        </p:txBody>
+      </p:sp>
+    </p:spTree>
+  </p:cSld>
+  <p:clrMapOvr>
+    <a:masterClrMapping/>
+  </p:clrMapOvr>
+  <p:transition spd="med">
+    <p:fade/>
+  </p:transition>
+</p:sld>
+</file>
+
+<file path=ppt/slides/slide20.xml><?xml version="1.0" encoding="utf-8"?>
+<p:sld xmlns:a="http://schemas.openxmlformats.org/drawingml/2006/main" xmlns:r="http://schemas.openxmlformats.org/officeDocument/2006/relationships" xmlns:p="http://schemas.openxmlformats.org/presentationml/2006/main">
+  <p:cSld>
+    <p:spTree>
+      <p:nvGrpSpPr>
+        <p:cNvPr id="1" name=""/>
+        <p:cNvGrpSpPr/>
+        <p:nvPr/>
+      </p:nvGrpSpPr>
+      <p:grpSpPr>
+        <a:xfrm>
+          <a:off x="0" y="0"/>
+          <a:ext cx="0" cy="0"/>
+          <a:chOff x="0" y="0"/>
+          <a:chExt cx="0" cy="0"/>
+        </a:xfrm>
+      </p:grpSpPr>
+      <p:sp>
+        <p:nvSpPr>
+          <p:cNvPr id="5" name="Título 3"/>
+          <p:cNvSpPr>
+            <a:spLocks noGrp="1"/>
+          </p:cNvSpPr>
+          <p:nvPr>
+            <p:ph type="title"/>
+          </p:nvPr>
+        </p:nvSpPr>
+        <p:spPr>
+          <a:xfrm>
+            <a:off x="166688" y="260350"/>
+            <a:ext cx="8797925" cy="922338"/>
+          </a:xfrm>
+        </p:spPr>
+        <p:txBody>
+          <a:bodyPr/>
+          <a:lstStyle/>
+          <a:p>
+            <a:pPr eaLnBrk="1" hangingPunct="1">
+              <a:defRPr/>
+            </a:pPr>
+            <a:r>
+              <a:rPr lang="pt-BR" dirty="0"/>
+              <a:t>MODULO </a:t>
+            </a:r>
+            <a:r>
+              <a:rPr lang="pt-BR" dirty="0" smtClean="0"/>
+              <a:t>AGENDA</a:t>
+            </a:r>
+            <a:endParaRPr lang="pt-BR" dirty="0"/>
+          </a:p>
+        </p:txBody>
+      </p:sp>
+      <p:pic>
+        <p:nvPicPr>
+          <p:cNvPr id="4" name="Imagem 3" descr="UCAGD01_0000_TelaInicial.png"/>
+          <p:cNvPicPr>
+            <a:picLocks noChangeAspect="1"/>
+          </p:cNvPicPr>
+          <p:nvPr/>
+        </p:nvPicPr>
+        <p:blipFill>
+          <a:blip r:embed="rId2" cstate="print"/>
+          <a:stretch>
+            <a:fillRect/>
+          </a:stretch>
+        </p:blipFill>
+        <p:spPr>
+          <a:xfrm>
+            <a:off x="261335" y="1266523"/>
+            <a:ext cx="8621329" cy="4324954"/>
+          </a:xfrm>
+          <a:prstGeom prst="rect">
+            <a:avLst/>
+          </a:prstGeom>
+        </p:spPr>
+      </p:pic>
+      <p:cxnSp>
+        <p:nvCxnSpPr>
+          <p:cNvPr id="7" name="Conector de seta reta 6"/>
+          <p:cNvCxnSpPr/>
+          <p:nvPr/>
+        </p:nvCxnSpPr>
+        <p:spPr>
+          <a:xfrm flipV="1">
+            <a:off x="6228184" y="1916832"/>
+            <a:ext cx="1224136" cy="504056"/>
+          </a:xfrm>
+          <a:prstGeom prst="straightConnector1">
+            <a:avLst/>
+          </a:prstGeom>
+          <a:ln>
+            <a:tailEnd type="arrow"/>
+          </a:ln>
+        </p:spPr>
+        <p:style>
+          <a:lnRef idx="3">
+            <a:schemeClr val="accent2"/>
+          </a:lnRef>
+          <a:fillRef idx="0">
+            <a:schemeClr val="accent2"/>
+          </a:fillRef>
+          <a:effectRef idx="2">
+            <a:schemeClr val="accent2"/>
+          </a:effectRef>
+          <a:fontRef idx="minor">
+            <a:schemeClr val="tx1"/>
+          </a:fontRef>
+        </p:style>
+      </p:cxnSp>
+    </p:spTree>
+  </p:cSld>
+  <p:clrMapOvr>
+    <a:masterClrMapping/>
+  </p:clrMapOvr>
+</p:sld>
+</file>
+
+<file path=ppt/slides/slide21.xml><?xml version="1.0" encoding="utf-8"?>
+<p:sld xmlns:a="http://schemas.openxmlformats.org/drawingml/2006/main" xmlns:r="http://schemas.openxmlformats.org/officeDocument/2006/relationships" xmlns:p="http://schemas.openxmlformats.org/presentationml/2006/main">
+  <p:cSld>
+    <p:spTree>
+      <p:nvGrpSpPr>
+        <p:cNvPr id="1" name=""/>
+        <p:cNvGrpSpPr/>
+        <p:nvPr/>
+      </p:nvGrpSpPr>
+      <p:grpSpPr>
+        <a:xfrm>
+          <a:off x="0" y="0"/>
+          <a:ext cx="0" cy="0"/>
+          <a:chOff x="0" y="0"/>
+          <a:chExt cx="0" cy="0"/>
+        </a:xfrm>
+      </p:grpSpPr>
+      <p:sp>
+        <p:nvSpPr>
+          <p:cNvPr id="5" name="Título 3"/>
+          <p:cNvSpPr>
+            <a:spLocks noGrp="1"/>
+          </p:cNvSpPr>
+          <p:nvPr>
+            <p:ph type="title"/>
+          </p:nvPr>
+        </p:nvSpPr>
+        <p:spPr>
+          <a:xfrm>
+            <a:off x="166688" y="260350"/>
+            <a:ext cx="8797925" cy="922338"/>
+          </a:xfrm>
+        </p:spPr>
+        <p:txBody>
+          <a:bodyPr/>
+          <a:lstStyle/>
+          <a:p>
+            <a:pPr eaLnBrk="1" hangingPunct="1">
+              <a:defRPr/>
+            </a:pPr>
+            <a:r>
+              <a:rPr lang="pt-BR" dirty="0"/>
+              <a:t>MODULO </a:t>
+            </a:r>
+            <a:r>
+              <a:rPr lang="pt-BR" dirty="0" smtClean="0"/>
+              <a:t>AGENDA</a:t>
+            </a:r>
+            <a:endParaRPr lang="pt-BR" dirty="0"/>
+          </a:p>
+        </p:txBody>
+      </p:sp>
+      <p:pic>
+        <p:nvPicPr>
+          <p:cNvPr id="6" name="Imagem 5" descr="UCAGD01_0010_TelaPesquisaPorPaciente.png"/>
+          <p:cNvPicPr>
+            <a:picLocks noChangeAspect="1"/>
+          </p:cNvPicPr>
+          <p:nvPr/>
+        </p:nvPicPr>
+        <p:blipFill>
+          <a:blip r:embed="rId2" cstate="print"/>
+          <a:stretch>
+            <a:fillRect/>
+          </a:stretch>
+        </p:blipFill>
+        <p:spPr>
+          <a:xfrm>
+            <a:off x="395536" y="1484784"/>
+            <a:ext cx="8526066" cy="4582165"/>
+          </a:xfrm>
+          <a:prstGeom prst="rect">
+            <a:avLst/>
+          </a:prstGeom>
+        </p:spPr>
+      </p:pic>
+    </p:spTree>
+  </p:cSld>
+  <p:clrMapOvr>
+    <a:masterClrMapping/>
+  </p:clrMapOvr>
+</p:sld>
+</file>
+
+<file path=ppt/slides/slide22.xml><?xml version="1.0" encoding="utf-8"?>
+<p:sld xmlns:a="http://schemas.openxmlformats.org/drawingml/2006/main" xmlns:r="http://schemas.openxmlformats.org/officeDocument/2006/relationships" xmlns:p="http://schemas.openxmlformats.org/presentationml/2006/main">
+  <p:cSld>
+    <p:spTree>
+      <p:nvGrpSpPr>
+        <p:cNvPr id="1" name=""/>
+        <p:cNvGrpSpPr/>
+        <p:nvPr/>
+      </p:nvGrpSpPr>
+      <p:grpSpPr>
+        <a:xfrm>
+          <a:off x="0" y="0"/>
+          <a:ext cx="0" cy="0"/>
+          <a:chOff x="0" y="0"/>
+          <a:chExt cx="0" cy="0"/>
+        </a:xfrm>
+      </p:grpSpPr>
+      <p:sp>
+        <p:nvSpPr>
+          <p:cNvPr id="5" name="Título 3"/>
+          <p:cNvSpPr>
+            <a:spLocks noGrp="1"/>
+          </p:cNvSpPr>
+          <p:nvPr>
+            <p:ph type="title"/>
+          </p:nvPr>
+        </p:nvSpPr>
+        <p:spPr>
+          <a:xfrm>
+            <a:off x="166688" y="260350"/>
+            <a:ext cx="8797925" cy="922338"/>
+          </a:xfrm>
+        </p:spPr>
+        <p:txBody>
+          <a:bodyPr/>
+          <a:lstStyle/>
+          <a:p>
+            <a:pPr eaLnBrk="1" hangingPunct="1">
+              <a:defRPr/>
+            </a:pPr>
+            <a:r>
+              <a:rPr lang="pt-BR" dirty="0"/>
+              <a:t>MODULO </a:t>
+            </a:r>
+            <a:r>
+              <a:rPr lang="pt-BR" dirty="0" smtClean="0"/>
+              <a:t>AGENDA</a:t>
+            </a:r>
+            <a:endParaRPr lang="pt-BR" dirty="0"/>
+          </a:p>
+        </p:txBody>
+      </p:sp>
+      <p:pic>
+        <p:nvPicPr>
+          <p:cNvPr id="4" name="Imagem 3" descr="UCAGD01_0015_TelaPesquisaDeAgendamentoPorPaciente.png"/>
+          <p:cNvPicPr>
+            <a:picLocks noChangeAspect="1"/>
+          </p:cNvPicPr>
+          <p:nvPr/>
+        </p:nvPicPr>
+        <p:blipFill>
+          <a:blip r:embed="rId2" cstate="print"/>
+          <a:stretch>
+            <a:fillRect/>
+          </a:stretch>
+        </p:blipFill>
+        <p:spPr>
+          <a:xfrm>
+            <a:off x="323528" y="1412776"/>
+            <a:ext cx="8516539" cy="5134692"/>
+          </a:xfrm>
+          <a:prstGeom prst="rect">
+            <a:avLst/>
+          </a:prstGeom>
+        </p:spPr>
+      </p:pic>
+      <p:cxnSp>
+        <p:nvCxnSpPr>
+          <p:cNvPr id="7" name="Conector de seta reta 6"/>
+          <p:cNvCxnSpPr/>
+          <p:nvPr/>
+        </p:nvCxnSpPr>
+        <p:spPr>
+          <a:xfrm flipV="1">
+            <a:off x="6660232" y="3573016"/>
+            <a:ext cx="1224136" cy="504056"/>
+          </a:xfrm>
+          <a:prstGeom prst="straightConnector1">
+            <a:avLst/>
+          </a:prstGeom>
+          <a:ln>
+            <a:tailEnd type="arrow"/>
+          </a:ln>
+        </p:spPr>
+        <p:style>
+          <a:lnRef idx="3">
+            <a:schemeClr val="accent2"/>
+          </a:lnRef>
+          <a:fillRef idx="0">
+            <a:schemeClr val="accent2"/>
+          </a:fillRef>
+          <a:effectRef idx="2">
+            <a:schemeClr val="accent2"/>
+          </a:effectRef>
+          <a:fontRef idx="minor">
+            <a:schemeClr val="tx1"/>
+          </a:fontRef>
+        </p:style>
+      </p:cxnSp>
+    </p:spTree>
+  </p:cSld>
+  <p:clrMapOvr>
+    <a:masterClrMapping/>
+  </p:clrMapOvr>
+</p:sld>
+</file>
+
+<file path=ppt/slides/slide23.xml><?xml version="1.0" encoding="utf-8"?>
+<p:sld xmlns:a="http://schemas.openxmlformats.org/drawingml/2006/main" xmlns:r="http://schemas.openxmlformats.org/officeDocument/2006/relationships" xmlns:p="http://schemas.openxmlformats.org/presentationml/2006/main">
+  <p:cSld>
+    <p:spTree>
+      <p:nvGrpSpPr>
+        <p:cNvPr id="1" name=""/>
+        <p:cNvGrpSpPr/>
+        <p:nvPr/>
+      </p:nvGrpSpPr>
+      <p:grpSpPr>
+        <a:xfrm>
+          <a:off x="0" y="0"/>
+          <a:ext cx="0" cy="0"/>
+          <a:chOff x="0" y="0"/>
+          <a:chExt cx="0" cy="0"/>
+        </a:xfrm>
+      </p:grpSpPr>
+      <p:pic>
+        <p:nvPicPr>
+          <p:cNvPr id="10" name="Imagem 9" descr="UCAGD01_0020_TelaInclusaoDeAgendamento.png"/>
+          <p:cNvPicPr>
+            <a:picLocks noChangeAspect="1"/>
+          </p:cNvPicPr>
+          <p:nvPr/>
+        </p:nvPicPr>
+        <p:blipFill>
+          <a:blip r:embed="rId2" cstate="print"/>
+          <a:stretch>
+            <a:fillRect/>
+          </a:stretch>
+        </p:blipFill>
+        <p:spPr>
+          <a:xfrm>
+            <a:off x="539552" y="1340768"/>
+            <a:ext cx="8136903" cy="5218457"/>
+          </a:xfrm>
+          <a:prstGeom prst="rect">
+            <a:avLst/>
+          </a:prstGeom>
+        </p:spPr>
+      </p:pic>
+      <p:sp>
+        <p:nvSpPr>
+          <p:cNvPr id="5" name="Título 3"/>
+          <p:cNvSpPr>
+            <a:spLocks noGrp="1"/>
+          </p:cNvSpPr>
+          <p:nvPr>
+            <p:ph type="title"/>
+          </p:nvPr>
+        </p:nvSpPr>
+        <p:spPr>
+          <a:xfrm>
+            <a:off x="166688" y="260350"/>
+            <a:ext cx="8797925" cy="922338"/>
+          </a:xfrm>
+        </p:spPr>
+        <p:txBody>
+          <a:bodyPr/>
+          <a:lstStyle/>
+          <a:p>
+            <a:pPr eaLnBrk="1" hangingPunct="1">
+              <a:defRPr/>
+            </a:pPr>
+            <a:r>
+              <a:rPr lang="pt-BR" dirty="0"/>
+              <a:t>MODULO </a:t>
+            </a:r>
+            <a:r>
+              <a:rPr lang="pt-BR" dirty="0" smtClean="0"/>
+              <a:t>AGENDA</a:t>
+            </a:r>
+            <a:endParaRPr lang="pt-BR" dirty="0"/>
+          </a:p>
+        </p:txBody>
+      </p:sp>
+      <p:cxnSp>
+        <p:nvCxnSpPr>
+          <p:cNvPr id="9" name="Conector de seta reta 8"/>
+          <p:cNvCxnSpPr/>
+          <p:nvPr/>
+        </p:nvCxnSpPr>
+        <p:spPr>
+          <a:xfrm flipV="1">
+            <a:off x="6516216" y="4149080"/>
+            <a:ext cx="1224136" cy="504056"/>
+          </a:xfrm>
+          <a:prstGeom prst="straightConnector1">
+            <a:avLst/>
+          </a:prstGeom>
+          <a:ln>
+            <a:tailEnd type="arrow"/>
+          </a:ln>
+        </p:spPr>
+        <p:style>
+          <a:lnRef idx="3">
+            <a:schemeClr val="accent2"/>
+          </a:lnRef>
+          <a:fillRef idx="0">
+            <a:schemeClr val="accent2"/>
+          </a:fillRef>
+          <a:effectRef idx="2">
+            <a:schemeClr val="accent2"/>
+          </a:effectRef>
+          <a:fontRef idx="minor">
+            <a:schemeClr val="tx1"/>
+          </a:fontRef>
+        </p:style>
+      </p:cxnSp>
+    </p:spTree>
+  </p:cSld>
+  <p:clrMapOvr>
+    <a:masterClrMapping/>
+  </p:clrMapOvr>
+</p:sld>
+</file>
+
+<file path=ppt/slides/slide24.xml><?xml version="1.0" encoding="utf-8"?>
+<p:sld xmlns:a="http://schemas.openxmlformats.org/drawingml/2006/main" xmlns:r="http://schemas.openxmlformats.org/officeDocument/2006/relationships" xmlns:p="http://schemas.openxmlformats.org/presentationml/2006/main">
+  <p:cSld>
+    <p:spTree>
+      <p:nvGrpSpPr>
+        <p:cNvPr id="1" name=""/>
+        <p:cNvGrpSpPr/>
+        <p:nvPr/>
+      </p:nvGrpSpPr>
+      <p:grpSpPr>
+        <a:xfrm>
+          <a:off x="0" y="0"/>
+          <a:ext cx="0" cy="0"/>
+          <a:chOff x="0" y="0"/>
+          <a:chExt cx="0" cy="0"/>
+        </a:xfrm>
+      </p:grpSpPr>
+      <p:sp>
+        <p:nvSpPr>
+          <p:cNvPr id="5" name="Título 3"/>
+          <p:cNvSpPr>
+            <a:spLocks noGrp="1"/>
+          </p:cNvSpPr>
+          <p:nvPr>
+            <p:ph type="title"/>
+          </p:nvPr>
+        </p:nvSpPr>
+        <p:spPr>
+          <a:xfrm>
+            <a:off x="166688" y="260350"/>
+            <a:ext cx="8797925" cy="922338"/>
+          </a:xfrm>
+        </p:spPr>
+        <p:txBody>
+          <a:bodyPr/>
+          <a:lstStyle/>
+          <a:p>
+            <a:pPr eaLnBrk="1" hangingPunct="1">
+              <a:defRPr/>
+            </a:pPr>
+            <a:r>
+              <a:rPr lang="pt-BR" dirty="0"/>
+              <a:t>MODULO </a:t>
+            </a:r>
+            <a:r>
+              <a:rPr lang="pt-BR" dirty="0" smtClean="0"/>
+              <a:t>AGENDA</a:t>
+            </a:r>
+            <a:endParaRPr lang="pt-BR" dirty="0"/>
+          </a:p>
+        </p:txBody>
+      </p:sp>
+      <p:pic>
+        <p:nvPicPr>
+          <p:cNvPr id="7" name="Imagem 6" descr="UCAGD01_0021_TelaInclusaoDeAgendamentoMsg.png"/>
+          <p:cNvPicPr>
+            <a:picLocks noChangeAspect="1"/>
+          </p:cNvPicPr>
+          <p:nvPr/>
+        </p:nvPicPr>
+        <p:blipFill>
+          <a:blip r:embed="rId2" cstate="print"/>
+          <a:stretch>
+            <a:fillRect/>
+          </a:stretch>
+        </p:blipFill>
+        <p:spPr>
+          <a:xfrm>
+            <a:off x="683568" y="1268760"/>
+            <a:ext cx="7776864" cy="5433321"/>
+          </a:xfrm>
+          <a:prstGeom prst="rect">
+            <a:avLst/>
+          </a:prstGeom>
+        </p:spPr>
+      </p:pic>
+    </p:spTree>
+  </p:cSld>
+  <p:clrMapOvr>
+    <a:masterClrMapping/>
+  </p:clrMapOvr>
+</p:sld>
+</file>
+
+<file path=ppt/slides/slide25.xml><?xml version="1.0" encoding="utf-8"?>
 <p:sld xmlns:a="http://schemas.openxmlformats.org/drawingml/2006/main" xmlns:r="http://schemas.openxmlformats.org/officeDocument/2006/relationships" xmlns:p="http://schemas.openxmlformats.org/presentationml/2006/main">
   <p:cSld>
     <p:spTree>
@@ -4092,14 +5518,14 @@
             </a:ln>
             <a:extLst>
               <a:ext uri="{909E8E84-426E-40DD-AFC4-6F175D3DCCD1}">
-                <a14:hiddenFill xmlns:a14="http://schemas.microsoft.com/office/drawing/2010/main">
+                <a14:hiddenFill xmlns:a14="http://schemas.microsoft.com/office/drawing/2010/main" xmlns="">
                   <a:solidFill>
                     <a:srgbClr val="FFFFFF"/>
                   </a:solidFill>
                 </a14:hiddenFill>
               </a:ext>
               <a:ext uri="{91240B29-F687-4F45-9708-019B960494DF}">
-                <a14:hiddenLine xmlns:a14="http://schemas.microsoft.com/office/drawing/2010/main" w="9525">
+                <a14:hiddenLine xmlns:a14="http://schemas.microsoft.com/office/drawing/2010/main" xmlns="" w="9525">
                   <a:solidFill>
                     <a:srgbClr val="000000"/>
                   </a:solidFill>
@@ -4249,14 +5675,14 @@
             </a:ln>
             <a:extLst>
               <a:ext uri="{909E8E84-426E-40DD-AFC4-6F175D3DCCD1}">
-                <a14:hiddenFill xmlns:a14="http://schemas.microsoft.com/office/drawing/2010/main">
+                <a14:hiddenFill xmlns:a14="http://schemas.microsoft.com/office/drawing/2010/main" xmlns="">
                   <a:solidFill>
                     <a:srgbClr val="FFFFFF"/>
                   </a:solidFill>
                 </a14:hiddenFill>
               </a:ext>
               <a:ext uri="{91240B29-F687-4F45-9708-019B960494DF}">
-                <a14:hiddenLine xmlns:a14="http://schemas.microsoft.com/office/drawing/2010/main" w="9525">
+                <a14:hiddenLine xmlns:a14="http://schemas.microsoft.com/office/drawing/2010/main" xmlns="" w="9525">
                   <a:solidFill>
                     <a:srgbClr val="000000"/>
                   </a:solidFill>
@@ -4501,7 +5927,7 @@
     </p:spTree>
     <p:extLst>
       <p:ext uri="{BB962C8B-B14F-4D97-AF65-F5344CB8AC3E}">
-        <p14:creationId xmlns:p14="http://schemas.microsoft.com/office/powerpoint/2010/main" val="3409322625"/>
+        <p14:creationId xmlns:p14="http://schemas.microsoft.com/office/powerpoint/2010/main" xmlns="" val="3409322625"/>
       </p:ext>
     </p:extLst>
   </p:cSld>
@@ -4514,7 +5940,7 @@
 </p:sld>
 </file>
 
-<file path=ppt/slides/slide19.xml><?xml version="1.0" encoding="utf-8"?>
+<file path=ppt/slides/slide26.xml><?xml version="1.0" encoding="utf-8"?>
 <p:sld xmlns:a="http://schemas.openxmlformats.org/drawingml/2006/main" xmlns:r="http://schemas.openxmlformats.org/officeDocument/2006/relationships" xmlns:p="http://schemas.openxmlformats.org/presentationml/2006/main">
   <p:cSld>
     <p:spTree>
@@ -4604,14 +6030,14 @@
             </a:ln>
             <a:extLst>
               <a:ext uri="{909E8E84-426E-40DD-AFC4-6F175D3DCCD1}">
-                <a14:hiddenFill xmlns:a14="http://schemas.microsoft.com/office/drawing/2010/main">
+                <a14:hiddenFill xmlns:a14="http://schemas.microsoft.com/office/drawing/2010/main" xmlns="">
                   <a:solidFill>
                     <a:srgbClr val="FFFFFF"/>
                   </a:solidFill>
                 </a14:hiddenFill>
               </a:ext>
               <a:ext uri="{91240B29-F687-4F45-9708-019B960494DF}">
-                <a14:hiddenLine xmlns:a14="http://schemas.microsoft.com/office/drawing/2010/main" w="9525">
+                <a14:hiddenLine xmlns:a14="http://schemas.microsoft.com/office/drawing/2010/main" xmlns="" w="9525">
                   <a:solidFill>
                     <a:srgbClr val="000000"/>
                   </a:solidFill>
@@ -4761,14 +6187,14 @@
             </a:ln>
             <a:extLst>
               <a:ext uri="{909E8E84-426E-40DD-AFC4-6F175D3DCCD1}">
-                <a14:hiddenFill xmlns:a14="http://schemas.microsoft.com/office/drawing/2010/main">
+                <a14:hiddenFill xmlns:a14="http://schemas.microsoft.com/office/drawing/2010/main" xmlns="">
                   <a:solidFill>
                     <a:srgbClr val="FFFFFF"/>
                   </a:solidFill>
                 </a14:hiddenFill>
               </a:ext>
               <a:ext uri="{91240B29-F687-4F45-9708-019B960494DF}">
-                <a14:hiddenLine xmlns:a14="http://schemas.microsoft.com/office/drawing/2010/main" w="9525">
+                <a14:hiddenLine xmlns:a14="http://schemas.microsoft.com/office/drawing/2010/main" xmlns="" w="9525">
                   <a:solidFill>
                     <a:srgbClr val="000000"/>
                   </a:solidFill>
@@ -5013,7 +6439,7 @@
     </p:spTree>
     <p:extLst>
       <p:ext uri="{BB962C8B-B14F-4D97-AF65-F5344CB8AC3E}">
-        <p14:creationId xmlns:p14="http://schemas.microsoft.com/office/powerpoint/2010/main" val="2461302196"/>
+        <p14:creationId xmlns:p14="http://schemas.microsoft.com/office/powerpoint/2010/main" xmlns="" val="2461302196"/>
       </p:ext>
     </p:extLst>
   </p:cSld>
@@ -5026,395 +6452,7 @@
 </p:sld>
 </file>
 
-<file path=ppt/slides/slide2.xml><?xml version="1.0" encoding="utf-8"?>
-<p:sld xmlns:a="http://schemas.openxmlformats.org/drawingml/2006/main" xmlns:r="http://schemas.openxmlformats.org/officeDocument/2006/relationships" xmlns:p="http://schemas.openxmlformats.org/presentationml/2006/main">
-  <p:cSld>
-    <p:spTree>
-      <p:nvGrpSpPr>
-        <p:cNvPr id="1" name=""/>
-        <p:cNvGrpSpPr/>
-        <p:nvPr/>
-      </p:nvGrpSpPr>
-      <p:grpSpPr>
-        <a:xfrm>
-          <a:off x="0" y="0"/>
-          <a:ext cx="0" cy="0"/>
-          <a:chOff x="0" y="0"/>
-          <a:chExt cx="0" cy="0"/>
-        </a:xfrm>
-      </p:grpSpPr>
-      <p:sp>
-        <p:nvSpPr>
-          <p:cNvPr id="4" name="Título 3"/>
-          <p:cNvSpPr>
-            <a:spLocks noGrp="1"/>
-          </p:cNvSpPr>
-          <p:nvPr>
-            <p:ph type="title"/>
-          </p:nvPr>
-        </p:nvSpPr>
-        <p:spPr/>
-        <p:txBody>
-          <a:bodyPr/>
-          <a:lstStyle/>
-          <a:p>
-            <a:pPr eaLnBrk="1" hangingPunct="1">
-              <a:defRPr/>
-            </a:pPr>
-            <a:r>
-              <a:rPr lang="pt-BR" dirty="0"/>
-              <a:t>Introdução Negócio</a:t>
-            </a:r>
-          </a:p>
-        </p:txBody>
-      </p:sp>
-      <p:sp>
-        <p:nvSpPr>
-          <p:cNvPr id="6" name="Rectangle 5">
-            <a:extLst>
-              <a:ext uri="{FF2B5EF4-FFF2-40B4-BE49-F238E27FC236}">
-                <a16:creationId xmlns:a16="http://schemas.microsoft.com/office/drawing/2014/main" id="{4D05B3A1-B0A5-41E6-851D-8FE05033C664}"/>
-              </a:ext>
-            </a:extLst>
-          </p:cNvPr>
-          <p:cNvSpPr>
-            <a:spLocks noGrp="1" noChangeArrowheads="1"/>
-          </p:cNvSpPr>
-          <p:nvPr/>
-        </p:nvSpPr>
-        <p:spPr bwMode="auto">
-          <a:xfrm>
-            <a:off x="179388" y="1484784"/>
-            <a:ext cx="8785225" cy="4751387"/>
-          </a:xfrm>
-          <a:prstGeom prst="rect">
-            <a:avLst/>
-          </a:prstGeom>
-          <a:extLst>
-            <a:ext uri="{909E8E84-426E-40DD-AFC4-6F175D3DCCD1}">
-              <a14:hiddenFill xmlns:a14="http://schemas.microsoft.com/office/drawing/2010/main">
-                <a:solidFill>
-                  <a:srgbClr val="FFFFFF"/>
-                </a:solidFill>
-              </a14:hiddenFill>
-            </a:ext>
-            <a:ext uri="{91240B29-F687-4F45-9708-019B960494DF}">
-              <a14:hiddenLine xmlns:a14="http://schemas.microsoft.com/office/drawing/2010/main" w="9525">
-                <a:solidFill>
-                  <a:srgbClr val="000000"/>
-                </a:solidFill>
-                <a:miter lim="800000"/>
-                <a:headEnd/>
-                <a:tailEnd/>
-              </a14:hiddenLine>
-            </a:ext>
-          </a:extLst>
-        </p:spPr>
-        <p:txBody>
-          <a:bodyPr vert="horz" wrap="square" lIns="91440" tIns="45720" rIns="91440" bIns="45720" numCol="1" anchor="t" anchorCtr="0" compatLnSpc="1">
-            <a:prstTxWarp prst="textNoShape">
-              <a:avLst/>
-            </a:prstTxWarp>
-          </a:bodyPr>
-          <a:lstStyle>
-            <a:lvl1pPr marL="342900" indent="-342900" algn="l" rtl="0" eaLnBrk="0" fontAlgn="base" hangingPunct="0">
-              <a:spcBef>
-                <a:spcPct val="20000"/>
-              </a:spcBef>
-              <a:spcAft>
-                <a:spcPct val="0"/>
-              </a:spcAft>
-              <a:buFont typeface="Arial" panose="020B0604020202020204" pitchFamily="34" charset="0"/>
-              <a:buChar char="•"/>
-              <a:defRPr sz="2800" kern="1200">
-                <a:solidFill>
-                  <a:schemeClr val="tx2"/>
-                </a:solidFill>
-                <a:latin typeface="+mn-lt"/>
-                <a:ea typeface="+mn-ea"/>
-                <a:cs typeface="+mn-cs"/>
-              </a:defRPr>
-            </a:lvl1pPr>
-            <a:lvl2pPr marL="742950" indent="-285750" algn="l" rtl="0" eaLnBrk="0" fontAlgn="base" hangingPunct="0">
-              <a:spcBef>
-                <a:spcPct val="20000"/>
-              </a:spcBef>
-              <a:spcAft>
-                <a:spcPct val="0"/>
-              </a:spcAft>
-              <a:buFont typeface="Arial" panose="020B0604020202020204" pitchFamily="34" charset="0"/>
-              <a:buChar char="–"/>
-              <a:defRPr sz="2400" kern="1200">
-                <a:solidFill>
-                  <a:schemeClr val="tx2"/>
-                </a:solidFill>
-                <a:latin typeface="+mn-lt"/>
-                <a:ea typeface="+mn-ea"/>
-                <a:cs typeface="+mn-cs"/>
-              </a:defRPr>
-            </a:lvl2pPr>
-            <a:lvl3pPr marL="1143000" indent="-228600" algn="l" rtl="0" eaLnBrk="0" fontAlgn="base" hangingPunct="0">
-              <a:spcBef>
-                <a:spcPct val="20000"/>
-              </a:spcBef>
-              <a:spcAft>
-                <a:spcPct val="0"/>
-              </a:spcAft>
-              <a:buFont typeface="Arial" panose="020B0604020202020204" pitchFamily="34" charset="0"/>
-              <a:buChar char="•"/>
-              <a:defRPr sz="2000" kern="1200">
-                <a:solidFill>
-                  <a:schemeClr val="tx2"/>
-                </a:solidFill>
-                <a:latin typeface="+mn-lt"/>
-                <a:ea typeface="+mn-ea"/>
-                <a:cs typeface="+mn-cs"/>
-              </a:defRPr>
-            </a:lvl3pPr>
-            <a:lvl4pPr marL="1600200" indent="-228600" algn="l" rtl="0" eaLnBrk="0" fontAlgn="base" hangingPunct="0">
-              <a:spcBef>
-                <a:spcPct val="20000"/>
-              </a:spcBef>
-              <a:spcAft>
-                <a:spcPct val="0"/>
-              </a:spcAft>
-              <a:buFont typeface="Arial" panose="020B0604020202020204" pitchFamily="34" charset="0"/>
-              <a:buChar char="–"/>
-              <a:defRPr sz="1800" kern="1200">
-                <a:solidFill>
-                  <a:schemeClr val="tx2"/>
-                </a:solidFill>
-                <a:latin typeface="+mn-lt"/>
-                <a:ea typeface="+mn-ea"/>
-                <a:cs typeface="+mn-cs"/>
-              </a:defRPr>
-            </a:lvl4pPr>
-            <a:lvl5pPr marL="2057400" indent="-228600" algn="l" rtl="0" eaLnBrk="0" fontAlgn="base" hangingPunct="0">
-              <a:spcBef>
-                <a:spcPct val="20000"/>
-              </a:spcBef>
-              <a:spcAft>
-                <a:spcPct val="0"/>
-              </a:spcAft>
-              <a:buFont typeface="Arial" panose="020B0604020202020204" pitchFamily="34" charset="0"/>
-              <a:buChar char="»"/>
-              <a:defRPr sz="1800" kern="1200">
-                <a:solidFill>
-                  <a:schemeClr val="tx2"/>
-                </a:solidFill>
-                <a:latin typeface="+mn-lt"/>
-                <a:ea typeface="+mn-ea"/>
-                <a:cs typeface="+mn-cs"/>
-              </a:defRPr>
-            </a:lvl5pPr>
-            <a:lvl6pPr marL="2514600" indent="-228600" algn="l" defTabSz="914400" rtl="0" eaLnBrk="1" latinLnBrk="0" hangingPunct="1">
-              <a:spcBef>
-                <a:spcPct val="20000"/>
-              </a:spcBef>
-              <a:buFont typeface="Arial" pitchFamily="34" charset="0"/>
-              <a:buChar char="•"/>
-              <a:defRPr sz="2000" kern="1200">
-                <a:solidFill>
-                  <a:schemeClr val="tx1"/>
-                </a:solidFill>
-                <a:latin typeface="+mn-lt"/>
-                <a:ea typeface="+mn-ea"/>
-                <a:cs typeface="+mn-cs"/>
-              </a:defRPr>
-            </a:lvl6pPr>
-            <a:lvl7pPr marL="2971800" indent="-228600" algn="l" defTabSz="914400" rtl="0" eaLnBrk="1" latinLnBrk="0" hangingPunct="1">
-              <a:spcBef>
-                <a:spcPct val="20000"/>
-              </a:spcBef>
-              <a:buFont typeface="Arial" pitchFamily="34" charset="0"/>
-              <a:buChar char="•"/>
-              <a:defRPr sz="2000" kern="1200">
-                <a:solidFill>
-                  <a:schemeClr val="tx1"/>
-                </a:solidFill>
-                <a:latin typeface="+mn-lt"/>
-                <a:ea typeface="+mn-ea"/>
-                <a:cs typeface="+mn-cs"/>
-              </a:defRPr>
-            </a:lvl7pPr>
-            <a:lvl8pPr marL="3429000" indent="-228600" algn="l" defTabSz="914400" rtl="0" eaLnBrk="1" latinLnBrk="0" hangingPunct="1">
-              <a:spcBef>
-                <a:spcPct val="20000"/>
-              </a:spcBef>
-              <a:buFont typeface="Arial" pitchFamily="34" charset="0"/>
-              <a:buChar char="•"/>
-              <a:defRPr sz="2000" kern="1200">
-                <a:solidFill>
-                  <a:schemeClr val="tx1"/>
-                </a:solidFill>
-                <a:latin typeface="+mn-lt"/>
-                <a:ea typeface="+mn-ea"/>
-                <a:cs typeface="+mn-cs"/>
-              </a:defRPr>
-            </a:lvl8pPr>
-            <a:lvl9pPr marL="3886200" indent="-228600" algn="l" defTabSz="914400" rtl="0" eaLnBrk="1" latinLnBrk="0" hangingPunct="1">
-              <a:spcBef>
-                <a:spcPct val="20000"/>
-              </a:spcBef>
-              <a:buFont typeface="Arial" pitchFamily="34" charset="0"/>
-              <a:buChar char="•"/>
-              <a:defRPr sz="2000" kern="1200">
-                <a:solidFill>
-                  <a:schemeClr val="tx1"/>
-                </a:solidFill>
-                <a:latin typeface="+mn-lt"/>
-                <a:ea typeface="+mn-ea"/>
-                <a:cs typeface="+mn-cs"/>
-              </a:defRPr>
-            </a:lvl9pPr>
-          </a:lstStyle>
-          <a:p>
-            <a:pPr eaLnBrk="1" hangingPunct="1">
-              <a:defRPr/>
-            </a:pPr>
-            <a:r>
-              <a:rPr lang="pt-BR" altLang="pt-BR" sz="2400" b="1" dirty="0">
-                <a:solidFill>
-                  <a:schemeClr val="tx2">
-                    <a:lumMod val="75000"/>
-                  </a:schemeClr>
-                </a:solidFill>
-              </a:rPr>
-              <a:t>Cliente: </a:t>
-            </a:r>
-            <a:r>
-              <a:rPr lang="pt-BR" altLang="pt-BR" sz="2400" dirty="0">
-                <a:solidFill>
-                  <a:schemeClr val="tx2">
-                    <a:lumMod val="75000"/>
-                  </a:schemeClr>
-                </a:solidFill>
-              </a:rPr>
-              <a:t>NR Avaliações Psicológicas</a:t>
-            </a:r>
-          </a:p>
-          <a:p>
-            <a:pPr marL="0" indent="0" eaLnBrk="1" hangingPunct="1">
-              <a:buFont typeface="Arial" panose="020B0604020202020204" pitchFamily="34" charset="0"/>
-              <a:buNone/>
-              <a:defRPr/>
-            </a:pPr>
-            <a:endParaRPr lang="pt-BR" altLang="pt-BR" sz="2400" dirty="0">
-              <a:solidFill>
-                <a:schemeClr val="tx2">
-                  <a:lumMod val="75000"/>
-                </a:schemeClr>
-              </a:solidFill>
-            </a:endParaRPr>
-          </a:p>
-          <a:p>
-            <a:pPr>
-              <a:defRPr/>
-            </a:pPr>
-            <a:r>
-              <a:rPr lang="pt-BR" altLang="pt-BR" sz="2400" b="1" dirty="0">
-                <a:solidFill>
-                  <a:schemeClr val="tx2">
-                    <a:lumMod val="75000"/>
-                  </a:schemeClr>
-                </a:solidFill>
-              </a:rPr>
-              <a:t>Ramo de Atividade: </a:t>
-            </a:r>
-            <a:r>
-              <a:rPr lang="pt-BR" altLang="pt-BR" sz="2400" dirty="0">
-                <a:solidFill>
-                  <a:schemeClr val="tx2">
-                    <a:lumMod val="75000"/>
-                  </a:schemeClr>
-                </a:solidFill>
-              </a:rPr>
-              <a:t>Empresa especializada em Avaliação Psicossocial voltada para Medicina e Segurança do Trabalho. </a:t>
-            </a:r>
-          </a:p>
-          <a:p>
-            <a:pPr marL="0" indent="0">
-              <a:buFont typeface="Arial" panose="020B0604020202020204" pitchFamily="34" charset="0"/>
-              <a:buNone/>
-              <a:defRPr/>
-            </a:pPr>
-            <a:endParaRPr lang="pt-BR" altLang="pt-BR" sz="2400" dirty="0">
-              <a:solidFill>
-                <a:schemeClr val="tx2">
-                  <a:lumMod val="75000"/>
-                </a:schemeClr>
-              </a:solidFill>
-            </a:endParaRPr>
-          </a:p>
-          <a:p>
-            <a:pPr>
-              <a:defRPr/>
-            </a:pPr>
-            <a:r>
-              <a:rPr lang="pt-BR" altLang="pt-BR" sz="2400" b="1" dirty="0">
-                <a:solidFill>
-                  <a:schemeClr val="tx2">
-                    <a:lumMod val="75000"/>
-                  </a:schemeClr>
-                </a:solidFill>
-              </a:rPr>
-              <a:t>Tempo de Atividade: </a:t>
-            </a:r>
-            <a:r>
-              <a:rPr lang="pt-BR" altLang="pt-BR" sz="2400" dirty="0">
-                <a:solidFill>
-                  <a:schemeClr val="tx2">
-                    <a:lumMod val="75000"/>
-                  </a:schemeClr>
-                </a:solidFill>
-              </a:rPr>
-              <a:t>2 anos</a:t>
-            </a:r>
-          </a:p>
-          <a:p>
-            <a:pPr lvl="1" eaLnBrk="1" hangingPunct="1">
-              <a:defRPr/>
-            </a:pPr>
-            <a:r>
-              <a:rPr lang="pt-BR" altLang="pt-BR" dirty="0">
-                <a:solidFill>
-                  <a:schemeClr val="tx2">
-                    <a:lumMod val="75000"/>
-                  </a:schemeClr>
-                </a:solidFill>
-              </a:rPr>
-              <a:t>Quantidade de Funcionários: Somente a Psicóloga.</a:t>
-            </a:r>
-          </a:p>
-          <a:p>
-            <a:pPr lvl="1" eaLnBrk="1" hangingPunct="1">
-              <a:defRPr/>
-            </a:pPr>
-            <a:r>
-              <a:rPr lang="pt-BR" altLang="pt-BR" dirty="0">
-                <a:solidFill>
-                  <a:schemeClr val="tx2">
-                    <a:lumMod val="75000"/>
-                  </a:schemeClr>
-                </a:solidFill>
-              </a:rPr>
-              <a:t>Principais Clientes: Empresas de Construção Civil / Empreiteiras.</a:t>
-            </a:r>
-          </a:p>
-        </p:txBody>
-      </p:sp>
-    </p:spTree>
-  </p:cSld>
-  <p:clrMapOvr>
-    <a:masterClrMapping/>
-  </p:clrMapOvr>
-  <p:transition spd="med">
-    <p:fade/>
-  </p:transition>
-</p:sld>
-</file>
-
-<file path=ppt/slides/slide20.xml><?xml version="1.0" encoding="utf-8"?>
+<file path=ppt/slides/slide27.xml><?xml version="1.0" encoding="utf-8"?>
 <p:sld xmlns:a="http://schemas.openxmlformats.org/drawingml/2006/main" xmlns:r="http://schemas.openxmlformats.org/officeDocument/2006/relationships" xmlns:p="http://schemas.openxmlformats.org/presentationml/2006/main">
   <p:cSld>
     <p:spTree>
@@ -5504,14 +6542,14 @@
             </a:ln>
             <a:extLst>
               <a:ext uri="{909E8E84-426E-40DD-AFC4-6F175D3DCCD1}">
-                <a14:hiddenFill xmlns:a14="http://schemas.microsoft.com/office/drawing/2010/main">
+                <a14:hiddenFill xmlns:a14="http://schemas.microsoft.com/office/drawing/2010/main" xmlns="">
                   <a:solidFill>
                     <a:srgbClr val="FFFFFF"/>
                   </a:solidFill>
                 </a14:hiddenFill>
               </a:ext>
               <a:ext uri="{91240B29-F687-4F45-9708-019B960494DF}">
-                <a14:hiddenLine xmlns:a14="http://schemas.microsoft.com/office/drawing/2010/main" w="9525">
+                <a14:hiddenLine xmlns:a14="http://schemas.microsoft.com/office/drawing/2010/main" xmlns="" w="9525">
                   <a:solidFill>
                     <a:srgbClr val="000000"/>
                   </a:solidFill>
@@ -5661,14 +6699,14 @@
             </a:ln>
             <a:extLst>
               <a:ext uri="{909E8E84-426E-40DD-AFC4-6F175D3DCCD1}">
-                <a14:hiddenFill xmlns:a14="http://schemas.microsoft.com/office/drawing/2010/main">
+                <a14:hiddenFill xmlns:a14="http://schemas.microsoft.com/office/drawing/2010/main" xmlns="">
                   <a:solidFill>
                     <a:srgbClr val="FFFFFF"/>
                   </a:solidFill>
                 </a14:hiddenFill>
               </a:ext>
               <a:ext uri="{91240B29-F687-4F45-9708-019B960494DF}">
-                <a14:hiddenLine xmlns:a14="http://schemas.microsoft.com/office/drawing/2010/main" w="9525">
+                <a14:hiddenLine xmlns:a14="http://schemas.microsoft.com/office/drawing/2010/main" xmlns="" w="9525">
                   <a:solidFill>
                     <a:srgbClr val="000000"/>
                   </a:solidFill>
@@ -5913,7 +6951,7 @@
     </p:spTree>
     <p:extLst>
       <p:ext uri="{BB962C8B-B14F-4D97-AF65-F5344CB8AC3E}">
-        <p14:creationId xmlns:p14="http://schemas.microsoft.com/office/powerpoint/2010/main" val="681014556"/>
+        <p14:creationId xmlns:p14="http://schemas.microsoft.com/office/powerpoint/2010/main" xmlns="" val="681014556"/>
       </p:ext>
     </p:extLst>
   </p:cSld>
@@ -5926,7 +6964,7 @@
 </p:sld>
 </file>
 
-<file path=ppt/slides/slide21.xml><?xml version="1.0" encoding="utf-8"?>
+<file path=ppt/slides/slide28.xml><?xml version="1.0" encoding="utf-8"?>
 <p:sld xmlns:a="http://schemas.openxmlformats.org/drawingml/2006/main" xmlns:r="http://schemas.openxmlformats.org/officeDocument/2006/relationships" xmlns:p="http://schemas.openxmlformats.org/presentationml/2006/main">
   <p:cSld>
     <p:spTree>
@@ -6001,7 +7039,7 @@
 </p:sld>
 </file>
 
-<file path=ppt/slides/slide22.xml><?xml version="1.0" encoding="utf-8"?>
+<file path=ppt/slides/slide29.xml><?xml version="1.0" encoding="utf-8"?>
 <p:sld xmlns:a="http://schemas.openxmlformats.org/drawingml/2006/main" xmlns:r="http://schemas.openxmlformats.org/officeDocument/2006/relationships" xmlns:p="http://schemas.openxmlformats.org/presentationml/2006/main">
   <p:cSld>
     <p:spTree>
@@ -6123,7 +7161,7 @@
           <p:cNvPr id="8" name="Picture 7">
             <a:extLst>
               <a:ext uri="{FF2B5EF4-FFF2-40B4-BE49-F238E27FC236}">
-                <a16:creationId xmlns:a16="http://schemas.microsoft.com/office/drawing/2014/main" id="{6802FF0F-183C-4A30-9C30-D9C9C5405CD1}"/>
+                <a16:creationId xmlns:a16="http://schemas.microsoft.com/office/drawing/2014/main" xmlns="" id="{6802FF0F-183C-4A30-9C30-D9C9C5405CD1}"/>
               </a:ext>
             </a:extLst>
           </p:cNvPr>
@@ -6133,7 +7171,7 @@
           <p:nvPr/>
         </p:nvPicPr>
         <p:blipFill>
-          <a:blip r:embed="rId2"/>
+          <a:blip r:embed="rId2" cstate="print"/>
           <a:stretch>
             <a:fillRect/>
           </a:stretch>
@@ -6206,7 +7244,7 @@
           <p:cNvPr id="11266" name="Diagrama 1">
             <a:extLst>
               <a:ext uri="{FF2B5EF4-FFF2-40B4-BE49-F238E27FC236}">
-                <a16:creationId xmlns:a16="http://schemas.microsoft.com/office/drawing/2014/main" id="{4C81840A-E9DF-427C-85B7-BC425FCD88EA}"/>
+                <a16:creationId xmlns:a16="http://schemas.microsoft.com/office/drawing/2014/main" xmlns="" id="{4C81840A-E9DF-427C-85B7-BC425FCD88EA}"/>
               </a:ext>
             </a:extLst>
           </p:cNvPr>
@@ -6216,10 +7254,10 @@
           <p:nvPr/>
         </p:nvPicPr>
         <p:blipFill>
-          <a:blip r:embed="rId2">
+          <a:blip r:embed="rId2" cstate="print">
             <a:extLst>
               <a:ext uri="{28A0092B-C50C-407E-A947-70E740481C1C}">
-                <a14:useLocalDpi xmlns:a14="http://schemas.microsoft.com/office/drawing/2010/main" val="0"/>
+                <a14:useLocalDpi xmlns:a14="http://schemas.microsoft.com/office/drawing/2010/main" xmlns="" val="0"/>
               </a:ext>
             </a:extLst>
           </a:blip>
@@ -6242,14 +7280,14 @@
           </a:ln>
           <a:extLst>
             <a:ext uri="{909E8E84-426E-40DD-AFC4-6F175D3DCCD1}">
-              <a14:hiddenFill xmlns:a14="http://schemas.microsoft.com/office/drawing/2010/main">
+              <a14:hiddenFill xmlns:a14="http://schemas.microsoft.com/office/drawing/2010/main" xmlns="">
                 <a:solidFill>
                   <a:srgbClr val="FFFFFF"/>
                 </a:solidFill>
               </a14:hiddenFill>
             </a:ext>
             <a:ext uri="{91240B29-F687-4F45-9708-019B960494DF}">
-              <a14:hiddenLine xmlns:a14="http://schemas.microsoft.com/office/drawing/2010/main" w="9525">
+              <a14:hiddenLine xmlns:a14="http://schemas.microsoft.com/office/drawing/2010/main" xmlns="" w="9525">
                 <a:solidFill>
                   <a:srgbClr val="000000"/>
                 </a:solidFill>
@@ -6319,7 +7357,7 @@
           <p:cNvPr id="13314" name="Picture 2" descr="Arquitetura do Sistema v2">
             <a:extLst>
               <a:ext uri="{FF2B5EF4-FFF2-40B4-BE49-F238E27FC236}">
-                <a16:creationId xmlns:a16="http://schemas.microsoft.com/office/drawing/2014/main" id="{EA7FDE5E-A5FA-4E94-8B57-8FB50D8A51A9}"/>
+                <a16:creationId xmlns:a16="http://schemas.microsoft.com/office/drawing/2014/main" xmlns="" id="{EA7FDE5E-A5FA-4E94-8B57-8FB50D8A51A9}"/>
               </a:ext>
             </a:extLst>
           </p:cNvPr>
@@ -6329,10 +7367,10 @@
           <p:nvPr/>
         </p:nvPicPr>
         <p:blipFill>
-          <a:blip r:embed="rId2">
+          <a:blip r:embed="rId2" cstate="print">
             <a:extLst>
               <a:ext uri="{28A0092B-C50C-407E-A947-70E740481C1C}">
-                <a14:useLocalDpi xmlns:a14="http://schemas.microsoft.com/office/drawing/2010/main" val="0"/>
+                <a14:useLocalDpi xmlns:a14="http://schemas.microsoft.com/office/drawing/2010/main" xmlns="" val="0"/>
               </a:ext>
             </a:extLst>
           </a:blip>
@@ -6355,14 +7393,14 @@
           </a:ln>
           <a:extLst>
             <a:ext uri="{909E8E84-426E-40DD-AFC4-6F175D3DCCD1}">
-              <a14:hiddenFill xmlns:a14="http://schemas.microsoft.com/office/drawing/2010/main">
+              <a14:hiddenFill xmlns:a14="http://schemas.microsoft.com/office/drawing/2010/main" xmlns="">
                 <a:solidFill>
                   <a:srgbClr val="FFFFFF"/>
                 </a:solidFill>
               </a14:hiddenFill>
             </a:ext>
             <a:ext uri="{91240B29-F687-4F45-9708-019B960494DF}">
-              <a14:hiddenLine xmlns:a14="http://schemas.microsoft.com/office/drawing/2010/main" w="9525">
+              <a14:hiddenLine xmlns:a14="http://schemas.microsoft.com/office/drawing/2010/main" xmlns="" w="9525">
                 <a:solidFill>
                   <a:srgbClr val="000000"/>
                 </a:solidFill>
@@ -6475,14 +7513,14 @@
             </a:ln>
             <a:extLst>
               <a:ext uri="{909E8E84-426E-40DD-AFC4-6F175D3DCCD1}">
-                <a14:hiddenFill xmlns:a14="http://schemas.microsoft.com/office/drawing/2010/main">
+                <a14:hiddenFill xmlns:a14="http://schemas.microsoft.com/office/drawing/2010/main" xmlns="">
                   <a:solidFill>
                     <a:srgbClr val="FFFFFF"/>
                   </a:solidFill>
                 </a14:hiddenFill>
               </a:ext>
               <a:ext uri="{91240B29-F687-4F45-9708-019B960494DF}">
-                <a14:hiddenLine xmlns:a14="http://schemas.microsoft.com/office/drawing/2010/main" w="9525">
+                <a14:hiddenLine xmlns:a14="http://schemas.microsoft.com/office/drawing/2010/main" xmlns="" w="9525">
                   <a:solidFill>
                     <a:srgbClr val="000000"/>
                   </a:solidFill>
@@ -6632,14 +7670,14 @@
             </a:ln>
             <a:extLst>
               <a:ext uri="{909E8E84-426E-40DD-AFC4-6F175D3DCCD1}">
-                <a14:hiddenFill xmlns:a14="http://schemas.microsoft.com/office/drawing/2010/main">
+                <a14:hiddenFill xmlns:a14="http://schemas.microsoft.com/office/drawing/2010/main" xmlns="">
                   <a:solidFill>
                     <a:srgbClr val="FFFFFF"/>
                   </a:solidFill>
                 </a14:hiddenFill>
               </a:ext>
               <a:ext uri="{91240B29-F687-4F45-9708-019B960494DF}">
-                <a14:hiddenLine xmlns:a14="http://schemas.microsoft.com/office/drawing/2010/main" w="9525">
+                <a14:hiddenLine xmlns:a14="http://schemas.microsoft.com/office/drawing/2010/main" xmlns="" w="9525">
                   <a:solidFill>
                     <a:srgbClr val="000000"/>
                   </a:solidFill>
@@ -6945,16 +7983,20 @@
           </p:nvPr>
         </p:nvSpPr>
         <p:spPr bwMode="auto">
+          <a:xfrm>
+            <a:off x="179512" y="1340768"/>
+            <a:ext cx="8785225" cy="4751387"/>
+          </a:xfrm>
           <a:extLst>
             <a:ext uri="{909E8E84-426E-40DD-AFC4-6F175D3DCCD1}">
-              <a14:hiddenFill xmlns:a14="http://schemas.microsoft.com/office/drawing/2010/main">
+              <a14:hiddenFill xmlns:a14="http://schemas.microsoft.com/office/drawing/2010/main" xmlns="">
                 <a:solidFill>
                   <a:srgbClr val="FFFFFF"/>
                 </a:solidFill>
               </a14:hiddenFill>
             </a:ext>
             <a:ext uri="{91240B29-F687-4F45-9708-019B960494DF}">
-              <a14:hiddenLine xmlns:a14="http://schemas.microsoft.com/office/drawing/2010/main" w="9525">
+              <a14:hiddenLine xmlns:a14="http://schemas.microsoft.com/office/drawing/2010/main" xmlns="" w="9525">
                 <a:solidFill>
                   <a:srgbClr val="000000"/>
                 </a:solidFill>
@@ -7164,7 +8206,7 @@
           <p:cNvPr id="2050" name="Picture 2" descr="Realizar Atendimento do Paciente">
             <a:extLst>
               <a:ext uri="{FF2B5EF4-FFF2-40B4-BE49-F238E27FC236}">
-                <a16:creationId xmlns:a16="http://schemas.microsoft.com/office/drawing/2014/main" id="{382A9180-B432-418B-9317-1CB76F230FC8}"/>
+                <a16:creationId xmlns:a16="http://schemas.microsoft.com/office/drawing/2014/main" xmlns="" id="{382A9180-B432-418B-9317-1CB76F230FC8}"/>
               </a:ext>
             </a:extLst>
           </p:cNvPr>
@@ -7174,10 +8216,10 @@
           <p:nvPr/>
         </p:nvPicPr>
         <p:blipFill>
-          <a:blip r:embed="rId2">
+          <a:blip r:embed="rId2" cstate="print">
             <a:extLst>
               <a:ext uri="{28A0092B-C50C-407E-A947-70E740481C1C}">
-                <a14:useLocalDpi xmlns:a14="http://schemas.microsoft.com/office/drawing/2010/main" val="0"/>
+                <a14:useLocalDpi xmlns:a14="http://schemas.microsoft.com/office/drawing/2010/main" xmlns="" val="0"/>
               </a:ext>
             </a:extLst>
           </a:blip>
@@ -7200,14 +8242,14 @@
           </a:ln>
           <a:extLst>
             <a:ext uri="{909E8E84-426E-40DD-AFC4-6F175D3DCCD1}">
-              <a14:hiddenFill xmlns:a14="http://schemas.microsoft.com/office/drawing/2010/main">
+              <a14:hiddenFill xmlns:a14="http://schemas.microsoft.com/office/drawing/2010/main" xmlns="">
                 <a:solidFill>
                   <a:srgbClr val="FFFFFF"/>
                 </a:solidFill>
               </a14:hiddenFill>
             </a:ext>
             <a:ext uri="{91240B29-F687-4F45-9708-019B960494DF}">
-              <a14:hiddenLine xmlns:a14="http://schemas.microsoft.com/office/drawing/2010/main" w="9525">
+              <a14:hiddenLine xmlns:a14="http://schemas.microsoft.com/office/drawing/2010/main" xmlns="" w="9525">
                 <a:solidFill>
                   <a:srgbClr val="000000"/>
                 </a:solidFill>
@@ -7277,7 +8319,7 @@
           <p:cNvPr id="3074" name="Picture 2">
             <a:extLst>
               <a:ext uri="{FF2B5EF4-FFF2-40B4-BE49-F238E27FC236}">
-                <a16:creationId xmlns:a16="http://schemas.microsoft.com/office/drawing/2014/main" id="{8E1DF024-FFFB-4CD4-9A0E-7DFABA40FF83}"/>
+                <a16:creationId xmlns:a16="http://schemas.microsoft.com/office/drawing/2014/main" xmlns="" id="{8E1DF024-FFFB-4CD4-9A0E-7DFABA40FF83}"/>
               </a:ext>
             </a:extLst>
           </p:cNvPr>
@@ -7287,10 +8329,10 @@
           <p:nvPr/>
         </p:nvPicPr>
         <p:blipFill>
-          <a:blip r:embed="rId2">
+          <a:blip r:embed="rId2" cstate="print">
             <a:extLst>
               <a:ext uri="{28A0092B-C50C-407E-A947-70E740481C1C}">
-                <a14:useLocalDpi xmlns:a14="http://schemas.microsoft.com/office/drawing/2010/main" val="0"/>
+                <a14:useLocalDpi xmlns:a14="http://schemas.microsoft.com/office/drawing/2010/main" xmlns="" val="0"/>
               </a:ext>
             </a:extLst>
           </a:blip>
@@ -7313,14 +8355,14 @@
           </a:ln>
           <a:extLst>
             <a:ext uri="{909E8E84-426E-40DD-AFC4-6F175D3DCCD1}">
-              <a14:hiddenFill xmlns:a14="http://schemas.microsoft.com/office/drawing/2010/main">
+              <a14:hiddenFill xmlns:a14="http://schemas.microsoft.com/office/drawing/2010/main" xmlns="">
                 <a:solidFill>
                   <a:srgbClr val="FFFFFF"/>
                 </a:solidFill>
               </a14:hiddenFill>
             </a:ext>
             <a:ext uri="{91240B29-F687-4F45-9708-019B960494DF}">
-              <a14:hiddenLine xmlns:a14="http://schemas.microsoft.com/office/drawing/2010/main" w="9525">
+              <a14:hiddenLine xmlns:a14="http://schemas.microsoft.com/office/drawing/2010/main" xmlns="" w="9525">
                 <a:solidFill>
                   <a:srgbClr val="000000"/>
                 </a:solidFill>

--- a/TCC/3º Encontro/2017-Apresentacao Psystem.pptx
+++ b/TCC/3º Encontro/2017-Apresentacao Psystem.pptx
@@ -32,8 +32,14 @@
     <p:sldId id="289" r:id="rId26"/>
     <p:sldId id="290" r:id="rId27"/>
     <p:sldId id="291" r:id="rId28"/>
-    <p:sldId id="279" r:id="rId29"/>
-    <p:sldId id="280" r:id="rId30"/>
+    <p:sldId id="299" r:id="rId29"/>
+    <p:sldId id="300" r:id="rId30"/>
+    <p:sldId id="301" r:id="rId31"/>
+    <p:sldId id="302" r:id="rId32"/>
+    <p:sldId id="303" r:id="rId33"/>
+    <p:sldId id="304" r:id="rId34"/>
+    <p:sldId id="279" r:id="rId35"/>
+    <p:sldId id="280" r:id="rId36"/>
   </p:sldIdLst>
   <p:sldSz cx="9144000" cy="6858000" type="screen4x3"/>
   <p:notesSz cx="6858000" cy="9144000"/>
@@ -164,7 +170,7 @@
   </p:defaultTextStyle>
   <p:extLst>
     <p:ext uri="{EFAFB233-063F-42B5-8137-9DF3F51BA10A}">
-      <p15:sldGuideLst xmlns:p15="http://schemas.microsoft.com/office/powerpoint/2012/main" xmlns="">
+      <p15:sldGuideLst xmlns:p15="http://schemas.microsoft.com/office/powerpoint/2012/main">
         <p15:guide id="1" orient="horz" pos="2160">
           <p15:clr>
             <a:srgbClr val="A4A3A4"/>
@@ -291,7 +297,7 @@
     </p:spTree>
     <p:extLst>
       <p:ext uri="{BB962C8B-B14F-4D97-AF65-F5344CB8AC3E}">
-        <p14:creationId xmlns:p14="http://schemas.microsoft.com/office/powerpoint/2010/main" xmlns="" val="3951886733"/>
+        <p14:creationId xmlns:p14="http://schemas.microsoft.com/office/powerpoint/2010/main" val="3951886733"/>
       </p:ext>
     </p:extLst>
   </p:cSld>
@@ -582,7 +588,7 @@
     </p:spTree>
     <p:extLst>
       <p:ext uri="{BB962C8B-B14F-4D97-AF65-F5344CB8AC3E}">
-        <p14:creationId xmlns:p14="http://schemas.microsoft.com/office/powerpoint/2010/main" xmlns="" val="1588299535"/>
+        <p14:creationId xmlns:p14="http://schemas.microsoft.com/office/powerpoint/2010/main" val="1588299535"/>
       </p:ext>
     </p:extLst>
   </p:cSld>
@@ -631,14 +637,14 @@
           </a:ln>
           <a:extLst>
             <a:ext uri="{909E8E84-426E-40DD-AFC4-6F175D3DCCD1}">
-              <a14:hiddenFill xmlns:a14="http://schemas.microsoft.com/office/drawing/2010/main" xmlns="">
+              <a14:hiddenFill xmlns:a14="http://schemas.microsoft.com/office/drawing/2010/main">
                 <a:solidFill>
                   <a:srgbClr val="FFFFFF"/>
                 </a:solidFill>
               </a14:hiddenFill>
             </a:ext>
             <a:ext uri="{91240B29-F687-4F45-9708-019B960494DF}">
-              <a14:hiddenLine xmlns:a14="http://schemas.microsoft.com/office/drawing/2010/main" xmlns="" w="9525">
+              <a14:hiddenLine xmlns:a14="http://schemas.microsoft.com/office/drawing/2010/main" w="9525">
                 <a:solidFill>
                   <a:srgbClr val="000000"/>
                 </a:solidFill>
@@ -1054,7 +1060,7 @@
     </p:spTree>
     <p:extLst>
       <p:ext uri="{BB962C8B-B14F-4D97-AF65-F5344CB8AC3E}">
-        <p14:creationId xmlns:p14="http://schemas.microsoft.com/office/powerpoint/2010/main" xmlns="" val="3359836669"/>
+        <p14:creationId xmlns:p14="http://schemas.microsoft.com/office/powerpoint/2010/main" val="3359836669"/>
       </p:ext>
     </p:extLst>
   </p:cSld>
@@ -1084,7 +1090,7 @@
     </p:spTree>
     <p:extLst>
       <p:ext uri="{BB962C8B-B14F-4D97-AF65-F5344CB8AC3E}">
-        <p14:creationId xmlns:p14="http://schemas.microsoft.com/office/powerpoint/2010/main" xmlns="" val="413836109"/>
+        <p14:creationId xmlns:p14="http://schemas.microsoft.com/office/powerpoint/2010/main" val="413836109"/>
       </p:ext>
     </p:extLst>
   </p:cSld>
@@ -1184,7 +1190,7 @@
           <a:blip r:embed="rId2" cstate="print">
             <a:extLst>
               <a:ext uri="{28A0092B-C50C-407E-A947-70E740481C1C}">
-                <a14:useLocalDpi xmlns:a14="http://schemas.microsoft.com/office/drawing/2010/main" xmlns="" val="0"/>
+                <a14:useLocalDpi xmlns:a14="http://schemas.microsoft.com/office/drawing/2010/main" val="0"/>
               </a:ext>
             </a:extLst>
           </a:blip>
@@ -1207,14 +1213,14 @@
           </a:ln>
           <a:extLst>
             <a:ext uri="{909E8E84-426E-40DD-AFC4-6F175D3DCCD1}">
-              <a14:hiddenFill xmlns:a14="http://schemas.microsoft.com/office/drawing/2010/main" xmlns="">
+              <a14:hiddenFill xmlns:a14="http://schemas.microsoft.com/office/drawing/2010/main">
                 <a:solidFill>
                   <a:srgbClr val="FFFFFF"/>
                 </a:solidFill>
               </a14:hiddenFill>
             </a:ext>
             <a:ext uri="{91240B29-F687-4F45-9708-019B960494DF}">
-              <a14:hiddenLine xmlns:a14="http://schemas.microsoft.com/office/drawing/2010/main" xmlns="" w="9525">
+              <a14:hiddenLine xmlns:a14="http://schemas.microsoft.com/office/drawing/2010/main" w="9525">
                 <a:solidFill>
                   <a:srgbClr val="000000"/>
                 </a:solidFill>
@@ -1278,7 +1284,7 @@
     </p:spTree>
     <p:extLst>
       <p:ext uri="{BB962C8B-B14F-4D97-AF65-F5344CB8AC3E}">
-        <p14:creationId xmlns:p14="http://schemas.microsoft.com/office/powerpoint/2010/main" xmlns="" val="2156181659"/>
+        <p14:creationId xmlns:p14="http://schemas.microsoft.com/office/powerpoint/2010/main" val="2156181659"/>
       </p:ext>
     </p:extLst>
   </p:cSld>
@@ -1445,7 +1451,7 @@
     </p:spTree>
     <p:extLst>
       <p:ext uri="{BB962C8B-B14F-4D97-AF65-F5344CB8AC3E}">
-        <p14:creationId xmlns:p14="http://schemas.microsoft.com/office/powerpoint/2010/main" xmlns="" val="83598666"/>
+        <p14:creationId xmlns:p14="http://schemas.microsoft.com/office/powerpoint/2010/main" val="83598666"/>
       </p:ext>
     </p:extLst>
   </p:cSld>
@@ -1489,7 +1495,7 @@
           <a:blip r:embed="rId8" cstate="print">
             <a:extLst>
               <a:ext uri="{28A0092B-C50C-407E-A947-70E740481C1C}">
-                <a14:useLocalDpi xmlns:a14="http://schemas.microsoft.com/office/drawing/2010/main" xmlns="" val="0"/>
+                <a14:useLocalDpi xmlns:a14="http://schemas.microsoft.com/office/drawing/2010/main" val="0"/>
               </a:ext>
             </a:extLst>
           </a:blip>
@@ -1512,14 +1518,14 @@
           </a:ln>
           <a:extLst>
             <a:ext uri="{909E8E84-426E-40DD-AFC4-6F175D3DCCD1}">
-              <a14:hiddenFill xmlns:a14="http://schemas.microsoft.com/office/drawing/2010/main" xmlns="">
+              <a14:hiddenFill xmlns:a14="http://schemas.microsoft.com/office/drawing/2010/main">
                 <a:solidFill>
                   <a:srgbClr val="FFFFFF"/>
                 </a:solidFill>
               </a14:hiddenFill>
             </a:ext>
             <a:ext uri="{91240B29-F687-4F45-9708-019B960494DF}">
-              <a14:hiddenLine xmlns:a14="http://schemas.microsoft.com/office/drawing/2010/main" xmlns="" w="9525">
+              <a14:hiddenLine xmlns:a14="http://schemas.microsoft.com/office/drawing/2010/main" w="9525">
                 <a:solidFill>
                   <a:srgbClr val="000000"/>
                 </a:solidFill>
@@ -1592,7 +1598,7 @@
           <a:blip r:embed="rId9" cstate="print">
             <a:extLst>
               <a:ext uri="{28A0092B-C50C-407E-A947-70E740481C1C}">
-                <a14:useLocalDpi xmlns:a14="http://schemas.microsoft.com/office/drawing/2010/main" xmlns="" val="0"/>
+                <a14:useLocalDpi xmlns:a14="http://schemas.microsoft.com/office/drawing/2010/main" val="0"/>
               </a:ext>
             </a:extLst>
           </a:blip>
@@ -1615,14 +1621,14 @@
           </a:ln>
           <a:extLst>
             <a:ext uri="{909E8E84-426E-40DD-AFC4-6F175D3DCCD1}">
-              <a14:hiddenFill xmlns:a14="http://schemas.microsoft.com/office/drawing/2010/main" xmlns="">
+              <a14:hiddenFill xmlns:a14="http://schemas.microsoft.com/office/drawing/2010/main">
                 <a:solidFill>
                   <a:srgbClr val="FFFFFF"/>
                 </a:solidFill>
               </a14:hiddenFill>
             </a:ext>
             <a:ext uri="{91240B29-F687-4F45-9708-019B960494DF}">
-              <a14:hiddenLine xmlns:a14="http://schemas.microsoft.com/office/drawing/2010/main" xmlns="" w="9525">
+              <a14:hiddenLine xmlns:a14="http://schemas.microsoft.com/office/drawing/2010/main" w="9525">
                 <a:solidFill>
                   <a:srgbClr val="000000"/>
                 </a:solidFill>
@@ -2186,14 +2192,14 @@
             </a:ln>
             <a:extLst>
               <a:ext uri="{909E8E84-426E-40DD-AFC4-6F175D3DCCD1}">
-                <a14:hiddenFill xmlns:a14="http://schemas.microsoft.com/office/drawing/2010/main" xmlns="">
+                <a14:hiddenFill xmlns:a14="http://schemas.microsoft.com/office/drawing/2010/main">
                   <a:solidFill>
                     <a:srgbClr val="FFFFFF"/>
                   </a:solidFill>
                 </a14:hiddenFill>
               </a:ext>
               <a:ext uri="{91240B29-F687-4F45-9708-019B960494DF}">
-                <a14:hiddenLine xmlns:a14="http://schemas.microsoft.com/office/drawing/2010/main" xmlns="" w="9525">
+                <a14:hiddenLine xmlns:a14="http://schemas.microsoft.com/office/drawing/2010/main" w="9525">
                   <a:solidFill>
                     <a:srgbClr val="000000"/>
                   </a:solidFill>
@@ -2343,14 +2349,14 @@
             </a:ln>
             <a:extLst>
               <a:ext uri="{909E8E84-426E-40DD-AFC4-6F175D3DCCD1}">
-                <a14:hiddenFill xmlns:a14="http://schemas.microsoft.com/office/drawing/2010/main" xmlns="">
+                <a14:hiddenFill xmlns:a14="http://schemas.microsoft.com/office/drawing/2010/main">
                   <a:solidFill>
                     <a:srgbClr val="FFFFFF"/>
                   </a:solidFill>
                 </a14:hiddenFill>
               </a:ext>
               <a:ext uri="{91240B29-F687-4F45-9708-019B960494DF}">
-                <a14:hiddenLine xmlns:a14="http://schemas.microsoft.com/office/drawing/2010/main" xmlns="" w="9525">
+                <a14:hiddenLine xmlns:a14="http://schemas.microsoft.com/office/drawing/2010/main" w="9525">
                   <a:solidFill>
                     <a:srgbClr val="000000"/>
                   </a:solidFill>
@@ -2718,7 +2724,7 @@
           <p:cNvPr id="4098" name="Picture 2">
             <a:extLst>
               <a:ext uri="{FF2B5EF4-FFF2-40B4-BE49-F238E27FC236}">
-                <a16:creationId xmlns:a16="http://schemas.microsoft.com/office/drawing/2014/main" xmlns="" id="{E78D3342-3CB1-4010-9B6B-88EB7ABCFE33}"/>
+                <a16:creationId xmlns="" xmlns:a16="http://schemas.microsoft.com/office/drawing/2014/main" id="{E78D3342-3CB1-4010-9B6B-88EB7ABCFE33}"/>
               </a:ext>
             </a:extLst>
           </p:cNvPr>
@@ -2731,7 +2737,7 @@
           <a:blip r:embed="rId2" cstate="print">
             <a:extLst>
               <a:ext uri="{28A0092B-C50C-407E-A947-70E740481C1C}">
-                <a14:useLocalDpi xmlns:a14="http://schemas.microsoft.com/office/drawing/2010/main" xmlns="" val="0"/>
+                <a14:useLocalDpi xmlns:a14="http://schemas.microsoft.com/office/drawing/2010/main" val="0"/>
               </a:ext>
             </a:extLst>
           </a:blip>
@@ -2754,14 +2760,14 @@
           </a:ln>
           <a:extLst>
             <a:ext uri="{909E8E84-426E-40DD-AFC4-6F175D3DCCD1}">
-              <a14:hiddenFill xmlns:a14="http://schemas.microsoft.com/office/drawing/2010/main" xmlns="">
+              <a14:hiddenFill xmlns:a14="http://schemas.microsoft.com/office/drawing/2010/main">
                 <a:solidFill>
                   <a:srgbClr val="FFFFFF"/>
                 </a:solidFill>
               </a14:hiddenFill>
             </a:ext>
             <a:ext uri="{91240B29-F687-4F45-9708-019B960494DF}">
-              <a14:hiddenLine xmlns:a14="http://schemas.microsoft.com/office/drawing/2010/main" xmlns="" w="9525">
+              <a14:hiddenLine xmlns:a14="http://schemas.microsoft.com/office/drawing/2010/main" w="9525">
                 <a:solidFill>
                   <a:srgbClr val="000000"/>
                 </a:solidFill>
@@ -2776,7 +2782,7 @@
     </p:spTree>
     <p:extLst>
       <p:ext uri="{BB962C8B-B14F-4D97-AF65-F5344CB8AC3E}">
-        <p14:creationId xmlns:p14="http://schemas.microsoft.com/office/powerpoint/2010/main" xmlns="" val="1781569390"/>
+        <p14:creationId xmlns:p14="http://schemas.microsoft.com/office/powerpoint/2010/main" val="1781569390"/>
       </p:ext>
     </p:extLst>
   </p:cSld>
@@ -2836,7 +2842,7 @@
           <p:cNvPr id="6146" name="Picture 2">
             <a:extLst>
               <a:ext uri="{FF2B5EF4-FFF2-40B4-BE49-F238E27FC236}">
-                <a16:creationId xmlns:a16="http://schemas.microsoft.com/office/drawing/2014/main" xmlns="" id="{556A2F80-2684-47F2-8981-F7DE44CA7C80}"/>
+                <a16:creationId xmlns="" xmlns:a16="http://schemas.microsoft.com/office/drawing/2014/main" id="{556A2F80-2684-47F2-8981-F7DE44CA7C80}"/>
               </a:ext>
             </a:extLst>
           </p:cNvPr>
@@ -2849,7 +2855,7 @@
           <a:blip r:embed="rId2" cstate="print">
             <a:extLst>
               <a:ext uri="{28A0092B-C50C-407E-A947-70E740481C1C}">
-                <a14:useLocalDpi xmlns:a14="http://schemas.microsoft.com/office/drawing/2010/main" xmlns="" val="0"/>
+                <a14:useLocalDpi xmlns:a14="http://schemas.microsoft.com/office/drawing/2010/main" val="0"/>
               </a:ext>
             </a:extLst>
           </a:blip>
@@ -2872,14 +2878,14 @@
           </a:ln>
           <a:extLst>
             <a:ext uri="{909E8E84-426E-40DD-AFC4-6F175D3DCCD1}">
-              <a14:hiddenFill xmlns:a14="http://schemas.microsoft.com/office/drawing/2010/main" xmlns="">
+              <a14:hiddenFill xmlns:a14="http://schemas.microsoft.com/office/drawing/2010/main">
                 <a:solidFill>
                   <a:srgbClr val="FFFFFF"/>
                 </a:solidFill>
               </a14:hiddenFill>
             </a:ext>
             <a:ext uri="{91240B29-F687-4F45-9708-019B960494DF}">
-              <a14:hiddenLine xmlns:a14="http://schemas.microsoft.com/office/drawing/2010/main" xmlns="" w="9525">
+              <a14:hiddenLine xmlns:a14="http://schemas.microsoft.com/office/drawing/2010/main" w="9525">
                 <a:solidFill>
                   <a:srgbClr val="000000"/>
                 </a:solidFill>
@@ -2894,7 +2900,7 @@
     </p:spTree>
     <p:extLst>
       <p:ext uri="{BB962C8B-B14F-4D97-AF65-F5344CB8AC3E}">
-        <p14:creationId xmlns:p14="http://schemas.microsoft.com/office/powerpoint/2010/main" xmlns="" val="2106631967"/>
+        <p14:creationId xmlns:p14="http://schemas.microsoft.com/office/powerpoint/2010/main" val="2106631967"/>
       </p:ext>
     </p:extLst>
   </p:cSld>
@@ -2954,7 +2960,7 @@
           <p:cNvPr id="7170" name="Picture 2">
             <a:extLst>
               <a:ext uri="{FF2B5EF4-FFF2-40B4-BE49-F238E27FC236}">
-                <a16:creationId xmlns:a16="http://schemas.microsoft.com/office/drawing/2014/main" xmlns="" id="{6275A695-A03A-49D0-973C-4396A7F4314A}"/>
+                <a16:creationId xmlns="" xmlns:a16="http://schemas.microsoft.com/office/drawing/2014/main" id="{6275A695-A03A-49D0-973C-4396A7F4314A}"/>
               </a:ext>
             </a:extLst>
           </p:cNvPr>
@@ -2967,7 +2973,7 @@
           <a:blip r:embed="rId2" cstate="print">
             <a:extLst>
               <a:ext uri="{28A0092B-C50C-407E-A947-70E740481C1C}">
-                <a14:useLocalDpi xmlns:a14="http://schemas.microsoft.com/office/drawing/2010/main" xmlns="" val="0"/>
+                <a14:useLocalDpi xmlns:a14="http://schemas.microsoft.com/office/drawing/2010/main" val="0"/>
               </a:ext>
             </a:extLst>
           </a:blip>
@@ -2990,14 +2996,14 @@
           </a:ln>
           <a:extLst>
             <a:ext uri="{909E8E84-426E-40DD-AFC4-6F175D3DCCD1}">
-              <a14:hiddenFill xmlns:a14="http://schemas.microsoft.com/office/drawing/2010/main" xmlns="">
+              <a14:hiddenFill xmlns:a14="http://schemas.microsoft.com/office/drawing/2010/main">
                 <a:solidFill>
                   <a:srgbClr val="FFFFFF"/>
                 </a:solidFill>
               </a14:hiddenFill>
             </a:ext>
             <a:ext uri="{91240B29-F687-4F45-9708-019B960494DF}">
-              <a14:hiddenLine xmlns:a14="http://schemas.microsoft.com/office/drawing/2010/main" xmlns="" w="9525">
+              <a14:hiddenLine xmlns:a14="http://schemas.microsoft.com/office/drawing/2010/main" w="9525">
                 <a:solidFill>
                   <a:srgbClr val="000000"/>
                 </a:solidFill>
@@ -3012,7 +3018,7 @@
     </p:spTree>
     <p:extLst>
       <p:ext uri="{BB962C8B-B14F-4D97-AF65-F5344CB8AC3E}">
-        <p14:creationId xmlns:p14="http://schemas.microsoft.com/office/powerpoint/2010/main" xmlns="" val="3902333468"/>
+        <p14:creationId xmlns:p14="http://schemas.microsoft.com/office/powerpoint/2010/main" val="3902333468"/>
       </p:ext>
     </p:extLst>
   </p:cSld>
@@ -3072,7 +3078,7 @@
           <p:cNvPr id="8194" name="Picture 2">
             <a:extLst>
               <a:ext uri="{FF2B5EF4-FFF2-40B4-BE49-F238E27FC236}">
-                <a16:creationId xmlns:a16="http://schemas.microsoft.com/office/drawing/2014/main" xmlns="" id="{BE3038CC-B9FD-49DA-BE5E-677673705C62}"/>
+                <a16:creationId xmlns="" xmlns:a16="http://schemas.microsoft.com/office/drawing/2014/main" id="{BE3038CC-B9FD-49DA-BE5E-677673705C62}"/>
               </a:ext>
             </a:extLst>
           </p:cNvPr>
@@ -3085,7 +3091,7 @@
           <a:blip r:embed="rId2" cstate="print">
             <a:extLst>
               <a:ext uri="{28A0092B-C50C-407E-A947-70E740481C1C}">
-                <a14:useLocalDpi xmlns:a14="http://schemas.microsoft.com/office/drawing/2010/main" xmlns="" val="0"/>
+                <a14:useLocalDpi xmlns:a14="http://schemas.microsoft.com/office/drawing/2010/main" val="0"/>
               </a:ext>
             </a:extLst>
           </a:blip>
@@ -3108,14 +3114,14 @@
           </a:ln>
           <a:extLst>
             <a:ext uri="{909E8E84-426E-40DD-AFC4-6F175D3DCCD1}">
-              <a14:hiddenFill xmlns:a14="http://schemas.microsoft.com/office/drawing/2010/main" xmlns="">
+              <a14:hiddenFill xmlns:a14="http://schemas.microsoft.com/office/drawing/2010/main">
                 <a:solidFill>
                   <a:srgbClr val="FFFFFF"/>
                 </a:solidFill>
               </a14:hiddenFill>
             </a:ext>
             <a:ext uri="{91240B29-F687-4F45-9708-019B960494DF}">
-              <a14:hiddenLine xmlns:a14="http://schemas.microsoft.com/office/drawing/2010/main" xmlns="" w="9525">
+              <a14:hiddenLine xmlns:a14="http://schemas.microsoft.com/office/drawing/2010/main" w="9525">
                 <a:solidFill>
                   <a:srgbClr val="000000"/>
                 </a:solidFill>
@@ -3130,7 +3136,7 @@
     </p:spTree>
     <p:extLst>
       <p:ext uri="{BB962C8B-B14F-4D97-AF65-F5344CB8AC3E}">
-        <p14:creationId xmlns:p14="http://schemas.microsoft.com/office/powerpoint/2010/main" xmlns="" val="2672192145"/>
+        <p14:creationId xmlns:p14="http://schemas.microsoft.com/office/powerpoint/2010/main" val="2672192145"/>
       </p:ext>
     </p:extLst>
   </p:cSld>
@@ -3190,7 +3196,7 @@
           <p:cNvPr id="5123" name="Picture 3">
             <a:extLst>
               <a:ext uri="{FF2B5EF4-FFF2-40B4-BE49-F238E27FC236}">
-                <a16:creationId xmlns:a16="http://schemas.microsoft.com/office/drawing/2014/main" xmlns="" id="{7C997CB2-E61A-4434-B314-03D59FE8A94D}"/>
+                <a16:creationId xmlns="" xmlns:a16="http://schemas.microsoft.com/office/drawing/2014/main" id="{7C997CB2-E61A-4434-B314-03D59FE8A94D}"/>
               </a:ext>
             </a:extLst>
           </p:cNvPr>
@@ -3203,7 +3209,7 @@
           <a:blip r:embed="rId2" cstate="print">
             <a:extLst>
               <a:ext uri="{28A0092B-C50C-407E-A947-70E740481C1C}">
-                <a14:useLocalDpi xmlns:a14="http://schemas.microsoft.com/office/drawing/2010/main" xmlns="" val="0"/>
+                <a14:useLocalDpi xmlns:a14="http://schemas.microsoft.com/office/drawing/2010/main" val="0"/>
               </a:ext>
             </a:extLst>
           </a:blip>
@@ -3226,14 +3232,14 @@
           </a:ln>
           <a:extLst>
             <a:ext uri="{909E8E84-426E-40DD-AFC4-6F175D3DCCD1}">
-              <a14:hiddenFill xmlns:a14="http://schemas.microsoft.com/office/drawing/2010/main" xmlns="">
+              <a14:hiddenFill xmlns:a14="http://schemas.microsoft.com/office/drawing/2010/main">
                 <a:solidFill>
                   <a:srgbClr val="FFFFFF"/>
                 </a:solidFill>
               </a14:hiddenFill>
             </a:ext>
             <a:ext uri="{91240B29-F687-4F45-9708-019B960494DF}">
-              <a14:hiddenLine xmlns:a14="http://schemas.microsoft.com/office/drawing/2010/main" xmlns="" w="9525">
+              <a14:hiddenLine xmlns:a14="http://schemas.microsoft.com/office/drawing/2010/main" w="9525">
                 <a:solidFill>
                   <a:srgbClr val="000000"/>
                 </a:solidFill>
@@ -3248,7 +3254,7 @@
     </p:spTree>
     <p:extLst>
       <p:ext uri="{BB962C8B-B14F-4D97-AF65-F5344CB8AC3E}">
-        <p14:creationId xmlns:p14="http://schemas.microsoft.com/office/powerpoint/2010/main" xmlns="" val="395963370"/>
+        <p14:creationId xmlns:p14="http://schemas.microsoft.com/office/powerpoint/2010/main" val="395963370"/>
       </p:ext>
     </p:extLst>
   </p:cSld>
@@ -3308,7 +3314,7 @@
           <p:cNvPr id="9218" name="Picture 2">
             <a:extLst>
               <a:ext uri="{FF2B5EF4-FFF2-40B4-BE49-F238E27FC236}">
-                <a16:creationId xmlns:a16="http://schemas.microsoft.com/office/drawing/2014/main" xmlns="" id="{A17F7154-A810-45FB-BD82-9A98CA259559}"/>
+                <a16:creationId xmlns="" xmlns:a16="http://schemas.microsoft.com/office/drawing/2014/main" id="{A17F7154-A810-45FB-BD82-9A98CA259559}"/>
               </a:ext>
             </a:extLst>
           </p:cNvPr>
@@ -3321,7 +3327,7 @@
           <a:blip r:embed="rId2" cstate="print">
             <a:extLst>
               <a:ext uri="{28A0092B-C50C-407E-A947-70E740481C1C}">
-                <a14:useLocalDpi xmlns:a14="http://schemas.microsoft.com/office/drawing/2010/main" xmlns="" val="0"/>
+                <a14:useLocalDpi xmlns:a14="http://schemas.microsoft.com/office/drawing/2010/main" val="0"/>
               </a:ext>
             </a:extLst>
           </a:blip>
@@ -3344,14 +3350,14 @@
           </a:ln>
           <a:extLst>
             <a:ext uri="{909E8E84-426E-40DD-AFC4-6F175D3DCCD1}">
-              <a14:hiddenFill xmlns:a14="http://schemas.microsoft.com/office/drawing/2010/main" xmlns="">
+              <a14:hiddenFill xmlns:a14="http://schemas.microsoft.com/office/drawing/2010/main">
                 <a:solidFill>
                   <a:srgbClr val="FFFFFF"/>
                 </a:solidFill>
               </a14:hiddenFill>
             </a:ext>
             <a:ext uri="{91240B29-F687-4F45-9708-019B960494DF}">
-              <a14:hiddenLine xmlns:a14="http://schemas.microsoft.com/office/drawing/2010/main" xmlns="" w="9525">
+              <a14:hiddenLine xmlns:a14="http://schemas.microsoft.com/office/drawing/2010/main" w="9525">
                 <a:solidFill>
                   <a:srgbClr val="000000"/>
                 </a:solidFill>
@@ -3366,7 +3372,7 @@
     </p:spTree>
     <p:extLst>
       <p:ext uri="{BB962C8B-B14F-4D97-AF65-F5344CB8AC3E}">
-        <p14:creationId xmlns:p14="http://schemas.microsoft.com/office/powerpoint/2010/main" xmlns="" val="168637805"/>
+        <p14:creationId xmlns:p14="http://schemas.microsoft.com/office/powerpoint/2010/main" val="168637805"/>
       </p:ext>
     </p:extLst>
   </p:cSld>
@@ -3426,7 +3432,7 @@
           <p:cNvPr id="10242" name="Picture 2">
             <a:extLst>
               <a:ext uri="{FF2B5EF4-FFF2-40B4-BE49-F238E27FC236}">
-                <a16:creationId xmlns:a16="http://schemas.microsoft.com/office/drawing/2014/main" xmlns="" id="{1FC76A72-578F-4ECB-96DA-A5AEF6084358}"/>
+                <a16:creationId xmlns="" xmlns:a16="http://schemas.microsoft.com/office/drawing/2014/main" id="{1FC76A72-578F-4ECB-96DA-A5AEF6084358}"/>
               </a:ext>
             </a:extLst>
           </p:cNvPr>
@@ -3439,7 +3445,7 @@
           <a:blip r:embed="rId2" cstate="print">
             <a:extLst>
               <a:ext uri="{28A0092B-C50C-407E-A947-70E740481C1C}">
-                <a14:useLocalDpi xmlns:a14="http://schemas.microsoft.com/office/drawing/2010/main" xmlns="" val="0"/>
+                <a14:useLocalDpi xmlns:a14="http://schemas.microsoft.com/office/drawing/2010/main" val="0"/>
               </a:ext>
             </a:extLst>
           </a:blip>
@@ -3462,14 +3468,14 @@
           </a:ln>
           <a:extLst>
             <a:ext uri="{909E8E84-426E-40DD-AFC4-6F175D3DCCD1}">
-              <a14:hiddenFill xmlns:a14="http://schemas.microsoft.com/office/drawing/2010/main" xmlns="">
+              <a14:hiddenFill xmlns:a14="http://schemas.microsoft.com/office/drawing/2010/main">
                 <a:solidFill>
                   <a:srgbClr val="FFFFFF"/>
                 </a:solidFill>
               </a14:hiddenFill>
             </a:ext>
             <a:ext uri="{91240B29-F687-4F45-9708-019B960494DF}">
-              <a14:hiddenLine xmlns:a14="http://schemas.microsoft.com/office/drawing/2010/main" xmlns="" w="9525">
+              <a14:hiddenLine xmlns:a14="http://schemas.microsoft.com/office/drawing/2010/main" w="9525">
                 <a:solidFill>
                   <a:srgbClr val="000000"/>
                 </a:solidFill>
@@ -3484,7 +3490,7 @@
     </p:spTree>
     <p:extLst>
       <p:ext uri="{BB962C8B-B14F-4D97-AF65-F5344CB8AC3E}">
-        <p14:creationId xmlns:p14="http://schemas.microsoft.com/office/powerpoint/2010/main" xmlns="" val="4087995979"/>
+        <p14:creationId xmlns:p14="http://schemas.microsoft.com/office/powerpoint/2010/main" val="4087995979"/>
       </p:ext>
     </p:extLst>
   </p:cSld>
@@ -3587,14 +3593,14 @@
             </a:ln>
             <a:extLst>
               <a:ext uri="{909E8E84-426E-40DD-AFC4-6F175D3DCCD1}">
-                <a14:hiddenFill xmlns:a14="http://schemas.microsoft.com/office/drawing/2010/main" xmlns="">
+                <a14:hiddenFill xmlns:a14="http://schemas.microsoft.com/office/drawing/2010/main">
                   <a:solidFill>
                     <a:srgbClr val="FFFFFF"/>
                   </a:solidFill>
                 </a14:hiddenFill>
               </a:ext>
               <a:ext uri="{91240B29-F687-4F45-9708-019B960494DF}">
-                <a14:hiddenLine xmlns:a14="http://schemas.microsoft.com/office/drawing/2010/main" xmlns="" w="9525">
+                <a14:hiddenLine xmlns:a14="http://schemas.microsoft.com/office/drawing/2010/main" w="9525">
                   <a:solidFill>
                     <a:srgbClr val="000000"/>
                   </a:solidFill>
@@ -3744,14 +3750,14 @@
             </a:ln>
             <a:extLst>
               <a:ext uri="{909E8E84-426E-40DD-AFC4-6F175D3DCCD1}">
-                <a14:hiddenFill xmlns:a14="http://schemas.microsoft.com/office/drawing/2010/main" xmlns="">
+                <a14:hiddenFill xmlns:a14="http://schemas.microsoft.com/office/drawing/2010/main">
                   <a:solidFill>
                     <a:srgbClr val="FFFFFF"/>
                   </a:solidFill>
                 </a14:hiddenFill>
               </a:ext>
               <a:ext uri="{91240B29-F687-4F45-9708-019B960494DF}">
-                <a14:hiddenLine xmlns:a14="http://schemas.microsoft.com/office/drawing/2010/main" xmlns="" w="9525">
+                <a14:hiddenLine xmlns:a14="http://schemas.microsoft.com/office/drawing/2010/main" w="9525">
                   <a:solidFill>
                     <a:srgbClr val="000000"/>
                   </a:solidFill>
@@ -3996,7 +4002,7 @@
     </p:spTree>
     <p:extLst>
       <p:ext uri="{BB962C8B-B14F-4D97-AF65-F5344CB8AC3E}">
-        <p14:creationId xmlns:p14="http://schemas.microsoft.com/office/powerpoint/2010/main" xmlns="" val="2005090747"/>
+        <p14:creationId xmlns:p14="http://schemas.microsoft.com/office/powerpoint/2010/main" val="2005090747"/>
       </p:ext>
     </p:extLst>
   </p:cSld>
@@ -4073,14 +4079,14 @@
           </a:xfrm>
           <a:extLst>
             <a:ext uri="{909E8E84-426E-40DD-AFC4-6F175D3DCCD1}">
-              <a14:hiddenFill xmlns:a14="http://schemas.microsoft.com/office/drawing/2010/main" xmlns="">
+              <a14:hiddenFill xmlns:a14="http://schemas.microsoft.com/office/drawing/2010/main">
                 <a:solidFill>
                   <a:srgbClr val="FFFFFF"/>
                 </a:solidFill>
               </a14:hiddenFill>
             </a:ext>
             <a:ext uri="{91240B29-F687-4F45-9708-019B960494DF}">
-              <a14:hiddenLine xmlns:a14="http://schemas.microsoft.com/office/drawing/2010/main" xmlns="" w="9525">
+              <a14:hiddenLine xmlns:a14="http://schemas.microsoft.com/office/drawing/2010/main" w="9525">
                 <a:solidFill>
                   <a:srgbClr val="000000"/>
                 </a:solidFill>
@@ -4227,13 +4233,6 @@
               </a:rPr>
               <a:t>Alterar serviços, datas e horários previamente agendados, com possível geração de cobrança para alterações com menos de 24 horas de antecedência para a realização do serviço.</a:t>
             </a:r>
-            <a:endParaRPr lang="pt-BR" sz="1800" dirty="0" smtClean="0">
-              <a:solidFill>
-                <a:schemeClr val="tx2">
-                  <a:lumMod val="75000"/>
-                </a:schemeClr>
-              </a:solidFill>
-            </a:endParaRPr>
           </a:p>
           <a:p>
             <a:pPr algn="just" eaLnBrk="1" hangingPunct="1">
@@ -4266,45 +4265,8 @@
                   </a:schemeClr>
                 </a:solidFill>
               </a:rPr>
-              <a:t>Cancelamento de agendamentos, com </a:t>
-            </a:r>
-            <a:r>
-              <a:rPr lang="pt-BR" sz="1800" dirty="0" smtClean="0">
-                <a:solidFill>
-                  <a:schemeClr val="tx2">
-                    <a:lumMod val="75000"/>
-                  </a:schemeClr>
-                </a:solidFill>
-              </a:rPr>
-              <a:t>possível geração de cobrança para </a:t>
-            </a:r>
-            <a:r>
-              <a:rPr lang="pt-BR" sz="1800" dirty="0" smtClean="0">
-                <a:solidFill>
-                  <a:schemeClr val="tx2">
-                    <a:lumMod val="75000"/>
-                  </a:schemeClr>
-                </a:solidFill>
-              </a:rPr>
-              <a:t>cancelamentos com </a:t>
-            </a:r>
-            <a:r>
-              <a:rPr lang="pt-BR" sz="1800" dirty="0" smtClean="0">
-                <a:solidFill>
-                  <a:schemeClr val="tx2">
-                    <a:lumMod val="75000"/>
-                  </a:schemeClr>
-                </a:solidFill>
-              </a:rPr>
-              <a:t>menos de 24 horas de antecedência para a realização do serviço.</a:t>
-            </a:r>
-            <a:endParaRPr lang="pt-BR" sz="1800" dirty="0" smtClean="0">
-              <a:solidFill>
-                <a:schemeClr val="tx2">
-                  <a:lumMod val="75000"/>
-                </a:schemeClr>
-              </a:solidFill>
-            </a:endParaRPr>
+              <a:t>Cancelamento de agendamentos, com possível geração de cobrança para cancelamentos com menos de 24 horas de antecedência para a realização do serviço.</a:t>
+            </a:r>
           </a:p>
           <a:p>
             <a:pPr algn="just" eaLnBrk="1" hangingPunct="1">
@@ -4344,37 +4306,7 @@
                   </a:schemeClr>
                 </a:solidFill>
               </a:rPr>
-              <a:t>Confirmação </a:t>
-            </a:r>
-            <a:r>
-              <a:rPr lang="pt-BR" sz="1800" dirty="0" smtClean="0">
-                <a:solidFill>
-                  <a:schemeClr val="tx2">
-                    <a:lumMod val="75000"/>
-                  </a:schemeClr>
-                </a:solidFill>
-              </a:rPr>
-              <a:t>de agendamentos com possível geração de cobrança para </a:t>
-            </a:r>
-            <a:r>
-              <a:rPr lang="pt-BR" sz="1800" dirty="0" smtClean="0">
-                <a:solidFill>
-                  <a:schemeClr val="tx2">
-                    <a:lumMod val="75000"/>
-                  </a:schemeClr>
-                </a:solidFill>
-              </a:rPr>
-              <a:t>confirmações com </a:t>
-            </a:r>
-            <a:r>
-              <a:rPr lang="pt-BR" sz="1800" dirty="0" smtClean="0">
-                <a:solidFill>
-                  <a:schemeClr val="tx2">
-                    <a:lumMod val="75000"/>
-                  </a:schemeClr>
-                </a:solidFill>
-              </a:rPr>
-              <a:t>menos de 24 horas de antecedência para a realização do serviço.</a:t>
+              <a:t>Confirmação de agendamentos com possível geração de cobrança para confirmações com menos de 24 horas de antecedência para a realização do serviço.</a:t>
             </a:r>
             <a:endParaRPr lang="pt-BR" sz="1800" dirty="0">
               <a:solidFill>
@@ -4568,7 +4500,7 @@
           <p:cNvPr id="6" name="Rectangle 5">
             <a:extLst>
               <a:ext uri="{FF2B5EF4-FFF2-40B4-BE49-F238E27FC236}">
-                <a16:creationId xmlns:a16="http://schemas.microsoft.com/office/drawing/2014/main" xmlns="" id="{4D05B3A1-B0A5-41E6-851D-8FE05033C664}"/>
+                <a16:creationId xmlns="" xmlns:a16="http://schemas.microsoft.com/office/drawing/2014/main" id="{4D05B3A1-B0A5-41E6-851D-8FE05033C664}"/>
               </a:ext>
             </a:extLst>
           </p:cNvPr>
@@ -4587,14 +4519,14 @@
           </a:prstGeom>
           <a:extLst>
             <a:ext uri="{909E8E84-426E-40DD-AFC4-6F175D3DCCD1}">
-              <a14:hiddenFill xmlns:a14="http://schemas.microsoft.com/office/drawing/2010/main" xmlns="">
+              <a14:hiddenFill xmlns:a14="http://schemas.microsoft.com/office/drawing/2010/main">
                 <a:solidFill>
                   <a:srgbClr val="FFFFFF"/>
                 </a:solidFill>
               </a14:hiddenFill>
             </a:ext>
             <a:ext uri="{91240B29-F687-4F45-9708-019B960494DF}">
-              <a14:hiddenLine xmlns:a14="http://schemas.microsoft.com/office/drawing/2010/main" xmlns="" w="9525">
+              <a14:hiddenLine xmlns:a14="http://schemas.microsoft.com/office/drawing/2010/main" w="9525">
                 <a:solidFill>
                   <a:srgbClr val="000000"/>
                 </a:solidFill>
@@ -5518,14 +5450,14 @@
             </a:ln>
             <a:extLst>
               <a:ext uri="{909E8E84-426E-40DD-AFC4-6F175D3DCCD1}">
-                <a14:hiddenFill xmlns:a14="http://schemas.microsoft.com/office/drawing/2010/main" xmlns="">
+                <a14:hiddenFill xmlns:a14="http://schemas.microsoft.com/office/drawing/2010/main">
                   <a:solidFill>
                     <a:srgbClr val="FFFFFF"/>
                   </a:solidFill>
                 </a14:hiddenFill>
               </a:ext>
               <a:ext uri="{91240B29-F687-4F45-9708-019B960494DF}">
-                <a14:hiddenLine xmlns:a14="http://schemas.microsoft.com/office/drawing/2010/main" xmlns="" w="9525">
+                <a14:hiddenLine xmlns:a14="http://schemas.microsoft.com/office/drawing/2010/main" w="9525">
                   <a:solidFill>
                     <a:srgbClr val="000000"/>
                   </a:solidFill>
@@ -5675,14 +5607,14 @@
             </a:ln>
             <a:extLst>
               <a:ext uri="{909E8E84-426E-40DD-AFC4-6F175D3DCCD1}">
-                <a14:hiddenFill xmlns:a14="http://schemas.microsoft.com/office/drawing/2010/main" xmlns="">
+                <a14:hiddenFill xmlns:a14="http://schemas.microsoft.com/office/drawing/2010/main">
                   <a:solidFill>
                     <a:srgbClr val="FFFFFF"/>
                   </a:solidFill>
                 </a14:hiddenFill>
               </a:ext>
               <a:ext uri="{91240B29-F687-4F45-9708-019B960494DF}">
-                <a14:hiddenLine xmlns:a14="http://schemas.microsoft.com/office/drawing/2010/main" xmlns="" w="9525">
+                <a14:hiddenLine xmlns:a14="http://schemas.microsoft.com/office/drawing/2010/main" w="9525">
                   <a:solidFill>
                     <a:srgbClr val="000000"/>
                   </a:solidFill>
@@ -5927,7 +5859,7 @@
     </p:spTree>
     <p:extLst>
       <p:ext uri="{BB962C8B-B14F-4D97-AF65-F5344CB8AC3E}">
-        <p14:creationId xmlns:p14="http://schemas.microsoft.com/office/powerpoint/2010/main" xmlns="" val="3409322625"/>
+        <p14:creationId xmlns:p14="http://schemas.microsoft.com/office/powerpoint/2010/main" val="3409322625"/>
       </p:ext>
     </p:extLst>
   </p:cSld>
@@ -6030,14 +5962,14 @@
             </a:ln>
             <a:extLst>
               <a:ext uri="{909E8E84-426E-40DD-AFC4-6F175D3DCCD1}">
-                <a14:hiddenFill xmlns:a14="http://schemas.microsoft.com/office/drawing/2010/main" xmlns="">
+                <a14:hiddenFill xmlns:a14="http://schemas.microsoft.com/office/drawing/2010/main">
                   <a:solidFill>
                     <a:srgbClr val="FFFFFF"/>
                   </a:solidFill>
                 </a14:hiddenFill>
               </a:ext>
               <a:ext uri="{91240B29-F687-4F45-9708-019B960494DF}">
-                <a14:hiddenLine xmlns:a14="http://schemas.microsoft.com/office/drawing/2010/main" xmlns="" w="9525">
+                <a14:hiddenLine xmlns:a14="http://schemas.microsoft.com/office/drawing/2010/main" w="9525">
                   <a:solidFill>
                     <a:srgbClr val="000000"/>
                   </a:solidFill>
@@ -6187,14 +6119,14 @@
             </a:ln>
             <a:extLst>
               <a:ext uri="{909E8E84-426E-40DD-AFC4-6F175D3DCCD1}">
-                <a14:hiddenFill xmlns:a14="http://schemas.microsoft.com/office/drawing/2010/main" xmlns="">
+                <a14:hiddenFill xmlns:a14="http://schemas.microsoft.com/office/drawing/2010/main">
                   <a:solidFill>
                     <a:srgbClr val="FFFFFF"/>
                   </a:solidFill>
                 </a14:hiddenFill>
               </a:ext>
               <a:ext uri="{91240B29-F687-4F45-9708-019B960494DF}">
-                <a14:hiddenLine xmlns:a14="http://schemas.microsoft.com/office/drawing/2010/main" xmlns="" w="9525">
+                <a14:hiddenLine xmlns:a14="http://schemas.microsoft.com/office/drawing/2010/main" w="9525">
                   <a:solidFill>
                     <a:srgbClr val="000000"/>
                   </a:solidFill>
@@ -6439,7 +6371,7 @@
     </p:spTree>
     <p:extLst>
       <p:ext uri="{BB962C8B-B14F-4D97-AF65-F5344CB8AC3E}">
-        <p14:creationId xmlns:p14="http://schemas.microsoft.com/office/powerpoint/2010/main" xmlns="" val="2461302196"/>
+        <p14:creationId xmlns:p14="http://schemas.microsoft.com/office/powerpoint/2010/main" val="2461302196"/>
       </p:ext>
     </p:extLst>
   </p:cSld>
@@ -6542,14 +6474,14 @@
             </a:ln>
             <a:extLst>
               <a:ext uri="{909E8E84-426E-40DD-AFC4-6F175D3DCCD1}">
-                <a14:hiddenFill xmlns:a14="http://schemas.microsoft.com/office/drawing/2010/main" xmlns="">
+                <a14:hiddenFill xmlns:a14="http://schemas.microsoft.com/office/drawing/2010/main">
                   <a:solidFill>
                     <a:srgbClr val="FFFFFF"/>
                   </a:solidFill>
                 </a14:hiddenFill>
               </a:ext>
               <a:ext uri="{91240B29-F687-4F45-9708-019B960494DF}">
-                <a14:hiddenLine xmlns:a14="http://schemas.microsoft.com/office/drawing/2010/main" xmlns="" w="9525">
+                <a14:hiddenLine xmlns:a14="http://schemas.microsoft.com/office/drawing/2010/main" w="9525">
                   <a:solidFill>
                     <a:srgbClr val="000000"/>
                   </a:solidFill>
@@ -6699,14 +6631,14 @@
             </a:ln>
             <a:extLst>
               <a:ext uri="{909E8E84-426E-40DD-AFC4-6F175D3DCCD1}">
-                <a14:hiddenFill xmlns:a14="http://schemas.microsoft.com/office/drawing/2010/main" xmlns="">
+                <a14:hiddenFill xmlns:a14="http://schemas.microsoft.com/office/drawing/2010/main">
                   <a:solidFill>
                     <a:srgbClr val="FFFFFF"/>
                   </a:solidFill>
                 </a14:hiddenFill>
               </a:ext>
               <a:ext uri="{91240B29-F687-4F45-9708-019B960494DF}">
-                <a14:hiddenLine xmlns:a14="http://schemas.microsoft.com/office/drawing/2010/main" xmlns="" w="9525">
+                <a14:hiddenLine xmlns:a14="http://schemas.microsoft.com/office/drawing/2010/main" w="9525">
                   <a:solidFill>
                     <a:srgbClr val="000000"/>
                   </a:solidFill>
@@ -6951,7 +6883,7 @@
     </p:spTree>
     <p:extLst>
       <p:ext uri="{BB962C8B-B14F-4D97-AF65-F5344CB8AC3E}">
-        <p14:creationId xmlns:p14="http://schemas.microsoft.com/office/powerpoint/2010/main" xmlns="" val="681014556"/>
+        <p14:creationId xmlns:p14="http://schemas.microsoft.com/office/powerpoint/2010/main" val="681014556"/>
       </p:ext>
     </p:extLst>
   </p:cSld>
@@ -6983,59 +6915,451 @@
       </p:grpSpPr>
       <p:sp>
         <p:nvSpPr>
-          <p:cNvPr id="4" name="Título 3"/>
+          <p:cNvPr id="4" name="Espaço Reservado para Texto 3"/>
           <p:cNvSpPr>
             <a:spLocks noGrp="1"/>
           </p:cNvSpPr>
           <p:nvPr>
-            <p:ph type="title"/>
+            <p:ph type="body" sz="quarter" idx="12"/>
           </p:nvPr>
         </p:nvSpPr>
-        <p:spPr/>
+        <p:spPr>
+          <a:xfrm>
+            <a:off x="395536" y="1196752"/>
+            <a:ext cx="8424936" cy="5832648"/>
+          </a:xfrm>
+        </p:spPr>
         <p:txBody>
           <a:bodyPr/>
           <a:lstStyle/>
           <a:p>
-            <a:pPr eaLnBrk="1" hangingPunct="1">
+            <a:pPr algn="just" eaLnBrk="1" hangingPunct="1">
+              <a:buFont typeface="Arial" panose="020B0604020202020204" pitchFamily="34" charset="0"/>
+              <a:buChar char="•"/>
               <a:defRPr/>
             </a:pPr>
             <a:r>
-              <a:rPr lang="pt-BR" dirty="0"/>
-              <a:t>Próximos passos</a:t>
-            </a:r>
-          </a:p>
-        </p:txBody>
-      </p:sp>
-      <p:sp>
-        <p:nvSpPr>
-          <p:cNvPr id="5" name="Espaço Reservado para Conteúdo 4"/>
-          <p:cNvSpPr>
-            <a:spLocks noGrp="1"/>
-          </p:cNvSpPr>
-          <p:nvPr>
-            <p:ph idx="1"/>
-          </p:nvPr>
-        </p:nvSpPr>
-        <p:spPr/>
-        <p:txBody>
-          <a:bodyPr/>
-          <a:lstStyle/>
-          <a:p>
-            <a:r>
-              <a:rPr lang="pt-BR" dirty="0"/>
-              <a:t>Implementar o sistema</a:t>
+              <a:rPr lang="pt-BR" sz="1800" dirty="0">
+                <a:solidFill>
+                  <a:schemeClr val="tx2">
+                    <a:lumMod val="75000"/>
+                  </a:schemeClr>
+                </a:solidFill>
+                <a:latin typeface="Calibri" panose="020F0502020204030204" pitchFamily="34" charset="0"/>
+                <a:cs typeface="Calibri" panose="020F0502020204030204" pitchFamily="34" charset="0"/>
+              </a:rPr>
+              <a:t>Manter Cobrança</a:t>
+            </a:r>
+            <a:endParaRPr lang="pt-BR" sz="1800" dirty="0">
+              <a:solidFill>
+                <a:schemeClr val="tx2">
+                  <a:lumMod val="75000"/>
+                </a:schemeClr>
+              </a:solidFill>
+              <a:latin typeface="Calibri" panose="020F0502020204030204" pitchFamily="34" charset="0"/>
+              <a:cs typeface="Calibri" panose="020F0502020204030204" pitchFamily="34" charset="0"/>
+            </a:endParaRPr>
+          </a:p>
+          <a:p>
+            <a:pPr lvl="1" algn="just" eaLnBrk="1" hangingPunct="1">
+              <a:buFont typeface="Arial" panose="020B0604020202020204" pitchFamily="34" charset="0"/>
+              <a:buChar char="•"/>
+              <a:defRPr/>
+            </a:pPr>
+            <a:r>
+              <a:rPr lang="pt-BR" sz="1800" dirty="0">
+                <a:solidFill>
+                  <a:schemeClr val="tx2">
+                    <a:lumMod val="75000"/>
+                  </a:schemeClr>
+                </a:solidFill>
+                <a:latin typeface="Calibri" panose="020F0502020204030204" pitchFamily="34" charset="0"/>
+                <a:cs typeface="Calibri" panose="020F0502020204030204" pitchFamily="34" charset="0"/>
+              </a:rPr>
+              <a:t>Este </a:t>
+            </a:r>
+            <a:r>
+              <a:rPr lang="pt-BR" sz="1800" dirty="0">
+                <a:solidFill>
+                  <a:schemeClr val="tx2">
+                    <a:lumMod val="75000"/>
+                  </a:schemeClr>
+                </a:solidFill>
+                <a:latin typeface="Calibri" panose="020F0502020204030204" pitchFamily="34" charset="0"/>
+                <a:cs typeface="Calibri" panose="020F0502020204030204" pitchFamily="34" charset="0"/>
+              </a:rPr>
+              <a:t>caso de uso tem por objetivo permitir ao administrador (que pode ser a psicóloga) </a:t>
+            </a:r>
+            <a:r>
+              <a:rPr lang="pt-BR" sz="1800" dirty="0" smtClean="0">
+                <a:solidFill>
+                  <a:schemeClr val="tx2">
+                    <a:lumMod val="75000"/>
+                  </a:schemeClr>
+                </a:solidFill>
+                <a:latin typeface="Calibri" panose="020F0502020204030204" pitchFamily="34" charset="0"/>
+                <a:cs typeface="Calibri" panose="020F0502020204030204" pitchFamily="34" charset="0"/>
+              </a:rPr>
+              <a:t>registrar, pesquisar, visualizar</a:t>
+            </a:r>
+            <a:r>
+              <a:rPr lang="pt-BR" sz="1800" dirty="0">
+                <a:solidFill>
+                  <a:schemeClr val="tx2">
+                    <a:lumMod val="75000"/>
+                  </a:schemeClr>
+                </a:solidFill>
+                <a:latin typeface="Calibri" panose="020F0502020204030204" pitchFamily="34" charset="0"/>
+                <a:cs typeface="Calibri" panose="020F0502020204030204" pitchFamily="34" charset="0"/>
+              </a:rPr>
+              <a:t>, editar e deletar</a:t>
+            </a:r>
+            <a:r>
+              <a:rPr lang="pt-BR" sz="1800" dirty="0">
+                <a:solidFill>
+                  <a:schemeClr val="tx2">
+                    <a:lumMod val="75000"/>
+                  </a:schemeClr>
+                </a:solidFill>
+                <a:latin typeface="Calibri" panose="020F0502020204030204" pitchFamily="34" charset="0"/>
+                <a:cs typeface="Calibri" panose="020F0502020204030204" pitchFamily="34" charset="0"/>
+              </a:rPr>
+              <a:t> </a:t>
+            </a:r>
+            <a:r>
+              <a:rPr lang="pt-BR" sz="1800" dirty="0">
+                <a:solidFill>
+                  <a:schemeClr val="tx2">
+                    <a:lumMod val="75000"/>
+                  </a:schemeClr>
+                </a:solidFill>
+                <a:latin typeface="Calibri" panose="020F0502020204030204" pitchFamily="34" charset="0"/>
+                <a:cs typeface="Calibri" panose="020F0502020204030204" pitchFamily="34" charset="0"/>
+              </a:rPr>
+              <a:t>a cobrança de clientes com o pagamento dos serviços prestados pendente.</a:t>
+            </a:r>
+          </a:p>
+          <a:p>
+            <a:pPr algn="just" eaLnBrk="1" hangingPunct="1">
+              <a:buFont typeface="Arial" panose="020B0604020202020204" pitchFamily="34" charset="0"/>
+              <a:buChar char="•"/>
+              <a:defRPr/>
+            </a:pPr>
+            <a:r>
+              <a:rPr lang="pt-BR" sz="1800" dirty="0">
+                <a:solidFill>
+                  <a:schemeClr val="tx2">
+                    <a:lumMod val="75000"/>
+                  </a:schemeClr>
+                </a:solidFill>
+                <a:latin typeface="Calibri" panose="020F0502020204030204" pitchFamily="34" charset="0"/>
+                <a:cs typeface="Calibri" panose="020F0502020204030204" pitchFamily="34" charset="0"/>
+              </a:rPr>
+              <a:t>Receber Pagamento</a:t>
+            </a:r>
+            <a:endParaRPr lang="pt-BR" sz="1800" dirty="0">
+              <a:solidFill>
+                <a:schemeClr val="tx2">
+                  <a:lumMod val="75000"/>
+                </a:schemeClr>
+              </a:solidFill>
+              <a:latin typeface="Calibri" panose="020F0502020204030204" pitchFamily="34" charset="0"/>
+              <a:cs typeface="Calibri" panose="020F0502020204030204" pitchFamily="34" charset="0"/>
+            </a:endParaRPr>
+          </a:p>
+          <a:p>
+            <a:pPr lvl="1" algn="just" eaLnBrk="1" hangingPunct="1">
+              <a:buFont typeface="Arial" panose="020B0604020202020204" pitchFamily="34" charset="0"/>
+              <a:buChar char="•"/>
+              <a:defRPr/>
+            </a:pPr>
+            <a:r>
+              <a:rPr lang="pt-BR" sz="1800" dirty="0">
+                <a:solidFill>
+                  <a:schemeClr val="tx2">
+                    <a:lumMod val="75000"/>
+                  </a:schemeClr>
+                </a:solidFill>
+                <a:latin typeface="Calibri" panose="020F0502020204030204" pitchFamily="34" charset="0"/>
+                <a:cs typeface="Calibri" panose="020F0502020204030204" pitchFamily="34" charset="0"/>
+              </a:rPr>
+              <a:t>Este </a:t>
+            </a:r>
+            <a:r>
+              <a:rPr lang="pt-BR" sz="1800" dirty="0">
+                <a:solidFill>
+                  <a:schemeClr val="tx2">
+                    <a:lumMod val="75000"/>
+                  </a:schemeClr>
+                </a:solidFill>
+                <a:latin typeface="Calibri" panose="020F0502020204030204" pitchFamily="34" charset="0"/>
+                <a:cs typeface="Calibri" panose="020F0502020204030204" pitchFamily="34" charset="0"/>
+              </a:rPr>
+              <a:t>caso de uso tem por objetivo permitir ao administrador (que pode ser a psicóloga) </a:t>
+            </a:r>
+            <a:r>
+              <a:rPr lang="pt-BR" sz="1800" dirty="0" smtClean="0">
+                <a:solidFill>
+                  <a:schemeClr val="tx2">
+                    <a:lumMod val="75000"/>
+                  </a:schemeClr>
+                </a:solidFill>
+                <a:latin typeface="Calibri" panose="020F0502020204030204" pitchFamily="34" charset="0"/>
+                <a:cs typeface="Calibri" panose="020F0502020204030204" pitchFamily="34" charset="0"/>
+              </a:rPr>
+              <a:t>registrar, </a:t>
+            </a:r>
+            <a:r>
+              <a:rPr lang="pt-BR" sz="1800" dirty="0">
+                <a:solidFill>
+                  <a:schemeClr val="tx2">
+                    <a:lumMod val="75000"/>
+                  </a:schemeClr>
+                </a:solidFill>
+                <a:latin typeface="Calibri" panose="020F0502020204030204" pitchFamily="34" charset="0"/>
+                <a:cs typeface="Calibri" panose="020F0502020204030204" pitchFamily="34" charset="0"/>
+              </a:rPr>
+              <a:t>pesquisar, </a:t>
+            </a:r>
+            <a:r>
+              <a:rPr lang="pt-BR" sz="1800" dirty="0" smtClean="0">
+                <a:solidFill>
+                  <a:schemeClr val="tx2">
+                    <a:lumMod val="75000"/>
+                  </a:schemeClr>
+                </a:solidFill>
+                <a:latin typeface="Calibri" panose="020F0502020204030204" pitchFamily="34" charset="0"/>
+                <a:cs typeface="Calibri" panose="020F0502020204030204" pitchFamily="34" charset="0"/>
+              </a:rPr>
+              <a:t>visualizar</a:t>
+            </a:r>
+            <a:r>
+              <a:rPr lang="pt-BR" sz="1800" dirty="0">
+                <a:solidFill>
+                  <a:schemeClr val="tx2">
+                    <a:lumMod val="75000"/>
+                  </a:schemeClr>
+                </a:solidFill>
+                <a:latin typeface="Calibri" panose="020F0502020204030204" pitchFamily="34" charset="0"/>
+                <a:cs typeface="Calibri" panose="020F0502020204030204" pitchFamily="34" charset="0"/>
+              </a:rPr>
+              <a:t>, editar e deletar</a:t>
+            </a:r>
+            <a:r>
+              <a:rPr lang="pt-BR" sz="1800" dirty="0">
+                <a:solidFill>
+                  <a:schemeClr val="tx2">
+                    <a:lumMod val="75000"/>
+                  </a:schemeClr>
+                </a:solidFill>
+                <a:latin typeface="Calibri" panose="020F0502020204030204" pitchFamily="34" charset="0"/>
+                <a:cs typeface="Calibri" panose="020F0502020204030204" pitchFamily="34" charset="0"/>
+              </a:rPr>
+              <a:t> </a:t>
+            </a:r>
+            <a:r>
+              <a:rPr lang="pt-BR" sz="1800" dirty="0">
+                <a:solidFill>
+                  <a:schemeClr val="tx2">
+                    <a:lumMod val="75000"/>
+                  </a:schemeClr>
+                </a:solidFill>
+                <a:latin typeface="Calibri" panose="020F0502020204030204" pitchFamily="34" charset="0"/>
+                <a:cs typeface="Calibri" panose="020F0502020204030204" pitchFamily="34" charset="0"/>
+              </a:rPr>
+              <a:t>os pagamentos dos clientes por serviços prestados pela clínica</a:t>
+            </a:r>
+            <a:r>
+              <a:rPr lang="pt-BR" sz="1800" dirty="0">
+                <a:solidFill>
+                  <a:schemeClr val="tx2">
+                    <a:lumMod val="75000"/>
+                  </a:schemeClr>
+                </a:solidFill>
+                <a:latin typeface="Calibri" panose="020F0502020204030204" pitchFamily="34" charset="0"/>
+                <a:cs typeface="Calibri" panose="020F0502020204030204" pitchFamily="34" charset="0"/>
+              </a:rPr>
+              <a:t>.</a:t>
+            </a:r>
+          </a:p>
+          <a:p>
+            <a:pPr algn="just" eaLnBrk="1" hangingPunct="1">
+              <a:buFont typeface="Arial" panose="020B0604020202020204" pitchFamily="34" charset="0"/>
+              <a:buChar char="•"/>
+              <a:defRPr/>
+            </a:pPr>
+            <a:r>
+              <a:rPr lang="pt-BR" sz="1800" dirty="0">
+                <a:solidFill>
+                  <a:schemeClr val="tx2">
+                    <a:lumMod val="75000"/>
+                  </a:schemeClr>
+                </a:solidFill>
+                <a:latin typeface="Calibri" panose="020F0502020204030204" pitchFamily="34" charset="0"/>
+                <a:cs typeface="Calibri" panose="020F0502020204030204" pitchFamily="34" charset="0"/>
+              </a:rPr>
+              <a:t>Cancelar Agendamento</a:t>
+            </a:r>
+          </a:p>
+          <a:p>
+            <a:pPr lvl="1" algn="just" eaLnBrk="1" hangingPunct="1">
+              <a:buFont typeface="Arial" panose="020B0604020202020204" pitchFamily="34" charset="0"/>
+              <a:buChar char="•"/>
+              <a:defRPr/>
+            </a:pPr>
+            <a:r>
+              <a:rPr lang="pt-BR" sz="1800" dirty="0">
+                <a:solidFill>
+                  <a:schemeClr val="tx2">
+                    <a:lumMod val="75000"/>
+                  </a:schemeClr>
+                </a:solidFill>
+                <a:latin typeface="Calibri" panose="020F0502020204030204" pitchFamily="34" charset="0"/>
+                <a:cs typeface="Calibri" panose="020F0502020204030204" pitchFamily="34" charset="0"/>
+              </a:rPr>
+              <a:t>Este caso de uso tem por objetivo permitir ao administrador (que pode ser a psicóloga) </a:t>
+            </a:r>
+            <a:r>
+              <a:rPr lang="pt-BR" sz="1800" dirty="0">
+                <a:solidFill>
+                  <a:schemeClr val="tx2">
+                    <a:lumMod val="75000"/>
+                  </a:schemeClr>
+                </a:solidFill>
+                <a:latin typeface="Calibri" panose="020F0502020204030204" pitchFamily="34" charset="0"/>
+                <a:cs typeface="Calibri" panose="020F0502020204030204" pitchFamily="34" charset="0"/>
+              </a:rPr>
+              <a:t>registrar, pesquisar, </a:t>
+            </a:r>
+            <a:r>
+              <a:rPr lang="pt-BR" sz="1800" dirty="0" smtClean="0">
+                <a:solidFill>
+                  <a:schemeClr val="tx2">
+                    <a:lumMod val="75000"/>
+                  </a:schemeClr>
+                </a:solidFill>
+                <a:latin typeface="Calibri" panose="020F0502020204030204" pitchFamily="34" charset="0"/>
+                <a:cs typeface="Calibri" panose="020F0502020204030204" pitchFamily="34" charset="0"/>
+              </a:rPr>
+              <a:t>visualizar</a:t>
+            </a:r>
+            <a:r>
+              <a:rPr lang="pt-BR" sz="1800" dirty="0">
+                <a:solidFill>
+                  <a:schemeClr val="tx2">
+                    <a:lumMod val="75000"/>
+                  </a:schemeClr>
+                </a:solidFill>
+                <a:latin typeface="Calibri" panose="020F0502020204030204" pitchFamily="34" charset="0"/>
+                <a:cs typeface="Calibri" panose="020F0502020204030204" pitchFamily="34" charset="0"/>
+              </a:rPr>
+              <a:t>, editar e deletar </a:t>
+            </a:r>
+            <a:r>
+              <a:rPr lang="pt-BR" sz="1800" dirty="0">
+                <a:solidFill>
+                  <a:schemeClr val="tx2">
+                    <a:lumMod val="75000"/>
+                  </a:schemeClr>
+                </a:solidFill>
+                <a:latin typeface="Calibri" panose="020F0502020204030204" pitchFamily="34" charset="0"/>
+                <a:cs typeface="Calibri" panose="020F0502020204030204" pitchFamily="34" charset="0"/>
+              </a:rPr>
+              <a:t>as despesas do consultório, tais como insumos, contas e </a:t>
+            </a:r>
+            <a:r>
+              <a:rPr lang="pt-BR" sz="1800" dirty="0">
+                <a:solidFill>
+                  <a:schemeClr val="tx2">
+                    <a:lumMod val="75000"/>
+                  </a:schemeClr>
+                </a:solidFill>
+                <a:latin typeface="Calibri" panose="020F0502020204030204" pitchFamily="34" charset="0"/>
+                <a:cs typeface="Calibri" panose="020F0502020204030204" pitchFamily="34" charset="0"/>
+              </a:rPr>
+              <a:t>salários.</a:t>
+            </a:r>
+            <a:endParaRPr lang="pt-BR" sz="1800" dirty="0">
+              <a:solidFill>
+                <a:schemeClr val="tx2">
+                  <a:lumMod val="75000"/>
+                </a:schemeClr>
+              </a:solidFill>
+              <a:latin typeface="Calibri" panose="020F0502020204030204" pitchFamily="34" charset="0"/>
+              <a:cs typeface="Calibri" panose="020F0502020204030204" pitchFamily="34" charset="0"/>
+            </a:endParaRPr>
+          </a:p>
+          <a:p>
+            <a:pPr algn="just" eaLnBrk="1" hangingPunct="1">
+              <a:buFont typeface="Arial" panose="020B0604020202020204" pitchFamily="34" charset="0"/>
+              <a:buChar char="•"/>
+              <a:defRPr/>
+            </a:pPr>
+            <a:r>
+              <a:rPr lang="pt-BR" sz="1800" dirty="0">
+                <a:solidFill>
+                  <a:schemeClr val="tx2">
+                    <a:lumMod val="75000"/>
+                  </a:schemeClr>
+                </a:solidFill>
+                <a:latin typeface="Calibri" panose="020F0502020204030204" pitchFamily="34" charset="0"/>
+                <a:cs typeface="Calibri" panose="020F0502020204030204" pitchFamily="34" charset="0"/>
+              </a:rPr>
+              <a:t>Gerar Relatórios</a:t>
+            </a:r>
+            <a:endParaRPr lang="pt-BR" sz="1800" dirty="0">
+              <a:solidFill>
+                <a:schemeClr val="tx2">
+                  <a:lumMod val="75000"/>
+                </a:schemeClr>
+              </a:solidFill>
+              <a:latin typeface="Calibri" panose="020F0502020204030204" pitchFamily="34" charset="0"/>
+              <a:cs typeface="Calibri" panose="020F0502020204030204" pitchFamily="34" charset="0"/>
+            </a:endParaRPr>
+          </a:p>
+          <a:p>
+            <a:pPr lvl="1" algn="just" eaLnBrk="1" hangingPunct="1">
+              <a:buFont typeface="Arial" panose="020B0604020202020204" pitchFamily="34" charset="0"/>
+              <a:buChar char="•"/>
+              <a:defRPr/>
+            </a:pPr>
+            <a:r>
+              <a:rPr lang="pt-BR" sz="1800" dirty="0">
+                <a:solidFill>
+                  <a:schemeClr val="tx2">
+                    <a:lumMod val="75000"/>
+                  </a:schemeClr>
+                </a:solidFill>
+                <a:latin typeface="Calibri" panose="020F0502020204030204" pitchFamily="34" charset="0"/>
+                <a:cs typeface="Calibri" panose="020F0502020204030204" pitchFamily="34" charset="0"/>
+              </a:rPr>
+              <a:t>Este </a:t>
+            </a:r>
+            <a:r>
+              <a:rPr lang="pt-BR" sz="1800" dirty="0">
+                <a:solidFill>
+                  <a:schemeClr val="tx2">
+                    <a:lumMod val="75000"/>
+                  </a:schemeClr>
+                </a:solidFill>
+                <a:latin typeface="Calibri" panose="020F0502020204030204" pitchFamily="34" charset="0"/>
+                <a:cs typeface="Calibri" panose="020F0502020204030204" pitchFamily="34" charset="0"/>
+              </a:rPr>
+              <a:t>caso de uso tem por objetivo permitir ao administrador (que pode ser a psicóloga) gerar relatórios filtrados por períodos, tipo de serviço prestado e por pagantes e devedores, disponibilizando uma visão detalhada com o valor de cada atendimento.</a:t>
             </a:r>
           </a:p>
         </p:txBody>
       </p:sp>
     </p:spTree>
+    <p:extLst>
+      <p:ext uri="{BB962C8B-B14F-4D97-AF65-F5344CB8AC3E}">
+        <p14:creationId xmlns:p14="http://schemas.microsoft.com/office/powerpoint/2010/main" val="3812644496"/>
+      </p:ext>
+    </p:extLst>
   </p:cSld>
   <p:clrMapOvr>
     <a:masterClrMapping/>
   </p:clrMapOvr>
-  <p:transition spd="med">
-    <p:fade/>
-  </p:transition>
 </p:sld>
 </file>
 
@@ -7056,61 +7380,239 @@
           <a:chExt cx="0" cy="0"/>
         </a:xfrm>
       </p:grpSpPr>
+      <p:pic>
+        <p:nvPicPr>
+          <p:cNvPr id="5" name="Imagem 4"/>
+          <p:cNvPicPr>
+            <a:picLocks noChangeAspect="1"/>
+          </p:cNvPicPr>
+          <p:nvPr/>
+        </p:nvPicPr>
+        <p:blipFill>
+          <a:blip r:embed="rId2">
+            <a:extLst>
+              <a:ext uri="{28A0092B-C50C-407E-A947-70E740481C1C}">
+                <a14:useLocalDpi xmlns:a14="http://schemas.microsoft.com/office/drawing/2010/main" val="0"/>
+              </a:ext>
+            </a:extLst>
+          </a:blip>
+          <a:stretch>
+            <a:fillRect/>
+          </a:stretch>
+        </p:blipFill>
+        <p:spPr>
+          <a:xfrm>
+            <a:off x="258594" y="1484784"/>
+            <a:ext cx="8878385" cy="4305265"/>
+          </a:xfrm>
+          <a:prstGeom prst="rect">
+            <a:avLst/>
+          </a:prstGeom>
+        </p:spPr>
+      </p:pic>
       <p:sp>
         <p:nvSpPr>
-          <p:cNvPr id="4" name="Título 3"/>
-          <p:cNvSpPr>
-            <a:spLocks noGrp="1"/>
+          <p:cNvPr id="6" name="Título 3"/>
+          <p:cNvSpPr txBox="1">
+            <a:spLocks/>
           </p:cNvSpPr>
-          <p:nvPr>
-            <p:ph type="title"/>
-          </p:nvPr>
+          <p:nvPr/>
         </p:nvSpPr>
-        <p:spPr/>
+        <p:spPr>
+          <a:xfrm>
+            <a:off x="2123728" y="188640"/>
+            <a:ext cx="8797925" cy="922338"/>
+          </a:xfrm>
+          <a:prstGeom prst="rect">
+            <a:avLst/>
+          </a:prstGeom>
+        </p:spPr>
         <p:txBody>
           <a:bodyPr/>
-          <a:lstStyle/>
+          <a:lstStyle>
+            <a:lvl1pPr algn="ctr" rtl="0" eaLnBrk="0" fontAlgn="base" hangingPunct="0">
+              <a:spcBef>
+                <a:spcPct val="0"/>
+              </a:spcBef>
+              <a:spcAft>
+                <a:spcPct val="0"/>
+              </a:spcAft>
+              <a:defRPr sz="4400" kern="1200">
+                <a:solidFill>
+                  <a:schemeClr val="tx1"/>
+                </a:solidFill>
+                <a:latin typeface="Verdana" pitchFamily="34" charset="0"/>
+                <a:ea typeface="Verdana" pitchFamily="34" charset="0"/>
+                <a:cs typeface="Verdana" pitchFamily="34" charset="0"/>
+              </a:defRPr>
+            </a:lvl1pPr>
+            <a:lvl2pPr algn="ctr" rtl="0" eaLnBrk="0" fontAlgn="base" hangingPunct="0">
+              <a:spcBef>
+                <a:spcPct val="0"/>
+              </a:spcBef>
+              <a:spcAft>
+                <a:spcPct val="0"/>
+              </a:spcAft>
+              <a:defRPr sz="4400">
+                <a:solidFill>
+                  <a:schemeClr val="tx1"/>
+                </a:solidFill>
+                <a:latin typeface="Verdana" pitchFamily="34" charset="0"/>
+                <a:ea typeface="Verdana" pitchFamily="34" charset="0"/>
+                <a:cs typeface="Verdana" pitchFamily="34" charset="0"/>
+              </a:defRPr>
+            </a:lvl2pPr>
+            <a:lvl3pPr algn="ctr" rtl="0" eaLnBrk="0" fontAlgn="base" hangingPunct="0">
+              <a:spcBef>
+                <a:spcPct val="0"/>
+              </a:spcBef>
+              <a:spcAft>
+                <a:spcPct val="0"/>
+              </a:spcAft>
+              <a:defRPr sz="4400">
+                <a:solidFill>
+                  <a:schemeClr val="tx1"/>
+                </a:solidFill>
+                <a:latin typeface="Verdana" pitchFamily="34" charset="0"/>
+                <a:ea typeface="Verdana" pitchFamily="34" charset="0"/>
+                <a:cs typeface="Verdana" pitchFamily="34" charset="0"/>
+              </a:defRPr>
+            </a:lvl3pPr>
+            <a:lvl4pPr algn="ctr" rtl="0" eaLnBrk="0" fontAlgn="base" hangingPunct="0">
+              <a:spcBef>
+                <a:spcPct val="0"/>
+              </a:spcBef>
+              <a:spcAft>
+                <a:spcPct val="0"/>
+              </a:spcAft>
+              <a:defRPr sz="4400">
+                <a:solidFill>
+                  <a:schemeClr val="tx1"/>
+                </a:solidFill>
+                <a:latin typeface="Verdana" pitchFamily="34" charset="0"/>
+                <a:ea typeface="Verdana" pitchFamily="34" charset="0"/>
+                <a:cs typeface="Verdana" pitchFamily="34" charset="0"/>
+              </a:defRPr>
+            </a:lvl4pPr>
+            <a:lvl5pPr algn="ctr" rtl="0" eaLnBrk="0" fontAlgn="base" hangingPunct="0">
+              <a:spcBef>
+                <a:spcPct val="0"/>
+              </a:spcBef>
+              <a:spcAft>
+                <a:spcPct val="0"/>
+              </a:spcAft>
+              <a:defRPr sz="4400">
+                <a:solidFill>
+                  <a:schemeClr val="tx1"/>
+                </a:solidFill>
+                <a:latin typeface="Verdana" pitchFamily="34" charset="0"/>
+                <a:ea typeface="Verdana" pitchFamily="34" charset="0"/>
+                <a:cs typeface="Verdana" pitchFamily="34" charset="0"/>
+              </a:defRPr>
+            </a:lvl5pPr>
+            <a:lvl6pPr marL="457200" algn="ctr" rtl="0" fontAlgn="base">
+              <a:spcBef>
+                <a:spcPct val="0"/>
+              </a:spcBef>
+              <a:spcAft>
+                <a:spcPct val="0"/>
+              </a:spcAft>
+              <a:defRPr sz="4400">
+                <a:solidFill>
+                  <a:schemeClr val="tx1"/>
+                </a:solidFill>
+                <a:latin typeface="Verdana" pitchFamily="34" charset="0"/>
+                <a:ea typeface="Verdana" pitchFamily="34" charset="0"/>
+                <a:cs typeface="Verdana" pitchFamily="34" charset="0"/>
+              </a:defRPr>
+            </a:lvl6pPr>
+            <a:lvl7pPr marL="914400" algn="ctr" rtl="0" fontAlgn="base">
+              <a:spcBef>
+                <a:spcPct val="0"/>
+              </a:spcBef>
+              <a:spcAft>
+                <a:spcPct val="0"/>
+              </a:spcAft>
+              <a:defRPr sz="4400">
+                <a:solidFill>
+                  <a:schemeClr val="tx1"/>
+                </a:solidFill>
+                <a:latin typeface="Verdana" pitchFamily="34" charset="0"/>
+                <a:ea typeface="Verdana" pitchFamily="34" charset="0"/>
+                <a:cs typeface="Verdana" pitchFamily="34" charset="0"/>
+              </a:defRPr>
+            </a:lvl7pPr>
+            <a:lvl8pPr marL="1371600" algn="ctr" rtl="0" fontAlgn="base">
+              <a:spcBef>
+                <a:spcPct val="0"/>
+              </a:spcBef>
+              <a:spcAft>
+                <a:spcPct val="0"/>
+              </a:spcAft>
+              <a:defRPr sz="4400">
+                <a:solidFill>
+                  <a:schemeClr val="tx1"/>
+                </a:solidFill>
+                <a:latin typeface="Verdana" pitchFamily="34" charset="0"/>
+                <a:ea typeface="Verdana" pitchFamily="34" charset="0"/>
+                <a:cs typeface="Verdana" pitchFamily="34" charset="0"/>
+              </a:defRPr>
+            </a:lvl8pPr>
+            <a:lvl9pPr marL="1828800" algn="ctr" rtl="0" fontAlgn="base">
+              <a:spcBef>
+                <a:spcPct val="0"/>
+              </a:spcBef>
+              <a:spcAft>
+                <a:spcPct val="0"/>
+              </a:spcAft>
+              <a:defRPr sz="4400">
+                <a:solidFill>
+                  <a:schemeClr val="tx1"/>
+                </a:solidFill>
+                <a:latin typeface="Verdana" pitchFamily="34" charset="0"/>
+                <a:ea typeface="Verdana" pitchFamily="34" charset="0"/>
+                <a:cs typeface="Verdana" pitchFamily="34" charset="0"/>
+              </a:defRPr>
+            </a:lvl9pPr>
+          </a:lstStyle>
           <a:p>
             <a:pPr eaLnBrk="1" hangingPunct="1">
               <a:defRPr/>
             </a:pPr>
             <a:r>
-              <a:rPr lang="pt-BR" dirty="0"/>
-              <a:t>Lições Aprendidas</a:t>
-            </a:r>
-          </a:p>
-        </p:txBody>
-      </p:sp>
-      <p:sp>
-        <p:nvSpPr>
-          <p:cNvPr id="5" name="Espaço Reservado para Conteúdo 4"/>
-          <p:cNvSpPr>
-            <a:spLocks noGrp="1"/>
-          </p:cNvSpPr>
-          <p:nvPr>
-            <p:ph idx="1"/>
-          </p:nvPr>
-        </p:nvSpPr>
-        <p:spPr/>
-        <p:txBody>
-          <a:bodyPr/>
-          <a:lstStyle/>
-          <a:p>
-            <a:r>
-              <a:rPr lang="pt-BR" dirty="0"/>
-              <a:t>Descreva o que você faria diferente se fosse iniciar o sistema.</a:t>
-            </a:r>
+              <a:rPr lang="pt-BR" sz="3600" b="1" dirty="0" smtClean="0">
+                <a:solidFill>
+                  <a:schemeClr val="accent1">
+                    <a:lumMod val="50000"/>
+                  </a:schemeClr>
+                </a:solidFill>
+                <a:latin typeface="Arial" pitchFamily="34" charset="0"/>
+                <a:cs typeface="Arial" pitchFamily="34" charset="0"/>
+              </a:rPr>
+              <a:t>MODULO FINANCEIRO</a:t>
+            </a:r>
+            <a:endParaRPr lang="pt-BR" sz="3600" b="1" dirty="0">
+              <a:solidFill>
+                <a:schemeClr val="accent1">
+                  <a:lumMod val="50000"/>
+                </a:schemeClr>
+              </a:solidFill>
+              <a:latin typeface="Arial" pitchFamily="34" charset="0"/>
+              <a:cs typeface="Arial" pitchFamily="34" charset="0"/>
+            </a:endParaRPr>
           </a:p>
         </p:txBody>
       </p:sp>
     </p:spTree>
+    <p:extLst>
+      <p:ext uri="{BB962C8B-B14F-4D97-AF65-F5344CB8AC3E}">
+        <p14:creationId xmlns:p14="http://schemas.microsoft.com/office/powerpoint/2010/main" val="1256551592"/>
+      </p:ext>
+    </p:extLst>
   </p:cSld>
   <p:clrMapOvr>
     <a:masterClrMapping/>
   </p:clrMapOvr>
-  <p:transition spd="med">
-    <p:fade/>
-  </p:transition>
 </p:sld>
 </file>
 
@@ -7161,7 +7663,7 @@
           <p:cNvPr id="8" name="Picture 7">
             <a:extLst>
               <a:ext uri="{FF2B5EF4-FFF2-40B4-BE49-F238E27FC236}">
-                <a16:creationId xmlns:a16="http://schemas.microsoft.com/office/drawing/2014/main" xmlns="" id="{6802FF0F-183C-4A30-9C30-D9C9C5405CD1}"/>
+                <a16:creationId xmlns="" xmlns:a16="http://schemas.microsoft.com/office/drawing/2014/main" id="{6802FF0F-183C-4A30-9C30-D9C9C5405CD1}"/>
               </a:ext>
             </a:extLst>
           </p:cNvPr>
@@ -7186,6 +7688,1168 @@
           </a:prstGeom>
         </p:spPr>
       </p:pic>
+    </p:spTree>
+  </p:cSld>
+  <p:clrMapOvr>
+    <a:masterClrMapping/>
+  </p:clrMapOvr>
+  <p:transition spd="med">
+    <p:fade/>
+  </p:transition>
+</p:sld>
+</file>
+
+<file path=ppt/slides/slide30.xml><?xml version="1.0" encoding="utf-8"?>
+<p:sld xmlns:a="http://schemas.openxmlformats.org/drawingml/2006/main" xmlns:r="http://schemas.openxmlformats.org/officeDocument/2006/relationships" xmlns:p="http://schemas.openxmlformats.org/presentationml/2006/main">
+  <p:cSld>
+    <p:spTree>
+      <p:nvGrpSpPr>
+        <p:cNvPr id="1" name=""/>
+        <p:cNvGrpSpPr/>
+        <p:nvPr/>
+      </p:nvGrpSpPr>
+      <p:grpSpPr>
+        <a:xfrm>
+          <a:off x="0" y="0"/>
+          <a:ext cx="0" cy="0"/>
+          <a:chOff x="0" y="0"/>
+          <a:chExt cx="0" cy="0"/>
+        </a:xfrm>
+      </p:grpSpPr>
+      <p:sp>
+        <p:nvSpPr>
+          <p:cNvPr id="7" name="Título 3"/>
+          <p:cNvSpPr txBox="1">
+            <a:spLocks/>
+          </p:cNvSpPr>
+          <p:nvPr/>
+        </p:nvSpPr>
+        <p:spPr>
+          <a:xfrm>
+            <a:off x="2123728" y="188640"/>
+            <a:ext cx="8797925" cy="922338"/>
+          </a:xfrm>
+          <a:prstGeom prst="rect">
+            <a:avLst/>
+          </a:prstGeom>
+        </p:spPr>
+        <p:txBody>
+          <a:bodyPr/>
+          <a:lstStyle>
+            <a:lvl1pPr algn="ctr" rtl="0" eaLnBrk="0" fontAlgn="base" hangingPunct="0">
+              <a:spcBef>
+                <a:spcPct val="0"/>
+              </a:spcBef>
+              <a:spcAft>
+                <a:spcPct val="0"/>
+              </a:spcAft>
+              <a:defRPr sz="4400" kern="1200">
+                <a:solidFill>
+                  <a:schemeClr val="tx1"/>
+                </a:solidFill>
+                <a:latin typeface="Verdana" pitchFamily="34" charset="0"/>
+                <a:ea typeface="Verdana" pitchFamily="34" charset="0"/>
+                <a:cs typeface="Verdana" pitchFamily="34" charset="0"/>
+              </a:defRPr>
+            </a:lvl1pPr>
+            <a:lvl2pPr algn="ctr" rtl="0" eaLnBrk="0" fontAlgn="base" hangingPunct="0">
+              <a:spcBef>
+                <a:spcPct val="0"/>
+              </a:spcBef>
+              <a:spcAft>
+                <a:spcPct val="0"/>
+              </a:spcAft>
+              <a:defRPr sz="4400">
+                <a:solidFill>
+                  <a:schemeClr val="tx1"/>
+                </a:solidFill>
+                <a:latin typeface="Verdana" pitchFamily="34" charset="0"/>
+                <a:ea typeface="Verdana" pitchFamily="34" charset="0"/>
+                <a:cs typeface="Verdana" pitchFamily="34" charset="0"/>
+              </a:defRPr>
+            </a:lvl2pPr>
+            <a:lvl3pPr algn="ctr" rtl="0" eaLnBrk="0" fontAlgn="base" hangingPunct="0">
+              <a:spcBef>
+                <a:spcPct val="0"/>
+              </a:spcBef>
+              <a:spcAft>
+                <a:spcPct val="0"/>
+              </a:spcAft>
+              <a:defRPr sz="4400">
+                <a:solidFill>
+                  <a:schemeClr val="tx1"/>
+                </a:solidFill>
+                <a:latin typeface="Verdana" pitchFamily="34" charset="0"/>
+                <a:ea typeface="Verdana" pitchFamily="34" charset="0"/>
+                <a:cs typeface="Verdana" pitchFamily="34" charset="0"/>
+              </a:defRPr>
+            </a:lvl3pPr>
+            <a:lvl4pPr algn="ctr" rtl="0" eaLnBrk="0" fontAlgn="base" hangingPunct="0">
+              <a:spcBef>
+                <a:spcPct val="0"/>
+              </a:spcBef>
+              <a:spcAft>
+                <a:spcPct val="0"/>
+              </a:spcAft>
+              <a:defRPr sz="4400">
+                <a:solidFill>
+                  <a:schemeClr val="tx1"/>
+                </a:solidFill>
+                <a:latin typeface="Verdana" pitchFamily="34" charset="0"/>
+                <a:ea typeface="Verdana" pitchFamily="34" charset="0"/>
+                <a:cs typeface="Verdana" pitchFamily="34" charset="0"/>
+              </a:defRPr>
+            </a:lvl4pPr>
+            <a:lvl5pPr algn="ctr" rtl="0" eaLnBrk="0" fontAlgn="base" hangingPunct="0">
+              <a:spcBef>
+                <a:spcPct val="0"/>
+              </a:spcBef>
+              <a:spcAft>
+                <a:spcPct val="0"/>
+              </a:spcAft>
+              <a:defRPr sz="4400">
+                <a:solidFill>
+                  <a:schemeClr val="tx1"/>
+                </a:solidFill>
+                <a:latin typeface="Verdana" pitchFamily="34" charset="0"/>
+                <a:ea typeface="Verdana" pitchFamily="34" charset="0"/>
+                <a:cs typeface="Verdana" pitchFamily="34" charset="0"/>
+              </a:defRPr>
+            </a:lvl5pPr>
+            <a:lvl6pPr marL="457200" algn="ctr" rtl="0" fontAlgn="base">
+              <a:spcBef>
+                <a:spcPct val="0"/>
+              </a:spcBef>
+              <a:spcAft>
+                <a:spcPct val="0"/>
+              </a:spcAft>
+              <a:defRPr sz="4400">
+                <a:solidFill>
+                  <a:schemeClr val="tx1"/>
+                </a:solidFill>
+                <a:latin typeface="Verdana" pitchFamily="34" charset="0"/>
+                <a:ea typeface="Verdana" pitchFamily="34" charset="0"/>
+                <a:cs typeface="Verdana" pitchFamily="34" charset="0"/>
+              </a:defRPr>
+            </a:lvl6pPr>
+            <a:lvl7pPr marL="914400" algn="ctr" rtl="0" fontAlgn="base">
+              <a:spcBef>
+                <a:spcPct val="0"/>
+              </a:spcBef>
+              <a:spcAft>
+                <a:spcPct val="0"/>
+              </a:spcAft>
+              <a:defRPr sz="4400">
+                <a:solidFill>
+                  <a:schemeClr val="tx1"/>
+                </a:solidFill>
+                <a:latin typeface="Verdana" pitchFamily="34" charset="0"/>
+                <a:ea typeface="Verdana" pitchFamily="34" charset="0"/>
+                <a:cs typeface="Verdana" pitchFamily="34" charset="0"/>
+              </a:defRPr>
+            </a:lvl7pPr>
+            <a:lvl8pPr marL="1371600" algn="ctr" rtl="0" fontAlgn="base">
+              <a:spcBef>
+                <a:spcPct val="0"/>
+              </a:spcBef>
+              <a:spcAft>
+                <a:spcPct val="0"/>
+              </a:spcAft>
+              <a:defRPr sz="4400">
+                <a:solidFill>
+                  <a:schemeClr val="tx1"/>
+                </a:solidFill>
+                <a:latin typeface="Verdana" pitchFamily="34" charset="0"/>
+                <a:ea typeface="Verdana" pitchFamily="34" charset="0"/>
+                <a:cs typeface="Verdana" pitchFamily="34" charset="0"/>
+              </a:defRPr>
+            </a:lvl8pPr>
+            <a:lvl9pPr marL="1828800" algn="ctr" rtl="0" fontAlgn="base">
+              <a:spcBef>
+                <a:spcPct val="0"/>
+              </a:spcBef>
+              <a:spcAft>
+                <a:spcPct val="0"/>
+              </a:spcAft>
+              <a:defRPr sz="4400">
+                <a:solidFill>
+                  <a:schemeClr val="tx1"/>
+                </a:solidFill>
+                <a:latin typeface="Verdana" pitchFamily="34" charset="0"/>
+                <a:ea typeface="Verdana" pitchFamily="34" charset="0"/>
+                <a:cs typeface="Verdana" pitchFamily="34" charset="0"/>
+              </a:defRPr>
+            </a:lvl9pPr>
+          </a:lstStyle>
+          <a:p>
+            <a:pPr eaLnBrk="1" hangingPunct="1">
+              <a:defRPr/>
+            </a:pPr>
+            <a:r>
+              <a:rPr lang="pt-BR" sz="3600" b="1" dirty="0" smtClean="0">
+                <a:solidFill>
+                  <a:schemeClr val="accent1">
+                    <a:lumMod val="50000"/>
+                  </a:schemeClr>
+                </a:solidFill>
+                <a:latin typeface="Arial" pitchFamily="34" charset="0"/>
+                <a:cs typeface="Arial" pitchFamily="34" charset="0"/>
+              </a:rPr>
+              <a:t>MODULO FINANCEIRO</a:t>
+            </a:r>
+            <a:endParaRPr lang="pt-BR" sz="3600" b="1" dirty="0">
+              <a:solidFill>
+                <a:schemeClr val="accent1">
+                  <a:lumMod val="50000"/>
+                </a:schemeClr>
+              </a:solidFill>
+              <a:latin typeface="Arial" pitchFamily="34" charset="0"/>
+              <a:cs typeface="Arial" pitchFamily="34" charset="0"/>
+            </a:endParaRPr>
+          </a:p>
+        </p:txBody>
+      </p:sp>
+      <p:pic>
+        <p:nvPicPr>
+          <p:cNvPr id="8" name="Imagem 7"/>
+          <p:cNvPicPr>
+            <a:picLocks noChangeAspect="1"/>
+          </p:cNvPicPr>
+          <p:nvPr/>
+        </p:nvPicPr>
+        <p:blipFill>
+          <a:blip r:embed="rId2">
+            <a:extLst>
+              <a:ext uri="{28A0092B-C50C-407E-A947-70E740481C1C}">
+                <a14:useLocalDpi xmlns:a14="http://schemas.microsoft.com/office/drawing/2010/main" val="0"/>
+              </a:ext>
+            </a:extLst>
+          </a:blip>
+          <a:stretch>
+            <a:fillRect/>
+          </a:stretch>
+        </p:blipFill>
+        <p:spPr>
+          <a:xfrm>
+            <a:off x="215899" y="1412776"/>
+            <a:ext cx="8892480" cy="4328545"/>
+          </a:xfrm>
+          <a:prstGeom prst="rect">
+            <a:avLst/>
+          </a:prstGeom>
+        </p:spPr>
+      </p:pic>
+    </p:spTree>
+    <p:extLst>
+      <p:ext uri="{BB962C8B-B14F-4D97-AF65-F5344CB8AC3E}">
+        <p14:creationId xmlns:p14="http://schemas.microsoft.com/office/powerpoint/2010/main" val="3402891464"/>
+      </p:ext>
+    </p:extLst>
+  </p:cSld>
+  <p:clrMapOvr>
+    <a:masterClrMapping/>
+  </p:clrMapOvr>
+</p:sld>
+</file>
+
+<file path=ppt/slides/slide31.xml><?xml version="1.0" encoding="utf-8"?>
+<p:sld xmlns:a="http://schemas.openxmlformats.org/drawingml/2006/main" xmlns:r="http://schemas.openxmlformats.org/officeDocument/2006/relationships" xmlns:p="http://schemas.openxmlformats.org/presentationml/2006/main">
+  <p:cSld>
+    <p:spTree>
+      <p:nvGrpSpPr>
+        <p:cNvPr id="1" name=""/>
+        <p:cNvGrpSpPr/>
+        <p:nvPr/>
+      </p:nvGrpSpPr>
+      <p:grpSpPr>
+        <a:xfrm>
+          <a:off x="0" y="0"/>
+          <a:ext cx="0" cy="0"/>
+          <a:chOff x="0" y="0"/>
+          <a:chExt cx="0" cy="0"/>
+        </a:xfrm>
+      </p:grpSpPr>
+      <p:sp>
+        <p:nvSpPr>
+          <p:cNvPr id="5" name="Título 3"/>
+          <p:cNvSpPr txBox="1">
+            <a:spLocks/>
+          </p:cNvSpPr>
+          <p:nvPr/>
+        </p:nvSpPr>
+        <p:spPr>
+          <a:xfrm>
+            <a:off x="2123728" y="188640"/>
+            <a:ext cx="8797925" cy="922338"/>
+          </a:xfrm>
+          <a:prstGeom prst="rect">
+            <a:avLst/>
+          </a:prstGeom>
+        </p:spPr>
+        <p:txBody>
+          <a:bodyPr/>
+          <a:lstStyle>
+            <a:lvl1pPr algn="ctr" rtl="0" eaLnBrk="0" fontAlgn="base" hangingPunct="0">
+              <a:spcBef>
+                <a:spcPct val="0"/>
+              </a:spcBef>
+              <a:spcAft>
+                <a:spcPct val="0"/>
+              </a:spcAft>
+              <a:defRPr sz="4400" kern="1200">
+                <a:solidFill>
+                  <a:schemeClr val="tx1"/>
+                </a:solidFill>
+                <a:latin typeface="Verdana" pitchFamily="34" charset="0"/>
+                <a:ea typeface="Verdana" pitchFamily="34" charset="0"/>
+                <a:cs typeface="Verdana" pitchFamily="34" charset="0"/>
+              </a:defRPr>
+            </a:lvl1pPr>
+            <a:lvl2pPr algn="ctr" rtl="0" eaLnBrk="0" fontAlgn="base" hangingPunct="0">
+              <a:spcBef>
+                <a:spcPct val="0"/>
+              </a:spcBef>
+              <a:spcAft>
+                <a:spcPct val="0"/>
+              </a:spcAft>
+              <a:defRPr sz="4400">
+                <a:solidFill>
+                  <a:schemeClr val="tx1"/>
+                </a:solidFill>
+                <a:latin typeface="Verdana" pitchFamily="34" charset="0"/>
+                <a:ea typeface="Verdana" pitchFamily="34" charset="0"/>
+                <a:cs typeface="Verdana" pitchFamily="34" charset="0"/>
+              </a:defRPr>
+            </a:lvl2pPr>
+            <a:lvl3pPr algn="ctr" rtl="0" eaLnBrk="0" fontAlgn="base" hangingPunct="0">
+              <a:spcBef>
+                <a:spcPct val="0"/>
+              </a:spcBef>
+              <a:spcAft>
+                <a:spcPct val="0"/>
+              </a:spcAft>
+              <a:defRPr sz="4400">
+                <a:solidFill>
+                  <a:schemeClr val="tx1"/>
+                </a:solidFill>
+                <a:latin typeface="Verdana" pitchFamily="34" charset="0"/>
+                <a:ea typeface="Verdana" pitchFamily="34" charset="0"/>
+                <a:cs typeface="Verdana" pitchFamily="34" charset="0"/>
+              </a:defRPr>
+            </a:lvl3pPr>
+            <a:lvl4pPr algn="ctr" rtl="0" eaLnBrk="0" fontAlgn="base" hangingPunct="0">
+              <a:spcBef>
+                <a:spcPct val="0"/>
+              </a:spcBef>
+              <a:spcAft>
+                <a:spcPct val="0"/>
+              </a:spcAft>
+              <a:defRPr sz="4400">
+                <a:solidFill>
+                  <a:schemeClr val="tx1"/>
+                </a:solidFill>
+                <a:latin typeface="Verdana" pitchFamily="34" charset="0"/>
+                <a:ea typeface="Verdana" pitchFamily="34" charset="0"/>
+                <a:cs typeface="Verdana" pitchFamily="34" charset="0"/>
+              </a:defRPr>
+            </a:lvl4pPr>
+            <a:lvl5pPr algn="ctr" rtl="0" eaLnBrk="0" fontAlgn="base" hangingPunct="0">
+              <a:spcBef>
+                <a:spcPct val="0"/>
+              </a:spcBef>
+              <a:spcAft>
+                <a:spcPct val="0"/>
+              </a:spcAft>
+              <a:defRPr sz="4400">
+                <a:solidFill>
+                  <a:schemeClr val="tx1"/>
+                </a:solidFill>
+                <a:latin typeface="Verdana" pitchFamily="34" charset="0"/>
+                <a:ea typeface="Verdana" pitchFamily="34" charset="0"/>
+                <a:cs typeface="Verdana" pitchFamily="34" charset="0"/>
+              </a:defRPr>
+            </a:lvl5pPr>
+            <a:lvl6pPr marL="457200" algn="ctr" rtl="0" fontAlgn="base">
+              <a:spcBef>
+                <a:spcPct val="0"/>
+              </a:spcBef>
+              <a:spcAft>
+                <a:spcPct val="0"/>
+              </a:spcAft>
+              <a:defRPr sz="4400">
+                <a:solidFill>
+                  <a:schemeClr val="tx1"/>
+                </a:solidFill>
+                <a:latin typeface="Verdana" pitchFamily="34" charset="0"/>
+                <a:ea typeface="Verdana" pitchFamily="34" charset="0"/>
+                <a:cs typeface="Verdana" pitchFamily="34" charset="0"/>
+              </a:defRPr>
+            </a:lvl6pPr>
+            <a:lvl7pPr marL="914400" algn="ctr" rtl="0" fontAlgn="base">
+              <a:spcBef>
+                <a:spcPct val="0"/>
+              </a:spcBef>
+              <a:spcAft>
+                <a:spcPct val="0"/>
+              </a:spcAft>
+              <a:defRPr sz="4400">
+                <a:solidFill>
+                  <a:schemeClr val="tx1"/>
+                </a:solidFill>
+                <a:latin typeface="Verdana" pitchFamily="34" charset="0"/>
+                <a:ea typeface="Verdana" pitchFamily="34" charset="0"/>
+                <a:cs typeface="Verdana" pitchFamily="34" charset="0"/>
+              </a:defRPr>
+            </a:lvl7pPr>
+            <a:lvl8pPr marL="1371600" algn="ctr" rtl="0" fontAlgn="base">
+              <a:spcBef>
+                <a:spcPct val="0"/>
+              </a:spcBef>
+              <a:spcAft>
+                <a:spcPct val="0"/>
+              </a:spcAft>
+              <a:defRPr sz="4400">
+                <a:solidFill>
+                  <a:schemeClr val="tx1"/>
+                </a:solidFill>
+                <a:latin typeface="Verdana" pitchFamily="34" charset="0"/>
+                <a:ea typeface="Verdana" pitchFamily="34" charset="0"/>
+                <a:cs typeface="Verdana" pitchFamily="34" charset="0"/>
+              </a:defRPr>
+            </a:lvl8pPr>
+            <a:lvl9pPr marL="1828800" algn="ctr" rtl="0" fontAlgn="base">
+              <a:spcBef>
+                <a:spcPct val="0"/>
+              </a:spcBef>
+              <a:spcAft>
+                <a:spcPct val="0"/>
+              </a:spcAft>
+              <a:defRPr sz="4400">
+                <a:solidFill>
+                  <a:schemeClr val="tx1"/>
+                </a:solidFill>
+                <a:latin typeface="Verdana" pitchFamily="34" charset="0"/>
+                <a:ea typeface="Verdana" pitchFamily="34" charset="0"/>
+                <a:cs typeface="Verdana" pitchFamily="34" charset="0"/>
+              </a:defRPr>
+            </a:lvl9pPr>
+          </a:lstStyle>
+          <a:p>
+            <a:pPr eaLnBrk="1" hangingPunct="1">
+              <a:defRPr/>
+            </a:pPr>
+            <a:r>
+              <a:rPr lang="pt-BR" sz="3600" b="1" dirty="0" smtClean="0">
+                <a:solidFill>
+                  <a:schemeClr val="accent1">
+                    <a:lumMod val="50000"/>
+                  </a:schemeClr>
+                </a:solidFill>
+                <a:latin typeface="Arial" pitchFamily="34" charset="0"/>
+                <a:cs typeface="Arial" pitchFamily="34" charset="0"/>
+              </a:rPr>
+              <a:t>MODULO FINANCEIRO</a:t>
+            </a:r>
+            <a:endParaRPr lang="pt-BR" sz="3600" b="1" dirty="0">
+              <a:solidFill>
+                <a:schemeClr val="accent1">
+                  <a:lumMod val="50000"/>
+                </a:schemeClr>
+              </a:solidFill>
+              <a:latin typeface="Arial" pitchFamily="34" charset="0"/>
+              <a:cs typeface="Arial" pitchFamily="34" charset="0"/>
+            </a:endParaRPr>
+          </a:p>
+        </p:txBody>
+      </p:sp>
+      <p:pic>
+        <p:nvPicPr>
+          <p:cNvPr id="6" name="Imagem 5"/>
+          <p:cNvPicPr>
+            <a:picLocks noChangeAspect="1"/>
+          </p:cNvPicPr>
+          <p:nvPr/>
+        </p:nvPicPr>
+        <p:blipFill>
+          <a:blip r:embed="rId2">
+            <a:extLst>
+              <a:ext uri="{28A0092B-C50C-407E-A947-70E740481C1C}">
+                <a14:useLocalDpi xmlns:a14="http://schemas.microsoft.com/office/drawing/2010/main" val="0"/>
+              </a:ext>
+            </a:extLst>
+          </a:blip>
+          <a:stretch>
+            <a:fillRect/>
+          </a:stretch>
+        </p:blipFill>
+        <p:spPr>
+          <a:xfrm>
+            <a:off x="0" y="1216958"/>
+            <a:ext cx="9144000" cy="4424083"/>
+          </a:xfrm>
+          <a:prstGeom prst="rect">
+            <a:avLst/>
+          </a:prstGeom>
+        </p:spPr>
+      </p:pic>
+    </p:spTree>
+    <p:extLst>
+      <p:ext uri="{BB962C8B-B14F-4D97-AF65-F5344CB8AC3E}">
+        <p14:creationId xmlns:p14="http://schemas.microsoft.com/office/powerpoint/2010/main" val="2843391693"/>
+      </p:ext>
+    </p:extLst>
+  </p:cSld>
+  <p:clrMapOvr>
+    <a:masterClrMapping/>
+  </p:clrMapOvr>
+</p:sld>
+</file>
+
+<file path=ppt/slides/slide32.xml><?xml version="1.0" encoding="utf-8"?>
+<p:sld xmlns:a="http://schemas.openxmlformats.org/drawingml/2006/main" xmlns:r="http://schemas.openxmlformats.org/officeDocument/2006/relationships" xmlns:p="http://schemas.openxmlformats.org/presentationml/2006/main">
+  <p:cSld>
+    <p:spTree>
+      <p:nvGrpSpPr>
+        <p:cNvPr id="1" name=""/>
+        <p:cNvGrpSpPr/>
+        <p:nvPr/>
+      </p:nvGrpSpPr>
+      <p:grpSpPr>
+        <a:xfrm>
+          <a:off x="0" y="0"/>
+          <a:ext cx="0" cy="0"/>
+          <a:chOff x="0" y="0"/>
+          <a:chExt cx="0" cy="0"/>
+        </a:xfrm>
+      </p:grpSpPr>
+      <p:sp>
+        <p:nvSpPr>
+          <p:cNvPr id="5" name="Título 3"/>
+          <p:cNvSpPr txBox="1">
+            <a:spLocks/>
+          </p:cNvSpPr>
+          <p:nvPr/>
+        </p:nvSpPr>
+        <p:spPr>
+          <a:xfrm>
+            <a:off x="2123728" y="188640"/>
+            <a:ext cx="8797925" cy="922338"/>
+          </a:xfrm>
+          <a:prstGeom prst="rect">
+            <a:avLst/>
+          </a:prstGeom>
+        </p:spPr>
+        <p:txBody>
+          <a:bodyPr/>
+          <a:lstStyle>
+            <a:lvl1pPr algn="ctr" rtl="0" eaLnBrk="0" fontAlgn="base" hangingPunct="0">
+              <a:spcBef>
+                <a:spcPct val="0"/>
+              </a:spcBef>
+              <a:spcAft>
+                <a:spcPct val="0"/>
+              </a:spcAft>
+              <a:defRPr sz="4400" kern="1200">
+                <a:solidFill>
+                  <a:schemeClr val="tx1"/>
+                </a:solidFill>
+                <a:latin typeface="Verdana" pitchFamily="34" charset="0"/>
+                <a:ea typeface="Verdana" pitchFamily="34" charset="0"/>
+                <a:cs typeface="Verdana" pitchFamily="34" charset="0"/>
+              </a:defRPr>
+            </a:lvl1pPr>
+            <a:lvl2pPr algn="ctr" rtl="0" eaLnBrk="0" fontAlgn="base" hangingPunct="0">
+              <a:spcBef>
+                <a:spcPct val="0"/>
+              </a:spcBef>
+              <a:spcAft>
+                <a:spcPct val="0"/>
+              </a:spcAft>
+              <a:defRPr sz="4400">
+                <a:solidFill>
+                  <a:schemeClr val="tx1"/>
+                </a:solidFill>
+                <a:latin typeface="Verdana" pitchFamily="34" charset="0"/>
+                <a:ea typeface="Verdana" pitchFamily="34" charset="0"/>
+                <a:cs typeface="Verdana" pitchFamily="34" charset="0"/>
+              </a:defRPr>
+            </a:lvl2pPr>
+            <a:lvl3pPr algn="ctr" rtl="0" eaLnBrk="0" fontAlgn="base" hangingPunct="0">
+              <a:spcBef>
+                <a:spcPct val="0"/>
+              </a:spcBef>
+              <a:spcAft>
+                <a:spcPct val="0"/>
+              </a:spcAft>
+              <a:defRPr sz="4400">
+                <a:solidFill>
+                  <a:schemeClr val="tx1"/>
+                </a:solidFill>
+                <a:latin typeface="Verdana" pitchFamily="34" charset="0"/>
+                <a:ea typeface="Verdana" pitchFamily="34" charset="0"/>
+                <a:cs typeface="Verdana" pitchFamily="34" charset="0"/>
+              </a:defRPr>
+            </a:lvl3pPr>
+            <a:lvl4pPr algn="ctr" rtl="0" eaLnBrk="0" fontAlgn="base" hangingPunct="0">
+              <a:spcBef>
+                <a:spcPct val="0"/>
+              </a:spcBef>
+              <a:spcAft>
+                <a:spcPct val="0"/>
+              </a:spcAft>
+              <a:defRPr sz="4400">
+                <a:solidFill>
+                  <a:schemeClr val="tx1"/>
+                </a:solidFill>
+                <a:latin typeface="Verdana" pitchFamily="34" charset="0"/>
+                <a:ea typeface="Verdana" pitchFamily="34" charset="0"/>
+                <a:cs typeface="Verdana" pitchFamily="34" charset="0"/>
+              </a:defRPr>
+            </a:lvl4pPr>
+            <a:lvl5pPr algn="ctr" rtl="0" eaLnBrk="0" fontAlgn="base" hangingPunct="0">
+              <a:spcBef>
+                <a:spcPct val="0"/>
+              </a:spcBef>
+              <a:spcAft>
+                <a:spcPct val="0"/>
+              </a:spcAft>
+              <a:defRPr sz="4400">
+                <a:solidFill>
+                  <a:schemeClr val="tx1"/>
+                </a:solidFill>
+                <a:latin typeface="Verdana" pitchFamily="34" charset="0"/>
+                <a:ea typeface="Verdana" pitchFamily="34" charset="0"/>
+                <a:cs typeface="Verdana" pitchFamily="34" charset="0"/>
+              </a:defRPr>
+            </a:lvl5pPr>
+            <a:lvl6pPr marL="457200" algn="ctr" rtl="0" fontAlgn="base">
+              <a:spcBef>
+                <a:spcPct val="0"/>
+              </a:spcBef>
+              <a:spcAft>
+                <a:spcPct val="0"/>
+              </a:spcAft>
+              <a:defRPr sz="4400">
+                <a:solidFill>
+                  <a:schemeClr val="tx1"/>
+                </a:solidFill>
+                <a:latin typeface="Verdana" pitchFamily="34" charset="0"/>
+                <a:ea typeface="Verdana" pitchFamily="34" charset="0"/>
+                <a:cs typeface="Verdana" pitchFamily="34" charset="0"/>
+              </a:defRPr>
+            </a:lvl6pPr>
+            <a:lvl7pPr marL="914400" algn="ctr" rtl="0" fontAlgn="base">
+              <a:spcBef>
+                <a:spcPct val="0"/>
+              </a:spcBef>
+              <a:spcAft>
+                <a:spcPct val="0"/>
+              </a:spcAft>
+              <a:defRPr sz="4400">
+                <a:solidFill>
+                  <a:schemeClr val="tx1"/>
+                </a:solidFill>
+                <a:latin typeface="Verdana" pitchFamily="34" charset="0"/>
+                <a:ea typeface="Verdana" pitchFamily="34" charset="0"/>
+                <a:cs typeface="Verdana" pitchFamily="34" charset="0"/>
+              </a:defRPr>
+            </a:lvl7pPr>
+            <a:lvl8pPr marL="1371600" algn="ctr" rtl="0" fontAlgn="base">
+              <a:spcBef>
+                <a:spcPct val="0"/>
+              </a:spcBef>
+              <a:spcAft>
+                <a:spcPct val="0"/>
+              </a:spcAft>
+              <a:defRPr sz="4400">
+                <a:solidFill>
+                  <a:schemeClr val="tx1"/>
+                </a:solidFill>
+                <a:latin typeface="Verdana" pitchFamily="34" charset="0"/>
+                <a:ea typeface="Verdana" pitchFamily="34" charset="0"/>
+                <a:cs typeface="Verdana" pitchFamily="34" charset="0"/>
+              </a:defRPr>
+            </a:lvl8pPr>
+            <a:lvl9pPr marL="1828800" algn="ctr" rtl="0" fontAlgn="base">
+              <a:spcBef>
+                <a:spcPct val="0"/>
+              </a:spcBef>
+              <a:spcAft>
+                <a:spcPct val="0"/>
+              </a:spcAft>
+              <a:defRPr sz="4400">
+                <a:solidFill>
+                  <a:schemeClr val="tx1"/>
+                </a:solidFill>
+                <a:latin typeface="Verdana" pitchFamily="34" charset="0"/>
+                <a:ea typeface="Verdana" pitchFamily="34" charset="0"/>
+                <a:cs typeface="Verdana" pitchFamily="34" charset="0"/>
+              </a:defRPr>
+            </a:lvl9pPr>
+          </a:lstStyle>
+          <a:p>
+            <a:pPr eaLnBrk="1" hangingPunct="1">
+              <a:defRPr/>
+            </a:pPr>
+            <a:r>
+              <a:rPr lang="pt-BR" sz="3600" b="1" dirty="0" smtClean="0">
+                <a:solidFill>
+                  <a:schemeClr val="accent1">
+                    <a:lumMod val="50000"/>
+                  </a:schemeClr>
+                </a:solidFill>
+                <a:latin typeface="Arial" pitchFamily="34" charset="0"/>
+                <a:cs typeface="Arial" pitchFamily="34" charset="0"/>
+              </a:rPr>
+              <a:t>MODULO FINANCEIRO</a:t>
+            </a:r>
+            <a:endParaRPr lang="pt-BR" sz="3600" b="1" dirty="0">
+              <a:solidFill>
+                <a:schemeClr val="accent1">
+                  <a:lumMod val="50000"/>
+                </a:schemeClr>
+              </a:solidFill>
+              <a:latin typeface="Arial" pitchFamily="34" charset="0"/>
+              <a:cs typeface="Arial" pitchFamily="34" charset="0"/>
+            </a:endParaRPr>
+          </a:p>
+        </p:txBody>
+      </p:sp>
+      <p:pic>
+        <p:nvPicPr>
+          <p:cNvPr id="6" name="Imagem 5"/>
+          <p:cNvPicPr>
+            <a:picLocks noChangeAspect="1"/>
+          </p:cNvPicPr>
+          <p:nvPr/>
+        </p:nvPicPr>
+        <p:blipFill>
+          <a:blip r:embed="rId2">
+            <a:extLst>
+              <a:ext uri="{28A0092B-C50C-407E-A947-70E740481C1C}">
+                <a14:useLocalDpi xmlns:a14="http://schemas.microsoft.com/office/drawing/2010/main" val="0"/>
+              </a:ext>
+            </a:extLst>
+          </a:blip>
+          <a:stretch>
+            <a:fillRect/>
+          </a:stretch>
+        </p:blipFill>
+        <p:spPr>
+          <a:xfrm>
+            <a:off x="1187624" y="1268760"/>
+            <a:ext cx="6613996" cy="5436404"/>
+          </a:xfrm>
+          <a:prstGeom prst="rect">
+            <a:avLst/>
+          </a:prstGeom>
+        </p:spPr>
+      </p:pic>
+    </p:spTree>
+    <p:extLst>
+      <p:ext uri="{BB962C8B-B14F-4D97-AF65-F5344CB8AC3E}">
+        <p14:creationId xmlns:p14="http://schemas.microsoft.com/office/powerpoint/2010/main" val="3776007642"/>
+      </p:ext>
+    </p:extLst>
+  </p:cSld>
+  <p:clrMapOvr>
+    <a:masterClrMapping/>
+  </p:clrMapOvr>
+</p:sld>
+</file>
+
+<file path=ppt/slides/slide33.xml><?xml version="1.0" encoding="utf-8"?>
+<p:sld xmlns:a="http://schemas.openxmlformats.org/drawingml/2006/main" xmlns:r="http://schemas.openxmlformats.org/officeDocument/2006/relationships" xmlns:p="http://schemas.openxmlformats.org/presentationml/2006/main">
+  <p:cSld>
+    <p:spTree>
+      <p:nvGrpSpPr>
+        <p:cNvPr id="1" name=""/>
+        <p:cNvGrpSpPr/>
+        <p:nvPr/>
+      </p:nvGrpSpPr>
+      <p:grpSpPr>
+        <a:xfrm>
+          <a:off x="0" y="0"/>
+          <a:ext cx="0" cy="0"/>
+          <a:chOff x="0" y="0"/>
+          <a:chExt cx="0" cy="0"/>
+        </a:xfrm>
+      </p:grpSpPr>
+      <p:sp>
+        <p:nvSpPr>
+          <p:cNvPr id="5" name="Título 3"/>
+          <p:cNvSpPr txBox="1">
+            <a:spLocks/>
+          </p:cNvSpPr>
+          <p:nvPr/>
+        </p:nvSpPr>
+        <p:spPr>
+          <a:xfrm>
+            <a:off x="2123728" y="188640"/>
+            <a:ext cx="8797925" cy="922338"/>
+          </a:xfrm>
+          <a:prstGeom prst="rect">
+            <a:avLst/>
+          </a:prstGeom>
+        </p:spPr>
+        <p:txBody>
+          <a:bodyPr/>
+          <a:lstStyle>
+            <a:lvl1pPr algn="ctr" rtl="0" eaLnBrk="0" fontAlgn="base" hangingPunct="0">
+              <a:spcBef>
+                <a:spcPct val="0"/>
+              </a:spcBef>
+              <a:spcAft>
+                <a:spcPct val="0"/>
+              </a:spcAft>
+              <a:defRPr sz="4400" kern="1200">
+                <a:solidFill>
+                  <a:schemeClr val="tx1"/>
+                </a:solidFill>
+                <a:latin typeface="Verdana" pitchFamily="34" charset="0"/>
+                <a:ea typeface="Verdana" pitchFamily="34" charset="0"/>
+                <a:cs typeface="Verdana" pitchFamily="34" charset="0"/>
+              </a:defRPr>
+            </a:lvl1pPr>
+            <a:lvl2pPr algn="ctr" rtl="0" eaLnBrk="0" fontAlgn="base" hangingPunct="0">
+              <a:spcBef>
+                <a:spcPct val="0"/>
+              </a:spcBef>
+              <a:spcAft>
+                <a:spcPct val="0"/>
+              </a:spcAft>
+              <a:defRPr sz="4400">
+                <a:solidFill>
+                  <a:schemeClr val="tx1"/>
+                </a:solidFill>
+                <a:latin typeface="Verdana" pitchFamily="34" charset="0"/>
+                <a:ea typeface="Verdana" pitchFamily="34" charset="0"/>
+                <a:cs typeface="Verdana" pitchFamily="34" charset="0"/>
+              </a:defRPr>
+            </a:lvl2pPr>
+            <a:lvl3pPr algn="ctr" rtl="0" eaLnBrk="0" fontAlgn="base" hangingPunct="0">
+              <a:spcBef>
+                <a:spcPct val="0"/>
+              </a:spcBef>
+              <a:spcAft>
+                <a:spcPct val="0"/>
+              </a:spcAft>
+              <a:defRPr sz="4400">
+                <a:solidFill>
+                  <a:schemeClr val="tx1"/>
+                </a:solidFill>
+                <a:latin typeface="Verdana" pitchFamily="34" charset="0"/>
+                <a:ea typeface="Verdana" pitchFamily="34" charset="0"/>
+                <a:cs typeface="Verdana" pitchFamily="34" charset="0"/>
+              </a:defRPr>
+            </a:lvl3pPr>
+            <a:lvl4pPr algn="ctr" rtl="0" eaLnBrk="0" fontAlgn="base" hangingPunct="0">
+              <a:spcBef>
+                <a:spcPct val="0"/>
+              </a:spcBef>
+              <a:spcAft>
+                <a:spcPct val="0"/>
+              </a:spcAft>
+              <a:defRPr sz="4400">
+                <a:solidFill>
+                  <a:schemeClr val="tx1"/>
+                </a:solidFill>
+                <a:latin typeface="Verdana" pitchFamily="34" charset="0"/>
+                <a:ea typeface="Verdana" pitchFamily="34" charset="0"/>
+                <a:cs typeface="Verdana" pitchFamily="34" charset="0"/>
+              </a:defRPr>
+            </a:lvl4pPr>
+            <a:lvl5pPr algn="ctr" rtl="0" eaLnBrk="0" fontAlgn="base" hangingPunct="0">
+              <a:spcBef>
+                <a:spcPct val="0"/>
+              </a:spcBef>
+              <a:spcAft>
+                <a:spcPct val="0"/>
+              </a:spcAft>
+              <a:defRPr sz="4400">
+                <a:solidFill>
+                  <a:schemeClr val="tx1"/>
+                </a:solidFill>
+                <a:latin typeface="Verdana" pitchFamily="34" charset="0"/>
+                <a:ea typeface="Verdana" pitchFamily="34" charset="0"/>
+                <a:cs typeface="Verdana" pitchFamily="34" charset="0"/>
+              </a:defRPr>
+            </a:lvl5pPr>
+            <a:lvl6pPr marL="457200" algn="ctr" rtl="0" fontAlgn="base">
+              <a:spcBef>
+                <a:spcPct val="0"/>
+              </a:spcBef>
+              <a:spcAft>
+                <a:spcPct val="0"/>
+              </a:spcAft>
+              <a:defRPr sz="4400">
+                <a:solidFill>
+                  <a:schemeClr val="tx1"/>
+                </a:solidFill>
+                <a:latin typeface="Verdana" pitchFamily="34" charset="0"/>
+                <a:ea typeface="Verdana" pitchFamily="34" charset="0"/>
+                <a:cs typeface="Verdana" pitchFamily="34" charset="0"/>
+              </a:defRPr>
+            </a:lvl6pPr>
+            <a:lvl7pPr marL="914400" algn="ctr" rtl="0" fontAlgn="base">
+              <a:spcBef>
+                <a:spcPct val="0"/>
+              </a:spcBef>
+              <a:spcAft>
+                <a:spcPct val="0"/>
+              </a:spcAft>
+              <a:defRPr sz="4400">
+                <a:solidFill>
+                  <a:schemeClr val="tx1"/>
+                </a:solidFill>
+                <a:latin typeface="Verdana" pitchFamily="34" charset="0"/>
+                <a:ea typeface="Verdana" pitchFamily="34" charset="0"/>
+                <a:cs typeface="Verdana" pitchFamily="34" charset="0"/>
+              </a:defRPr>
+            </a:lvl7pPr>
+            <a:lvl8pPr marL="1371600" algn="ctr" rtl="0" fontAlgn="base">
+              <a:spcBef>
+                <a:spcPct val="0"/>
+              </a:spcBef>
+              <a:spcAft>
+                <a:spcPct val="0"/>
+              </a:spcAft>
+              <a:defRPr sz="4400">
+                <a:solidFill>
+                  <a:schemeClr val="tx1"/>
+                </a:solidFill>
+                <a:latin typeface="Verdana" pitchFamily="34" charset="0"/>
+                <a:ea typeface="Verdana" pitchFamily="34" charset="0"/>
+                <a:cs typeface="Verdana" pitchFamily="34" charset="0"/>
+              </a:defRPr>
+            </a:lvl8pPr>
+            <a:lvl9pPr marL="1828800" algn="ctr" rtl="0" fontAlgn="base">
+              <a:spcBef>
+                <a:spcPct val="0"/>
+              </a:spcBef>
+              <a:spcAft>
+                <a:spcPct val="0"/>
+              </a:spcAft>
+              <a:defRPr sz="4400">
+                <a:solidFill>
+                  <a:schemeClr val="tx1"/>
+                </a:solidFill>
+                <a:latin typeface="Verdana" pitchFamily="34" charset="0"/>
+                <a:ea typeface="Verdana" pitchFamily="34" charset="0"/>
+                <a:cs typeface="Verdana" pitchFamily="34" charset="0"/>
+              </a:defRPr>
+            </a:lvl9pPr>
+          </a:lstStyle>
+          <a:p>
+            <a:pPr eaLnBrk="1" hangingPunct="1">
+              <a:defRPr/>
+            </a:pPr>
+            <a:r>
+              <a:rPr lang="pt-BR" sz="3600" b="1" dirty="0" smtClean="0">
+                <a:solidFill>
+                  <a:schemeClr val="accent1">
+                    <a:lumMod val="50000"/>
+                  </a:schemeClr>
+                </a:solidFill>
+                <a:latin typeface="Arial" pitchFamily="34" charset="0"/>
+                <a:cs typeface="Arial" pitchFamily="34" charset="0"/>
+              </a:rPr>
+              <a:t>MODULO FINANCEIRO</a:t>
+            </a:r>
+            <a:endParaRPr lang="pt-BR" sz="3600" b="1" dirty="0">
+              <a:solidFill>
+                <a:schemeClr val="accent1">
+                  <a:lumMod val="50000"/>
+                </a:schemeClr>
+              </a:solidFill>
+              <a:latin typeface="Arial" pitchFamily="34" charset="0"/>
+              <a:cs typeface="Arial" pitchFamily="34" charset="0"/>
+            </a:endParaRPr>
+          </a:p>
+        </p:txBody>
+      </p:sp>
+      <p:pic>
+        <p:nvPicPr>
+          <p:cNvPr id="6" name="Imagem 5"/>
+          <p:cNvPicPr>
+            <a:picLocks noChangeAspect="1"/>
+          </p:cNvPicPr>
+          <p:nvPr/>
+        </p:nvPicPr>
+        <p:blipFill>
+          <a:blip r:embed="rId2">
+            <a:extLst>
+              <a:ext uri="{28A0092B-C50C-407E-A947-70E740481C1C}">
+                <a14:useLocalDpi xmlns:a14="http://schemas.microsoft.com/office/drawing/2010/main" val="0"/>
+              </a:ext>
+            </a:extLst>
+          </a:blip>
+          <a:stretch>
+            <a:fillRect/>
+          </a:stretch>
+        </p:blipFill>
+        <p:spPr>
+          <a:xfrm>
+            <a:off x="0" y="1824371"/>
+            <a:ext cx="9144000" cy="3209258"/>
+          </a:xfrm>
+          <a:prstGeom prst="rect">
+            <a:avLst/>
+          </a:prstGeom>
+        </p:spPr>
+      </p:pic>
+    </p:spTree>
+    <p:extLst>
+      <p:ext uri="{BB962C8B-B14F-4D97-AF65-F5344CB8AC3E}">
+        <p14:creationId xmlns:p14="http://schemas.microsoft.com/office/powerpoint/2010/main" val="295618873"/>
+      </p:ext>
+    </p:extLst>
+  </p:cSld>
+  <p:clrMapOvr>
+    <a:masterClrMapping/>
+  </p:clrMapOvr>
+</p:sld>
+</file>
+
+<file path=ppt/slides/slide34.xml><?xml version="1.0" encoding="utf-8"?>
+<p:sld xmlns:a="http://schemas.openxmlformats.org/drawingml/2006/main" xmlns:r="http://schemas.openxmlformats.org/officeDocument/2006/relationships" xmlns:p="http://schemas.openxmlformats.org/presentationml/2006/main">
+  <p:cSld>
+    <p:spTree>
+      <p:nvGrpSpPr>
+        <p:cNvPr id="1" name=""/>
+        <p:cNvGrpSpPr/>
+        <p:nvPr/>
+      </p:nvGrpSpPr>
+      <p:grpSpPr>
+        <a:xfrm>
+          <a:off x="0" y="0"/>
+          <a:ext cx="0" cy="0"/>
+          <a:chOff x="0" y="0"/>
+          <a:chExt cx="0" cy="0"/>
+        </a:xfrm>
+      </p:grpSpPr>
+      <p:sp>
+        <p:nvSpPr>
+          <p:cNvPr id="4" name="Título 3"/>
+          <p:cNvSpPr>
+            <a:spLocks noGrp="1"/>
+          </p:cNvSpPr>
+          <p:nvPr>
+            <p:ph type="title"/>
+          </p:nvPr>
+        </p:nvSpPr>
+        <p:spPr/>
+        <p:txBody>
+          <a:bodyPr/>
+          <a:lstStyle/>
+          <a:p>
+            <a:pPr eaLnBrk="1" hangingPunct="1">
+              <a:defRPr/>
+            </a:pPr>
+            <a:r>
+              <a:rPr lang="pt-BR" dirty="0"/>
+              <a:t>Próximos passos</a:t>
+            </a:r>
+          </a:p>
+        </p:txBody>
+      </p:sp>
+      <p:sp>
+        <p:nvSpPr>
+          <p:cNvPr id="5" name="Espaço Reservado para Conteúdo 4"/>
+          <p:cNvSpPr>
+            <a:spLocks noGrp="1"/>
+          </p:cNvSpPr>
+          <p:nvPr>
+            <p:ph idx="1"/>
+          </p:nvPr>
+        </p:nvSpPr>
+        <p:spPr/>
+        <p:txBody>
+          <a:bodyPr/>
+          <a:lstStyle/>
+          <a:p>
+            <a:r>
+              <a:rPr lang="pt-BR" dirty="0"/>
+              <a:t>Implementar o sistema</a:t>
+            </a:r>
+          </a:p>
+        </p:txBody>
+      </p:sp>
+    </p:spTree>
+  </p:cSld>
+  <p:clrMapOvr>
+    <a:masterClrMapping/>
+  </p:clrMapOvr>
+  <p:transition spd="med">
+    <p:fade/>
+  </p:transition>
+</p:sld>
+</file>
+
+<file path=ppt/slides/slide35.xml><?xml version="1.0" encoding="utf-8"?>
+<p:sld xmlns:a="http://schemas.openxmlformats.org/drawingml/2006/main" xmlns:r="http://schemas.openxmlformats.org/officeDocument/2006/relationships" xmlns:p="http://schemas.openxmlformats.org/presentationml/2006/main">
+  <p:cSld>
+    <p:spTree>
+      <p:nvGrpSpPr>
+        <p:cNvPr id="1" name=""/>
+        <p:cNvGrpSpPr/>
+        <p:nvPr/>
+      </p:nvGrpSpPr>
+      <p:grpSpPr>
+        <a:xfrm>
+          <a:off x="0" y="0"/>
+          <a:ext cx="0" cy="0"/>
+          <a:chOff x="0" y="0"/>
+          <a:chExt cx="0" cy="0"/>
+        </a:xfrm>
+      </p:grpSpPr>
+      <p:sp>
+        <p:nvSpPr>
+          <p:cNvPr id="4" name="Título 3"/>
+          <p:cNvSpPr>
+            <a:spLocks noGrp="1"/>
+          </p:cNvSpPr>
+          <p:nvPr>
+            <p:ph type="title"/>
+          </p:nvPr>
+        </p:nvSpPr>
+        <p:spPr/>
+        <p:txBody>
+          <a:bodyPr/>
+          <a:lstStyle/>
+          <a:p>
+            <a:pPr eaLnBrk="1" hangingPunct="1">
+              <a:defRPr/>
+            </a:pPr>
+            <a:r>
+              <a:rPr lang="pt-BR" dirty="0"/>
+              <a:t>Lições Aprendidas</a:t>
+            </a:r>
+          </a:p>
+        </p:txBody>
+      </p:sp>
+      <p:sp>
+        <p:nvSpPr>
+          <p:cNvPr id="5" name="Espaço Reservado para Conteúdo 4"/>
+          <p:cNvSpPr>
+            <a:spLocks noGrp="1"/>
+          </p:cNvSpPr>
+          <p:nvPr>
+            <p:ph idx="1"/>
+          </p:nvPr>
+        </p:nvSpPr>
+        <p:spPr/>
+        <p:txBody>
+          <a:bodyPr/>
+          <a:lstStyle/>
+          <a:p>
+            <a:r>
+              <a:rPr lang="pt-BR" dirty="0"/>
+              <a:t>Descreva o que você faria diferente se fosse iniciar o sistema.</a:t>
+            </a:r>
+          </a:p>
+        </p:txBody>
+      </p:sp>
     </p:spTree>
   </p:cSld>
   <p:clrMapOvr>
@@ -7244,7 +8908,7 @@
           <p:cNvPr id="11266" name="Diagrama 1">
             <a:extLst>
               <a:ext uri="{FF2B5EF4-FFF2-40B4-BE49-F238E27FC236}">
-                <a16:creationId xmlns:a16="http://schemas.microsoft.com/office/drawing/2014/main" xmlns="" id="{4C81840A-E9DF-427C-85B7-BC425FCD88EA}"/>
+                <a16:creationId xmlns="" xmlns:a16="http://schemas.microsoft.com/office/drawing/2014/main" id="{4C81840A-E9DF-427C-85B7-BC425FCD88EA}"/>
               </a:ext>
             </a:extLst>
           </p:cNvPr>
@@ -7257,7 +8921,7 @@
           <a:blip r:embed="rId2" cstate="print">
             <a:extLst>
               <a:ext uri="{28A0092B-C50C-407E-A947-70E740481C1C}">
-                <a14:useLocalDpi xmlns:a14="http://schemas.microsoft.com/office/drawing/2010/main" xmlns="" val="0"/>
+                <a14:useLocalDpi xmlns:a14="http://schemas.microsoft.com/office/drawing/2010/main" val="0"/>
               </a:ext>
             </a:extLst>
           </a:blip>
@@ -7280,14 +8944,14 @@
           </a:ln>
           <a:extLst>
             <a:ext uri="{909E8E84-426E-40DD-AFC4-6F175D3DCCD1}">
-              <a14:hiddenFill xmlns:a14="http://schemas.microsoft.com/office/drawing/2010/main" xmlns="">
+              <a14:hiddenFill xmlns:a14="http://schemas.microsoft.com/office/drawing/2010/main">
                 <a:solidFill>
                   <a:srgbClr val="FFFFFF"/>
                 </a:solidFill>
               </a14:hiddenFill>
             </a:ext>
             <a:ext uri="{91240B29-F687-4F45-9708-019B960494DF}">
-              <a14:hiddenLine xmlns:a14="http://schemas.microsoft.com/office/drawing/2010/main" xmlns="" w="9525">
+              <a14:hiddenLine xmlns:a14="http://schemas.microsoft.com/office/drawing/2010/main" w="9525">
                 <a:solidFill>
                   <a:srgbClr val="000000"/>
                 </a:solidFill>
@@ -7357,7 +9021,7 @@
           <p:cNvPr id="13314" name="Picture 2" descr="Arquitetura do Sistema v2">
             <a:extLst>
               <a:ext uri="{FF2B5EF4-FFF2-40B4-BE49-F238E27FC236}">
-                <a16:creationId xmlns:a16="http://schemas.microsoft.com/office/drawing/2014/main" xmlns="" id="{EA7FDE5E-A5FA-4E94-8B57-8FB50D8A51A9}"/>
+                <a16:creationId xmlns="" xmlns:a16="http://schemas.microsoft.com/office/drawing/2014/main" id="{EA7FDE5E-A5FA-4E94-8B57-8FB50D8A51A9}"/>
               </a:ext>
             </a:extLst>
           </p:cNvPr>
@@ -7370,7 +9034,7 @@
           <a:blip r:embed="rId2" cstate="print">
             <a:extLst>
               <a:ext uri="{28A0092B-C50C-407E-A947-70E740481C1C}">
-                <a14:useLocalDpi xmlns:a14="http://schemas.microsoft.com/office/drawing/2010/main" xmlns="" val="0"/>
+                <a14:useLocalDpi xmlns:a14="http://schemas.microsoft.com/office/drawing/2010/main" val="0"/>
               </a:ext>
             </a:extLst>
           </a:blip>
@@ -7393,14 +9057,14 @@
           </a:ln>
           <a:extLst>
             <a:ext uri="{909E8E84-426E-40DD-AFC4-6F175D3DCCD1}">
-              <a14:hiddenFill xmlns:a14="http://schemas.microsoft.com/office/drawing/2010/main" xmlns="">
+              <a14:hiddenFill xmlns:a14="http://schemas.microsoft.com/office/drawing/2010/main">
                 <a:solidFill>
                   <a:srgbClr val="FFFFFF"/>
                 </a:solidFill>
               </a14:hiddenFill>
             </a:ext>
             <a:ext uri="{91240B29-F687-4F45-9708-019B960494DF}">
-              <a14:hiddenLine xmlns:a14="http://schemas.microsoft.com/office/drawing/2010/main" xmlns="" w="9525">
+              <a14:hiddenLine xmlns:a14="http://schemas.microsoft.com/office/drawing/2010/main" w="9525">
                 <a:solidFill>
                   <a:srgbClr val="000000"/>
                 </a:solidFill>
@@ -7513,14 +9177,14 @@
             </a:ln>
             <a:extLst>
               <a:ext uri="{909E8E84-426E-40DD-AFC4-6F175D3DCCD1}">
-                <a14:hiddenFill xmlns:a14="http://schemas.microsoft.com/office/drawing/2010/main" xmlns="">
+                <a14:hiddenFill xmlns:a14="http://schemas.microsoft.com/office/drawing/2010/main">
                   <a:solidFill>
                     <a:srgbClr val="FFFFFF"/>
                   </a:solidFill>
                 </a14:hiddenFill>
               </a:ext>
               <a:ext uri="{91240B29-F687-4F45-9708-019B960494DF}">
-                <a14:hiddenLine xmlns:a14="http://schemas.microsoft.com/office/drawing/2010/main" xmlns="" w="9525">
+                <a14:hiddenLine xmlns:a14="http://schemas.microsoft.com/office/drawing/2010/main" w="9525">
                   <a:solidFill>
                     <a:srgbClr val="000000"/>
                   </a:solidFill>
@@ -7670,14 +9334,14 @@
             </a:ln>
             <a:extLst>
               <a:ext uri="{909E8E84-426E-40DD-AFC4-6F175D3DCCD1}">
-                <a14:hiddenFill xmlns:a14="http://schemas.microsoft.com/office/drawing/2010/main" xmlns="">
+                <a14:hiddenFill xmlns:a14="http://schemas.microsoft.com/office/drawing/2010/main">
                   <a:solidFill>
                     <a:srgbClr val="FFFFFF"/>
                   </a:solidFill>
                 </a14:hiddenFill>
               </a:ext>
               <a:ext uri="{91240B29-F687-4F45-9708-019B960494DF}">
-                <a14:hiddenLine xmlns:a14="http://schemas.microsoft.com/office/drawing/2010/main" xmlns="" w="9525">
+                <a14:hiddenLine xmlns:a14="http://schemas.microsoft.com/office/drawing/2010/main" w="9525">
                   <a:solidFill>
                     <a:srgbClr val="000000"/>
                   </a:solidFill>
@@ -7989,14 +9653,14 @@
           </a:xfrm>
           <a:extLst>
             <a:ext uri="{909E8E84-426E-40DD-AFC4-6F175D3DCCD1}">
-              <a14:hiddenFill xmlns:a14="http://schemas.microsoft.com/office/drawing/2010/main" xmlns="">
+              <a14:hiddenFill xmlns:a14="http://schemas.microsoft.com/office/drawing/2010/main">
                 <a:solidFill>
                   <a:srgbClr val="FFFFFF"/>
                 </a:solidFill>
               </a14:hiddenFill>
             </a:ext>
             <a:ext uri="{91240B29-F687-4F45-9708-019B960494DF}">
-              <a14:hiddenLine xmlns:a14="http://schemas.microsoft.com/office/drawing/2010/main" xmlns="" w="9525">
+              <a14:hiddenLine xmlns:a14="http://schemas.microsoft.com/office/drawing/2010/main" w="9525">
                 <a:solidFill>
                   <a:srgbClr val="000000"/>
                 </a:solidFill>
@@ -8206,7 +9870,7 @@
           <p:cNvPr id="2050" name="Picture 2" descr="Realizar Atendimento do Paciente">
             <a:extLst>
               <a:ext uri="{FF2B5EF4-FFF2-40B4-BE49-F238E27FC236}">
-                <a16:creationId xmlns:a16="http://schemas.microsoft.com/office/drawing/2014/main" xmlns="" id="{382A9180-B432-418B-9317-1CB76F230FC8}"/>
+                <a16:creationId xmlns="" xmlns:a16="http://schemas.microsoft.com/office/drawing/2014/main" id="{382A9180-B432-418B-9317-1CB76F230FC8}"/>
               </a:ext>
             </a:extLst>
           </p:cNvPr>
@@ -8219,7 +9883,7 @@
           <a:blip r:embed="rId2" cstate="print">
             <a:extLst>
               <a:ext uri="{28A0092B-C50C-407E-A947-70E740481C1C}">
-                <a14:useLocalDpi xmlns:a14="http://schemas.microsoft.com/office/drawing/2010/main" xmlns="" val="0"/>
+                <a14:useLocalDpi xmlns:a14="http://schemas.microsoft.com/office/drawing/2010/main" val="0"/>
               </a:ext>
             </a:extLst>
           </a:blip>
@@ -8242,14 +9906,14 @@
           </a:ln>
           <a:extLst>
             <a:ext uri="{909E8E84-426E-40DD-AFC4-6F175D3DCCD1}">
-              <a14:hiddenFill xmlns:a14="http://schemas.microsoft.com/office/drawing/2010/main" xmlns="">
+              <a14:hiddenFill xmlns:a14="http://schemas.microsoft.com/office/drawing/2010/main">
                 <a:solidFill>
                   <a:srgbClr val="FFFFFF"/>
                 </a:solidFill>
               </a14:hiddenFill>
             </a:ext>
             <a:ext uri="{91240B29-F687-4F45-9708-019B960494DF}">
-              <a14:hiddenLine xmlns:a14="http://schemas.microsoft.com/office/drawing/2010/main" xmlns="" w="9525">
+              <a14:hiddenLine xmlns:a14="http://schemas.microsoft.com/office/drawing/2010/main" w="9525">
                 <a:solidFill>
                   <a:srgbClr val="000000"/>
                 </a:solidFill>
@@ -8319,7 +9983,7 @@
           <p:cNvPr id="3074" name="Picture 2">
             <a:extLst>
               <a:ext uri="{FF2B5EF4-FFF2-40B4-BE49-F238E27FC236}">
-                <a16:creationId xmlns:a16="http://schemas.microsoft.com/office/drawing/2014/main" xmlns="" id="{8E1DF024-FFFB-4CD4-9A0E-7DFABA40FF83}"/>
+                <a16:creationId xmlns="" xmlns:a16="http://schemas.microsoft.com/office/drawing/2014/main" id="{8E1DF024-FFFB-4CD4-9A0E-7DFABA40FF83}"/>
               </a:ext>
             </a:extLst>
           </p:cNvPr>
@@ -8332,7 +9996,7 @@
           <a:blip r:embed="rId2" cstate="print">
             <a:extLst>
               <a:ext uri="{28A0092B-C50C-407E-A947-70E740481C1C}">
-                <a14:useLocalDpi xmlns:a14="http://schemas.microsoft.com/office/drawing/2010/main" xmlns="" val="0"/>
+                <a14:useLocalDpi xmlns:a14="http://schemas.microsoft.com/office/drawing/2010/main" val="0"/>
               </a:ext>
             </a:extLst>
           </a:blip>
@@ -8355,14 +10019,14 @@
           </a:ln>
           <a:extLst>
             <a:ext uri="{909E8E84-426E-40DD-AFC4-6F175D3DCCD1}">
-              <a14:hiddenFill xmlns:a14="http://schemas.microsoft.com/office/drawing/2010/main" xmlns="">
+              <a14:hiddenFill xmlns:a14="http://schemas.microsoft.com/office/drawing/2010/main">
                 <a:solidFill>
                   <a:srgbClr val="FFFFFF"/>
                 </a:solidFill>
               </a14:hiddenFill>
             </a:ext>
             <a:ext uri="{91240B29-F687-4F45-9708-019B960494DF}">
-              <a14:hiddenLine xmlns:a14="http://schemas.microsoft.com/office/drawing/2010/main" xmlns="" w="9525">
+              <a14:hiddenLine xmlns:a14="http://schemas.microsoft.com/office/drawing/2010/main" w="9525">
                 <a:solidFill>
                   <a:srgbClr val="000000"/>
                 </a:solidFill>

--- a/TCC/3º Encontro/2017-Apresentacao Psystem.pptx
+++ b/TCC/3º Encontro/2017-Apresentacao Psystem.pptx
@@ -4,6 +4,9 @@
   <p:sldMasterIdLst>
     <p:sldMasterId id="2147483750" r:id="rId1"/>
   </p:sldMasterIdLst>
+  <p:notesMasterIdLst>
+    <p:notesMasterId r:id="rId42"/>
+  </p:notesMasterIdLst>
   <p:sldIdLst>
     <p:sldId id="256" r:id="rId2"/>
     <p:sldId id="270" r:id="rId3"/>
@@ -30,16 +33,21 @@
     <p:sldId id="297" r:id="rId24"/>
     <p:sldId id="298" r:id="rId25"/>
     <p:sldId id="289" r:id="rId26"/>
-    <p:sldId id="290" r:id="rId27"/>
-    <p:sldId id="291" r:id="rId28"/>
-    <p:sldId id="299" r:id="rId29"/>
-    <p:sldId id="300" r:id="rId30"/>
-    <p:sldId id="301" r:id="rId31"/>
-    <p:sldId id="302" r:id="rId32"/>
-    <p:sldId id="303" r:id="rId33"/>
-    <p:sldId id="304" r:id="rId34"/>
-    <p:sldId id="279" r:id="rId35"/>
-    <p:sldId id="280" r:id="rId36"/>
+    <p:sldId id="307" r:id="rId27"/>
+    <p:sldId id="308" r:id="rId28"/>
+    <p:sldId id="311" r:id="rId29"/>
+    <p:sldId id="309" r:id="rId30"/>
+    <p:sldId id="310" r:id="rId31"/>
+    <p:sldId id="290" r:id="rId32"/>
+    <p:sldId id="291" r:id="rId33"/>
+    <p:sldId id="299" r:id="rId34"/>
+    <p:sldId id="300" r:id="rId35"/>
+    <p:sldId id="301" r:id="rId36"/>
+    <p:sldId id="302" r:id="rId37"/>
+    <p:sldId id="303" r:id="rId38"/>
+    <p:sldId id="304" r:id="rId39"/>
+    <p:sldId id="279" r:id="rId40"/>
+    <p:sldId id="280" r:id="rId41"/>
   </p:sldIdLst>
   <p:sldSz cx="9144000" cy="6858000" type="screen4x3"/>
   <p:notesSz cx="6858000" cy="9144000"/>
@@ -189,6 +197,355 @@
 
 <file path=ppt/revisionInfo.xml><?xml version="1.0" encoding="utf-8"?>
 <p1510:revInfo xmlns:a="http://schemas.openxmlformats.org/drawingml/2006/main" xmlns:r="http://schemas.openxmlformats.org/officeDocument/2006/relationships" xmlns:p1510="http://schemas.microsoft.com/office/powerpoint/2015/10/main"/>
+</file>
+
+<file path=ppt/notesMasters/notesMaster1.xml><?xml version="1.0" encoding="utf-8"?>
+<p:notesMaster xmlns:a="http://schemas.openxmlformats.org/drawingml/2006/main" xmlns:r="http://schemas.openxmlformats.org/officeDocument/2006/relationships" xmlns:p="http://schemas.openxmlformats.org/presentationml/2006/main">
+  <p:cSld>
+    <p:bg>
+      <p:bgRef idx="1001">
+        <a:schemeClr val="bg1"/>
+      </p:bgRef>
+    </p:bg>
+    <p:spTree>
+      <p:nvGrpSpPr>
+        <p:cNvPr id="1" name=""/>
+        <p:cNvGrpSpPr/>
+        <p:nvPr/>
+      </p:nvGrpSpPr>
+      <p:grpSpPr>
+        <a:xfrm>
+          <a:off x="0" y="0"/>
+          <a:ext cx="0" cy="0"/>
+          <a:chOff x="0" y="0"/>
+          <a:chExt cx="0" cy="0"/>
+        </a:xfrm>
+      </p:grpSpPr>
+      <p:sp>
+        <p:nvSpPr>
+          <p:cNvPr id="2" name="Espaço Reservado para Cabeçalho 1"/>
+          <p:cNvSpPr>
+            <a:spLocks noGrp="1"/>
+          </p:cNvSpPr>
+          <p:nvPr>
+            <p:ph type="hdr" sz="quarter"/>
+          </p:nvPr>
+        </p:nvSpPr>
+        <p:spPr>
+          <a:xfrm>
+            <a:off x="0" y="0"/>
+            <a:ext cx="2971800" cy="458788"/>
+          </a:xfrm>
+          <a:prstGeom prst="rect">
+            <a:avLst/>
+          </a:prstGeom>
+        </p:spPr>
+        <p:txBody>
+          <a:bodyPr vert="horz" lIns="91440" tIns="45720" rIns="91440" bIns="45720" rtlCol="0"/>
+          <a:lstStyle>
+            <a:lvl1pPr algn="l">
+              <a:defRPr sz="1200"/>
+            </a:lvl1pPr>
+          </a:lstStyle>
+          <a:p>
+            <a:endParaRPr lang="pt-BR"/>
+          </a:p>
+        </p:txBody>
+      </p:sp>
+      <p:sp>
+        <p:nvSpPr>
+          <p:cNvPr id="3" name="Espaço Reservado para Data 2"/>
+          <p:cNvSpPr>
+            <a:spLocks noGrp="1"/>
+          </p:cNvSpPr>
+          <p:nvPr>
+            <p:ph type="dt" idx="1"/>
+          </p:nvPr>
+        </p:nvSpPr>
+        <p:spPr>
+          <a:xfrm>
+            <a:off x="3884613" y="0"/>
+            <a:ext cx="2971800" cy="458788"/>
+          </a:xfrm>
+          <a:prstGeom prst="rect">
+            <a:avLst/>
+          </a:prstGeom>
+        </p:spPr>
+        <p:txBody>
+          <a:bodyPr vert="horz" lIns="91440" tIns="45720" rIns="91440" bIns="45720" rtlCol="0"/>
+          <a:lstStyle>
+            <a:lvl1pPr algn="r">
+              <a:defRPr sz="1200"/>
+            </a:lvl1pPr>
+          </a:lstStyle>
+          <a:p>
+            <a:fld id="{C0D5B206-56B5-433E-8333-9415E6A460B9}" type="datetimeFigureOut">
+              <a:rPr lang="pt-BR" smtClean="0"/>
+              <a:t>12/08/2017</a:t>
+            </a:fld>
+            <a:endParaRPr lang="pt-BR"/>
+          </a:p>
+        </p:txBody>
+      </p:sp>
+      <p:sp>
+        <p:nvSpPr>
+          <p:cNvPr id="4" name="Espaço Reservado para Imagem de Slide 3"/>
+          <p:cNvSpPr>
+            <a:spLocks noGrp="1" noRot="1" noChangeAspect="1"/>
+          </p:cNvSpPr>
+          <p:nvPr>
+            <p:ph type="sldImg" idx="2"/>
+          </p:nvPr>
+        </p:nvSpPr>
+        <p:spPr>
+          <a:xfrm>
+            <a:off x="1371600" y="1143000"/>
+            <a:ext cx="4114800" cy="3086100"/>
+          </a:xfrm>
+          <a:prstGeom prst="rect">
+            <a:avLst/>
+          </a:prstGeom>
+          <a:noFill/>
+          <a:ln w="12700">
+            <a:solidFill>
+              <a:prstClr val="black"/>
+            </a:solidFill>
+          </a:ln>
+        </p:spPr>
+        <p:txBody>
+          <a:bodyPr vert="horz" lIns="91440" tIns="45720" rIns="91440" bIns="45720" rtlCol="0" anchor="ctr"/>
+          <a:lstStyle/>
+          <a:p>
+            <a:endParaRPr lang="pt-BR"/>
+          </a:p>
+        </p:txBody>
+      </p:sp>
+      <p:sp>
+        <p:nvSpPr>
+          <p:cNvPr id="5" name="Espaço Reservado para Anotações 4"/>
+          <p:cNvSpPr>
+            <a:spLocks noGrp="1"/>
+          </p:cNvSpPr>
+          <p:nvPr>
+            <p:ph type="body" sz="quarter" idx="3"/>
+          </p:nvPr>
+        </p:nvSpPr>
+        <p:spPr>
+          <a:xfrm>
+            <a:off x="685800" y="4400550"/>
+            <a:ext cx="5486400" cy="3600450"/>
+          </a:xfrm>
+          <a:prstGeom prst="rect">
+            <a:avLst/>
+          </a:prstGeom>
+        </p:spPr>
+        <p:txBody>
+          <a:bodyPr vert="horz" lIns="91440" tIns="45720" rIns="91440" bIns="45720" rtlCol="0"/>
+          <a:lstStyle/>
+          <a:p>
+            <a:pPr lvl="0"/>
+            <a:r>
+              <a:rPr lang="pt-BR"/>
+              <a:t>Editar estilos de texto Mestre</a:t>
+            </a:r>
+          </a:p>
+          <a:p>
+            <a:pPr lvl="1"/>
+            <a:r>
+              <a:rPr lang="pt-BR"/>
+              <a:t>Segundo nível</a:t>
+            </a:r>
+          </a:p>
+          <a:p>
+            <a:pPr lvl="2"/>
+            <a:r>
+              <a:rPr lang="pt-BR"/>
+              <a:t>Terceiro nível</a:t>
+            </a:r>
+          </a:p>
+          <a:p>
+            <a:pPr lvl="3"/>
+            <a:r>
+              <a:rPr lang="pt-BR"/>
+              <a:t>Quarto nível</a:t>
+            </a:r>
+          </a:p>
+          <a:p>
+            <a:pPr lvl="4"/>
+            <a:r>
+              <a:rPr lang="pt-BR"/>
+              <a:t>Quinto nível</a:t>
+            </a:r>
+          </a:p>
+        </p:txBody>
+      </p:sp>
+      <p:sp>
+        <p:nvSpPr>
+          <p:cNvPr id="6" name="Espaço Reservado para Rodapé 5"/>
+          <p:cNvSpPr>
+            <a:spLocks noGrp="1"/>
+          </p:cNvSpPr>
+          <p:nvPr>
+            <p:ph type="ftr" sz="quarter" idx="4"/>
+          </p:nvPr>
+        </p:nvSpPr>
+        <p:spPr>
+          <a:xfrm>
+            <a:off x="0" y="8685213"/>
+            <a:ext cx="2971800" cy="458787"/>
+          </a:xfrm>
+          <a:prstGeom prst="rect">
+            <a:avLst/>
+          </a:prstGeom>
+        </p:spPr>
+        <p:txBody>
+          <a:bodyPr vert="horz" lIns="91440" tIns="45720" rIns="91440" bIns="45720" rtlCol="0" anchor="b"/>
+          <a:lstStyle>
+            <a:lvl1pPr algn="l">
+              <a:defRPr sz="1200"/>
+            </a:lvl1pPr>
+          </a:lstStyle>
+          <a:p>
+            <a:endParaRPr lang="pt-BR"/>
+          </a:p>
+        </p:txBody>
+      </p:sp>
+      <p:sp>
+        <p:nvSpPr>
+          <p:cNvPr id="7" name="Espaço Reservado para Número de Slide 6"/>
+          <p:cNvSpPr>
+            <a:spLocks noGrp="1"/>
+          </p:cNvSpPr>
+          <p:nvPr>
+            <p:ph type="sldNum" sz="quarter" idx="5"/>
+          </p:nvPr>
+        </p:nvSpPr>
+        <p:spPr>
+          <a:xfrm>
+            <a:off x="3884613" y="8685213"/>
+            <a:ext cx="2971800" cy="458787"/>
+          </a:xfrm>
+          <a:prstGeom prst="rect">
+            <a:avLst/>
+          </a:prstGeom>
+        </p:spPr>
+        <p:txBody>
+          <a:bodyPr vert="horz" lIns="91440" tIns="45720" rIns="91440" bIns="45720" rtlCol="0" anchor="b"/>
+          <a:lstStyle>
+            <a:lvl1pPr algn="r">
+              <a:defRPr sz="1200"/>
+            </a:lvl1pPr>
+          </a:lstStyle>
+          <a:p>
+            <a:fld id="{876E4F93-E697-4509-B43E-25456566412B}" type="slidenum">
+              <a:rPr lang="pt-BR" smtClean="0"/>
+              <a:t>‹nº›</a:t>
+            </a:fld>
+            <a:endParaRPr lang="pt-BR"/>
+          </a:p>
+        </p:txBody>
+      </p:sp>
+    </p:spTree>
+    <p:extLst>
+      <p:ext uri="{BB962C8B-B14F-4D97-AF65-F5344CB8AC3E}">
+        <p14:creationId xmlns:p14="http://schemas.microsoft.com/office/powerpoint/2010/main" val="671299352"/>
+      </p:ext>
+    </p:extLst>
+  </p:cSld>
+  <p:clrMap bg1="lt1" tx1="dk1" bg2="lt2" tx2="dk2" accent1="accent1" accent2="accent2" accent3="accent3" accent4="accent4" accent5="accent5" accent6="accent6" hlink="hlink" folHlink="folHlink"/>
+  <p:notesStyle>
+    <a:lvl1pPr marL="0" algn="l" defTabSz="914400" rtl="0" eaLnBrk="1" latinLnBrk="0" hangingPunct="1">
+      <a:defRPr sz="1200" kern="1200">
+        <a:solidFill>
+          <a:schemeClr val="tx1"/>
+        </a:solidFill>
+        <a:latin typeface="+mn-lt"/>
+        <a:ea typeface="+mn-ea"/>
+        <a:cs typeface="+mn-cs"/>
+      </a:defRPr>
+    </a:lvl1pPr>
+    <a:lvl2pPr marL="457200" algn="l" defTabSz="914400" rtl="0" eaLnBrk="1" latinLnBrk="0" hangingPunct="1">
+      <a:defRPr sz="1200" kern="1200">
+        <a:solidFill>
+          <a:schemeClr val="tx1"/>
+        </a:solidFill>
+        <a:latin typeface="+mn-lt"/>
+        <a:ea typeface="+mn-ea"/>
+        <a:cs typeface="+mn-cs"/>
+      </a:defRPr>
+    </a:lvl2pPr>
+    <a:lvl3pPr marL="914400" algn="l" defTabSz="914400" rtl="0" eaLnBrk="1" latinLnBrk="0" hangingPunct="1">
+      <a:defRPr sz="1200" kern="1200">
+        <a:solidFill>
+          <a:schemeClr val="tx1"/>
+        </a:solidFill>
+        <a:latin typeface="+mn-lt"/>
+        <a:ea typeface="+mn-ea"/>
+        <a:cs typeface="+mn-cs"/>
+      </a:defRPr>
+    </a:lvl3pPr>
+    <a:lvl4pPr marL="1371600" algn="l" defTabSz="914400" rtl="0" eaLnBrk="1" latinLnBrk="0" hangingPunct="1">
+      <a:defRPr sz="1200" kern="1200">
+        <a:solidFill>
+          <a:schemeClr val="tx1"/>
+        </a:solidFill>
+        <a:latin typeface="+mn-lt"/>
+        <a:ea typeface="+mn-ea"/>
+        <a:cs typeface="+mn-cs"/>
+      </a:defRPr>
+    </a:lvl4pPr>
+    <a:lvl5pPr marL="1828800" algn="l" defTabSz="914400" rtl="0" eaLnBrk="1" latinLnBrk="0" hangingPunct="1">
+      <a:defRPr sz="1200" kern="1200">
+        <a:solidFill>
+          <a:schemeClr val="tx1"/>
+        </a:solidFill>
+        <a:latin typeface="+mn-lt"/>
+        <a:ea typeface="+mn-ea"/>
+        <a:cs typeface="+mn-cs"/>
+      </a:defRPr>
+    </a:lvl5pPr>
+    <a:lvl6pPr marL="2286000" algn="l" defTabSz="914400" rtl="0" eaLnBrk="1" latinLnBrk="0" hangingPunct="1">
+      <a:defRPr sz="1200" kern="1200">
+        <a:solidFill>
+          <a:schemeClr val="tx1"/>
+        </a:solidFill>
+        <a:latin typeface="+mn-lt"/>
+        <a:ea typeface="+mn-ea"/>
+        <a:cs typeface="+mn-cs"/>
+      </a:defRPr>
+    </a:lvl6pPr>
+    <a:lvl7pPr marL="2743200" algn="l" defTabSz="914400" rtl="0" eaLnBrk="1" latinLnBrk="0" hangingPunct="1">
+      <a:defRPr sz="1200" kern="1200">
+        <a:solidFill>
+          <a:schemeClr val="tx1"/>
+        </a:solidFill>
+        <a:latin typeface="+mn-lt"/>
+        <a:ea typeface="+mn-ea"/>
+        <a:cs typeface="+mn-cs"/>
+      </a:defRPr>
+    </a:lvl7pPr>
+    <a:lvl8pPr marL="3200400" algn="l" defTabSz="914400" rtl="0" eaLnBrk="1" latinLnBrk="0" hangingPunct="1">
+      <a:defRPr sz="1200" kern="1200">
+        <a:solidFill>
+          <a:schemeClr val="tx1"/>
+        </a:solidFill>
+        <a:latin typeface="+mn-lt"/>
+        <a:ea typeface="+mn-ea"/>
+        <a:cs typeface="+mn-cs"/>
+      </a:defRPr>
+    </a:lvl8pPr>
+    <a:lvl9pPr marL="3657600" algn="l" defTabSz="914400" rtl="0" eaLnBrk="1" latinLnBrk="0" hangingPunct="1">
+      <a:defRPr sz="1200" kern="1200">
+        <a:solidFill>
+          <a:schemeClr val="tx1"/>
+        </a:solidFill>
+        <a:latin typeface="+mn-lt"/>
+        <a:ea typeface="+mn-ea"/>
+        <a:cs typeface="+mn-cs"/>
+      </a:defRPr>
+    </a:lvl9pPr>
+  </p:notesStyle>
+</p:notesMaster>
 </file>
 
 <file path=ppt/slideLayouts/slideLayout1.xml><?xml version="1.0" encoding="utf-8"?>
@@ -2724,7 +3081,7 @@
           <p:cNvPr id="4098" name="Picture 2">
             <a:extLst>
               <a:ext uri="{FF2B5EF4-FFF2-40B4-BE49-F238E27FC236}">
-                <a16:creationId xmlns="" xmlns:a16="http://schemas.microsoft.com/office/drawing/2014/main" id="{E78D3342-3CB1-4010-9B6B-88EB7ABCFE33}"/>
+                <a16:creationId xmlns:a16="http://schemas.microsoft.com/office/drawing/2014/main" id="{E78D3342-3CB1-4010-9B6B-88EB7ABCFE33}"/>
               </a:ext>
             </a:extLst>
           </p:cNvPr>
@@ -2842,7 +3199,7 @@
           <p:cNvPr id="6146" name="Picture 2">
             <a:extLst>
               <a:ext uri="{FF2B5EF4-FFF2-40B4-BE49-F238E27FC236}">
-                <a16:creationId xmlns="" xmlns:a16="http://schemas.microsoft.com/office/drawing/2014/main" id="{556A2F80-2684-47F2-8981-F7DE44CA7C80}"/>
+                <a16:creationId xmlns:a16="http://schemas.microsoft.com/office/drawing/2014/main" id="{556A2F80-2684-47F2-8981-F7DE44CA7C80}"/>
               </a:ext>
             </a:extLst>
           </p:cNvPr>
@@ -2960,7 +3317,7 @@
           <p:cNvPr id="7170" name="Picture 2">
             <a:extLst>
               <a:ext uri="{FF2B5EF4-FFF2-40B4-BE49-F238E27FC236}">
-                <a16:creationId xmlns="" xmlns:a16="http://schemas.microsoft.com/office/drawing/2014/main" id="{6275A695-A03A-49D0-973C-4396A7F4314A}"/>
+                <a16:creationId xmlns:a16="http://schemas.microsoft.com/office/drawing/2014/main" id="{6275A695-A03A-49D0-973C-4396A7F4314A}"/>
               </a:ext>
             </a:extLst>
           </p:cNvPr>
@@ -3078,7 +3435,7 @@
           <p:cNvPr id="8194" name="Picture 2">
             <a:extLst>
               <a:ext uri="{FF2B5EF4-FFF2-40B4-BE49-F238E27FC236}">
-                <a16:creationId xmlns="" xmlns:a16="http://schemas.microsoft.com/office/drawing/2014/main" id="{BE3038CC-B9FD-49DA-BE5E-677673705C62}"/>
+                <a16:creationId xmlns:a16="http://schemas.microsoft.com/office/drawing/2014/main" id="{BE3038CC-B9FD-49DA-BE5E-677673705C62}"/>
               </a:ext>
             </a:extLst>
           </p:cNvPr>
@@ -3196,7 +3553,7 @@
           <p:cNvPr id="5123" name="Picture 3">
             <a:extLst>
               <a:ext uri="{FF2B5EF4-FFF2-40B4-BE49-F238E27FC236}">
-                <a16:creationId xmlns="" xmlns:a16="http://schemas.microsoft.com/office/drawing/2014/main" id="{7C997CB2-E61A-4434-B314-03D59FE8A94D}"/>
+                <a16:creationId xmlns:a16="http://schemas.microsoft.com/office/drawing/2014/main" id="{7C997CB2-E61A-4434-B314-03D59FE8A94D}"/>
               </a:ext>
             </a:extLst>
           </p:cNvPr>
@@ -3314,7 +3671,7 @@
           <p:cNvPr id="9218" name="Picture 2">
             <a:extLst>
               <a:ext uri="{FF2B5EF4-FFF2-40B4-BE49-F238E27FC236}">
-                <a16:creationId xmlns="" xmlns:a16="http://schemas.microsoft.com/office/drawing/2014/main" id="{A17F7154-A810-45FB-BD82-9A98CA259559}"/>
+                <a16:creationId xmlns:a16="http://schemas.microsoft.com/office/drawing/2014/main" id="{A17F7154-A810-45FB-BD82-9A98CA259559}"/>
               </a:ext>
             </a:extLst>
           </p:cNvPr>
@@ -3432,7 +3789,7 @@
           <p:cNvPr id="10242" name="Picture 2">
             <a:extLst>
               <a:ext uri="{FF2B5EF4-FFF2-40B4-BE49-F238E27FC236}">
-                <a16:creationId xmlns="" xmlns:a16="http://schemas.microsoft.com/office/drawing/2014/main" id="{1FC76A72-578F-4ECB-96DA-A5AEF6084358}"/>
+                <a16:creationId xmlns:a16="http://schemas.microsoft.com/office/drawing/2014/main" id="{1FC76A72-578F-4ECB-96DA-A5AEF6084358}"/>
               </a:ext>
             </a:extLst>
           </p:cNvPr>
@@ -4052,13 +4409,8 @@
             </a:pPr>
             <a:r>
               <a:rPr lang="pt-BR" dirty="0"/>
-              <a:t>MODULO </a:t>
-            </a:r>
-            <a:r>
-              <a:rPr lang="pt-BR" dirty="0" smtClean="0"/>
-              <a:t>AGENDA</a:t>
-            </a:r>
-            <a:endParaRPr lang="pt-BR" dirty="0"/>
+              <a:t>MODULO AGENDA</a:t>
+            </a:r>
           </a:p>
         </p:txBody>
       </p:sp>
@@ -4111,7 +4463,7 @@
               <a:defRPr/>
             </a:pPr>
             <a:r>
-              <a:rPr lang="pt-BR" sz="2000" dirty="0" smtClean="0">
+              <a:rPr lang="pt-BR" sz="2000" dirty="0">
                 <a:solidFill>
                   <a:schemeClr val="tx2">
                     <a:lumMod val="75000"/>
@@ -4120,13 +4472,6 @@
               </a:rPr>
               <a:t>Consultar agenda</a:t>
             </a:r>
-            <a:endParaRPr lang="pt-BR" sz="2000" dirty="0">
-              <a:solidFill>
-                <a:schemeClr val="tx2">
-                  <a:lumMod val="75000"/>
-                </a:schemeClr>
-              </a:solidFill>
-            </a:endParaRPr>
           </a:p>
           <a:p>
             <a:pPr lvl="1" algn="just" eaLnBrk="1" hangingPunct="1">
@@ -4135,7 +4480,7 @@
               <a:defRPr/>
             </a:pPr>
             <a:r>
-              <a:rPr lang="pt-BR" sz="1800" dirty="0" smtClean="0">
+              <a:rPr lang="pt-BR" sz="1800" dirty="0">
                 <a:solidFill>
                   <a:schemeClr val="tx2">
                     <a:lumMod val="75000"/>
@@ -4144,13 +4489,6 @@
               </a:rPr>
               <a:t>Consulta de agendamentos realizados e dias e horários disponíveis para novos agendamentos.</a:t>
             </a:r>
-            <a:endParaRPr lang="pt-BR" sz="1800" dirty="0">
-              <a:solidFill>
-                <a:schemeClr val="tx2">
-                  <a:lumMod val="75000"/>
-                </a:schemeClr>
-              </a:solidFill>
-            </a:endParaRPr>
           </a:p>
           <a:p>
             <a:pPr algn="just" eaLnBrk="1" hangingPunct="1">
@@ -4159,7 +4497,7 @@
               <a:defRPr/>
             </a:pPr>
             <a:r>
-              <a:rPr lang="pt-BR" sz="2000" dirty="0" smtClean="0">
+              <a:rPr lang="pt-BR" sz="2000" dirty="0">
                 <a:solidFill>
                   <a:schemeClr val="tx2">
                     <a:lumMod val="75000"/>
@@ -4168,13 +4506,6 @@
               </a:rPr>
               <a:t>Agendar</a:t>
             </a:r>
-            <a:endParaRPr lang="pt-BR" sz="2000" dirty="0">
-              <a:solidFill>
-                <a:schemeClr val="tx2">
-                  <a:lumMod val="75000"/>
-                </a:schemeClr>
-              </a:solidFill>
-            </a:endParaRPr>
           </a:p>
           <a:p>
             <a:pPr lvl="1" algn="just" eaLnBrk="1" hangingPunct="1">
@@ -4183,7 +4514,7 @@
               <a:defRPr/>
             </a:pPr>
             <a:r>
-              <a:rPr lang="pt-BR" sz="1800" dirty="0" smtClean="0">
+              <a:rPr lang="pt-BR" sz="1800" dirty="0">
                 <a:solidFill>
                   <a:schemeClr val="tx2">
                     <a:lumMod val="75000"/>
@@ -4192,13 +4523,6 @@
               </a:rPr>
               <a:t>Agendamento de serviços disponibilizados pela clinica.</a:t>
             </a:r>
-            <a:endParaRPr lang="pt-BR" sz="1800" dirty="0">
-              <a:solidFill>
-                <a:schemeClr val="tx2">
-                  <a:lumMod val="75000"/>
-                </a:schemeClr>
-              </a:solidFill>
-            </a:endParaRPr>
           </a:p>
           <a:p>
             <a:pPr algn="just" eaLnBrk="1" hangingPunct="1">
@@ -4207,7 +4531,7 @@
               <a:defRPr/>
             </a:pPr>
             <a:r>
-              <a:rPr lang="pt-BR" sz="2000" dirty="0" smtClean="0">
+              <a:rPr lang="pt-BR" sz="2000" dirty="0">
                 <a:solidFill>
                   <a:schemeClr val="tx2">
                     <a:lumMod val="75000"/>
@@ -4224,7 +4548,7 @@
               <a:defRPr/>
             </a:pPr>
             <a:r>
-              <a:rPr lang="pt-BR" sz="1800" dirty="0" smtClean="0">
+              <a:rPr lang="pt-BR" sz="1800" dirty="0">
                 <a:solidFill>
                   <a:schemeClr val="tx2">
                     <a:lumMod val="75000"/>
@@ -4241,7 +4565,7 @@
               <a:defRPr/>
             </a:pPr>
             <a:r>
-              <a:rPr lang="pt-BR" sz="2000" dirty="0" smtClean="0">
+              <a:rPr lang="pt-BR" sz="2000" dirty="0">
                 <a:solidFill>
                   <a:schemeClr val="tx2">
                     <a:lumMod val="75000"/>
@@ -4258,7 +4582,7 @@
               <a:defRPr/>
             </a:pPr>
             <a:r>
-              <a:rPr lang="pt-BR" sz="1800" dirty="0" smtClean="0">
+              <a:rPr lang="pt-BR" sz="1800" dirty="0">
                 <a:solidFill>
                   <a:schemeClr val="tx2">
                     <a:lumMod val="75000"/>
@@ -4275,7 +4599,7 @@
               <a:defRPr/>
             </a:pPr>
             <a:r>
-              <a:rPr lang="pt-BR" sz="2000" dirty="0" smtClean="0">
+              <a:rPr lang="pt-BR" sz="2000" dirty="0">
                 <a:solidFill>
                   <a:schemeClr val="tx2">
                     <a:lumMod val="75000"/>
@@ -4284,13 +4608,6 @@
               </a:rPr>
               <a:t>Confirmar agendamento</a:t>
             </a:r>
-            <a:endParaRPr lang="pt-BR" sz="2000" dirty="0">
-              <a:solidFill>
-                <a:schemeClr val="tx2">
-                  <a:lumMod val="75000"/>
-                </a:schemeClr>
-              </a:solidFill>
-            </a:endParaRPr>
           </a:p>
           <a:p>
             <a:pPr lvl="1" algn="just" eaLnBrk="1" hangingPunct="1">
@@ -4299,7 +4616,7 @@
               <a:defRPr/>
             </a:pPr>
             <a:r>
-              <a:rPr lang="pt-BR" sz="1800" dirty="0" smtClean="0">
+              <a:rPr lang="pt-BR" sz="1800" dirty="0">
                 <a:solidFill>
                   <a:schemeClr val="tx2">
                     <a:lumMod val="75000"/>
@@ -4308,13 +4625,6 @@
               </a:rPr>
               <a:t>Confirmação de agendamentos com possível geração de cobrança para confirmações com menos de 24 horas de antecedência para a realização do serviço.</a:t>
             </a:r>
-            <a:endParaRPr lang="pt-BR" sz="1800" dirty="0">
-              <a:solidFill>
-                <a:schemeClr val="tx2">
-                  <a:lumMod val="75000"/>
-                </a:schemeClr>
-              </a:solidFill>
-            </a:endParaRPr>
           </a:p>
           <a:p>
             <a:pPr marL="0" indent="0" algn="ctr" eaLnBrk="1" hangingPunct="1">
@@ -4435,13 +4745,8 @@
             </a:pPr>
             <a:r>
               <a:rPr lang="pt-BR" dirty="0"/>
-              <a:t>MODULO </a:t>
-            </a:r>
-            <a:r>
-              <a:rPr lang="pt-BR" dirty="0" smtClean="0"/>
-              <a:t>AGENDA</a:t>
-            </a:r>
-            <a:endParaRPr lang="pt-BR" dirty="0"/>
+              <a:t>MODULO AGENDA</a:t>
+            </a:r>
           </a:p>
         </p:txBody>
       </p:sp>
@@ -4500,7 +4805,7 @@
           <p:cNvPr id="6" name="Rectangle 5">
             <a:extLst>
               <a:ext uri="{FF2B5EF4-FFF2-40B4-BE49-F238E27FC236}">
-                <a16:creationId xmlns="" xmlns:a16="http://schemas.microsoft.com/office/drawing/2014/main" id="{4D05B3A1-B0A5-41E6-851D-8FE05033C664}"/>
+                <a16:creationId xmlns:a16="http://schemas.microsoft.com/office/drawing/2014/main" id="{4D05B3A1-B0A5-41E6-851D-8FE05033C664}"/>
               </a:ext>
             </a:extLst>
           </p:cNvPr>
@@ -4883,13 +5188,8 @@
             </a:pPr>
             <a:r>
               <a:rPr lang="pt-BR" dirty="0"/>
-              <a:t>MODULO </a:t>
-            </a:r>
-            <a:r>
-              <a:rPr lang="pt-BR" dirty="0" smtClean="0"/>
-              <a:t>AGENDA</a:t>
-            </a:r>
-            <a:endParaRPr lang="pt-BR" dirty="0"/>
+              <a:t>MODULO AGENDA</a:t>
+            </a:r>
           </a:p>
         </p:txBody>
       </p:sp>
@@ -5000,13 +5300,8 @@
             </a:pPr>
             <a:r>
               <a:rPr lang="pt-BR" dirty="0"/>
-              <a:t>MODULO </a:t>
-            </a:r>
-            <a:r>
-              <a:rPr lang="pt-BR" dirty="0" smtClean="0"/>
-              <a:t>AGENDA</a:t>
-            </a:r>
-            <a:endParaRPr lang="pt-BR" dirty="0"/>
+              <a:t>MODULO AGENDA</a:t>
+            </a:r>
           </a:p>
         </p:txBody>
       </p:sp>
@@ -5084,13 +5379,8 @@
             </a:pPr>
             <a:r>
               <a:rPr lang="pt-BR" dirty="0"/>
-              <a:t>MODULO </a:t>
-            </a:r>
-            <a:r>
-              <a:rPr lang="pt-BR" dirty="0" smtClean="0"/>
-              <a:t>AGENDA</a:t>
-            </a:r>
-            <a:endParaRPr lang="pt-BR" dirty="0"/>
+              <a:t>MODULO AGENDA</a:t>
+            </a:r>
           </a:p>
         </p:txBody>
       </p:sp>
@@ -5225,13 +5515,8 @@
             </a:pPr>
             <a:r>
               <a:rPr lang="pt-BR" dirty="0"/>
-              <a:t>MODULO </a:t>
-            </a:r>
-            <a:r>
-              <a:rPr lang="pt-BR" dirty="0" smtClean="0"/>
-              <a:t>AGENDA</a:t>
-            </a:r>
-            <a:endParaRPr lang="pt-BR" dirty="0"/>
+              <a:t>MODULO AGENDA</a:t>
+            </a:r>
           </a:p>
         </p:txBody>
       </p:sp>
@@ -5318,13 +5603,8 @@
             </a:pPr>
             <a:r>
               <a:rPr lang="pt-BR" dirty="0"/>
-              <a:t>MODULO </a:t>
-            </a:r>
-            <a:r>
-              <a:rPr lang="pt-BR" dirty="0" smtClean="0"/>
-              <a:t>AGENDA</a:t>
-            </a:r>
-            <a:endParaRPr lang="pt-BR" dirty="0"/>
+              <a:t>MODULO AGENDA</a:t>
+            </a:r>
           </a:p>
         </p:txBody>
       </p:sp>
@@ -5891,6 +6171,761 @@
       </p:grpSpPr>
       <p:sp>
         <p:nvSpPr>
+          <p:cNvPr id="2" name="Título 1">
+            <a:extLst>
+              <a:ext uri="{FF2B5EF4-FFF2-40B4-BE49-F238E27FC236}">
+                <a16:creationId xmlns:a16="http://schemas.microsoft.com/office/drawing/2014/main" id="{4420E5F6-C592-489E-8742-39113C67F28C}"/>
+              </a:ext>
+            </a:extLst>
+          </p:cNvPr>
+          <p:cNvSpPr>
+            <a:spLocks noGrp="1"/>
+          </p:cNvSpPr>
+          <p:nvPr>
+            <p:ph type="title"/>
+          </p:nvPr>
+        </p:nvSpPr>
+        <p:spPr/>
+        <p:txBody>
+          <a:bodyPr/>
+          <a:lstStyle/>
+          <a:p>
+            <a:r>
+              <a:rPr lang="pt-BR" dirty="0"/>
+              <a:t>Módulo Controle de Acesso</a:t>
+            </a:r>
+          </a:p>
+        </p:txBody>
+      </p:sp>
+      <p:sp>
+        <p:nvSpPr>
+          <p:cNvPr id="3" name="Espaço Reservado para Conteúdo 2">
+            <a:extLst>
+              <a:ext uri="{FF2B5EF4-FFF2-40B4-BE49-F238E27FC236}">
+                <a16:creationId xmlns:a16="http://schemas.microsoft.com/office/drawing/2014/main" id="{FB12D05B-E47F-4BA3-B1A7-F1DCD4D8F90E}"/>
+              </a:ext>
+            </a:extLst>
+          </p:cNvPr>
+          <p:cNvSpPr>
+            <a:spLocks noGrp="1"/>
+          </p:cNvSpPr>
+          <p:nvPr>
+            <p:ph idx="1"/>
+          </p:nvPr>
+        </p:nvSpPr>
+        <p:spPr/>
+        <p:txBody>
+          <a:bodyPr/>
+          <a:lstStyle/>
+          <a:p>
+            <a:pPr algn="just" eaLnBrk="1" hangingPunct="1">
+              <a:buFont typeface="Arial" panose="020B0604020202020204" pitchFamily="34" charset="0"/>
+              <a:buChar char="•"/>
+              <a:defRPr/>
+            </a:pPr>
+            <a:r>
+              <a:rPr lang="pt-BR" sz="2000" dirty="0">
+                <a:solidFill>
+                  <a:schemeClr val="tx2">
+                    <a:lumMod val="75000"/>
+                  </a:schemeClr>
+                </a:solidFill>
+              </a:rPr>
+              <a:t>Login</a:t>
+            </a:r>
+          </a:p>
+          <a:p>
+            <a:pPr lvl="1" algn="just" eaLnBrk="1" hangingPunct="1">
+              <a:buFont typeface="Arial" panose="020B0604020202020204" pitchFamily="34" charset="0"/>
+              <a:buChar char="•"/>
+              <a:defRPr/>
+            </a:pPr>
+            <a:r>
+              <a:rPr lang="pt-BR" sz="1800" dirty="0">
+                <a:solidFill>
+                  <a:schemeClr val="tx2">
+                    <a:lumMod val="75000"/>
+                  </a:schemeClr>
+                </a:solidFill>
+              </a:rPr>
+              <a:t>Controle de acesso ao sistema através de autenticação do usuário que irá utilizar.</a:t>
+            </a:r>
+          </a:p>
+          <a:p>
+            <a:pPr algn="just" eaLnBrk="1" hangingPunct="1">
+              <a:buFont typeface="Arial" panose="020B0604020202020204" pitchFamily="34" charset="0"/>
+              <a:buChar char="•"/>
+              <a:defRPr/>
+            </a:pPr>
+            <a:r>
+              <a:rPr lang="pt-BR" sz="2000" dirty="0">
+                <a:solidFill>
+                  <a:schemeClr val="tx2">
+                    <a:lumMod val="75000"/>
+                  </a:schemeClr>
+                </a:solidFill>
+              </a:rPr>
+              <a:t>Manter Usuário</a:t>
+            </a:r>
+          </a:p>
+          <a:p>
+            <a:pPr lvl="1" algn="just" eaLnBrk="1" hangingPunct="1">
+              <a:buFont typeface="Arial" panose="020B0604020202020204" pitchFamily="34" charset="0"/>
+              <a:buChar char="•"/>
+              <a:defRPr/>
+            </a:pPr>
+            <a:r>
+              <a:rPr lang="pt-BR" sz="1800" dirty="0">
+                <a:solidFill>
+                  <a:schemeClr val="tx2">
+                    <a:lumMod val="75000"/>
+                  </a:schemeClr>
+                </a:solidFill>
+              </a:rPr>
+              <a:t>Consultar, Incluir, Alterar, Excluir, Ativar, Desativar, Detalhar e resetar </a:t>
+            </a:r>
+            <a:r>
+              <a:rPr lang="pt-BR" sz="1800" dirty="0" err="1">
+                <a:solidFill>
+                  <a:schemeClr val="tx2">
+                    <a:lumMod val="75000"/>
+                  </a:schemeClr>
+                </a:solidFill>
+              </a:rPr>
+              <a:t>senhar</a:t>
+            </a:r>
+            <a:r>
+              <a:rPr lang="pt-BR" sz="1800" dirty="0">
+                <a:solidFill>
+                  <a:schemeClr val="tx2">
+                    <a:lumMod val="75000"/>
+                  </a:schemeClr>
+                </a:solidFill>
+              </a:rPr>
+              <a:t>.</a:t>
+            </a:r>
+          </a:p>
+          <a:p>
+            <a:pPr algn="just" eaLnBrk="1" hangingPunct="1">
+              <a:buFont typeface="Arial" panose="020B0604020202020204" pitchFamily="34" charset="0"/>
+              <a:buChar char="•"/>
+              <a:defRPr/>
+            </a:pPr>
+            <a:r>
+              <a:rPr lang="pt-BR" sz="2000" dirty="0">
+                <a:solidFill>
+                  <a:schemeClr val="tx2">
+                    <a:lumMod val="75000"/>
+                  </a:schemeClr>
+                </a:solidFill>
+              </a:rPr>
+              <a:t>Gerar log</a:t>
+            </a:r>
+          </a:p>
+          <a:p>
+            <a:pPr lvl="1" algn="just" eaLnBrk="1" hangingPunct="1">
+              <a:buFont typeface="Arial" panose="020B0604020202020204" pitchFamily="34" charset="0"/>
+              <a:buChar char="•"/>
+              <a:defRPr/>
+            </a:pPr>
+            <a:r>
+              <a:rPr lang="pt-BR" sz="1800" dirty="0">
+                <a:solidFill>
+                  <a:schemeClr val="tx2">
+                    <a:lumMod val="75000"/>
+                  </a:schemeClr>
+                </a:solidFill>
+              </a:rPr>
+              <a:t>Recebe dos outros subsistemas as informações para geração de log.</a:t>
+            </a:r>
+          </a:p>
+          <a:p>
+            <a:pPr algn="just" eaLnBrk="1" hangingPunct="1">
+              <a:buFont typeface="Arial" panose="020B0604020202020204" pitchFamily="34" charset="0"/>
+              <a:buChar char="•"/>
+              <a:defRPr/>
+            </a:pPr>
+            <a:r>
+              <a:rPr lang="pt-BR" sz="2000" dirty="0">
+                <a:solidFill>
+                  <a:schemeClr val="tx2">
+                    <a:lumMod val="75000"/>
+                  </a:schemeClr>
+                </a:solidFill>
+              </a:rPr>
+              <a:t>Consultar Log</a:t>
+            </a:r>
+          </a:p>
+          <a:p>
+            <a:pPr lvl="1" algn="just" eaLnBrk="1" hangingPunct="1">
+              <a:buFont typeface="Arial" panose="020B0604020202020204" pitchFamily="34" charset="0"/>
+              <a:buChar char="•"/>
+              <a:defRPr/>
+            </a:pPr>
+            <a:r>
+              <a:rPr lang="pt-BR" sz="1800" dirty="0">
+                <a:solidFill>
+                  <a:schemeClr val="tx2">
+                    <a:lumMod val="75000"/>
+                  </a:schemeClr>
+                </a:solidFill>
+              </a:rPr>
+              <a:t>Permite que o usuário realize a consulta de logs gravados pelo sistema por período e tipo de informação que entende necessária.</a:t>
+            </a:r>
+          </a:p>
+          <a:p>
+            <a:pPr algn="just" eaLnBrk="1" hangingPunct="1">
+              <a:buFont typeface="Arial" panose="020B0604020202020204" pitchFamily="34" charset="0"/>
+              <a:buChar char="•"/>
+              <a:defRPr/>
+            </a:pPr>
+            <a:r>
+              <a:rPr lang="pt-BR" sz="2000" dirty="0">
+                <a:solidFill>
+                  <a:schemeClr val="tx2">
+                    <a:lumMod val="75000"/>
+                  </a:schemeClr>
+                </a:solidFill>
+              </a:rPr>
+              <a:t>Alterar Perfil de Acesso</a:t>
+            </a:r>
+          </a:p>
+          <a:p>
+            <a:pPr lvl="1" algn="just" eaLnBrk="1" hangingPunct="1">
+              <a:buFont typeface="Arial" panose="020B0604020202020204" pitchFamily="34" charset="0"/>
+              <a:buChar char="•"/>
+              <a:defRPr/>
+            </a:pPr>
+            <a:r>
+              <a:rPr lang="pt-BR" sz="1800" dirty="0">
+                <a:solidFill>
+                  <a:schemeClr val="tx2">
+                    <a:lumMod val="75000"/>
+                  </a:schemeClr>
+                </a:solidFill>
+              </a:rPr>
+              <a:t>Permite selecionar quais as funcionalidades estão disponíveis para um grupo de usuários seguindo regras de negócio onde alguns dados exigem confidencialidade.</a:t>
+            </a:r>
+          </a:p>
+          <a:p>
+            <a:endParaRPr lang="pt-BR" dirty="0"/>
+          </a:p>
+        </p:txBody>
+      </p:sp>
+    </p:spTree>
+    <p:extLst>
+      <p:ext uri="{BB962C8B-B14F-4D97-AF65-F5344CB8AC3E}">
+        <p14:creationId xmlns:p14="http://schemas.microsoft.com/office/powerpoint/2010/main" val="732095642"/>
+      </p:ext>
+    </p:extLst>
+  </p:cSld>
+  <p:clrMapOvr>
+    <a:masterClrMapping/>
+  </p:clrMapOvr>
+</p:sld>
+</file>
+
+<file path=ppt/slides/slide27.xml><?xml version="1.0" encoding="utf-8"?>
+<p:sld xmlns:a="http://schemas.openxmlformats.org/drawingml/2006/main" xmlns:r="http://schemas.openxmlformats.org/officeDocument/2006/relationships" xmlns:p="http://schemas.openxmlformats.org/presentationml/2006/main">
+  <p:cSld>
+    <p:spTree>
+      <p:nvGrpSpPr>
+        <p:cNvPr id="1" name=""/>
+        <p:cNvGrpSpPr/>
+        <p:nvPr/>
+      </p:nvGrpSpPr>
+      <p:grpSpPr>
+        <a:xfrm>
+          <a:off x="0" y="0"/>
+          <a:ext cx="0" cy="0"/>
+          <a:chOff x="0" y="0"/>
+          <a:chExt cx="0" cy="0"/>
+        </a:xfrm>
+      </p:grpSpPr>
+      <p:sp>
+        <p:nvSpPr>
+          <p:cNvPr id="2" name="Título 1">
+            <a:extLst>
+              <a:ext uri="{FF2B5EF4-FFF2-40B4-BE49-F238E27FC236}">
+                <a16:creationId xmlns:a16="http://schemas.microsoft.com/office/drawing/2014/main" id="{BEBA4382-BFBE-49EA-B613-397871EFBC81}"/>
+              </a:ext>
+            </a:extLst>
+          </p:cNvPr>
+          <p:cNvSpPr>
+            <a:spLocks noGrp="1"/>
+          </p:cNvSpPr>
+          <p:nvPr>
+            <p:ph type="title"/>
+          </p:nvPr>
+        </p:nvSpPr>
+        <p:spPr/>
+        <p:txBody>
+          <a:bodyPr/>
+          <a:lstStyle/>
+          <a:p>
+            <a:r>
+              <a:rPr lang="pt-BR" dirty="0"/>
+              <a:t>Módulo Controle de Acesso</a:t>
+            </a:r>
+          </a:p>
+        </p:txBody>
+      </p:sp>
+      <p:pic>
+        <p:nvPicPr>
+          <p:cNvPr id="4" name="Picture 2">
+            <a:extLst>
+              <a:ext uri="{FF2B5EF4-FFF2-40B4-BE49-F238E27FC236}">
+                <a16:creationId xmlns:a16="http://schemas.microsoft.com/office/drawing/2014/main" id="{73C6ED76-2527-4DEA-B4E5-D39F619C62E1}"/>
+              </a:ext>
+            </a:extLst>
+          </p:cNvPr>
+          <p:cNvPicPr>
+            <a:picLocks noGrp="1" noChangeAspect="1" noChangeArrowheads="1"/>
+          </p:cNvPicPr>
+          <p:nvPr>
+            <p:ph idx="1"/>
+          </p:nvPr>
+        </p:nvPicPr>
+        <p:blipFill>
+          <a:blip r:embed="rId2">
+            <a:extLst>
+              <a:ext uri="{28A0092B-C50C-407E-A947-70E740481C1C}">
+                <a14:useLocalDpi xmlns:a14="http://schemas.microsoft.com/office/drawing/2010/main" val="0"/>
+              </a:ext>
+            </a:extLst>
+          </a:blip>
+          <a:srcRect/>
+          <a:stretch>
+            <a:fillRect/>
+          </a:stretch>
+        </p:blipFill>
+        <p:spPr bwMode="auto">
+          <a:xfrm>
+            <a:off x="1632040" y="1341438"/>
+            <a:ext cx="5879921" cy="4751387"/>
+          </a:xfrm>
+          <a:prstGeom prst="rect">
+            <a:avLst/>
+          </a:prstGeom>
+          <a:noFill/>
+          <a:ln>
+            <a:noFill/>
+          </a:ln>
+          <a:extLst>
+            <a:ext uri="{909E8E84-426E-40DD-AFC4-6F175D3DCCD1}">
+              <a14:hiddenFill xmlns:a14="http://schemas.microsoft.com/office/drawing/2010/main">
+                <a:solidFill>
+                  <a:srgbClr val="FFFFFF"/>
+                </a:solidFill>
+              </a14:hiddenFill>
+            </a:ext>
+            <a:ext uri="{91240B29-F687-4F45-9708-019B960494DF}">
+              <a14:hiddenLine xmlns:a14="http://schemas.microsoft.com/office/drawing/2010/main" w="9525">
+                <a:solidFill>
+                  <a:srgbClr val="000000"/>
+                </a:solidFill>
+                <a:miter lim="800000"/>
+                <a:headEnd/>
+                <a:tailEnd/>
+              </a14:hiddenLine>
+            </a:ext>
+          </a:extLst>
+        </p:spPr>
+      </p:pic>
+    </p:spTree>
+    <p:extLst>
+      <p:ext uri="{BB962C8B-B14F-4D97-AF65-F5344CB8AC3E}">
+        <p14:creationId xmlns:p14="http://schemas.microsoft.com/office/powerpoint/2010/main" val="1528951847"/>
+      </p:ext>
+    </p:extLst>
+  </p:cSld>
+  <p:clrMapOvr>
+    <a:masterClrMapping/>
+  </p:clrMapOvr>
+</p:sld>
+</file>
+
+<file path=ppt/slides/slide28.xml><?xml version="1.0" encoding="utf-8"?>
+<p:sld xmlns:a="http://schemas.openxmlformats.org/drawingml/2006/main" xmlns:r="http://schemas.openxmlformats.org/officeDocument/2006/relationships" xmlns:p="http://schemas.openxmlformats.org/presentationml/2006/main">
+  <p:cSld>
+    <p:spTree>
+      <p:nvGrpSpPr>
+        <p:cNvPr id="1" name=""/>
+        <p:cNvGrpSpPr/>
+        <p:nvPr/>
+      </p:nvGrpSpPr>
+      <p:grpSpPr>
+        <a:xfrm>
+          <a:off x="0" y="0"/>
+          <a:ext cx="0" cy="0"/>
+          <a:chOff x="0" y="0"/>
+          <a:chExt cx="0" cy="0"/>
+        </a:xfrm>
+      </p:grpSpPr>
+      <p:sp>
+        <p:nvSpPr>
+          <p:cNvPr id="2" name="Título 1">
+            <a:extLst>
+              <a:ext uri="{FF2B5EF4-FFF2-40B4-BE49-F238E27FC236}">
+                <a16:creationId xmlns:a16="http://schemas.microsoft.com/office/drawing/2014/main" id="{4242F5FA-70CB-4D15-8FA2-0A8B9B2D9EE8}"/>
+              </a:ext>
+            </a:extLst>
+          </p:cNvPr>
+          <p:cNvSpPr>
+            <a:spLocks noGrp="1"/>
+          </p:cNvSpPr>
+          <p:nvPr>
+            <p:ph type="title"/>
+          </p:nvPr>
+        </p:nvSpPr>
+        <p:spPr/>
+        <p:txBody>
+          <a:bodyPr/>
+          <a:lstStyle/>
+          <a:p>
+            <a:r>
+              <a:rPr lang="pt-BR" dirty="0"/>
+              <a:t>Módulo Controle de Acesso</a:t>
+            </a:r>
+          </a:p>
+        </p:txBody>
+      </p:sp>
+      <p:pic>
+        <p:nvPicPr>
+          <p:cNvPr id="5" name="Espaço Reservado para Conteúdo 4">
+            <a:extLst>
+              <a:ext uri="{FF2B5EF4-FFF2-40B4-BE49-F238E27FC236}">
+                <a16:creationId xmlns:a16="http://schemas.microsoft.com/office/drawing/2014/main" id="{0EB6ED7E-6CFB-4E85-B7ED-4873840A1BE0}"/>
+              </a:ext>
+            </a:extLst>
+          </p:cNvPr>
+          <p:cNvPicPr>
+            <a:picLocks noGrp="1" noChangeAspect="1"/>
+          </p:cNvPicPr>
+          <p:nvPr>
+            <p:ph idx="1"/>
+          </p:nvPr>
+        </p:nvPicPr>
+        <p:blipFill>
+          <a:blip r:embed="rId2">
+            <a:extLst>
+              <a:ext uri="{28A0092B-C50C-407E-A947-70E740481C1C}">
+                <a14:useLocalDpi xmlns:a14="http://schemas.microsoft.com/office/drawing/2010/main" val="0"/>
+              </a:ext>
+            </a:extLst>
+          </a:blip>
+          <a:stretch>
+            <a:fillRect/>
+          </a:stretch>
+        </p:blipFill>
+        <p:spPr>
+          <a:xfrm>
+            <a:off x="2119313" y="2126456"/>
+            <a:ext cx="4905375" cy="3181350"/>
+          </a:xfrm>
+        </p:spPr>
+      </p:pic>
+    </p:spTree>
+    <p:extLst>
+      <p:ext uri="{BB962C8B-B14F-4D97-AF65-F5344CB8AC3E}">
+        <p14:creationId xmlns:p14="http://schemas.microsoft.com/office/powerpoint/2010/main" val="3460844110"/>
+      </p:ext>
+    </p:extLst>
+  </p:cSld>
+  <p:clrMapOvr>
+    <a:masterClrMapping/>
+  </p:clrMapOvr>
+</p:sld>
+</file>
+
+<file path=ppt/slides/slide29.xml><?xml version="1.0" encoding="utf-8"?>
+<p:sld xmlns:a="http://schemas.openxmlformats.org/drawingml/2006/main" xmlns:r="http://schemas.openxmlformats.org/officeDocument/2006/relationships" xmlns:p="http://schemas.openxmlformats.org/presentationml/2006/main">
+  <p:cSld>
+    <p:spTree>
+      <p:nvGrpSpPr>
+        <p:cNvPr id="1" name=""/>
+        <p:cNvGrpSpPr/>
+        <p:nvPr/>
+      </p:nvGrpSpPr>
+      <p:grpSpPr>
+        <a:xfrm>
+          <a:off x="0" y="0"/>
+          <a:ext cx="0" cy="0"/>
+          <a:chOff x="0" y="0"/>
+          <a:chExt cx="0" cy="0"/>
+        </a:xfrm>
+      </p:grpSpPr>
+      <p:sp>
+        <p:nvSpPr>
+          <p:cNvPr id="2" name="Título 1">
+            <a:extLst>
+              <a:ext uri="{FF2B5EF4-FFF2-40B4-BE49-F238E27FC236}">
+                <a16:creationId xmlns:a16="http://schemas.microsoft.com/office/drawing/2014/main" id="{1258A6B5-29A2-40E3-9451-ECF7822CE513}"/>
+              </a:ext>
+            </a:extLst>
+          </p:cNvPr>
+          <p:cNvSpPr>
+            <a:spLocks noGrp="1"/>
+          </p:cNvSpPr>
+          <p:nvPr>
+            <p:ph type="title"/>
+          </p:nvPr>
+        </p:nvSpPr>
+        <p:spPr/>
+        <p:txBody>
+          <a:bodyPr/>
+          <a:lstStyle/>
+          <a:p>
+            <a:r>
+              <a:rPr lang="pt-BR" dirty="0"/>
+              <a:t>Módulo Controle de Acesso</a:t>
+            </a:r>
+          </a:p>
+        </p:txBody>
+      </p:sp>
+      <p:pic>
+        <p:nvPicPr>
+          <p:cNvPr id="5" name="Espaço Reservado para Conteúdo 4">
+            <a:extLst>
+              <a:ext uri="{FF2B5EF4-FFF2-40B4-BE49-F238E27FC236}">
+                <a16:creationId xmlns:a16="http://schemas.microsoft.com/office/drawing/2014/main" id="{B614B2BC-1672-4B4C-B1D9-8F6906444D11}"/>
+              </a:ext>
+            </a:extLst>
+          </p:cNvPr>
+          <p:cNvPicPr>
+            <a:picLocks noGrp="1" noChangeAspect="1"/>
+          </p:cNvPicPr>
+          <p:nvPr>
+            <p:ph idx="1"/>
+          </p:nvPr>
+        </p:nvPicPr>
+        <p:blipFill>
+          <a:blip r:embed="rId2">
+            <a:extLst>
+              <a:ext uri="{28A0092B-C50C-407E-A947-70E740481C1C}">
+                <a14:useLocalDpi xmlns:a14="http://schemas.microsoft.com/office/drawing/2010/main" val="0"/>
+              </a:ext>
+            </a:extLst>
+          </a:blip>
+          <a:stretch>
+            <a:fillRect/>
+          </a:stretch>
+        </p:blipFill>
+        <p:spPr>
+          <a:xfrm>
+            <a:off x="179388" y="1919420"/>
+            <a:ext cx="8785225" cy="3595422"/>
+          </a:xfrm>
+        </p:spPr>
+      </p:pic>
+    </p:spTree>
+    <p:extLst>
+      <p:ext uri="{BB962C8B-B14F-4D97-AF65-F5344CB8AC3E}">
+        <p14:creationId xmlns:p14="http://schemas.microsoft.com/office/powerpoint/2010/main" val="255138212"/>
+      </p:ext>
+    </p:extLst>
+  </p:cSld>
+  <p:clrMapOvr>
+    <a:masterClrMapping/>
+  </p:clrMapOvr>
+</p:sld>
+</file>
+
+<file path=ppt/slides/slide3.xml><?xml version="1.0" encoding="utf-8"?>
+<p:sld xmlns:a="http://schemas.openxmlformats.org/drawingml/2006/main" xmlns:r="http://schemas.openxmlformats.org/officeDocument/2006/relationships" xmlns:p="http://schemas.openxmlformats.org/presentationml/2006/main">
+  <p:cSld>
+    <p:spTree>
+      <p:nvGrpSpPr>
+        <p:cNvPr id="1" name=""/>
+        <p:cNvGrpSpPr/>
+        <p:nvPr/>
+      </p:nvGrpSpPr>
+      <p:grpSpPr>
+        <a:xfrm>
+          <a:off x="0" y="0"/>
+          <a:ext cx="0" cy="0"/>
+          <a:chOff x="0" y="0"/>
+          <a:chExt cx="0" cy="0"/>
+        </a:xfrm>
+      </p:grpSpPr>
+      <p:sp>
+        <p:nvSpPr>
+          <p:cNvPr id="4" name="Título 3"/>
+          <p:cNvSpPr>
+            <a:spLocks noGrp="1"/>
+          </p:cNvSpPr>
+          <p:nvPr>
+            <p:ph type="title"/>
+          </p:nvPr>
+        </p:nvSpPr>
+        <p:spPr/>
+        <p:txBody>
+          <a:bodyPr/>
+          <a:lstStyle/>
+          <a:p>
+            <a:pPr eaLnBrk="1" hangingPunct="1">
+              <a:defRPr/>
+            </a:pPr>
+            <a:r>
+              <a:rPr lang="pt-BR" dirty="0"/>
+              <a:t>O problema</a:t>
+            </a:r>
+          </a:p>
+        </p:txBody>
+      </p:sp>
+      <p:pic>
+        <p:nvPicPr>
+          <p:cNvPr id="8" name="Picture 7">
+            <a:extLst>
+              <a:ext uri="{FF2B5EF4-FFF2-40B4-BE49-F238E27FC236}">
+                <a16:creationId xmlns:a16="http://schemas.microsoft.com/office/drawing/2014/main" id="{6802FF0F-183C-4A30-9C30-D9C9C5405CD1}"/>
+              </a:ext>
+            </a:extLst>
+          </p:cNvPr>
+          <p:cNvPicPr>
+            <a:picLocks noChangeAspect="1"/>
+          </p:cNvPicPr>
+          <p:nvPr/>
+        </p:nvPicPr>
+        <p:blipFill>
+          <a:blip r:embed="rId2" cstate="print"/>
+          <a:stretch>
+            <a:fillRect/>
+          </a:stretch>
+        </p:blipFill>
+        <p:spPr>
+          <a:xfrm>
+            <a:off x="430925" y="1484784"/>
+            <a:ext cx="8269449" cy="4104456"/>
+          </a:xfrm>
+          <a:prstGeom prst="rect">
+            <a:avLst/>
+          </a:prstGeom>
+        </p:spPr>
+      </p:pic>
+    </p:spTree>
+  </p:cSld>
+  <p:clrMapOvr>
+    <a:masterClrMapping/>
+  </p:clrMapOvr>
+  <p:transition spd="med">
+    <p:fade/>
+  </p:transition>
+</p:sld>
+</file>
+
+<file path=ppt/slides/slide30.xml><?xml version="1.0" encoding="utf-8"?>
+<p:sld xmlns:a="http://schemas.openxmlformats.org/drawingml/2006/main" xmlns:r="http://schemas.openxmlformats.org/officeDocument/2006/relationships" xmlns:p="http://schemas.openxmlformats.org/presentationml/2006/main">
+  <p:cSld>
+    <p:spTree>
+      <p:nvGrpSpPr>
+        <p:cNvPr id="1" name=""/>
+        <p:cNvGrpSpPr/>
+        <p:nvPr/>
+      </p:nvGrpSpPr>
+      <p:grpSpPr>
+        <a:xfrm>
+          <a:off x="0" y="0"/>
+          <a:ext cx="0" cy="0"/>
+          <a:chOff x="0" y="0"/>
+          <a:chExt cx="0" cy="0"/>
+        </a:xfrm>
+      </p:grpSpPr>
+      <p:sp>
+        <p:nvSpPr>
+          <p:cNvPr id="2" name="Título 1">
+            <a:extLst>
+              <a:ext uri="{FF2B5EF4-FFF2-40B4-BE49-F238E27FC236}">
+                <a16:creationId xmlns:a16="http://schemas.microsoft.com/office/drawing/2014/main" id="{4DBEE726-2AAB-4969-973C-8C26FE82FEF2}"/>
+              </a:ext>
+            </a:extLst>
+          </p:cNvPr>
+          <p:cNvSpPr>
+            <a:spLocks noGrp="1"/>
+          </p:cNvSpPr>
+          <p:nvPr>
+            <p:ph type="title"/>
+          </p:nvPr>
+        </p:nvSpPr>
+        <p:spPr/>
+        <p:txBody>
+          <a:bodyPr/>
+          <a:lstStyle/>
+          <a:p>
+            <a:r>
+              <a:rPr lang="pt-BR" dirty="0"/>
+              <a:t>Módulo Controle de Acesso</a:t>
+            </a:r>
+          </a:p>
+        </p:txBody>
+      </p:sp>
+      <p:pic>
+        <p:nvPicPr>
+          <p:cNvPr id="5" name="Espaço Reservado para Conteúdo 4">
+            <a:extLst>
+              <a:ext uri="{FF2B5EF4-FFF2-40B4-BE49-F238E27FC236}">
+                <a16:creationId xmlns:a16="http://schemas.microsoft.com/office/drawing/2014/main" id="{D0E0BD5E-9A99-41F6-AEAA-D122187C4B06}"/>
+              </a:ext>
+            </a:extLst>
+          </p:cNvPr>
+          <p:cNvPicPr>
+            <a:picLocks noGrp="1" noChangeAspect="1"/>
+          </p:cNvPicPr>
+          <p:nvPr>
+            <p:ph idx="1"/>
+          </p:nvPr>
+        </p:nvPicPr>
+        <p:blipFill>
+          <a:blip r:embed="rId2">
+            <a:extLst>
+              <a:ext uri="{28A0092B-C50C-407E-A947-70E740481C1C}">
+                <a14:useLocalDpi xmlns:a14="http://schemas.microsoft.com/office/drawing/2010/main" val="0"/>
+              </a:ext>
+            </a:extLst>
+          </a:blip>
+          <a:stretch>
+            <a:fillRect/>
+          </a:stretch>
+        </p:blipFill>
+        <p:spPr>
+          <a:xfrm>
+            <a:off x="308968" y="1754707"/>
+            <a:ext cx="8526065" cy="3924848"/>
+          </a:xfrm>
+        </p:spPr>
+      </p:pic>
+    </p:spTree>
+    <p:extLst>
+      <p:ext uri="{BB962C8B-B14F-4D97-AF65-F5344CB8AC3E}">
+        <p14:creationId xmlns:p14="http://schemas.microsoft.com/office/powerpoint/2010/main" val="2944428277"/>
+      </p:ext>
+    </p:extLst>
+  </p:cSld>
+  <p:clrMapOvr>
+    <a:masterClrMapping/>
+  </p:clrMapOvr>
+</p:sld>
+</file>
+
+<file path=ppt/slides/slide31.xml><?xml version="1.0" encoding="utf-8"?>
+<p:sld xmlns:a="http://schemas.openxmlformats.org/drawingml/2006/main" xmlns:r="http://schemas.openxmlformats.org/officeDocument/2006/relationships" xmlns:p="http://schemas.openxmlformats.org/presentationml/2006/main">
+  <p:cSld>
+    <p:spTree>
+      <p:nvGrpSpPr>
+        <p:cNvPr id="1" name=""/>
+        <p:cNvGrpSpPr/>
+        <p:nvPr/>
+      </p:nvGrpSpPr>
+      <p:grpSpPr>
+        <a:xfrm>
+          <a:off x="0" y="0"/>
+          <a:ext cx="0" cy="0"/>
+          <a:chOff x="0" y="0"/>
+          <a:chExt cx="0" cy="0"/>
+        </a:xfrm>
+      </p:grpSpPr>
+      <p:sp>
+        <p:nvSpPr>
           <p:cNvPr id="7170" name="Rectangle 2"/>
           <p:cNvSpPr>
             <a:spLocks noGrp="1" noChangeArrowheads="1"/>
@@ -6384,7 +7419,7 @@
 </p:sld>
 </file>
 
-<file path=ppt/slides/slide27.xml><?xml version="1.0" encoding="utf-8"?>
+<file path=ppt/slides/slide32.xml><?xml version="1.0" encoding="utf-8"?>
 <p:sld xmlns:a="http://schemas.openxmlformats.org/drawingml/2006/main" xmlns:r="http://schemas.openxmlformats.org/officeDocument/2006/relationships" xmlns:p="http://schemas.openxmlformats.org/presentationml/2006/main">
   <p:cSld>
     <p:spTree>
@@ -6896,7 +7931,7 @@
 </p:sld>
 </file>
 
-<file path=ppt/slides/slide28.xml><?xml version="1.0" encoding="utf-8"?>
+<file path=ppt/slides/slide33.xml><?xml version="1.0" encoding="utf-8"?>
 <p:sld xmlns:a="http://schemas.openxmlformats.org/drawingml/2006/main" xmlns:r="http://schemas.openxmlformats.org/officeDocument/2006/relationships" xmlns:p="http://schemas.openxmlformats.org/presentationml/2006/main">
   <p:cSld>
     <p:spTree>
@@ -6950,15 +7985,6 @@
               </a:rPr>
               <a:t>Manter Cobrança</a:t>
             </a:r>
-            <a:endParaRPr lang="pt-BR" sz="1800" dirty="0">
-              <a:solidFill>
-                <a:schemeClr val="tx2">
-                  <a:lumMod val="75000"/>
-                </a:schemeClr>
-              </a:solidFill>
-              <a:latin typeface="Calibri" panose="020F0502020204030204" pitchFamily="34" charset="0"/>
-              <a:cs typeface="Calibri" panose="020F0502020204030204" pitchFamily="34" charset="0"/>
-            </a:endParaRPr>
           </a:p>
           <a:p>
             <a:pPr lvl="1" algn="just" eaLnBrk="1" hangingPunct="1">
@@ -6976,67 +8002,7 @@
                 <a:latin typeface="Calibri" panose="020F0502020204030204" pitchFamily="34" charset="0"/>
                 <a:cs typeface="Calibri" panose="020F0502020204030204" pitchFamily="34" charset="0"/>
               </a:rPr>
-              <a:t>Este </a:t>
-            </a:r>
-            <a:r>
-              <a:rPr lang="pt-BR" sz="1800" dirty="0">
-                <a:solidFill>
-                  <a:schemeClr val="tx2">
-                    <a:lumMod val="75000"/>
-                  </a:schemeClr>
-                </a:solidFill>
-                <a:latin typeface="Calibri" panose="020F0502020204030204" pitchFamily="34" charset="0"/>
-                <a:cs typeface="Calibri" panose="020F0502020204030204" pitchFamily="34" charset="0"/>
-              </a:rPr>
-              <a:t>caso de uso tem por objetivo permitir ao administrador (que pode ser a psicóloga) </a:t>
-            </a:r>
-            <a:r>
-              <a:rPr lang="pt-BR" sz="1800" dirty="0" smtClean="0">
-                <a:solidFill>
-                  <a:schemeClr val="tx2">
-                    <a:lumMod val="75000"/>
-                  </a:schemeClr>
-                </a:solidFill>
-                <a:latin typeface="Calibri" panose="020F0502020204030204" pitchFamily="34" charset="0"/>
-                <a:cs typeface="Calibri" panose="020F0502020204030204" pitchFamily="34" charset="0"/>
-              </a:rPr>
-              <a:t>registrar, pesquisar, visualizar</a:t>
-            </a:r>
-            <a:r>
-              <a:rPr lang="pt-BR" sz="1800" dirty="0">
-                <a:solidFill>
-                  <a:schemeClr val="tx2">
-                    <a:lumMod val="75000"/>
-                  </a:schemeClr>
-                </a:solidFill>
-                <a:latin typeface="Calibri" panose="020F0502020204030204" pitchFamily="34" charset="0"/>
-                <a:cs typeface="Calibri" panose="020F0502020204030204" pitchFamily="34" charset="0"/>
-              </a:rPr>
-              <a:t>, editar e deletar</a:t>
-            </a:r>
-            <a:r>
-              <a:rPr lang="pt-BR" sz="1800" dirty="0">
-                <a:solidFill>
-                  <a:schemeClr val="tx2">
-                    <a:lumMod val="75000"/>
-                  </a:schemeClr>
-                </a:solidFill>
-                <a:latin typeface="Calibri" panose="020F0502020204030204" pitchFamily="34" charset="0"/>
-                <a:cs typeface="Calibri" panose="020F0502020204030204" pitchFamily="34" charset="0"/>
-              </a:rPr>
-              <a:t> </a:t>
-            </a:r>
-            <a:r>
-              <a:rPr lang="pt-BR" sz="1800" dirty="0">
-                <a:solidFill>
-                  <a:schemeClr val="tx2">
-                    <a:lumMod val="75000"/>
-                  </a:schemeClr>
-                </a:solidFill>
-                <a:latin typeface="Calibri" panose="020F0502020204030204" pitchFamily="34" charset="0"/>
-                <a:cs typeface="Calibri" panose="020F0502020204030204" pitchFamily="34" charset="0"/>
-              </a:rPr>
-              <a:t>a cobrança de clientes com o pagamento dos serviços prestados pendente.</a:t>
+              <a:t>Este caso de uso tem por objetivo permitir ao administrador (que pode ser a psicóloga) registrar, pesquisar, visualizar, editar e deletar a cobrança de clientes com o pagamento dos serviços prestados pendente.</a:t>
             </a:r>
           </a:p>
           <a:p>
@@ -7057,15 +8023,6 @@
               </a:rPr>
               <a:t>Receber Pagamento</a:t>
             </a:r>
-            <a:endParaRPr lang="pt-BR" sz="1800" dirty="0">
-              <a:solidFill>
-                <a:schemeClr val="tx2">
-                  <a:lumMod val="75000"/>
-                </a:schemeClr>
-              </a:solidFill>
-              <a:latin typeface="Calibri" panose="020F0502020204030204" pitchFamily="34" charset="0"/>
-              <a:cs typeface="Calibri" panose="020F0502020204030204" pitchFamily="34" charset="0"/>
-            </a:endParaRPr>
           </a:p>
           <a:p>
             <a:pPr lvl="1" algn="just" eaLnBrk="1" hangingPunct="1">
@@ -7083,103 +8040,7 @@
                 <a:latin typeface="Calibri" panose="020F0502020204030204" pitchFamily="34" charset="0"/>
                 <a:cs typeface="Calibri" panose="020F0502020204030204" pitchFamily="34" charset="0"/>
               </a:rPr>
-              <a:t>Este </a:t>
-            </a:r>
-            <a:r>
-              <a:rPr lang="pt-BR" sz="1800" dirty="0">
-                <a:solidFill>
-                  <a:schemeClr val="tx2">
-                    <a:lumMod val="75000"/>
-                  </a:schemeClr>
-                </a:solidFill>
-                <a:latin typeface="Calibri" panose="020F0502020204030204" pitchFamily="34" charset="0"/>
-                <a:cs typeface="Calibri" panose="020F0502020204030204" pitchFamily="34" charset="0"/>
-              </a:rPr>
-              <a:t>caso de uso tem por objetivo permitir ao administrador (que pode ser a psicóloga) </a:t>
-            </a:r>
-            <a:r>
-              <a:rPr lang="pt-BR" sz="1800" dirty="0" smtClean="0">
-                <a:solidFill>
-                  <a:schemeClr val="tx2">
-                    <a:lumMod val="75000"/>
-                  </a:schemeClr>
-                </a:solidFill>
-                <a:latin typeface="Calibri" panose="020F0502020204030204" pitchFamily="34" charset="0"/>
-                <a:cs typeface="Calibri" panose="020F0502020204030204" pitchFamily="34" charset="0"/>
-              </a:rPr>
-              <a:t>registrar, </a:t>
-            </a:r>
-            <a:r>
-              <a:rPr lang="pt-BR" sz="1800" dirty="0">
-                <a:solidFill>
-                  <a:schemeClr val="tx2">
-                    <a:lumMod val="75000"/>
-                  </a:schemeClr>
-                </a:solidFill>
-                <a:latin typeface="Calibri" panose="020F0502020204030204" pitchFamily="34" charset="0"/>
-                <a:cs typeface="Calibri" panose="020F0502020204030204" pitchFamily="34" charset="0"/>
-              </a:rPr>
-              <a:t>pesquisar, </a:t>
-            </a:r>
-            <a:r>
-              <a:rPr lang="pt-BR" sz="1800" dirty="0" smtClean="0">
-                <a:solidFill>
-                  <a:schemeClr val="tx2">
-                    <a:lumMod val="75000"/>
-                  </a:schemeClr>
-                </a:solidFill>
-                <a:latin typeface="Calibri" panose="020F0502020204030204" pitchFamily="34" charset="0"/>
-                <a:cs typeface="Calibri" panose="020F0502020204030204" pitchFamily="34" charset="0"/>
-              </a:rPr>
-              <a:t>visualizar</a:t>
-            </a:r>
-            <a:r>
-              <a:rPr lang="pt-BR" sz="1800" dirty="0">
-                <a:solidFill>
-                  <a:schemeClr val="tx2">
-                    <a:lumMod val="75000"/>
-                  </a:schemeClr>
-                </a:solidFill>
-                <a:latin typeface="Calibri" panose="020F0502020204030204" pitchFamily="34" charset="0"/>
-                <a:cs typeface="Calibri" panose="020F0502020204030204" pitchFamily="34" charset="0"/>
-              </a:rPr>
-              <a:t>, editar e deletar</a:t>
-            </a:r>
-            <a:r>
-              <a:rPr lang="pt-BR" sz="1800" dirty="0">
-                <a:solidFill>
-                  <a:schemeClr val="tx2">
-                    <a:lumMod val="75000"/>
-                  </a:schemeClr>
-                </a:solidFill>
-                <a:latin typeface="Calibri" panose="020F0502020204030204" pitchFamily="34" charset="0"/>
-                <a:cs typeface="Calibri" panose="020F0502020204030204" pitchFamily="34" charset="0"/>
-              </a:rPr>
-              <a:t> </a:t>
-            </a:r>
-            <a:r>
-              <a:rPr lang="pt-BR" sz="1800" dirty="0">
-                <a:solidFill>
-                  <a:schemeClr val="tx2">
-                    <a:lumMod val="75000"/>
-                  </a:schemeClr>
-                </a:solidFill>
-                <a:latin typeface="Calibri" panose="020F0502020204030204" pitchFamily="34" charset="0"/>
-                <a:cs typeface="Calibri" panose="020F0502020204030204" pitchFamily="34" charset="0"/>
-              </a:rPr>
-              <a:t>os pagamentos dos clientes por serviços prestados pela clínica</a:t>
-            </a:r>
-            <a:r>
-              <a:rPr lang="pt-BR" sz="1800" dirty="0">
-                <a:solidFill>
-                  <a:schemeClr val="tx2">
-                    <a:lumMod val="75000"/>
-                  </a:schemeClr>
-                </a:solidFill>
-                <a:latin typeface="Calibri" panose="020F0502020204030204" pitchFamily="34" charset="0"/>
-                <a:cs typeface="Calibri" panose="020F0502020204030204" pitchFamily="34" charset="0"/>
-              </a:rPr>
-              <a:t>.</a:t>
+              <a:t>Este caso de uso tem por objetivo permitir ao administrador (que pode ser a psicóloga) registrar, pesquisar, visualizar, editar e deletar os pagamentos dos clientes por serviços prestados pela clínica.</a:t>
             </a:r>
           </a:p>
           <a:p>
@@ -7217,77 +8078,8 @@
                 <a:latin typeface="Calibri" panose="020F0502020204030204" pitchFamily="34" charset="0"/>
                 <a:cs typeface="Calibri" panose="020F0502020204030204" pitchFamily="34" charset="0"/>
               </a:rPr>
-              <a:t>Este caso de uso tem por objetivo permitir ao administrador (que pode ser a psicóloga) </a:t>
-            </a:r>
-            <a:r>
-              <a:rPr lang="pt-BR" sz="1800" dirty="0">
-                <a:solidFill>
-                  <a:schemeClr val="tx2">
-                    <a:lumMod val="75000"/>
-                  </a:schemeClr>
-                </a:solidFill>
-                <a:latin typeface="Calibri" panose="020F0502020204030204" pitchFamily="34" charset="0"/>
-                <a:cs typeface="Calibri" panose="020F0502020204030204" pitchFamily="34" charset="0"/>
-              </a:rPr>
-              <a:t>registrar, pesquisar, </a:t>
-            </a:r>
-            <a:r>
-              <a:rPr lang="pt-BR" sz="1800" dirty="0" smtClean="0">
-                <a:solidFill>
-                  <a:schemeClr val="tx2">
-                    <a:lumMod val="75000"/>
-                  </a:schemeClr>
-                </a:solidFill>
-                <a:latin typeface="Calibri" panose="020F0502020204030204" pitchFamily="34" charset="0"/>
-                <a:cs typeface="Calibri" panose="020F0502020204030204" pitchFamily="34" charset="0"/>
-              </a:rPr>
-              <a:t>visualizar</a:t>
-            </a:r>
-            <a:r>
-              <a:rPr lang="pt-BR" sz="1800" dirty="0">
-                <a:solidFill>
-                  <a:schemeClr val="tx2">
-                    <a:lumMod val="75000"/>
-                  </a:schemeClr>
-                </a:solidFill>
-                <a:latin typeface="Calibri" panose="020F0502020204030204" pitchFamily="34" charset="0"/>
-                <a:cs typeface="Calibri" panose="020F0502020204030204" pitchFamily="34" charset="0"/>
-              </a:rPr>
-              <a:t>, editar e deletar </a:t>
-            </a:r>
-            <a:r>
-              <a:rPr lang="pt-BR" sz="1800" dirty="0">
-                <a:solidFill>
-                  <a:schemeClr val="tx2">
-                    <a:lumMod val="75000"/>
-                  </a:schemeClr>
-                </a:solidFill>
-                <a:latin typeface="Calibri" panose="020F0502020204030204" pitchFamily="34" charset="0"/>
-                <a:cs typeface="Calibri" panose="020F0502020204030204" pitchFamily="34" charset="0"/>
-              </a:rPr>
-              <a:t>as despesas do consultório, tais como insumos, contas e </a:t>
-            </a:r>
-            <a:r>
-              <a:rPr lang="pt-BR" sz="1800" dirty="0">
-                <a:solidFill>
-                  <a:schemeClr val="tx2">
-                    <a:lumMod val="75000"/>
-                  </a:schemeClr>
-                </a:solidFill>
-                <a:latin typeface="Calibri" panose="020F0502020204030204" pitchFamily="34" charset="0"/>
-                <a:cs typeface="Calibri" panose="020F0502020204030204" pitchFamily="34" charset="0"/>
-              </a:rPr>
-              <a:t>salários.</a:t>
-            </a:r>
-            <a:endParaRPr lang="pt-BR" sz="1800" dirty="0">
-              <a:solidFill>
-                <a:schemeClr val="tx2">
-                  <a:lumMod val="75000"/>
-                </a:schemeClr>
-              </a:solidFill>
-              <a:latin typeface="Calibri" panose="020F0502020204030204" pitchFamily="34" charset="0"/>
-              <a:cs typeface="Calibri" panose="020F0502020204030204" pitchFamily="34" charset="0"/>
-            </a:endParaRPr>
+              <a:t>Este caso de uso tem por objetivo permitir ao administrador (que pode ser a psicóloga) registrar, pesquisar, visualizar, editar e deletar as despesas do consultório, tais como insumos, contas e salários.</a:t>
+            </a:r>
           </a:p>
           <a:p>
             <a:pPr algn="just" eaLnBrk="1" hangingPunct="1">
@@ -7307,15 +8099,6 @@
               </a:rPr>
               <a:t>Gerar Relatórios</a:t>
             </a:r>
-            <a:endParaRPr lang="pt-BR" sz="1800" dirty="0">
-              <a:solidFill>
-                <a:schemeClr val="tx2">
-                  <a:lumMod val="75000"/>
-                </a:schemeClr>
-              </a:solidFill>
-              <a:latin typeface="Calibri" panose="020F0502020204030204" pitchFamily="34" charset="0"/>
-              <a:cs typeface="Calibri" panose="020F0502020204030204" pitchFamily="34" charset="0"/>
-            </a:endParaRPr>
           </a:p>
           <a:p>
             <a:pPr lvl="1" algn="just" eaLnBrk="1" hangingPunct="1">
@@ -7333,19 +8116,7 @@
                 <a:latin typeface="Calibri" panose="020F0502020204030204" pitchFamily="34" charset="0"/>
                 <a:cs typeface="Calibri" panose="020F0502020204030204" pitchFamily="34" charset="0"/>
               </a:rPr>
-              <a:t>Este </a:t>
-            </a:r>
-            <a:r>
-              <a:rPr lang="pt-BR" sz="1800" dirty="0">
-                <a:solidFill>
-                  <a:schemeClr val="tx2">
-                    <a:lumMod val="75000"/>
-                  </a:schemeClr>
-                </a:solidFill>
-                <a:latin typeface="Calibri" panose="020F0502020204030204" pitchFamily="34" charset="0"/>
-                <a:cs typeface="Calibri" panose="020F0502020204030204" pitchFamily="34" charset="0"/>
-              </a:rPr>
-              <a:t>caso de uso tem por objetivo permitir ao administrador (que pode ser a psicóloga) gerar relatórios filtrados por períodos, tipo de serviço prestado e por pagantes e devedores, disponibilizando uma visão detalhada com o valor de cada atendimento.</a:t>
+              <a:t>Este caso de uso tem por objetivo permitir ao administrador (que pode ser a psicóloga) gerar relatórios filtrados por períodos, tipo de serviço prestado e por pagantes e devedores, disponibilizando uma visão detalhada com o valor de cada atendimento.</a:t>
             </a:r>
           </a:p>
         </p:txBody>
@@ -7363,7 +8134,7 @@
 </p:sld>
 </file>
 
-<file path=ppt/slides/slide29.xml><?xml version="1.0" encoding="utf-8"?>
+<file path=ppt/slides/slide34.xml><?xml version="1.0" encoding="utf-8"?>
 <p:sld xmlns:a="http://schemas.openxmlformats.org/drawingml/2006/main" xmlns:r="http://schemas.openxmlformats.org/officeDocument/2006/relationships" xmlns:p="http://schemas.openxmlformats.org/presentationml/2006/main">
   <p:cSld>
     <p:spTree>
@@ -7580,7 +8351,7 @@
               <a:defRPr/>
             </a:pPr>
             <a:r>
-              <a:rPr lang="pt-BR" sz="3600" b="1" dirty="0" smtClean="0">
+              <a:rPr lang="pt-BR" sz="3600" b="1" dirty="0">
                 <a:solidFill>
                   <a:schemeClr val="accent1">
                     <a:lumMod val="50000"/>
@@ -7591,15 +8362,6 @@
               </a:rPr>
               <a:t>MODULO FINANCEIRO</a:t>
             </a:r>
-            <a:endParaRPr lang="pt-BR" sz="3600" b="1" dirty="0">
-              <a:solidFill>
-                <a:schemeClr val="accent1">
-                  <a:lumMod val="50000"/>
-                </a:schemeClr>
-              </a:solidFill>
-              <a:latin typeface="Arial" pitchFamily="34" charset="0"/>
-              <a:cs typeface="Arial" pitchFamily="34" charset="0"/>
-            </a:endParaRPr>
           </a:p>
         </p:txBody>
       </p:sp>
@@ -7616,90 +8378,7 @@
 </p:sld>
 </file>
 
-<file path=ppt/slides/slide3.xml><?xml version="1.0" encoding="utf-8"?>
-<p:sld xmlns:a="http://schemas.openxmlformats.org/drawingml/2006/main" xmlns:r="http://schemas.openxmlformats.org/officeDocument/2006/relationships" xmlns:p="http://schemas.openxmlformats.org/presentationml/2006/main">
-  <p:cSld>
-    <p:spTree>
-      <p:nvGrpSpPr>
-        <p:cNvPr id="1" name=""/>
-        <p:cNvGrpSpPr/>
-        <p:nvPr/>
-      </p:nvGrpSpPr>
-      <p:grpSpPr>
-        <a:xfrm>
-          <a:off x="0" y="0"/>
-          <a:ext cx="0" cy="0"/>
-          <a:chOff x="0" y="0"/>
-          <a:chExt cx="0" cy="0"/>
-        </a:xfrm>
-      </p:grpSpPr>
-      <p:sp>
-        <p:nvSpPr>
-          <p:cNvPr id="4" name="Título 3"/>
-          <p:cNvSpPr>
-            <a:spLocks noGrp="1"/>
-          </p:cNvSpPr>
-          <p:nvPr>
-            <p:ph type="title"/>
-          </p:nvPr>
-        </p:nvSpPr>
-        <p:spPr/>
-        <p:txBody>
-          <a:bodyPr/>
-          <a:lstStyle/>
-          <a:p>
-            <a:pPr eaLnBrk="1" hangingPunct="1">
-              <a:defRPr/>
-            </a:pPr>
-            <a:r>
-              <a:rPr lang="pt-BR" dirty="0"/>
-              <a:t>O problema</a:t>
-            </a:r>
-          </a:p>
-        </p:txBody>
-      </p:sp>
-      <p:pic>
-        <p:nvPicPr>
-          <p:cNvPr id="8" name="Picture 7">
-            <a:extLst>
-              <a:ext uri="{FF2B5EF4-FFF2-40B4-BE49-F238E27FC236}">
-                <a16:creationId xmlns="" xmlns:a16="http://schemas.microsoft.com/office/drawing/2014/main" id="{6802FF0F-183C-4A30-9C30-D9C9C5405CD1}"/>
-              </a:ext>
-            </a:extLst>
-          </p:cNvPr>
-          <p:cNvPicPr>
-            <a:picLocks noChangeAspect="1"/>
-          </p:cNvPicPr>
-          <p:nvPr/>
-        </p:nvPicPr>
-        <p:blipFill>
-          <a:blip r:embed="rId2" cstate="print"/>
-          <a:stretch>
-            <a:fillRect/>
-          </a:stretch>
-        </p:blipFill>
-        <p:spPr>
-          <a:xfrm>
-            <a:off x="430925" y="1484784"/>
-            <a:ext cx="8269449" cy="4104456"/>
-          </a:xfrm>
-          <a:prstGeom prst="rect">
-            <a:avLst/>
-          </a:prstGeom>
-        </p:spPr>
-      </p:pic>
-    </p:spTree>
-  </p:cSld>
-  <p:clrMapOvr>
-    <a:masterClrMapping/>
-  </p:clrMapOvr>
-  <p:transition spd="med">
-    <p:fade/>
-  </p:transition>
-</p:sld>
-</file>
-
-<file path=ppt/slides/slide30.xml><?xml version="1.0" encoding="utf-8"?>
+<file path=ppt/slides/slide35.xml><?xml version="1.0" encoding="utf-8"?>
 <p:sld xmlns:a="http://schemas.openxmlformats.org/drawingml/2006/main" xmlns:r="http://schemas.openxmlformats.org/officeDocument/2006/relationships" xmlns:p="http://schemas.openxmlformats.org/presentationml/2006/main">
   <p:cSld>
     <p:spTree>
@@ -7886,7 +8565,7 @@
               <a:defRPr/>
             </a:pPr>
             <a:r>
-              <a:rPr lang="pt-BR" sz="3600" b="1" dirty="0" smtClean="0">
+              <a:rPr lang="pt-BR" sz="3600" b="1" dirty="0">
                 <a:solidFill>
                   <a:schemeClr val="accent1">
                     <a:lumMod val="50000"/>
@@ -7897,15 +8576,6 @@
               </a:rPr>
               <a:t>MODULO FINANCEIRO</a:t>
             </a:r>
-            <a:endParaRPr lang="pt-BR" sz="3600" b="1" dirty="0">
-              <a:solidFill>
-                <a:schemeClr val="accent1">
-                  <a:lumMod val="50000"/>
-                </a:schemeClr>
-              </a:solidFill>
-              <a:latin typeface="Arial" pitchFamily="34" charset="0"/>
-              <a:cs typeface="Arial" pitchFamily="34" charset="0"/>
-            </a:endParaRPr>
           </a:p>
         </p:txBody>
       </p:sp>
@@ -7952,7 +8622,7 @@
 </p:sld>
 </file>
 
-<file path=ppt/slides/slide31.xml><?xml version="1.0" encoding="utf-8"?>
+<file path=ppt/slides/slide36.xml><?xml version="1.0" encoding="utf-8"?>
 <p:sld xmlns:a="http://schemas.openxmlformats.org/drawingml/2006/main" xmlns:r="http://schemas.openxmlformats.org/officeDocument/2006/relationships" xmlns:p="http://schemas.openxmlformats.org/presentationml/2006/main">
   <p:cSld>
     <p:spTree>
@@ -8139,7 +8809,7 @@
               <a:defRPr/>
             </a:pPr>
             <a:r>
-              <a:rPr lang="pt-BR" sz="3600" b="1" dirty="0" smtClean="0">
+              <a:rPr lang="pt-BR" sz="3600" b="1" dirty="0">
                 <a:solidFill>
                   <a:schemeClr val="accent1">
                     <a:lumMod val="50000"/>
@@ -8150,15 +8820,6 @@
               </a:rPr>
               <a:t>MODULO FINANCEIRO</a:t>
             </a:r>
-            <a:endParaRPr lang="pt-BR" sz="3600" b="1" dirty="0">
-              <a:solidFill>
-                <a:schemeClr val="accent1">
-                  <a:lumMod val="50000"/>
-                </a:schemeClr>
-              </a:solidFill>
-              <a:latin typeface="Arial" pitchFamily="34" charset="0"/>
-              <a:cs typeface="Arial" pitchFamily="34" charset="0"/>
-            </a:endParaRPr>
           </a:p>
         </p:txBody>
       </p:sp>
@@ -8205,7 +8866,7 @@
 </p:sld>
 </file>
 
-<file path=ppt/slides/slide32.xml><?xml version="1.0" encoding="utf-8"?>
+<file path=ppt/slides/slide37.xml><?xml version="1.0" encoding="utf-8"?>
 <p:sld xmlns:a="http://schemas.openxmlformats.org/drawingml/2006/main" xmlns:r="http://schemas.openxmlformats.org/officeDocument/2006/relationships" xmlns:p="http://schemas.openxmlformats.org/presentationml/2006/main">
   <p:cSld>
     <p:spTree>
@@ -8392,7 +9053,7 @@
               <a:defRPr/>
             </a:pPr>
             <a:r>
-              <a:rPr lang="pt-BR" sz="3600" b="1" dirty="0" smtClean="0">
+              <a:rPr lang="pt-BR" sz="3600" b="1" dirty="0">
                 <a:solidFill>
                   <a:schemeClr val="accent1">
                     <a:lumMod val="50000"/>
@@ -8403,15 +9064,6 @@
               </a:rPr>
               <a:t>MODULO FINANCEIRO</a:t>
             </a:r>
-            <a:endParaRPr lang="pt-BR" sz="3600" b="1" dirty="0">
-              <a:solidFill>
-                <a:schemeClr val="accent1">
-                  <a:lumMod val="50000"/>
-                </a:schemeClr>
-              </a:solidFill>
-              <a:latin typeface="Arial" pitchFamily="34" charset="0"/>
-              <a:cs typeface="Arial" pitchFamily="34" charset="0"/>
-            </a:endParaRPr>
           </a:p>
         </p:txBody>
       </p:sp>
@@ -8458,7 +9110,7 @@
 </p:sld>
 </file>
 
-<file path=ppt/slides/slide33.xml><?xml version="1.0" encoding="utf-8"?>
+<file path=ppt/slides/slide38.xml><?xml version="1.0" encoding="utf-8"?>
 <p:sld xmlns:a="http://schemas.openxmlformats.org/drawingml/2006/main" xmlns:r="http://schemas.openxmlformats.org/officeDocument/2006/relationships" xmlns:p="http://schemas.openxmlformats.org/presentationml/2006/main">
   <p:cSld>
     <p:spTree>
@@ -8645,7 +9297,7 @@
               <a:defRPr/>
             </a:pPr>
             <a:r>
-              <a:rPr lang="pt-BR" sz="3600" b="1" dirty="0" smtClean="0">
+              <a:rPr lang="pt-BR" sz="3600" b="1" dirty="0">
                 <a:solidFill>
                   <a:schemeClr val="accent1">
                     <a:lumMod val="50000"/>
@@ -8656,15 +9308,6 @@
               </a:rPr>
               <a:t>MODULO FINANCEIRO</a:t>
             </a:r>
-            <a:endParaRPr lang="pt-BR" sz="3600" b="1" dirty="0">
-              <a:solidFill>
-                <a:schemeClr val="accent1">
-                  <a:lumMod val="50000"/>
-                </a:schemeClr>
-              </a:solidFill>
-              <a:latin typeface="Arial" pitchFamily="34" charset="0"/>
-              <a:cs typeface="Arial" pitchFamily="34" charset="0"/>
-            </a:endParaRPr>
           </a:p>
         </p:txBody>
       </p:sp>
@@ -8711,7 +9354,7 @@
 </p:sld>
 </file>
 
-<file path=ppt/slides/slide34.xml><?xml version="1.0" encoding="utf-8"?>
+<file path=ppt/slides/slide39.xml><?xml version="1.0" encoding="utf-8"?>
 <p:sld xmlns:a="http://schemas.openxmlformats.org/drawingml/2006/main" xmlns:r="http://schemas.openxmlformats.org/officeDocument/2006/relationships" xmlns:p="http://schemas.openxmlformats.org/presentationml/2006/main">
   <p:cSld>
     <p:spTree>
@@ -8771,81 +9414,6 @@
             <a:r>
               <a:rPr lang="pt-BR" dirty="0"/>
               <a:t>Implementar o sistema</a:t>
-            </a:r>
-          </a:p>
-        </p:txBody>
-      </p:sp>
-    </p:spTree>
-  </p:cSld>
-  <p:clrMapOvr>
-    <a:masterClrMapping/>
-  </p:clrMapOvr>
-  <p:transition spd="med">
-    <p:fade/>
-  </p:transition>
-</p:sld>
-</file>
-
-<file path=ppt/slides/slide35.xml><?xml version="1.0" encoding="utf-8"?>
-<p:sld xmlns:a="http://schemas.openxmlformats.org/drawingml/2006/main" xmlns:r="http://schemas.openxmlformats.org/officeDocument/2006/relationships" xmlns:p="http://schemas.openxmlformats.org/presentationml/2006/main">
-  <p:cSld>
-    <p:spTree>
-      <p:nvGrpSpPr>
-        <p:cNvPr id="1" name=""/>
-        <p:cNvGrpSpPr/>
-        <p:nvPr/>
-      </p:nvGrpSpPr>
-      <p:grpSpPr>
-        <a:xfrm>
-          <a:off x="0" y="0"/>
-          <a:ext cx="0" cy="0"/>
-          <a:chOff x="0" y="0"/>
-          <a:chExt cx="0" cy="0"/>
-        </a:xfrm>
-      </p:grpSpPr>
-      <p:sp>
-        <p:nvSpPr>
-          <p:cNvPr id="4" name="Título 3"/>
-          <p:cNvSpPr>
-            <a:spLocks noGrp="1"/>
-          </p:cNvSpPr>
-          <p:nvPr>
-            <p:ph type="title"/>
-          </p:nvPr>
-        </p:nvSpPr>
-        <p:spPr/>
-        <p:txBody>
-          <a:bodyPr/>
-          <a:lstStyle/>
-          <a:p>
-            <a:pPr eaLnBrk="1" hangingPunct="1">
-              <a:defRPr/>
-            </a:pPr>
-            <a:r>
-              <a:rPr lang="pt-BR" dirty="0"/>
-              <a:t>Lições Aprendidas</a:t>
-            </a:r>
-          </a:p>
-        </p:txBody>
-      </p:sp>
-      <p:sp>
-        <p:nvSpPr>
-          <p:cNvPr id="5" name="Espaço Reservado para Conteúdo 4"/>
-          <p:cNvSpPr>
-            <a:spLocks noGrp="1"/>
-          </p:cNvSpPr>
-          <p:nvPr>
-            <p:ph idx="1"/>
-          </p:nvPr>
-        </p:nvSpPr>
-        <p:spPr/>
-        <p:txBody>
-          <a:bodyPr/>
-          <a:lstStyle/>
-          <a:p>
-            <a:r>
-              <a:rPr lang="pt-BR" dirty="0"/>
-              <a:t>Descreva o que você faria diferente se fosse iniciar o sistema.</a:t>
             </a:r>
           </a:p>
         </p:txBody>
@@ -8908,7 +9476,7 @@
           <p:cNvPr id="11266" name="Diagrama 1">
             <a:extLst>
               <a:ext uri="{FF2B5EF4-FFF2-40B4-BE49-F238E27FC236}">
-                <a16:creationId xmlns="" xmlns:a16="http://schemas.microsoft.com/office/drawing/2014/main" id="{4C81840A-E9DF-427C-85B7-BC425FCD88EA}"/>
+                <a16:creationId xmlns:a16="http://schemas.microsoft.com/office/drawing/2014/main" id="{4C81840A-E9DF-427C-85B7-BC425FCD88EA}"/>
               </a:ext>
             </a:extLst>
           </p:cNvPr>
@@ -8963,6 +9531,81 @@
           </a:extLst>
         </p:spPr>
       </p:pic>
+    </p:spTree>
+  </p:cSld>
+  <p:clrMapOvr>
+    <a:masterClrMapping/>
+  </p:clrMapOvr>
+  <p:transition spd="med">
+    <p:fade/>
+  </p:transition>
+</p:sld>
+</file>
+
+<file path=ppt/slides/slide40.xml><?xml version="1.0" encoding="utf-8"?>
+<p:sld xmlns:a="http://schemas.openxmlformats.org/drawingml/2006/main" xmlns:r="http://schemas.openxmlformats.org/officeDocument/2006/relationships" xmlns:p="http://schemas.openxmlformats.org/presentationml/2006/main">
+  <p:cSld>
+    <p:spTree>
+      <p:nvGrpSpPr>
+        <p:cNvPr id="1" name=""/>
+        <p:cNvGrpSpPr/>
+        <p:nvPr/>
+      </p:nvGrpSpPr>
+      <p:grpSpPr>
+        <a:xfrm>
+          <a:off x="0" y="0"/>
+          <a:ext cx="0" cy="0"/>
+          <a:chOff x="0" y="0"/>
+          <a:chExt cx="0" cy="0"/>
+        </a:xfrm>
+      </p:grpSpPr>
+      <p:sp>
+        <p:nvSpPr>
+          <p:cNvPr id="4" name="Título 3"/>
+          <p:cNvSpPr>
+            <a:spLocks noGrp="1"/>
+          </p:cNvSpPr>
+          <p:nvPr>
+            <p:ph type="title"/>
+          </p:nvPr>
+        </p:nvSpPr>
+        <p:spPr/>
+        <p:txBody>
+          <a:bodyPr/>
+          <a:lstStyle/>
+          <a:p>
+            <a:pPr eaLnBrk="1" hangingPunct="1">
+              <a:defRPr/>
+            </a:pPr>
+            <a:r>
+              <a:rPr lang="pt-BR" dirty="0"/>
+              <a:t>Lições Aprendidas</a:t>
+            </a:r>
+          </a:p>
+        </p:txBody>
+      </p:sp>
+      <p:sp>
+        <p:nvSpPr>
+          <p:cNvPr id="5" name="Espaço Reservado para Conteúdo 4"/>
+          <p:cNvSpPr>
+            <a:spLocks noGrp="1"/>
+          </p:cNvSpPr>
+          <p:nvPr>
+            <p:ph idx="1"/>
+          </p:nvPr>
+        </p:nvSpPr>
+        <p:spPr/>
+        <p:txBody>
+          <a:bodyPr/>
+          <a:lstStyle/>
+          <a:p>
+            <a:r>
+              <a:rPr lang="pt-BR" dirty="0"/>
+              <a:t>Descreva o que você faria diferente se fosse iniciar o sistema.</a:t>
+            </a:r>
+          </a:p>
+        </p:txBody>
+      </p:sp>
     </p:spTree>
   </p:cSld>
   <p:clrMapOvr>
@@ -9021,7 +9664,7 @@
           <p:cNvPr id="13314" name="Picture 2" descr="Arquitetura do Sistema v2">
             <a:extLst>
               <a:ext uri="{FF2B5EF4-FFF2-40B4-BE49-F238E27FC236}">
-                <a16:creationId xmlns="" xmlns:a16="http://schemas.microsoft.com/office/drawing/2014/main" id="{EA7FDE5E-A5FA-4E94-8B57-8FB50D8A51A9}"/>
+                <a16:creationId xmlns:a16="http://schemas.microsoft.com/office/drawing/2014/main" id="{EA7FDE5E-A5FA-4E94-8B57-8FB50D8A51A9}"/>
               </a:ext>
             </a:extLst>
           </p:cNvPr>
@@ -9870,7 +10513,7 @@
           <p:cNvPr id="2050" name="Picture 2" descr="Realizar Atendimento do Paciente">
             <a:extLst>
               <a:ext uri="{FF2B5EF4-FFF2-40B4-BE49-F238E27FC236}">
-                <a16:creationId xmlns="" xmlns:a16="http://schemas.microsoft.com/office/drawing/2014/main" id="{382A9180-B432-418B-9317-1CB76F230FC8}"/>
+                <a16:creationId xmlns:a16="http://schemas.microsoft.com/office/drawing/2014/main" id="{382A9180-B432-418B-9317-1CB76F230FC8}"/>
               </a:ext>
             </a:extLst>
           </p:cNvPr>
@@ -9983,7 +10626,7 @@
           <p:cNvPr id="3074" name="Picture 2">
             <a:extLst>
               <a:ext uri="{FF2B5EF4-FFF2-40B4-BE49-F238E27FC236}">
-                <a16:creationId xmlns="" xmlns:a16="http://schemas.microsoft.com/office/drawing/2014/main" id="{8E1DF024-FFFB-4CD4-9A0E-7DFABA40FF83}"/>
+                <a16:creationId xmlns:a16="http://schemas.microsoft.com/office/drawing/2014/main" id="{8E1DF024-FFFB-4CD4-9A0E-7DFABA40FF83}"/>
               </a:ext>
             </a:extLst>
           </p:cNvPr>
@@ -10353,4 +10996,299 @@
   </a:objectDefaults>
   <a:extraClrSchemeLst/>
 </a:theme>
+</file>
+
+<file path=ppt/theme/theme2.xml><?xml version="1.0" encoding="utf-8"?>
+<a:theme xmlns:a="http://schemas.openxmlformats.org/drawingml/2006/main" name="Tema do Office">
+  <a:themeElements>
+    <a:clrScheme name="Office">
+      <a:dk1>
+        <a:sysClr val="windowText" lastClr="000000"/>
+      </a:dk1>
+      <a:lt1>
+        <a:sysClr val="window" lastClr="FFFFFF"/>
+      </a:lt1>
+      <a:dk2>
+        <a:srgbClr val="44546A"/>
+      </a:dk2>
+      <a:lt2>
+        <a:srgbClr val="E7E6E6"/>
+      </a:lt2>
+      <a:accent1>
+        <a:srgbClr val="4472C4"/>
+      </a:accent1>
+      <a:accent2>
+        <a:srgbClr val="ED7D31"/>
+      </a:accent2>
+      <a:accent3>
+        <a:srgbClr val="A5A5A5"/>
+      </a:accent3>
+      <a:accent4>
+        <a:srgbClr val="FFC000"/>
+      </a:accent4>
+      <a:accent5>
+        <a:srgbClr val="5B9BD5"/>
+      </a:accent5>
+      <a:accent6>
+        <a:srgbClr val="70AD47"/>
+      </a:accent6>
+      <a:hlink>
+        <a:srgbClr val="0563C1"/>
+      </a:hlink>
+      <a:folHlink>
+        <a:srgbClr val="954F72"/>
+      </a:folHlink>
+    </a:clrScheme>
+    <a:fontScheme name="Office">
+      <a:majorFont>
+        <a:latin typeface="Calibri Light" panose="020F0302020204030204"/>
+        <a:ea typeface=""/>
+        <a:cs typeface=""/>
+        <a:font script="Jpan" typeface="游ゴシック Light"/>
+        <a:font script="Hang" typeface="맑은 고딕"/>
+        <a:font script="Hans" typeface="等线 Light"/>
+        <a:font script="Hant" typeface="新細明體"/>
+        <a:font script="Arab" typeface="Times New Roman"/>
+        <a:font script="Hebr" typeface="Times New Roman"/>
+        <a:font script="Thai" typeface="Angsana New"/>
+        <a:font script="Ethi" typeface="Nyala"/>
+        <a:font script="Beng" typeface="Vrinda"/>
+        <a:font script="Gujr" typeface="Shruti"/>
+        <a:font script="Khmr" typeface="MoolBoran"/>
+        <a:font script="Knda" typeface="Tunga"/>
+        <a:font script="Guru" typeface="Raavi"/>
+        <a:font script="Cans" typeface="Euphemia"/>
+        <a:font script="Cher" typeface="Plantagenet Cherokee"/>
+        <a:font script="Yiii" typeface="Microsoft Yi Baiti"/>
+        <a:font script="Tibt" typeface="Microsoft Himalaya"/>
+        <a:font script="Thaa" typeface="MV Boli"/>
+        <a:font script="Deva" typeface="Mangal"/>
+        <a:font script="Telu" typeface="Gautami"/>
+        <a:font script="Taml" typeface="Latha"/>
+        <a:font script="Syrc" typeface="Estrangelo Edessa"/>
+        <a:font script="Orya" typeface="Kalinga"/>
+        <a:font script="Mlym" typeface="Kartika"/>
+        <a:font script="Laoo" typeface="DokChampa"/>
+        <a:font script="Sinh" typeface="Iskoola Pota"/>
+        <a:font script="Mong" typeface="Mongolian Baiti"/>
+        <a:font script="Viet" typeface="Times New Roman"/>
+        <a:font script="Uigh" typeface="Microsoft Uighur"/>
+        <a:font script="Geor" typeface="Sylfaen"/>
+        <a:font script="Armn" typeface="Arial"/>
+        <a:font script="Bugi" typeface="Leelawadee UI"/>
+        <a:font script="Bopo" typeface="Microsoft JhengHei"/>
+        <a:font script="Java" typeface="Javanese Text"/>
+        <a:font script="Lisu" typeface="Segoe UI"/>
+        <a:font script="Mymr" typeface="Myanmar Text"/>
+        <a:font script="Nkoo" typeface="Ebrima"/>
+        <a:font script="Olck" typeface="Nirmala UI"/>
+        <a:font script="Osma" typeface="Ebrima"/>
+        <a:font script="Phag" typeface="Phagspa"/>
+        <a:font script="Syrn" typeface="Estrangelo Edessa"/>
+        <a:font script="Syrj" typeface="Estrangelo Edessa"/>
+        <a:font script="Syre" typeface="Estrangelo Edessa"/>
+        <a:font script="Sora" typeface="Nirmala UI"/>
+        <a:font script="Tale" typeface="Microsoft Tai Le"/>
+        <a:font script="Talu" typeface="Microsoft New Tai Lue"/>
+        <a:font script="Tfng" typeface="Ebrima"/>
+      </a:majorFont>
+      <a:minorFont>
+        <a:latin typeface="Calibri" panose="020F0502020204030204"/>
+        <a:ea typeface=""/>
+        <a:cs typeface=""/>
+        <a:font script="Jpan" typeface="游ゴシック"/>
+        <a:font script="Hang" typeface="맑은 고딕"/>
+        <a:font script="Hans" typeface="等线"/>
+        <a:font script="Hant" typeface="新細明體"/>
+        <a:font script="Arab" typeface="Arial"/>
+        <a:font script="Hebr" typeface="Arial"/>
+        <a:font script="Thai" typeface="Cordia New"/>
+        <a:font script="Ethi" typeface="Nyala"/>
+        <a:font script="Beng" typeface="Vrinda"/>
+        <a:font script="Gujr" typeface="Shruti"/>
+        <a:font script="Khmr" typeface="DaunPenh"/>
+        <a:font script="Knda" typeface="Tunga"/>
+        <a:font script="Guru" typeface="Raavi"/>
+        <a:font script="Cans" typeface="Euphemia"/>
+        <a:font script="Cher" typeface="Plantagenet Cherokee"/>
+        <a:font script="Yiii" typeface="Microsoft Yi Baiti"/>
+        <a:font script="Tibt" typeface="Microsoft Himalaya"/>
+        <a:font script="Thaa" typeface="MV Boli"/>
+        <a:font script="Deva" typeface="Mangal"/>
+        <a:font script="Telu" typeface="Gautami"/>
+        <a:font script="Taml" typeface="Latha"/>
+        <a:font script="Syrc" typeface="Estrangelo Edessa"/>
+        <a:font script="Orya" typeface="Kalinga"/>
+        <a:font script="Mlym" typeface="Kartika"/>
+        <a:font script="Laoo" typeface="DokChampa"/>
+        <a:font script="Sinh" typeface="Iskoola Pota"/>
+        <a:font script="Mong" typeface="Mongolian Baiti"/>
+        <a:font script="Viet" typeface="Arial"/>
+        <a:font script="Uigh" typeface="Microsoft Uighur"/>
+        <a:font script="Geor" typeface="Sylfaen"/>
+        <a:font script="Armn" typeface="Arial"/>
+        <a:font script="Bugi" typeface="Leelawadee UI"/>
+        <a:font script="Bopo" typeface="Microsoft JhengHei"/>
+        <a:font script="Java" typeface="Javanese Text"/>
+        <a:font script="Lisu" typeface="Segoe UI"/>
+        <a:font script="Mymr" typeface="Myanmar Text"/>
+        <a:font script="Nkoo" typeface="Ebrima"/>
+        <a:font script="Olck" typeface="Nirmala UI"/>
+        <a:font script="Osma" typeface="Ebrima"/>
+        <a:font script="Phag" typeface="Phagspa"/>
+        <a:font script="Syrn" typeface="Estrangelo Edessa"/>
+        <a:font script="Syrj" typeface="Estrangelo Edessa"/>
+        <a:font script="Syre" typeface="Estrangelo Edessa"/>
+        <a:font script="Sora" typeface="Nirmala UI"/>
+        <a:font script="Tale" typeface="Microsoft Tai Le"/>
+        <a:font script="Talu" typeface="Microsoft New Tai Lue"/>
+        <a:font script="Tfng" typeface="Ebrima"/>
+      </a:minorFont>
+    </a:fontScheme>
+    <a:fmtScheme name="Office">
+      <a:fillStyleLst>
+        <a:solidFill>
+          <a:schemeClr val="phClr"/>
+        </a:solidFill>
+        <a:gradFill rotWithShape="1">
+          <a:gsLst>
+            <a:gs pos="0">
+              <a:schemeClr val="phClr">
+                <a:lumMod val="110000"/>
+                <a:satMod val="105000"/>
+                <a:tint val="67000"/>
+              </a:schemeClr>
+            </a:gs>
+            <a:gs pos="50000">
+              <a:schemeClr val="phClr">
+                <a:lumMod val="105000"/>
+                <a:satMod val="103000"/>
+                <a:tint val="73000"/>
+              </a:schemeClr>
+            </a:gs>
+            <a:gs pos="100000">
+              <a:schemeClr val="phClr">
+                <a:lumMod val="105000"/>
+                <a:satMod val="109000"/>
+                <a:tint val="81000"/>
+              </a:schemeClr>
+            </a:gs>
+          </a:gsLst>
+          <a:lin ang="5400000" scaled="0"/>
+        </a:gradFill>
+        <a:gradFill rotWithShape="1">
+          <a:gsLst>
+            <a:gs pos="0">
+              <a:schemeClr val="phClr">
+                <a:satMod val="103000"/>
+                <a:lumMod val="102000"/>
+                <a:tint val="94000"/>
+              </a:schemeClr>
+            </a:gs>
+            <a:gs pos="50000">
+              <a:schemeClr val="phClr">
+                <a:satMod val="110000"/>
+                <a:lumMod val="100000"/>
+                <a:shade val="100000"/>
+              </a:schemeClr>
+            </a:gs>
+            <a:gs pos="100000">
+              <a:schemeClr val="phClr">
+                <a:lumMod val="99000"/>
+                <a:satMod val="120000"/>
+                <a:shade val="78000"/>
+              </a:schemeClr>
+            </a:gs>
+          </a:gsLst>
+          <a:lin ang="5400000" scaled="0"/>
+        </a:gradFill>
+      </a:fillStyleLst>
+      <a:lnStyleLst>
+        <a:ln w="6350" cap="flat" cmpd="sng" algn="ctr">
+          <a:solidFill>
+            <a:schemeClr val="phClr"/>
+          </a:solidFill>
+          <a:prstDash val="solid"/>
+          <a:miter lim="800000"/>
+        </a:ln>
+        <a:ln w="12700" cap="flat" cmpd="sng" algn="ctr">
+          <a:solidFill>
+            <a:schemeClr val="phClr"/>
+          </a:solidFill>
+          <a:prstDash val="solid"/>
+          <a:miter lim="800000"/>
+        </a:ln>
+        <a:ln w="19050" cap="flat" cmpd="sng" algn="ctr">
+          <a:solidFill>
+            <a:schemeClr val="phClr"/>
+          </a:solidFill>
+          <a:prstDash val="solid"/>
+          <a:miter lim="800000"/>
+        </a:ln>
+      </a:lnStyleLst>
+      <a:effectStyleLst>
+        <a:effectStyle>
+          <a:effectLst/>
+        </a:effectStyle>
+        <a:effectStyle>
+          <a:effectLst/>
+        </a:effectStyle>
+        <a:effectStyle>
+          <a:effectLst>
+            <a:outerShdw blurRad="57150" dist="19050" dir="5400000" algn="ctr" rotWithShape="0">
+              <a:srgbClr val="000000">
+                <a:alpha val="63000"/>
+              </a:srgbClr>
+            </a:outerShdw>
+          </a:effectLst>
+        </a:effectStyle>
+      </a:effectStyleLst>
+      <a:bgFillStyleLst>
+        <a:solidFill>
+          <a:schemeClr val="phClr"/>
+        </a:solidFill>
+        <a:solidFill>
+          <a:schemeClr val="phClr">
+            <a:tint val="95000"/>
+            <a:satMod val="170000"/>
+          </a:schemeClr>
+        </a:solidFill>
+        <a:gradFill rotWithShape="1">
+          <a:gsLst>
+            <a:gs pos="0">
+              <a:schemeClr val="phClr">
+                <a:tint val="93000"/>
+                <a:satMod val="150000"/>
+                <a:shade val="98000"/>
+                <a:lumMod val="102000"/>
+              </a:schemeClr>
+            </a:gs>
+            <a:gs pos="50000">
+              <a:schemeClr val="phClr">
+                <a:tint val="98000"/>
+                <a:satMod val="130000"/>
+                <a:shade val="90000"/>
+                <a:lumMod val="103000"/>
+              </a:schemeClr>
+            </a:gs>
+            <a:gs pos="100000">
+              <a:schemeClr val="phClr">
+                <a:shade val="63000"/>
+                <a:satMod val="120000"/>
+              </a:schemeClr>
+            </a:gs>
+          </a:gsLst>
+          <a:lin ang="5400000" scaled="0"/>
+        </a:gradFill>
+      </a:bgFillStyleLst>
+    </a:fmtScheme>
+  </a:themeElements>
+  <a:objectDefaults/>
+  <a:extraClrSchemeLst/>
+  <a:extLst>
+    <a:ext uri="{05A4C25C-085E-4340-85A3-A5531E510DB2}">
+      <thm15:themeFamily xmlns:thm15="http://schemas.microsoft.com/office/thememl/2012/main" name="Office Theme" id="{62F939B6-93AF-4DB8-9C6B-D6C7DFDC589F}" vid="{4A3C46E8-61CC-4603-A589-7422A47A8E4A}"/>
+    </a:ext>
+  </a:extLst>
+</a:theme>
 </file>
--- a/TCC/3º Encontro/2017-Apresentacao Psystem.pptx
+++ b/TCC/3º Encontro/2017-Apresentacao Psystem.pptx
@@ -5,7 +5,7 @@
     <p:sldMasterId id="2147483750" r:id="rId1"/>
   </p:sldMasterIdLst>
   <p:notesMasterIdLst>
-    <p:notesMasterId r:id="rId42"/>
+    <p:notesMasterId r:id="rId47"/>
   </p:notesMasterIdLst>
   <p:sldIdLst>
     <p:sldId id="256" r:id="rId2"/>
@@ -39,15 +39,20 @@
     <p:sldId id="309" r:id="rId30"/>
     <p:sldId id="310" r:id="rId31"/>
     <p:sldId id="290" r:id="rId32"/>
-    <p:sldId id="291" r:id="rId33"/>
-    <p:sldId id="299" r:id="rId34"/>
-    <p:sldId id="300" r:id="rId35"/>
-    <p:sldId id="301" r:id="rId36"/>
-    <p:sldId id="302" r:id="rId37"/>
-    <p:sldId id="303" r:id="rId38"/>
-    <p:sldId id="304" r:id="rId39"/>
-    <p:sldId id="279" r:id="rId40"/>
-    <p:sldId id="280" r:id="rId41"/>
+    <p:sldId id="312" r:id="rId33"/>
+    <p:sldId id="314" r:id="rId34"/>
+    <p:sldId id="316" r:id="rId35"/>
+    <p:sldId id="315" r:id="rId36"/>
+    <p:sldId id="317" r:id="rId37"/>
+    <p:sldId id="291" r:id="rId38"/>
+    <p:sldId id="299" r:id="rId39"/>
+    <p:sldId id="300" r:id="rId40"/>
+    <p:sldId id="301" r:id="rId41"/>
+    <p:sldId id="302" r:id="rId42"/>
+    <p:sldId id="303" r:id="rId43"/>
+    <p:sldId id="304" r:id="rId44"/>
+    <p:sldId id="279" r:id="rId45"/>
+    <p:sldId id="280" r:id="rId46"/>
   </p:sldIdLst>
   <p:sldSz cx="9144000" cy="6858000" type="screen4x3"/>
   <p:notesSz cx="6858000" cy="9144000"/>
@@ -3081,7 +3086,7 @@
           <p:cNvPr id="4098" name="Picture 2">
             <a:extLst>
               <a:ext uri="{FF2B5EF4-FFF2-40B4-BE49-F238E27FC236}">
-                <a16:creationId xmlns:a16="http://schemas.microsoft.com/office/drawing/2014/main" id="{E78D3342-3CB1-4010-9B6B-88EB7ABCFE33}"/>
+                <a16:creationId xmlns="" xmlns:a16="http://schemas.microsoft.com/office/drawing/2014/main" id="{E78D3342-3CB1-4010-9B6B-88EB7ABCFE33}"/>
               </a:ext>
             </a:extLst>
           </p:cNvPr>
@@ -3199,7 +3204,7 @@
           <p:cNvPr id="6146" name="Picture 2">
             <a:extLst>
               <a:ext uri="{FF2B5EF4-FFF2-40B4-BE49-F238E27FC236}">
-                <a16:creationId xmlns:a16="http://schemas.microsoft.com/office/drawing/2014/main" id="{556A2F80-2684-47F2-8981-F7DE44CA7C80}"/>
+                <a16:creationId xmlns="" xmlns:a16="http://schemas.microsoft.com/office/drawing/2014/main" id="{556A2F80-2684-47F2-8981-F7DE44CA7C80}"/>
               </a:ext>
             </a:extLst>
           </p:cNvPr>
@@ -3317,7 +3322,7 @@
           <p:cNvPr id="7170" name="Picture 2">
             <a:extLst>
               <a:ext uri="{FF2B5EF4-FFF2-40B4-BE49-F238E27FC236}">
-                <a16:creationId xmlns:a16="http://schemas.microsoft.com/office/drawing/2014/main" id="{6275A695-A03A-49D0-973C-4396A7F4314A}"/>
+                <a16:creationId xmlns="" xmlns:a16="http://schemas.microsoft.com/office/drawing/2014/main" id="{6275A695-A03A-49D0-973C-4396A7F4314A}"/>
               </a:ext>
             </a:extLst>
           </p:cNvPr>
@@ -3435,7 +3440,7 @@
           <p:cNvPr id="8194" name="Picture 2">
             <a:extLst>
               <a:ext uri="{FF2B5EF4-FFF2-40B4-BE49-F238E27FC236}">
-                <a16:creationId xmlns:a16="http://schemas.microsoft.com/office/drawing/2014/main" id="{BE3038CC-B9FD-49DA-BE5E-677673705C62}"/>
+                <a16:creationId xmlns="" xmlns:a16="http://schemas.microsoft.com/office/drawing/2014/main" id="{BE3038CC-B9FD-49DA-BE5E-677673705C62}"/>
               </a:ext>
             </a:extLst>
           </p:cNvPr>
@@ -3553,7 +3558,7 @@
           <p:cNvPr id="5123" name="Picture 3">
             <a:extLst>
               <a:ext uri="{FF2B5EF4-FFF2-40B4-BE49-F238E27FC236}">
-                <a16:creationId xmlns:a16="http://schemas.microsoft.com/office/drawing/2014/main" id="{7C997CB2-E61A-4434-B314-03D59FE8A94D}"/>
+                <a16:creationId xmlns="" xmlns:a16="http://schemas.microsoft.com/office/drawing/2014/main" id="{7C997CB2-E61A-4434-B314-03D59FE8A94D}"/>
               </a:ext>
             </a:extLst>
           </p:cNvPr>
@@ -3671,7 +3676,7 @@
           <p:cNvPr id="9218" name="Picture 2">
             <a:extLst>
               <a:ext uri="{FF2B5EF4-FFF2-40B4-BE49-F238E27FC236}">
-                <a16:creationId xmlns:a16="http://schemas.microsoft.com/office/drawing/2014/main" id="{A17F7154-A810-45FB-BD82-9A98CA259559}"/>
+                <a16:creationId xmlns="" xmlns:a16="http://schemas.microsoft.com/office/drawing/2014/main" id="{A17F7154-A810-45FB-BD82-9A98CA259559}"/>
               </a:ext>
             </a:extLst>
           </p:cNvPr>
@@ -3789,7 +3794,7 @@
           <p:cNvPr id="10242" name="Picture 2">
             <a:extLst>
               <a:ext uri="{FF2B5EF4-FFF2-40B4-BE49-F238E27FC236}">
-                <a16:creationId xmlns:a16="http://schemas.microsoft.com/office/drawing/2014/main" id="{1FC76A72-578F-4ECB-96DA-A5AEF6084358}"/>
+                <a16:creationId xmlns="" xmlns:a16="http://schemas.microsoft.com/office/drawing/2014/main" id="{1FC76A72-578F-4ECB-96DA-A5AEF6084358}"/>
               </a:ext>
             </a:extLst>
           </p:cNvPr>
@@ -4805,7 +4810,7 @@
           <p:cNvPr id="6" name="Rectangle 5">
             <a:extLst>
               <a:ext uri="{FF2B5EF4-FFF2-40B4-BE49-F238E27FC236}">
-                <a16:creationId xmlns:a16="http://schemas.microsoft.com/office/drawing/2014/main" id="{4D05B3A1-B0A5-41E6-851D-8FE05033C664}"/>
+                <a16:creationId xmlns="" xmlns:a16="http://schemas.microsoft.com/office/drawing/2014/main" id="{4D05B3A1-B0A5-41E6-851D-8FE05033C664}"/>
               </a:ext>
             </a:extLst>
           </p:cNvPr>
@@ -6174,7 +6179,7 @@
           <p:cNvPr id="2" name="Título 1">
             <a:extLst>
               <a:ext uri="{FF2B5EF4-FFF2-40B4-BE49-F238E27FC236}">
-                <a16:creationId xmlns:a16="http://schemas.microsoft.com/office/drawing/2014/main" id="{4420E5F6-C592-489E-8742-39113C67F28C}"/>
+                <a16:creationId xmlns="" xmlns:a16="http://schemas.microsoft.com/office/drawing/2014/main" id="{4420E5F6-C592-489E-8742-39113C67F28C}"/>
               </a:ext>
             </a:extLst>
           </p:cNvPr>
@@ -6202,7 +6207,7 @@
           <p:cNvPr id="3" name="Espaço Reservado para Conteúdo 2">
             <a:extLst>
               <a:ext uri="{FF2B5EF4-FFF2-40B4-BE49-F238E27FC236}">
-                <a16:creationId xmlns:a16="http://schemas.microsoft.com/office/drawing/2014/main" id="{FB12D05B-E47F-4BA3-B1A7-F1DCD4D8F90E}"/>
+                <a16:creationId xmlns="" xmlns:a16="http://schemas.microsoft.com/office/drawing/2014/main" id="{FB12D05B-E47F-4BA3-B1A7-F1DCD4D8F90E}"/>
               </a:ext>
             </a:extLst>
           </p:cNvPr>
@@ -6447,7 +6452,7 @@
           <p:cNvPr id="2" name="Título 1">
             <a:extLst>
               <a:ext uri="{FF2B5EF4-FFF2-40B4-BE49-F238E27FC236}">
-                <a16:creationId xmlns:a16="http://schemas.microsoft.com/office/drawing/2014/main" id="{BEBA4382-BFBE-49EA-B613-397871EFBC81}"/>
+                <a16:creationId xmlns="" xmlns:a16="http://schemas.microsoft.com/office/drawing/2014/main" id="{BEBA4382-BFBE-49EA-B613-397871EFBC81}"/>
               </a:ext>
             </a:extLst>
           </p:cNvPr>
@@ -6475,7 +6480,7 @@
           <p:cNvPr id="4" name="Picture 2">
             <a:extLst>
               <a:ext uri="{FF2B5EF4-FFF2-40B4-BE49-F238E27FC236}">
-                <a16:creationId xmlns:a16="http://schemas.microsoft.com/office/drawing/2014/main" id="{73C6ED76-2527-4DEA-B4E5-D39F619C62E1}"/>
+                <a16:creationId xmlns="" xmlns:a16="http://schemas.microsoft.com/office/drawing/2014/main" id="{73C6ED76-2527-4DEA-B4E5-D39F619C62E1}"/>
               </a:ext>
             </a:extLst>
           </p:cNvPr>
@@ -6567,7 +6572,7 @@
           <p:cNvPr id="2" name="Título 1">
             <a:extLst>
               <a:ext uri="{FF2B5EF4-FFF2-40B4-BE49-F238E27FC236}">
-                <a16:creationId xmlns:a16="http://schemas.microsoft.com/office/drawing/2014/main" id="{4242F5FA-70CB-4D15-8FA2-0A8B9B2D9EE8}"/>
+                <a16:creationId xmlns="" xmlns:a16="http://schemas.microsoft.com/office/drawing/2014/main" id="{4242F5FA-70CB-4D15-8FA2-0A8B9B2D9EE8}"/>
               </a:ext>
             </a:extLst>
           </p:cNvPr>
@@ -6595,7 +6600,7 @@
           <p:cNvPr id="5" name="Espaço Reservado para Conteúdo 4">
             <a:extLst>
               <a:ext uri="{FF2B5EF4-FFF2-40B4-BE49-F238E27FC236}">
-                <a16:creationId xmlns:a16="http://schemas.microsoft.com/office/drawing/2014/main" id="{0EB6ED7E-6CFB-4E85-B7ED-4873840A1BE0}"/>
+                <a16:creationId xmlns="" xmlns:a16="http://schemas.microsoft.com/office/drawing/2014/main" id="{0EB6ED7E-6CFB-4E85-B7ED-4873840A1BE0}"/>
               </a:ext>
             </a:extLst>
           </p:cNvPr>
@@ -6660,7 +6665,7 @@
           <p:cNvPr id="2" name="Título 1">
             <a:extLst>
               <a:ext uri="{FF2B5EF4-FFF2-40B4-BE49-F238E27FC236}">
-                <a16:creationId xmlns:a16="http://schemas.microsoft.com/office/drawing/2014/main" id="{1258A6B5-29A2-40E3-9451-ECF7822CE513}"/>
+                <a16:creationId xmlns="" xmlns:a16="http://schemas.microsoft.com/office/drawing/2014/main" id="{1258A6B5-29A2-40E3-9451-ECF7822CE513}"/>
               </a:ext>
             </a:extLst>
           </p:cNvPr>
@@ -6688,7 +6693,7 @@
           <p:cNvPr id="5" name="Espaço Reservado para Conteúdo 4">
             <a:extLst>
               <a:ext uri="{FF2B5EF4-FFF2-40B4-BE49-F238E27FC236}">
-                <a16:creationId xmlns:a16="http://schemas.microsoft.com/office/drawing/2014/main" id="{B614B2BC-1672-4B4C-B1D9-8F6906444D11}"/>
+                <a16:creationId xmlns="" xmlns:a16="http://schemas.microsoft.com/office/drawing/2014/main" id="{B614B2BC-1672-4B4C-B1D9-8F6906444D11}"/>
               </a:ext>
             </a:extLst>
           </p:cNvPr>
@@ -6778,7 +6783,7 @@
           <p:cNvPr id="8" name="Picture 7">
             <a:extLst>
               <a:ext uri="{FF2B5EF4-FFF2-40B4-BE49-F238E27FC236}">
-                <a16:creationId xmlns:a16="http://schemas.microsoft.com/office/drawing/2014/main" id="{6802FF0F-183C-4A30-9C30-D9C9C5405CD1}"/>
+                <a16:creationId xmlns="" xmlns:a16="http://schemas.microsoft.com/office/drawing/2014/main" id="{6802FF0F-183C-4A30-9C30-D9C9C5405CD1}"/>
               </a:ext>
             </a:extLst>
           </p:cNvPr>
@@ -6836,7 +6841,7 @@
           <p:cNvPr id="2" name="Título 1">
             <a:extLst>
               <a:ext uri="{FF2B5EF4-FFF2-40B4-BE49-F238E27FC236}">
-                <a16:creationId xmlns:a16="http://schemas.microsoft.com/office/drawing/2014/main" id="{4DBEE726-2AAB-4969-973C-8C26FE82FEF2}"/>
+                <a16:creationId xmlns="" xmlns:a16="http://schemas.microsoft.com/office/drawing/2014/main" id="{4DBEE726-2AAB-4969-973C-8C26FE82FEF2}"/>
               </a:ext>
             </a:extLst>
           </p:cNvPr>
@@ -6864,7 +6869,7 @@
           <p:cNvPr id="5" name="Espaço Reservado para Conteúdo 4">
             <a:extLst>
               <a:ext uri="{FF2B5EF4-FFF2-40B4-BE49-F238E27FC236}">
-                <a16:creationId xmlns:a16="http://schemas.microsoft.com/office/drawing/2014/main" id="{D0E0BD5E-9A99-41F6-AEAA-D122187C4B06}"/>
+                <a16:creationId xmlns="" xmlns:a16="http://schemas.microsoft.com/office/drawing/2014/main" id="{D0E0BD5E-9A99-41F6-AEAA-D122187C4B06}"/>
               </a:ext>
             </a:extLst>
           </p:cNvPr>
@@ -7438,6 +7443,885 @@
       </p:grpSpPr>
       <p:sp>
         <p:nvSpPr>
+          <p:cNvPr id="4" name="Título 3"/>
+          <p:cNvSpPr>
+            <a:spLocks noGrp="1"/>
+          </p:cNvSpPr>
+          <p:nvPr>
+            <p:ph type="title"/>
+          </p:nvPr>
+        </p:nvSpPr>
+        <p:spPr/>
+        <p:txBody>
+          <a:bodyPr/>
+          <a:lstStyle/>
+          <a:p>
+            <a:pPr eaLnBrk="1" hangingPunct="1">
+              <a:defRPr/>
+            </a:pPr>
+            <a:r>
+              <a:rPr lang="pt-BR" dirty="0"/>
+              <a:t>MODULO </a:t>
+            </a:r>
+            <a:r>
+              <a:rPr lang="pt-BR" dirty="0" smtClean="0"/>
+              <a:t>EMPRESA</a:t>
+            </a:r>
+            <a:endParaRPr lang="pt-BR" dirty="0"/>
+          </a:p>
+        </p:txBody>
+      </p:sp>
+      <p:sp>
+        <p:nvSpPr>
+          <p:cNvPr id="21507" name="Espaço Reservado para Conteúdo 4"/>
+          <p:cNvSpPr>
+            <a:spLocks noGrp="1"/>
+          </p:cNvSpPr>
+          <p:nvPr>
+            <p:ph idx="1"/>
+          </p:nvPr>
+        </p:nvSpPr>
+        <p:spPr bwMode="auto">
+          <a:xfrm>
+            <a:off x="179512" y="1340768"/>
+            <a:ext cx="8785225" cy="5328592"/>
+          </a:xfrm>
+          <a:extLst>
+            <a:ext uri="{909E8E84-426E-40DD-AFC4-6F175D3DCCD1}">
+              <a14:hiddenFill xmlns:a14="http://schemas.microsoft.com/office/drawing/2010/main">
+                <a:solidFill>
+                  <a:srgbClr val="FFFFFF"/>
+                </a:solidFill>
+              </a14:hiddenFill>
+            </a:ext>
+            <a:ext uri="{91240B29-F687-4F45-9708-019B960494DF}">
+              <a14:hiddenLine xmlns:a14="http://schemas.microsoft.com/office/drawing/2010/main" w="9525">
+                <a:solidFill>
+                  <a:srgbClr val="000000"/>
+                </a:solidFill>
+                <a:miter lim="800000"/>
+                <a:headEnd/>
+                <a:tailEnd/>
+              </a14:hiddenLine>
+            </a:ext>
+          </a:extLst>
+        </p:spPr>
+        <p:txBody>
+          <a:bodyPr vert="horz" wrap="square" lIns="91440" tIns="45720" rIns="91440" bIns="45720" numCol="1" anchor="t" anchorCtr="0" compatLnSpc="1">
+            <a:prstTxWarp prst="textNoShape">
+              <a:avLst/>
+            </a:prstTxWarp>
+          </a:bodyPr>
+          <a:lstStyle/>
+          <a:p>
+            <a:pPr algn="just" eaLnBrk="1" hangingPunct="1">
+              <a:buFont typeface="Arial" panose="020B0604020202020204" pitchFamily="34" charset="0"/>
+              <a:buChar char="•"/>
+              <a:defRPr/>
+            </a:pPr>
+            <a:r>
+              <a:rPr lang="pt-BR" sz="2000" dirty="0" smtClean="0">
+                <a:solidFill>
+                  <a:schemeClr val="tx2">
+                    <a:lumMod val="75000"/>
+                  </a:schemeClr>
+                </a:solidFill>
+              </a:rPr>
+              <a:t>Manter Cliente</a:t>
+            </a:r>
+            <a:endParaRPr lang="pt-BR" sz="2000" dirty="0">
+              <a:solidFill>
+                <a:schemeClr val="tx2">
+                  <a:lumMod val="75000"/>
+                </a:schemeClr>
+              </a:solidFill>
+            </a:endParaRPr>
+          </a:p>
+          <a:p>
+            <a:pPr lvl="1" algn="just" eaLnBrk="1" hangingPunct="1">
+              <a:buFont typeface="Arial" panose="020B0604020202020204" pitchFamily="34" charset="0"/>
+              <a:buChar char="•"/>
+              <a:defRPr/>
+            </a:pPr>
+            <a:r>
+              <a:rPr lang="pt-BR" sz="1800" dirty="0" smtClean="0">
+                <a:solidFill>
+                  <a:schemeClr val="tx2">
+                    <a:lumMod val="75000"/>
+                  </a:schemeClr>
+                </a:solidFill>
+              </a:rPr>
+              <a:t>Incluir novos clientes, editar seus dados e excluir quando necessário.</a:t>
+            </a:r>
+            <a:endParaRPr lang="pt-BR" sz="1800" dirty="0">
+              <a:solidFill>
+                <a:schemeClr val="tx2">
+                  <a:lumMod val="75000"/>
+                </a:schemeClr>
+              </a:solidFill>
+            </a:endParaRPr>
+          </a:p>
+          <a:p>
+            <a:pPr algn="just" eaLnBrk="1" hangingPunct="1">
+              <a:buFont typeface="Arial" panose="020B0604020202020204" pitchFamily="34" charset="0"/>
+              <a:buChar char="•"/>
+              <a:defRPr/>
+            </a:pPr>
+            <a:r>
+              <a:rPr lang="pt-BR" sz="2000" dirty="0" smtClean="0">
+                <a:solidFill>
+                  <a:schemeClr val="tx2">
+                    <a:lumMod val="75000"/>
+                  </a:schemeClr>
+                </a:solidFill>
+              </a:rPr>
+              <a:t>Manter Parceria</a:t>
+            </a:r>
+            <a:endParaRPr lang="pt-BR" sz="2000" dirty="0">
+              <a:solidFill>
+                <a:schemeClr val="tx2">
+                  <a:lumMod val="75000"/>
+                </a:schemeClr>
+              </a:solidFill>
+            </a:endParaRPr>
+          </a:p>
+          <a:p>
+            <a:pPr lvl="1" algn="just" eaLnBrk="1" hangingPunct="1">
+              <a:buFont typeface="Arial" panose="020B0604020202020204" pitchFamily="34" charset="0"/>
+              <a:buChar char="•"/>
+              <a:defRPr/>
+            </a:pPr>
+            <a:r>
+              <a:rPr lang="pt-BR" sz="1800" dirty="0" smtClean="0">
+                <a:solidFill>
+                  <a:schemeClr val="tx2">
+                    <a:lumMod val="75000"/>
+                  </a:schemeClr>
+                </a:solidFill>
+              </a:rPr>
+              <a:t>Cadastra uma empresa como parceira, editar seus dados e remover parceria.</a:t>
+            </a:r>
+            <a:endParaRPr lang="pt-BR" sz="1800" dirty="0">
+              <a:solidFill>
+                <a:schemeClr val="tx2">
+                  <a:lumMod val="75000"/>
+                </a:schemeClr>
+              </a:solidFill>
+            </a:endParaRPr>
+          </a:p>
+          <a:p>
+            <a:pPr algn="just" eaLnBrk="1" hangingPunct="1">
+              <a:buFont typeface="Arial" panose="020B0604020202020204" pitchFamily="34" charset="0"/>
+              <a:buChar char="•"/>
+              <a:defRPr/>
+            </a:pPr>
+            <a:r>
+              <a:rPr lang="pt-BR" sz="2000" dirty="0" smtClean="0">
+                <a:solidFill>
+                  <a:schemeClr val="tx2">
+                    <a:lumMod val="75000"/>
+                  </a:schemeClr>
+                </a:solidFill>
+              </a:rPr>
+              <a:t>Manter Convênio</a:t>
+            </a:r>
+            <a:endParaRPr lang="pt-BR" sz="2000" dirty="0">
+              <a:solidFill>
+                <a:schemeClr val="tx2">
+                  <a:lumMod val="75000"/>
+                </a:schemeClr>
+              </a:solidFill>
+            </a:endParaRPr>
+          </a:p>
+          <a:p>
+            <a:pPr lvl="1" algn="just" eaLnBrk="1" hangingPunct="1">
+              <a:buFont typeface="Arial" panose="020B0604020202020204" pitchFamily="34" charset="0"/>
+              <a:buChar char="•"/>
+              <a:defRPr/>
+            </a:pPr>
+            <a:r>
+              <a:rPr lang="pt-BR" sz="1800" dirty="0" smtClean="0">
+                <a:solidFill>
+                  <a:schemeClr val="tx2">
+                    <a:lumMod val="75000"/>
+                  </a:schemeClr>
+                </a:solidFill>
+              </a:rPr>
+              <a:t>Incluir novos convênios que serão atendidos pela clinica e remove-los quando necessário.</a:t>
+            </a:r>
+            <a:endParaRPr lang="pt-BR" sz="2000" dirty="0">
+              <a:solidFill>
+                <a:schemeClr val="tx2">
+                  <a:lumMod val="75000"/>
+                </a:schemeClr>
+              </a:solidFill>
+            </a:endParaRPr>
+          </a:p>
+          <a:p>
+            <a:pPr marL="0" indent="0" algn="ctr" eaLnBrk="1" hangingPunct="1">
+              <a:buFont typeface="Arial" panose="020B0604020202020204" pitchFamily="34" charset="0"/>
+              <a:buNone/>
+              <a:defRPr/>
+            </a:pPr>
+            <a:endParaRPr lang="pt-BR" sz="2000" dirty="0"/>
+          </a:p>
+          <a:p>
+            <a:pPr algn="just" eaLnBrk="1" hangingPunct="1">
+              <a:buFont typeface="Arial" panose="020B0604020202020204" pitchFamily="34" charset="0"/>
+              <a:buChar char="•"/>
+              <a:defRPr/>
+            </a:pPr>
+            <a:endParaRPr lang="pt-BR" sz="2000" dirty="0"/>
+          </a:p>
+        </p:txBody>
+      </p:sp>
+    </p:spTree>
+    <p:extLst>
+      <p:ext uri="{BB962C8B-B14F-4D97-AF65-F5344CB8AC3E}">
+        <p14:creationId xmlns:p14="http://schemas.microsoft.com/office/powerpoint/2010/main" val="1166103754"/>
+      </p:ext>
+    </p:extLst>
+  </p:cSld>
+  <p:clrMapOvr>
+    <a:masterClrMapping/>
+  </p:clrMapOvr>
+  <p:transition spd="med">
+    <p:fade/>
+  </p:transition>
+</p:sld>
+</file>
+
+<file path=ppt/slides/slide33.xml><?xml version="1.0" encoding="utf-8"?>
+<p:sld xmlns:a="http://schemas.openxmlformats.org/drawingml/2006/main" xmlns:r="http://schemas.openxmlformats.org/officeDocument/2006/relationships" xmlns:p="http://schemas.openxmlformats.org/presentationml/2006/main">
+  <p:cSld>
+    <p:spTree>
+      <p:nvGrpSpPr>
+        <p:cNvPr id="1" name=""/>
+        <p:cNvGrpSpPr/>
+        <p:nvPr/>
+      </p:nvGrpSpPr>
+      <p:grpSpPr>
+        <a:xfrm>
+          <a:off x="0" y="0"/>
+          <a:ext cx="0" cy="0"/>
+          <a:chOff x="0" y="0"/>
+          <a:chExt cx="0" cy="0"/>
+        </a:xfrm>
+      </p:grpSpPr>
+      <p:sp>
+        <p:nvSpPr>
+          <p:cNvPr id="4" name="Título 3"/>
+          <p:cNvSpPr>
+            <a:spLocks noGrp="1"/>
+          </p:cNvSpPr>
+          <p:nvPr>
+            <p:ph type="title"/>
+          </p:nvPr>
+        </p:nvSpPr>
+        <p:spPr/>
+        <p:txBody>
+          <a:bodyPr/>
+          <a:lstStyle/>
+          <a:p>
+            <a:pPr eaLnBrk="1" hangingPunct="1">
+              <a:defRPr/>
+            </a:pPr>
+            <a:r>
+              <a:rPr lang="pt-BR" dirty="0"/>
+              <a:t>MODULO </a:t>
+            </a:r>
+            <a:r>
+              <a:rPr lang="pt-BR" dirty="0" smtClean="0"/>
+              <a:t>EMPRESA</a:t>
+            </a:r>
+            <a:endParaRPr lang="pt-BR" dirty="0"/>
+          </a:p>
+        </p:txBody>
+      </p:sp>
+      <p:sp>
+        <p:nvSpPr>
+          <p:cNvPr id="21507" name="Espaço Reservado para Conteúdo 4"/>
+          <p:cNvSpPr>
+            <a:spLocks noGrp="1"/>
+          </p:cNvSpPr>
+          <p:nvPr>
+            <p:ph idx="1"/>
+          </p:nvPr>
+        </p:nvSpPr>
+        <p:spPr bwMode="auto">
+          <a:xfrm>
+            <a:off x="179512" y="1340768"/>
+            <a:ext cx="8785225" cy="5328592"/>
+          </a:xfrm>
+          <a:extLst>
+            <a:ext uri="{909E8E84-426E-40DD-AFC4-6F175D3DCCD1}">
+              <a14:hiddenFill xmlns:a14="http://schemas.microsoft.com/office/drawing/2010/main">
+                <a:solidFill>
+                  <a:srgbClr val="FFFFFF"/>
+                </a:solidFill>
+              </a14:hiddenFill>
+            </a:ext>
+            <a:ext uri="{91240B29-F687-4F45-9708-019B960494DF}">
+              <a14:hiddenLine xmlns:a14="http://schemas.microsoft.com/office/drawing/2010/main" w="9525">
+                <a:solidFill>
+                  <a:srgbClr val="000000"/>
+                </a:solidFill>
+                <a:miter lim="800000"/>
+                <a:headEnd/>
+                <a:tailEnd/>
+              </a14:hiddenLine>
+            </a:ext>
+          </a:extLst>
+        </p:spPr>
+        <p:txBody>
+          <a:bodyPr vert="horz" wrap="square" lIns="91440" tIns="45720" rIns="91440" bIns="45720" numCol="1" anchor="t" anchorCtr="0" compatLnSpc="1">
+            <a:prstTxWarp prst="textNoShape">
+              <a:avLst/>
+            </a:prstTxWarp>
+          </a:bodyPr>
+          <a:lstStyle/>
+          <a:p>
+            <a:pPr marL="0" indent="0" algn="ctr" eaLnBrk="1" hangingPunct="1">
+              <a:buFont typeface="Arial" panose="020B0604020202020204" pitchFamily="34" charset="0"/>
+              <a:buNone/>
+              <a:defRPr/>
+            </a:pPr>
+            <a:endParaRPr lang="pt-BR" sz="2000" dirty="0"/>
+          </a:p>
+          <a:p>
+            <a:pPr algn="just" eaLnBrk="1" hangingPunct="1">
+              <a:buFont typeface="Arial" panose="020B0604020202020204" pitchFamily="34" charset="0"/>
+              <a:buChar char="•"/>
+              <a:defRPr/>
+            </a:pPr>
+            <a:endParaRPr lang="pt-BR" sz="2000" dirty="0"/>
+          </a:p>
+        </p:txBody>
+      </p:sp>
+      <p:pic>
+        <p:nvPicPr>
+          <p:cNvPr id="3" name="Imagem 2"/>
+          <p:cNvPicPr>
+            <a:picLocks noChangeAspect="1"/>
+          </p:cNvPicPr>
+          <p:nvPr/>
+        </p:nvPicPr>
+        <p:blipFill>
+          <a:blip r:embed="rId2">
+            <a:extLst>
+              <a:ext uri="{28A0092B-C50C-407E-A947-70E740481C1C}">
+                <a14:useLocalDpi xmlns:a14="http://schemas.microsoft.com/office/drawing/2010/main" val="0"/>
+              </a:ext>
+            </a:extLst>
+          </a:blip>
+          <a:stretch>
+            <a:fillRect/>
+          </a:stretch>
+        </p:blipFill>
+        <p:spPr>
+          <a:xfrm>
+            <a:off x="611560" y="1412776"/>
+            <a:ext cx="7130573" cy="3612267"/>
+          </a:xfrm>
+          <a:prstGeom prst="rect">
+            <a:avLst/>
+          </a:prstGeom>
+        </p:spPr>
+      </p:pic>
+    </p:spTree>
+    <p:extLst>
+      <p:ext uri="{BB962C8B-B14F-4D97-AF65-F5344CB8AC3E}">
+        <p14:creationId xmlns:p14="http://schemas.microsoft.com/office/powerpoint/2010/main" val="4234705847"/>
+      </p:ext>
+    </p:extLst>
+  </p:cSld>
+  <p:clrMapOvr>
+    <a:masterClrMapping/>
+  </p:clrMapOvr>
+  <p:transition spd="med">
+    <p:fade/>
+  </p:transition>
+</p:sld>
+</file>
+
+<file path=ppt/slides/slide34.xml><?xml version="1.0" encoding="utf-8"?>
+<p:sld xmlns:a="http://schemas.openxmlformats.org/drawingml/2006/main" xmlns:r="http://schemas.openxmlformats.org/officeDocument/2006/relationships" xmlns:p="http://schemas.openxmlformats.org/presentationml/2006/main">
+  <p:cSld>
+    <p:spTree>
+      <p:nvGrpSpPr>
+        <p:cNvPr id="1" name=""/>
+        <p:cNvGrpSpPr/>
+        <p:nvPr/>
+      </p:nvGrpSpPr>
+      <p:grpSpPr>
+        <a:xfrm>
+          <a:off x="0" y="0"/>
+          <a:ext cx="0" cy="0"/>
+          <a:chOff x="0" y="0"/>
+          <a:chExt cx="0" cy="0"/>
+        </a:xfrm>
+      </p:grpSpPr>
+      <p:sp>
+        <p:nvSpPr>
+          <p:cNvPr id="4" name="Título 3"/>
+          <p:cNvSpPr>
+            <a:spLocks noGrp="1"/>
+          </p:cNvSpPr>
+          <p:nvPr>
+            <p:ph type="title"/>
+          </p:nvPr>
+        </p:nvSpPr>
+        <p:spPr/>
+        <p:txBody>
+          <a:bodyPr/>
+          <a:lstStyle/>
+          <a:p>
+            <a:pPr eaLnBrk="1" hangingPunct="1">
+              <a:defRPr/>
+            </a:pPr>
+            <a:r>
+              <a:rPr lang="pt-BR" dirty="0"/>
+              <a:t>MODULO </a:t>
+            </a:r>
+            <a:r>
+              <a:rPr lang="pt-BR" dirty="0" smtClean="0"/>
+              <a:t>EMPRESA</a:t>
+            </a:r>
+            <a:endParaRPr lang="pt-BR" dirty="0"/>
+          </a:p>
+        </p:txBody>
+      </p:sp>
+      <p:sp>
+        <p:nvSpPr>
+          <p:cNvPr id="21507" name="Espaço Reservado para Conteúdo 4"/>
+          <p:cNvSpPr>
+            <a:spLocks noGrp="1"/>
+          </p:cNvSpPr>
+          <p:nvPr>
+            <p:ph idx="1"/>
+          </p:nvPr>
+        </p:nvSpPr>
+        <p:spPr bwMode="auto">
+          <a:xfrm>
+            <a:off x="179512" y="1340768"/>
+            <a:ext cx="8785225" cy="5328592"/>
+          </a:xfrm>
+          <a:extLst>
+            <a:ext uri="{909E8E84-426E-40DD-AFC4-6F175D3DCCD1}">
+              <a14:hiddenFill xmlns:a14="http://schemas.microsoft.com/office/drawing/2010/main">
+                <a:solidFill>
+                  <a:srgbClr val="FFFFFF"/>
+                </a:solidFill>
+              </a14:hiddenFill>
+            </a:ext>
+            <a:ext uri="{91240B29-F687-4F45-9708-019B960494DF}">
+              <a14:hiddenLine xmlns:a14="http://schemas.microsoft.com/office/drawing/2010/main" w="9525">
+                <a:solidFill>
+                  <a:srgbClr val="000000"/>
+                </a:solidFill>
+                <a:miter lim="800000"/>
+                <a:headEnd/>
+                <a:tailEnd/>
+              </a14:hiddenLine>
+            </a:ext>
+          </a:extLst>
+        </p:spPr>
+        <p:txBody>
+          <a:bodyPr vert="horz" wrap="square" lIns="91440" tIns="45720" rIns="91440" bIns="45720" numCol="1" anchor="t" anchorCtr="0" compatLnSpc="1">
+            <a:prstTxWarp prst="textNoShape">
+              <a:avLst/>
+            </a:prstTxWarp>
+          </a:bodyPr>
+          <a:lstStyle/>
+          <a:p>
+            <a:pPr marL="0" indent="0" algn="ctr" eaLnBrk="1" hangingPunct="1">
+              <a:buFont typeface="Arial" panose="020B0604020202020204" pitchFamily="34" charset="0"/>
+              <a:buNone/>
+              <a:defRPr/>
+            </a:pPr>
+            <a:endParaRPr lang="pt-BR" sz="2000" dirty="0"/>
+          </a:p>
+          <a:p>
+            <a:pPr algn="just" eaLnBrk="1" hangingPunct="1">
+              <a:buFont typeface="Arial" panose="020B0604020202020204" pitchFamily="34" charset="0"/>
+              <a:buChar char="•"/>
+              <a:defRPr/>
+            </a:pPr>
+            <a:endParaRPr lang="pt-BR" sz="2000" dirty="0"/>
+          </a:p>
+        </p:txBody>
+      </p:sp>
+      <p:pic>
+        <p:nvPicPr>
+          <p:cNvPr id="2" name="Imagem 1"/>
+          <p:cNvPicPr>
+            <a:picLocks noChangeAspect="1"/>
+          </p:cNvPicPr>
+          <p:nvPr/>
+        </p:nvPicPr>
+        <p:blipFill>
+          <a:blip r:embed="rId2">
+            <a:extLst>
+              <a:ext uri="{28A0092B-C50C-407E-A947-70E740481C1C}">
+                <a14:useLocalDpi xmlns:a14="http://schemas.microsoft.com/office/drawing/2010/main" val="0"/>
+              </a:ext>
+            </a:extLst>
+          </a:blip>
+          <a:stretch>
+            <a:fillRect/>
+          </a:stretch>
+        </p:blipFill>
+        <p:spPr>
+          <a:xfrm>
+            <a:off x="395536" y="1628800"/>
+            <a:ext cx="7822434" cy="3384376"/>
+          </a:xfrm>
+          <a:prstGeom prst="rect">
+            <a:avLst/>
+          </a:prstGeom>
+        </p:spPr>
+      </p:pic>
+    </p:spTree>
+    <p:extLst>
+      <p:ext uri="{BB962C8B-B14F-4D97-AF65-F5344CB8AC3E}">
+        <p14:creationId xmlns:p14="http://schemas.microsoft.com/office/powerpoint/2010/main" val="3817239344"/>
+      </p:ext>
+    </p:extLst>
+  </p:cSld>
+  <p:clrMapOvr>
+    <a:masterClrMapping/>
+  </p:clrMapOvr>
+  <p:transition spd="med">
+    <p:fade/>
+  </p:transition>
+</p:sld>
+</file>
+
+<file path=ppt/slides/slide35.xml><?xml version="1.0" encoding="utf-8"?>
+<p:sld xmlns:a="http://schemas.openxmlformats.org/drawingml/2006/main" xmlns:r="http://schemas.openxmlformats.org/officeDocument/2006/relationships" xmlns:p="http://schemas.openxmlformats.org/presentationml/2006/main">
+  <p:cSld>
+    <p:spTree>
+      <p:nvGrpSpPr>
+        <p:cNvPr id="1" name=""/>
+        <p:cNvGrpSpPr/>
+        <p:nvPr/>
+      </p:nvGrpSpPr>
+      <p:grpSpPr>
+        <a:xfrm>
+          <a:off x="0" y="0"/>
+          <a:ext cx="0" cy="0"/>
+          <a:chOff x="0" y="0"/>
+          <a:chExt cx="0" cy="0"/>
+        </a:xfrm>
+      </p:grpSpPr>
+      <p:sp>
+        <p:nvSpPr>
+          <p:cNvPr id="4" name="Título 3"/>
+          <p:cNvSpPr>
+            <a:spLocks noGrp="1"/>
+          </p:cNvSpPr>
+          <p:nvPr>
+            <p:ph type="title"/>
+          </p:nvPr>
+        </p:nvSpPr>
+        <p:spPr/>
+        <p:txBody>
+          <a:bodyPr/>
+          <a:lstStyle/>
+          <a:p>
+            <a:pPr eaLnBrk="1" hangingPunct="1">
+              <a:defRPr/>
+            </a:pPr>
+            <a:r>
+              <a:rPr lang="pt-BR" dirty="0"/>
+              <a:t>MODULO </a:t>
+            </a:r>
+            <a:r>
+              <a:rPr lang="pt-BR" dirty="0" smtClean="0"/>
+              <a:t>EMPRESA</a:t>
+            </a:r>
+            <a:endParaRPr lang="pt-BR" dirty="0"/>
+          </a:p>
+        </p:txBody>
+      </p:sp>
+      <p:sp>
+        <p:nvSpPr>
+          <p:cNvPr id="21507" name="Espaço Reservado para Conteúdo 4"/>
+          <p:cNvSpPr>
+            <a:spLocks noGrp="1"/>
+          </p:cNvSpPr>
+          <p:nvPr>
+            <p:ph idx="1"/>
+          </p:nvPr>
+        </p:nvSpPr>
+        <p:spPr bwMode="auto">
+          <a:xfrm>
+            <a:off x="179512" y="1340768"/>
+            <a:ext cx="8785225" cy="5328592"/>
+          </a:xfrm>
+          <a:extLst>
+            <a:ext uri="{909E8E84-426E-40DD-AFC4-6F175D3DCCD1}">
+              <a14:hiddenFill xmlns:a14="http://schemas.microsoft.com/office/drawing/2010/main">
+                <a:solidFill>
+                  <a:srgbClr val="FFFFFF"/>
+                </a:solidFill>
+              </a14:hiddenFill>
+            </a:ext>
+            <a:ext uri="{91240B29-F687-4F45-9708-019B960494DF}">
+              <a14:hiddenLine xmlns:a14="http://schemas.microsoft.com/office/drawing/2010/main" w="9525">
+                <a:solidFill>
+                  <a:srgbClr val="000000"/>
+                </a:solidFill>
+                <a:miter lim="800000"/>
+                <a:headEnd/>
+                <a:tailEnd/>
+              </a14:hiddenLine>
+            </a:ext>
+          </a:extLst>
+        </p:spPr>
+        <p:txBody>
+          <a:bodyPr vert="horz" wrap="square" lIns="91440" tIns="45720" rIns="91440" bIns="45720" numCol="1" anchor="t" anchorCtr="0" compatLnSpc="1">
+            <a:prstTxWarp prst="textNoShape">
+              <a:avLst/>
+            </a:prstTxWarp>
+          </a:bodyPr>
+          <a:lstStyle/>
+          <a:p>
+            <a:pPr marL="0" indent="0" algn="ctr" eaLnBrk="1" hangingPunct="1">
+              <a:buFont typeface="Arial" panose="020B0604020202020204" pitchFamily="34" charset="0"/>
+              <a:buNone/>
+              <a:defRPr/>
+            </a:pPr>
+            <a:endParaRPr lang="pt-BR" sz="2000" dirty="0"/>
+          </a:p>
+          <a:p>
+            <a:pPr algn="just" eaLnBrk="1" hangingPunct="1">
+              <a:buFont typeface="Arial" panose="020B0604020202020204" pitchFamily="34" charset="0"/>
+              <a:buChar char="•"/>
+              <a:defRPr/>
+            </a:pPr>
+            <a:endParaRPr lang="pt-BR" sz="2000" dirty="0"/>
+          </a:p>
+        </p:txBody>
+      </p:sp>
+      <p:pic>
+        <p:nvPicPr>
+          <p:cNvPr id="2" name="Imagem 1"/>
+          <p:cNvPicPr>
+            <a:picLocks noChangeAspect="1"/>
+          </p:cNvPicPr>
+          <p:nvPr/>
+        </p:nvPicPr>
+        <p:blipFill>
+          <a:blip r:embed="rId2">
+            <a:extLst>
+              <a:ext uri="{28A0092B-C50C-407E-A947-70E740481C1C}">
+                <a14:useLocalDpi xmlns:a14="http://schemas.microsoft.com/office/drawing/2010/main" val="0"/>
+              </a:ext>
+            </a:extLst>
+          </a:blip>
+          <a:stretch>
+            <a:fillRect/>
+          </a:stretch>
+        </p:blipFill>
+        <p:spPr>
+          <a:xfrm>
+            <a:off x="539552" y="1340768"/>
+            <a:ext cx="7699145" cy="3900299"/>
+          </a:xfrm>
+          <a:prstGeom prst="rect">
+            <a:avLst/>
+          </a:prstGeom>
+        </p:spPr>
+      </p:pic>
+    </p:spTree>
+    <p:extLst>
+      <p:ext uri="{BB962C8B-B14F-4D97-AF65-F5344CB8AC3E}">
+        <p14:creationId xmlns:p14="http://schemas.microsoft.com/office/powerpoint/2010/main" val="3523015254"/>
+      </p:ext>
+    </p:extLst>
+  </p:cSld>
+  <p:clrMapOvr>
+    <a:masterClrMapping/>
+  </p:clrMapOvr>
+  <p:transition spd="med">
+    <p:fade/>
+  </p:transition>
+</p:sld>
+</file>
+
+<file path=ppt/slides/slide36.xml><?xml version="1.0" encoding="utf-8"?>
+<p:sld xmlns:a="http://schemas.openxmlformats.org/drawingml/2006/main" xmlns:r="http://schemas.openxmlformats.org/officeDocument/2006/relationships" xmlns:p="http://schemas.openxmlformats.org/presentationml/2006/main">
+  <p:cSld>
+    <p:spTree>
+      <p:nvGrpSpPr>
+        <p:cNvPr id="1" name=""/>
+        <p:cNvGrpSpPr/>
+        <p:nvPr/>
+      </p:nvGrpSpPr>
+      <p:grpSpPr>
+        <a:xfrm>
+          <a:off x="0" y="0"/>
+          <a:ext cx="0" cy="0"/>
+          <a:chOff x="0" y="0"/>
+          <a:chExt cx="0" cy="0"/>
+        </a:xfrm>
+      </p:grpSpPr>
+      <p:sp>
+        <p:nvSpPr>
+          <p:cNvPr id="4" name="Título 3"/>
+          <p:cNvSpPr>
+            <a:spLocks noGrp="1"/>
+          </p:cNvSpPr>
+          <p:nvPr>
+            <p:ph type="title"/>
+          </p:nvPr>
+        </p:nvSpPr>
+        <p:spPr/>
+        <p:txBody>
+          <a:bodyPr/>
+          <a:lstStyle/>
+          <a:p>
+            <a:pPr eaLnBrk="1" hangingPunct="1">
+              <a:defRPr/>
+            </a:pPr>
+            <a:r>
+              <a:rPr lang="pt-BR" dirty="0"/>
+              <a:t>MODULO </a:t>
+            </a:r>
+            <a:r>
+              <a:rPr lang="pt-BR" dirty="0" smtClean="0"/>
+              <a:t>EMPRESA</a:t>
+            </a:r>
+            <a:endParaRPr lang="pt-BR" dirty="0"/>
+          </a:p>
+        </p:txBody>
+      </p:sp>
+      <p:sp>
+        <p:nvSpPr>
+          <p:cNvPr id="21507" name="Espaço Reservado para Conteúdo 4"/>
+          <p:cNvSpPr>
+            <a:spLocks noGrp="1"/>
+          </p:cNvSpPr>
+          <p:nvPr>
+            <p:ph idx="1"/>
+          </p:nvPr>
+        </p:nvSpPr>
+        <p:spPr bwMode="auto">
+          <a:xfrm>
+            <a:off x="179512" y="1340768"/>
+            <a:ext cx="8785225" cy="5328592"/>
+          </a:xfrm>
+          <a:extLst>
+            <a:ext uri="{909E8E84-426E-40DD-AFC4-6F175D3DCCD1}">
+              <a14:hiddenFill xmlns:a14="http://schemas.microsoft.com/office/drawing/2010/main">
+                <a:solidFill>
+                  <a:srgbClr val="FFFFFF"/>
+                </a:solidFill>
+              </a14:hiddenFill>
+            </a:ext>
+            <a:ext uri="{91240B29-F687-4F45-9708-019B960494DF}">
+              <a14:hiddenLine xmlns:a14="http://schemas.microsoft.com/office/drawing/2010/main" w="9525">
+                <a:solidFill>
+                  <a:srgbClr val="000000"/>
+                </a:solidFill>
+                <a:miter lim="800000"/>
+                <a:headEnd/>
+                <a:tailEnd/>
+              </a14:hiddenLine>
+            </a:ext>
+          </a:extLst>
+        </p:spPr>
+        <p:txBody>
+          <a:bodyPr vert="horz" wrap="square" lIns="91440" tIns="45720" rIns="91440" bIns="45720" numCol="1" anchor="t" anchorCtr="0" compatLnSpc="1">
+            <a:prstTxWarp prst="textNoShape">
+              <a:avLst/>
+            </a:prstTxWarp>
+          </a:bodyPr>
+          <a:lstStyle/>
+          <a:p>
+            <a:pPr marL="0" indent="0" algn="ctr" eaLnBrk="1" hangingPunct="1">
+              <a:buFont typeface="Arial" panose="020B0604020202020204" pitchFamily="34" charset="0"/>
+              <a:buNone/>
+              <a:defRPr/>
+            </a:pPr>
+            <a:endParaRPr lang="pt-BR" sz="2000" dirty="0"/>
+          </a:p>
+          <a:p>
+            <a:pPr algn="just" eaLnBrk="1" hangingPunct="1">
+              <a:buFont typeface="Arial" panose="020B0604020202020204" pitchFamily="34" charset="0"/>
+              <a:buChar char="•"/>
+              <a:defRPr/>
+            </a:pPr>
+            <a:endParaRPr lang="pt-BR" sz="2000" dirty="0"/>
+          </a:p>
+        </p:txBody>
+      </p:sp>
+      <p:pic>
+        <p:nvPicPr>
+          <p:cNvPr id="2" name="Imagem 1"/>
+          <p:cNvPicPr>
+            <a:picLocks noChangeAspect="1"/>
+          </p:cNvPicPr>
+          <p:nvPr/>
+        </p:nvPicPr>
+        <p:blipFill>
+          <a:blip r:embed="rId2">
+            <a:extLst>
+              <a:ext uri="{28A0092B-C50C-407E-A947-70E740481C1C}">
+                <a14:useLocalDpi xmlns:a14="http://schemas.microsoft.com/office/drawing/2010/main" val="0"/>
+              </a:ext>
+            </a:extLst>
+          </a:blip>
+          <a:stretch>
+            <a:fillRect/>
+          </a:stretch>
+        </p:blipFill>
+        <p:spPr>
+          <a:xfrm>
+            <a:off x="395536" y="1363061"/>
+            <a:ext cx="8120446" cy="4119670"/>
+          </a:xfrm>
+          <a:prstGeom prst="rect">
+            <a:avLst/>
+          </a:prstGeom>
+        </p:spPr>
+      </p:pic>
+    </p:spTree>
+    <p:extLst>
+      <p:ext uri="{BB962C8B-B14F-4D97-AF65-F5344CB8AC3E}">
+        <p14:creationId xmlns:p14="http://schemas.microsoft.com/office/powerpoint/2010/main" val="1220430636"/>
+      </p:ext>
+    </p:extLst>
+  </p:cSld>
+  <p:clrMapOvr>
+    <a:masterClrMapping/>
+  </p:clrMapOvr>
+  <p:transition spd="med">
+    <p:fade/>
+  </p:transition>
+</p:sld>
+</file>
+
+<file path=ppt/slides/slide37.xml><?xml version="1.0" encoding="utf-8"?>
+<p:sld xmlns:a="http://schemas.openxmlformats.org/drawingml/2006/main" xmlns:r="http://schemas.openxmlformats.org/officeDocument/2006/relationships" xmlns:p="http://schemas.openxmlformats.org/presentationml/2006/main">
+  <p:cSld>
+    <p:spTree>
+      <p:nvGrpSpPr>
+        <p:cNvPr id="1" name=""/>
+        <p:cNvGrpSpPr/>
+        <p:nvPr/>
+      </p:nvGrpSpPr>
+      <p:grpSpPr>
+        <a:xfrm>
+          <a:off x="0" y="0"/>
+          <a:ext cx="0" cy="0"/>
+          <a:chOff x="0" y="0"/>
+          <a:chExt cx="0" cy="0"/>
+        </a:xfrm>
+      </p:grpSpPr>
+      <p:sp>
+        <p:nvSpPr>
           <p:cNvPr id="7170" name="Rectangle 2"/>
           <p:cNvSpPr>
             <a:spLocks noGrp="1" noChangeArrowheads="1"/>
@@ -7931,7 +8815,7 @@
 </p:sld>
 </file>
 
-<file path=ppt/slides/slide33.xml><?xml version="1.0" encoding="utf-8"?>
+<file path=ppt/slides/slide38.xml><?xml version="1.0" encoding="utf-8"?>
 <p:sld xmlns:a="http://schemas.openxmlformats.org/drawingml/2006/main" xmlns:r="http://schemas.openxmlformats.org/officeDocument/2006/relationships" xmlns:p="http://schemas.openxmlformats.org/presentationml/2006/main">
   <p:cSld>
     <p:spTree>
@@ -8134,7 +9018,7 @@
 </p:sld>
 </file>
 
-<file path=ppt/slides/slide34.xml><?xml version="1.0" encoding="utf-8"?>
+<file path=ppt/slides/slide39.xml><?xml version="1.0" encoding="utf-8"?>
 <p:sld xmlns:a="http://schemas.openxmlformats.org/drawingml/2006/main" xmlns:r="http://schemas.openxmlformats.org/officeDocument/2006/relationships" xmlns:p="http://schemas.openxmlformats.org/presentationml/2006/main">
   <p:cSld>
     <p:spTree>
@@ -8378,7 +9262,120 @@
 </p:sld>
 </file>
 
-<file path=ppt/slides/slide35.xml><?xml version="1.0" encoding="utf-8"?>
+<file path=ppt/slides/slide4.xml><?xml version="1.0" encoding="utf-8"?>
+<p:sld xmlns:a="http://schemas.openxmlformats.org/drawingml/2006/main" xmlns:r="http://schemas.openxmlformats.org/officeDocument/2006/relationships" xmlns:p="http://schemas.openxmlformats.org/presentationml/2006/main">
+  <p:cSld>
+    <p:spTree>
+      <p:nvGrpSpPr>
+        <p:cNvPr id="1" name=""/>
+        <p:cNvGrpSpPr/>
+        <p:nvPr/>
+      </p:nvGrpSpPr>
+      <p:grpSpPr>
+        <a:xfrm>
+          <a:off x="0" y="0"/>
+          <a:ext cx="0" cy="0"/>
+          <a:chOff x="0" y="0"/>
+          <a:chExt cx="0" cy="0"/>
+        </a:xfrm>
+      </p:grpSpPr>
+      <p:sp>
+        <p:nvSpPr>
+          <p:cNvPr id="4" name="Título 3"/>
+          <p:cNvSpPr>
+            <a:spLocks noGrp="1"/>
+          </p:cNvSpPr>
+          <p:nvPr>
+            <p:ph type="title"/>
+          </p:nvPr>
+        </p:nvSpPr>
+        <p:spPr/>
+        <p:txBody>
+          <a:bodyPr/>
+          <a:lstStyle/>
+          <a:p>
+            <a:pPr eaLnBrk="1" hangingPunct="1">
+              <a:defRPr/>
+            </a:pPr>
+            <a:r>
+              <a:rPr lang="pt-BR" dirty="0"/>
+              <a:t>O Sistema</a:t>
+            </a:r>
+          </a:p>
+        </p:txBody>
+      </p:sp>
+      <p:pic>
+        <p:nvPicPr>
+          <p:cNvPr id="11266" name="Diagrama 1">
+            <a:extLst>
+              <a:ext uri="{FF2B5EF4-FFF2-40B4-BE49-F238E27FC236}">
+                <a16:creationId xmlns="" xmlns:a16="http://schemas.microsoft.com/office/drawing/2014/main" id="{4C81840A-E9DF-427C-85B7-BC425FCD88EA}"/>
+              </a:ext>
+            </a:extLst>
+          </p:cNvPr>
+          <p:cNvPicPr>
+            <a:picLocks noChangeArrowheads="1"/>
+          </p:cNvPicPr>
+          <p:nvPr/>
+        </p:nvPicPr>
+        <p:blipFill>
+          <a:blip r:embed="rId2" cstate="print">
+            <a:extLst>
+              <a:ext uri="{28A0092B-C50C-407E-A947-70E740481C1C}">
+                <a14:useLocalDpi xmlns:a14="http://schemas.microsoft.com/office/drawing/2010/main" val="0"/>
+              </a:ext>
+            </a:extLst>
+          </a:blip>
+          <a:srcRect l="-20329" r="-20883"/>
+          <a:stretch>
+            <a:fillRect/>
+          </a:stretch>
+        </p:blipFill>
+        <p:spPr bwMode="auto">
+          <a:xfrm>
+            <a:off x="166688" y="1340768"/>
+            <a:ext cx="8977311" cy="5184576"/>
+          </a:xfrm>
+          <a:prstGeom prst="rect">
+            <a:avLst/>
+          </a:prstGeom>
+          <a:noFill/>
+          <a:ln>
+            <a:noFill/>
+          </a:ln>
+          <a:extLst>
+            <a:ext uri="{909E8E84-426E-40DD-AFC4-6F175D3DCCD1}">
+              <a14:hiddenFill xmlns:a14="http://schemas.microsoft.com/office/drawing/2010/main">
+                <a:solidFill>
+                  <a:srgbClr val="FFFFFF"/>
+                </a:solidFill>
+              </a14:hiddenFill>
+            </a:ext>
+            <a:ext uri="{91240B29-F687-4F45-9708-019B960494DF}">
+              <a14:hiddenLine xmlns:a14="http://schemas.microsoft.com/office/drawing/2010/main" w="9525">
+                <a:solidFill>
+                  <a:srgbClr val="000000"/>
+                </a:solidFill>
+                <a:miter lim="800000"/>
+                <a:headEnd/>
+                <a:tailEnd/>
+              </a14:hiddenLine>
+            </a:ext>
+          </a:extLst>
+        </p:spPr>
+      </p:pic>
+    </p:spTree>
+  </p:cSld>
+  <p:clrMapOvr>
+    <a:masterClrMapping/>
+  </p:clrMapOvr>
+  <p:transition spd="med">
+    <p:fade/>
+  </p:transition>
+</p:sld>
+</file>
+
+<file path=ppt/slides/slide40.xml><?xml version="1.0" encoding="utf-8"?>
 <p:sld xmlns:a="http://schemas.openxmlformats.org/drawingml/2006/main" xmlns:r="http://schemas.openxmlformats.org/officeDocument/2006/relationships" xmlns:p="http://schemas.openxmlformats.org/presentationml/2006/main">
   <p:cSld>
     <p:spTree>
@@ -8622,7 +9619,7 @@
 </p:sld>
 </file>
 
-<file path=ppt/slides/slide36.xml><?xml version="1.0" encoding="utf-8"?>
+<file path=ppt/slides/slide41.xml><?xml version="1.0" encoding="utf-8"?>
 <p:sld xmlns:a="http://schemas.openxmlformats.org/drawingml/2006/main" xmlns:r="http://schemas.openxmlformats.org/officeDocument/2006/relationships" xmlns:p="http://schemas.openxmlformats.org/presentationml/2006/main">
   <p:cSld>
     <p:spTree>
@@ -8866,7 +9863,7 @@
 </p:sld>
 </file>
 
-<file path=ppt/slides/slide37.xml><?xml version="1.0" encoding="utf-8"?>
+<file path=ppt/slides/slide42.xml><?xml version="1.0" encoding="utf-8"?>
 <p:sld xmlns:a="http://schemas.openxmlformats.org/drawingml/2006/main" xmlns:r="http://schemas.openxmlformats.org/officeDocument/2006/relationships" xmlns:p="http://schemas.openxmlformats.org/presentationml/2006/main">
   <p:cSld>
     <p:spTree>
@@ -9110,7 +10107,7 @@
 </p:sld>
 </file>
 
-<file path=ppt/slides/slide38.xml><?xml version="1.0" encoding="utf-8"?>
+<file path=ppt/slides/slide43.xml><?xml version="1.0" encoding="utf-8"?>
 <p:sld xmlns:a="http://schemas.openxmlformats.org/drawingml/2006/main" xmlns:r="http://schemas.openxmlformats.org/officeDocument/2006/relationships" xmlns:p="http://schemas.openxmlformats.org/presentationml/2006/main">
   <p:cSld>
     <p:spTree>
@@ -9354,7 +10351,7 @@
 </p:sld>
 </file>
 
-<file path=ppt/slides/slide39.xml><?xml version="1.0" encoding="utf-8"?>
+<file path=ppt/slides/slide44.xml><?xml version="1.0" encoding="utf-8"?>
 <p:sld xmlns:a="http://schemas.openxmlformats.org/drawingml/2006/main" xmlns:r="http://schemas.openxmlformats.org/officeDocument/2006/relationships" xmlns:p="http://schemas.openxmlformats.org/presentationml/2006/main">
   <p:cSld>
     <p:spTree>
@@ -9429,120 +10426,7 @@
 </p:sld>
 </file>
 
-<file path=ppt/slides/slide4.xml><?xml version="1.0" encoding="utf-8"?>
-<p:sld xmlns:a="http://schemas.openxmlformats.org/drawingml/2006/main" xmlns:r="http://schemas.openxmlformats.org/officeDocument/2006/relationships" xmlns:p="http://schemas.openxmlformats.org/presentationml/2006/main">
-  <p:cSld>
-    <p:spTree>
-      <p:nvGrpSpPr>
-        <p:cNvPr id="1" name=""/>
-        <p:cNvGrpSpPr/>
-        <p:nvPr/>
-      </p:nvGrpSpPr>
-      <p:grpSpPr>
-        <a:xfrm>
-          <a:off x="0" y="0"/>
-          <a:ext cx="0" cy="0"/>
-          <a:chOff x="0" y="0"/>
-          <a:chExt cx="0" cy="0"/>
-        </a:xfrm>
-      </p:grpSpPr>
-      <p:sp>
-        <p:nvSpPr>
-          <p:cNvPr id="4" name="Título 3"/>
-          <p:cNvSpPr>
-            <a:spLocks noGrp="1"/>
-          </p:cNvSpPr>
-          <p:nvPr>
-            <p:ph type="title"/>
-          </p:nvPr>
-        </p:nvSpPr>
-        <p:spPr/>
-        <p:txBody>
-          <a:bodyPr/>
-          <a:lstStyle/>
-          <a:p>
-            <a:pPr eaLnBrk="1" hangingPunct="1">
-              <a:defRPr/>
-            </a:pPr>
-            <a:r>
-              <a:rPr lang="pt-BR" dirty="0"/>
-              <a:t>O Sistema</a:t>
-            </a:r>
-          </a:p>
-        </p:txBody>
-      </p:sp>
-      <p:pic>
-        <p:nvPicPr>
-          <p:cNvPr id="11266" name="Diagrama 1">
-            <a:extLst>
-              <a:ext uri="{FF2B5EF4-FFF2-40B4-BE49-F238E27FC236}">
-                <a16:creationId xmlns:a16="http://schemas.microsoft.com/office/drawing/2014/main" id="{4C81840A-E9DF-427C-85B7-BC425FCD88EA}"/>
-              </a:ext>
-            </a:extLst>
-          </p:cNvPr>
-          <p:cNvPicPr>
-            <a:picLocks noChangeArrowheads="1"/>
-          </p:cNvPicPr>
-          <p:nvPr/>
-        </p:nvPicPr>
-        <p:blipFill>
-          <a:blip r:embed="rId2" cstate="print">
-            <a:extLst>
-              <a:ext uri="{28A0092B-C50C-407E-A947-70E740481C1C}">
-                <a14:useLocalDpi xmlns:a14="http://schemas.microsoft.com/office/drawing/2010/main" val="0"/>
-              </a:ext>
-            </a:extLst>
-          </a:blip>
-          <a:srcRect l="-20329" r="-20883"/>
-          <a:stretch>
-            <a:fillRect/>
-          </a:stretch>
-        </p:blipFill>
-        <p:spPr bwMode="auto">
-          <a:xfrm>
-            <a:off x="166688" y="1340768"/>
-            <a:ext cx="8977311" cy="5184576"/>
-          </a:xfrm>
-          <a:prstGeom prst="rect">
-            <a:avLst/>
-          </a:prstGeom>
-          <a:noFill/>
-          <a:ln>
-            <a:noFill/>
-          </a:ln>
-          <a:extLst>
-            <a:ext uri="{909E8E84-426E-40DD-AFC4-6F175D3DCCD1}">
-              <a14:hiddenFill xmlns:a14="http://schemas.microsoft.com/office/drawing/2010/main">
-                <a:solidFill>
-                  <a:srgbClr val="FFFFFF"/>
-                </a:solidFill>
-              </a14:hiddenFill>
-            </a:ext>
-            <a:ext uri="{91240B29-F687-4F45-9708-019B960494DF}">
-              <a14:hiddenLine xmlns:a14="http://schemas.microsoft.com/office/drawing/2010/main" w="9525">
-                <a:solidFill>
-                  <a:srgbClr val="000000"/>
-                </a:solidFill>
-                <a:miter lim="800000"/>
-                <a:headEnd/>
-                <a:tailEnd/>
-              </a14:hiddenLine>
-            </a:ext>
-          </a:extLst>
-        </p:spPr>
-      </p:pic>
-    </p:spTree>
-  </p:cSld>
-  <p:clrMapOvr>
-    <a:masterClrMapping/>
-  </p:clrMapOvr>
-  <p:transition spd="med">
-    <p:fade/>
-  </p:transition>
-</p:sld>
-</file>
-
-<file path=ppt/slides/slide40.xml><?xml version="1.0" encoding="utf-8"?>
+<file path=ppt/slides/slide45.xml><?xml version="1.0" encoding="utf-8"?>
 <p:sld xmlns:a="http://schemas.openxmlformats.org/drawingml/2006/main" xmlns:r="http://schemas.openxmlformats.org/officeDocument/2006/relationships" xmlns:p="http://schemas.openxmlformats.org/presentationml/2006/main">
   <p:cSld>
     <p:spTree>
@@ -9664,7 +10548,7 @@
           <p:cNvPr id="13314" name="Picture 2" descr="Arquitetura do Sistema v2">
             <a:extLst>
               <a:ext uri="{FF2B5EF4-FFF2-40B4-BE49-F238E27FC236}">
-                <a16:creationId xmlns:a16="http://schemas.microsoft.com/office/drawing/2014/main" id="{EA7FDE5E-A5FA-4E94-8B57-8FB50D8A51A9}"/>
+                <a16:creationId xmlns="" xmlns:a16="http://schemas.microsoft.com/office/drawing/2014/main" id="{EA7FDE5E-A5FA-4E94-8B57-8FB50D8A51A9}"/>
               </a:ext>
             </a:extLst>
           </p:cNvPr>
@@ -10513,7 +11397,7 @@
           <p:cNvPr id="2050" name="Picture 2" descr="Realizar Atendimento do Paciente">
             <a:extLst>
               <a:ext uri="{FF2B5EF4-FFF2-40B4-BE49-F238E27FC236}">
-                <a16:creationId xmlns:a16="http://schemas.microsoft.com/office/drawing/2014/main" id="{382A9180-B432-418B-9317-1CB76F230FC8}"/>
+                <a16:creationId xmlns="" xmlns:a16="http://schemas.microsoft.com/office/drawing/2014/main" id="{382A9180-B432-418B-9317-1CB76F230FC8}"/>
               </a:ext>
             </a:extLst>
           </p:cNvPr>
@@ -10626,7 +11510,7 @@
           <p:cNvPr id="3074" name="Picture 2">
             <a:extLst>
               <a:ext uri="{FF2B5EF4-FFF2-40B4-BE49-F238E27FC236}">
-                <a16:creationId xmlns:a16="http://schemas.microsoft.com/office/drawing/2014/main" id="{8E1DF024-FFFB-4CD4-9A0E-7DFABA40FF83}"/>
+                <a16:creationId xmlns="" xmlns:a16="http://schemas.microsoft.com/office/drawing/2014/main" id="{8E1DF024-FFFB-4CD4-9A0E-7DFABA40FF83}"/>
               </a:ext>
             </a:extLst>
           </p:cNvPr>

--- a/TCC/3º Encontro/2017-Apresentacao Psystem.pptx
+++ b/TCC/3º Encontro/2017-Apresentacao Psystem.pptx
@@ -5,7 +5,7 @@
     <p:sldMasterId id="2147483750" r:id="rId1"/>
   </p:sldMasterIdLst>
   <p:notesMasterIdLst>
-    <p:notesMasterId r:id="rId47"/>
+    <p:notesMasterId r:id="rId46"/>
   </p:notesMasterIdLst>
   <p:sldIdLst>
     <p:sldId id="256" r:id="rId2"/>
@@ -13,46 +13,45 @@
     <p:sldId id="271" r:id="rId4"/>
     <p:sldId id="272" r:id="rId5"/>
     <p:sldId id="273" r:id="rId6"/>
-    <p:sldId id="278" r:id="rId7"/>
-    <p:sldId id="274" r:id="rId8"/>
-    <p:sldId id="276" r:id="rId9"/>
-    <p:sldId id="277" r:id="rId10"/>
-    <p:sldId id="281" r:id="rId11"/>
-    <p:sldId id="283" r:id="rId12"/>
-    <p:sldId id="284" r:id="rId13"/>
-    <p:sldId id="285" r:id="rId14"/>
-    <p:sldId id="282" r:id="rId15"/>
-    <p:sldId id="286" r:id="rId16"/>
-    <p:sldId id="287" r:id="rId17"/>
-    <p:sldId id="288" r:id="rId18"/>
-    <p:sldId id="292" r:id="rId19"/>
-    <p:sldId id="293" r:id="rId20"/>
-    <p:sldId id="294" r:id="rId21"/>
-    <p:sldId id="295" r:id="rId22"/>
-    <p:sldId id="296" r:id="rId23"/>
-    <p:sldId id="297" r:id="rId24"/>
-    <p:sldId id="298" r:id="rId25"/>
-    <p:sldId id="289" r:id="rId26"/>
-    <p:sldId id="307" r:id="rId27"/>
-    <p:sldId id="308" r:id="rId28"/>
-    <p:sldId id="311" r:id="rId29"/>
-    <p:sldId id="309" r:id="rId30"/>
-    <p:sldId id="310" r:id="rId31"/>
-    <p:sldId id="290" r:id="rId32"/>
-    <p:sldId id="312" r:id="rId33"/>
-    <p:sldId id="314" r:id="rId34"/>
-    <p:sldId id="316" r:id="rId35"/>
-    <p:sldId id="315" r:id="rId36"/>
-    <p:sldId id="317" r:id="rId37"/>
-    <p:sldId id="291" r:id="rId38"/>
-    <p:sldId id="299" r:id="rId39"/>
-    <p:sldId id="300" r:id="rId40"/>
-    <p:sldId id="301" r:id="rId41"/>
-    <p:sldId id="302" r:id="rId42"/>
-    <p:sldId id="303" r:id="rId43"/>
-    <p:sldId id="304" r:id="rId44"/>
-    <p:sldId id="279" r:id="rId45"/>
-    <p:sldId id="280" r:id="rId46"/>
+    <p:sldId id="288" r:id="rId7"/>
+    <p:sldId id="292" r:id="rId8"/>
+    <p:sldId id="293" r:id="rId9"/>
+    <p:sldId id="294" r:id="rId10"/>
+    <p:sldId id="295" r:id="rId11"/>
+    <p:sldId id="296" r:id="rId12"/>
+    <p:sldId id="297" r:id="rId13"/>
+    <p:sldId id="298" r:id="rId14"/>
+    <p:sldId id="289" r:id="rId15"/>
+    <p:sldId id="307" r:id="rId16"/>
+    <p:sldId id="308" r:id="rId17"/>
+    <p:sldId id="311" r:id="rId18"/>
+    <p:sldId id="309" r:id="rId19"/>
+    <p:sldId id="310" r:id="rId20"/>
+    <p:sldId id="290" r:id="rId21"/>
+    <p:sldId id="312" r:id="rId22"/>
+    <p:sldId id="314" r:id="rId23"/>
+    <p:sldId id="316" r:id="rId24"/>
+    <p:sldId id="315" r:id="rId25"/>
+    <p:sldId id="317" r:id="rId26"/>
+    <p:sldId id="291" r:id="rId27"/>
+    <p:sldId id="299" r:id="rId28"/>
+    <p:sldId id="300" r:id="rId29"/>
+    <p:sldId id="301" r:id="rId30"/>
+    <p:sldId id="302" r:id="rId31"/>
+    <p:sldId id="303" r:id="rId32"/>
+    <p:sldId id="304" r:id="rId33"/>
+    <p:sldId id="278" r:id="rId34"/>
+    <p:sldId id="276" r:id="rId35"/>
+    <p:sldId id="277" r:id="rId36"/>
+    <p:sldId id="281" r:id="rId37"/>
+    <p:sldId id="283" r:id="rId38"/>
+    <p:sldId id="284" r:id="rId39"/>
+    <p:sldId id="285" r:id="rId40"/>
+    <p:sldId id="282" r:id="rId41"/>
+    <p:sldId id="286" r:id="rId42"/>
+    <p:sldId id="287" r:id="rId43"/>
+    <p:sldId id="279" r:id="rId44"/>
+    <p:sldId id="280" r:id="rId45"/>
   </p:sldIdLst>
   <p:sldSz cx="9144000" cy="6858000" type="screen4x3"/>
   <p:notesSz cx="6858000" cy="9144000"/>
@@ -286,7 +285,7 @@
           <a:p>
             <a:fld id="{C0D5B206-56B5-433E-8333-9415E6A460B9}" type="datetimeFigureOut">
               <a:rPr lang="pt-BR" smtClean="0"/>
-              <a:t>12/08/2017</a:t>
+              <a:t>15/08/2017</a:t>
             </a:fld>
             <a:endParaRPr lang="pt-BR"/>
           </a:p>
@@ -444,7 +443,7 @@
           <a:p>
             <a:fld id="{876E4F93-E697-4509-B43E-25456566412B}" type="slidenum">
               <a:rPr lang="pt-BR" smtClean="0"/>
-              <a:t>‹nº›</a:t>
+              <a:t>‹#›</a:t>
             </a:fld>
             <a:endParaRPr lang="pt-BR"/>
           </a:p>
@@ -1147,7 +1146,7 @@
                 <a:latin typeface="Verdana" pitchFamily="34" charset="0"/>
               </a:rPr>
               <a:pPr eaLnBrk="1" hangingPunct="1"/>
-              <a:t>‹nº›</a:t>
+              <a:t>‹#›</a:t>
             </a:fld>
             <a:endParaRPr lang="pt-BR" sz="1400" b="1">
               <a:solidFill>
@@ -3058,2230 +3057,6 @@
       </p:grpSpPr>
       <p:sp>
         <p:nvSpPr>
-          <p:cNvPr id="4" name="Título 3"/>
-          <p:cNvSpPr>
-            <a:spLocks noGrp="1"/>
-          </p:cNvSpPr>
-          <p:nvPr>
-            <p:ph type="title"/>
-          </p:nvPr>
-        </p:nvSpPr>
-        <p:spPr/>
-        <p:txBody>
-          <a:bodyPr/>
-          <a:lstStyle/>
-          <a:p>
-            <a:pPr eaLnBrk="1" hangingPunct="1">
-              <a:defRPr/>
-            </a:pPr>
-            <a:r>
-              <a:rPr lang="pt-BR" dirty="0"/>
-              <a:t>MODULO PACIENTE</a:t>
-            </a:r>
-          </a:p>
-        </p:txBody>
-      </p:sp>
-      <p:pic>
-        <p:nvPicPr>
-          <p:cNvPr id="4098" name="Picture 2">
-            <a:extLst>
-              <a:ext uri="{FF2B5EF4-FFF2-40B4-BE49-F238E27FC236}">
-                <a16:creationId xmlns="" xmlns:a16="http://schemas.microsoft.com/office/drawing/2014/main" id="{E78D3342-3CB1-4010-9B6B-88EB7ABCFE33}"/>
-              </a:ext>
-            </a:extLst>
-          </p:cNvPr>
-          <p:cNvPicPr>
-            <a:picLocks noChangeAspect="1" noChangeArrowheads="1"/>
-          </p:cNvPicPr>
-          <p:nvPr/>
-        </p:nvPicPr>
-        <p:blipFill>
-          <a:blip r:embed="rId2" cstate="print">
-            <a:extLst>
-              <a:ext uri="{28A0092B-C50C-407E-A947-70E740481C1C}">
-                <a14:useLocalDpi xmlns:a14="http://schemas.microsoft.com/office/drawing/2010/main" val="0"/>
-              </a:ext>
-            </a:extLst>
-          </a:blip>
-          <a:srcRect/>
-          <a:stretch>
-            <a:fillRect/>
-          </a:stretch>
-        </p:blipFill>
-        <p:spPr bwMode="auto">
-          <a:xfrm>
-            <a:off x="166688" y="1288690"/>
-            <a:ext cx="8808878" cy="5308662"/>
-          </a:xfrm>
-          <a:prstGeom prst="rect">
-            <a:avLst/>
-          </a:prstGeom>
-          <a:noFill/>
-          <a:ln>
-            <a:noFill/>
-          </a:ln>
-          <a:extLst>
-            <a:ext uri="{909E8E84-426E-40DD-AFC4-6F175D3DCCD1}">
-              <a14:hiddenFill xmlns:a14="http://schemas.microsoft.com/office/drawing/2010/main">
-                <a:solidFill>
-                  <a:srgbClr val="FFFFFF"/>
-                </a:solidFill>
-              </a14:hiddenFill>
-            </a:ext>
-            <a:ext uri="{91240B29-F687-4F45-9708-019B960494DF}">
-              <a14:hiddenLine xmlns:a14="http://schemas.microsoft.com/office/drawing/2010/main" w="9525">
-                <a:solidFill>
-                  <a:srgbClr val="000000"/>
-                </a:solidFill>
-                <a:miter lim="800000"/>
-                <a:headEnd/>
-                <a:tailEnd/>
-              </a14:hiddenLine>
-            </a:ext>
-          </a:extLst>
-        </p:spPr>
-      </p:pic>
-    </p:spTree>
-    <p:extLst>
-      <p:ext uri="{BB962C8B-B14F-4D97-AF65-F5344CB8AC3E}">
-        <p14:creationId xmlns:p14="http://schemas.microsoft.com/office/powerpoint/2010/main" val="1781569390"/>
-      </p:ext>
-    </p:extLst>
-  </p:cSld>
-  <p:clrMapOvr>
-    <a:masterClrMapping/>
-  </p:clrMapOvr>
-  <p:transition spd="med">
-    <p:fade/>
-  </p:transition>
-</p:sld>
-</file>
-
-<file path=ppt/slides/slide11.xml><?xml version="1.0" encoding="utf-8"?>
-<p:sld xmlns:a="http://schemas.openxmlformats.org/drawingml/2006/main" xmlns:r="http://schemas.openxmlformats.org/officeDocument/2006/relationships" xmlns:p="http://schemas.openxmlformats.org/presentationml/2006/main">
-  <p:cSld>
-    <p:spTree>
-      <p:nvGrpSpPr>
-        <p:cNvPr id="1" name=""/>
-        <p:cNvGrpSpPr/>
-        <p:nvPr/>
-      </p:nvGrpSpPr>
-      <p:grpSpPr>
-        <a:xfrm>
-          <a:off x="0" y="0"/>
-          <a:ext cx="0" cy="0"/>
-          <a:chOff x="0" y="0"/>
-          <a:chExt cx="0" cy="0"/>
-        </a:xfrm>
-      </p:grpSpPr>
-      <p:sp>
-        <p:nvSpPr>
-          <p:cNvPr id="4" name="Título 3"/>
-          <p:cNvSpPr>
-            <a:spLocks noGrp="1"/>
-          </p:cNvSpPr>
-          <p:nvPr>
-            <p:ph type="title"/>
-          </p:nvPr>
-        </p:nvSpPr>
-        <p:spPr/>
-        <p:txBody>
-          <a:bodyPr/>
-          <a:lstStyle/>
-          <a:p>
-            <a:pPr eaLnBrk="1" hangingPunct="1">
-              <a:defRPr/>
-            </a:pPr>
-            <a:r>
-              <a:rPr lang="pt-BR" dirty="0"/>
-              <a:t>MODULO PACIENTE</a:t>
-            </a:r>
-          </a:p>
-        </p:txBody>
-      </p:sp>
-      <p:pic>
-        <p:nvPicPr>
-          <p:cNvPr id="6146" name="Picture 2">
-            <a:extLst>
-              <a:ext uri="{FF2B5EF4-FFF2-40B4-BE49-F238E27FC236}">
-                <a16:creationId xmlns="" xmlns:a16="http://schemas.microsoft.com/office/drawing/2014/main" id="{556A2F80-2684-47F2-8981-F7DE44CA7C80}"/>
-              </a:ext>
-            </a:extLst>
-          </p:cNvPr>
-          <p:cNvPicPr>
-            <a:picLocks noChangeAspect="1" noChangeArrowheads="1"/>
-          </p:cNvPicPr>
-          <p:nvPr/>
-        </p:nvPicPr>
-        <p:blipFill>
-          <a:blip r:embed="rId2" cstate="print">
-            <a:extLst>
-              <a:ext uri="{28A0092B-C50C-407E-A947-70E740481C1C}">
-                <a14:useLocalDpi xmlns:a14="http://schemas.microsoft.com/office/drawing/2010/main" val="0"/>
-              </a:ext>
-            </a:extLst>
-          </a:blip>
-          <a:srcRect/>
-          <a:stretch>
-            <a:fillRect/>
-          </a:stretch>
-        </p:blipFill>
-        <p:spPr bwMode="auto">
-          <a:xfrm>
-            <a:off x="1684337" y="1340768"/>
-            <a:ext cx="6200031" cy="5441680"/>
-          </a:xfrm>
-          <a:prstGeom prst="rect">
-            <a:avLst/>
-          </a:prstGeom>
-          <a:noFill/>
-          <a:ln>
-            <a:noFill/>
-          </a:ln>
-          <a:extLst>
-            <a:ext uri="{909E8E84-426E-40DD-AFC4-6F175D3DCCD1}">
-              <a14:hiddenFill xmlns:a14="http://schemas.microsoft.com/office/drawing/2010/main">
-                <a:solidFill>
-                  <a:srgbClr val="FFFFFF"/>
-                </a:solidFill>
-              </a14:hiddenFill>
-            </a:ext>
-            <a:ext uri="{91240B29-F687-4F45-9708-019B960494DF}">
-              <a14:hiddenLine xmlns:a14="http://schemas.microsoft.com/office/drawing/2010/main" w="9525">
-                <a:solidFill>
-                  <a:srgbClr val="000000"/>
-                </a:solidFill>
-                <a:miter lim="800000"/>
-                <a:headEnd/>
-                <a:tailEnd/>
-              </a14:hiddenLine>
-            </a:ext>
-          </a:extLst>
-        </p:spPr>
-      </p:pic>
-    </p:spTree>
-    <p:extLst>
-      <p:ext uri="{BB962C8B-B14F-4D97-AF65-F5344CB8AC3E}">
-        <p14:creationId xmlns:p14="http://schemas.microsoft.com/office/powerpoint/2010/main" val="2106631967"/>
-      </p:ext>
-    </p:extLst>
-  </p:cSld>
-  <p:clrMapOvr>
-    <a:masterClrMapping/>
-  </p:clrMapOvr>
-  <p:transition spd="med">
-    <p:fade/>
-  </p:transition>
-</p:sld>
-</file>
-
-<file path=ppt/slides/slide12.xml><?xml version="1.0" encoding="utf-8"?>
-<p:sld xmlns:a="http://schemas.openxmlformats.org/drawingml/2006/main" xmlns:r="http://schemas.openxmlformats.org/officeDocument/2006/relationships" xmlns:p="http://schemas.openxmlformats.org/presentationml/2006/main">
-  <p:cSld>
-    <p:spTree>
-      <p:nvGrpSpPr>
-        <p:cNvPr id="1" name=""/>
-        <p:cNvGrpSpPr/>
-        <p:nvPr/>
-      </p:nvGrpSpPr>
-      <p:grpSpPr>
-        <a:xfrm>
-          <a:off x="0" y="0"/>
-          <a:ext cx="0" cy="0"/>
-          <a:chOff x="0" y="0"/>
-          <a:chExt cx="0" cy="0"/>
-        </a:xfrm>
-      </p:grpSpPr>
-      <p:sp>
-        <p:nvSpPr>
-          <p:cNvPr id="4" name="Título 3"/>
-          <p:cNvSpPr>
-            <a:spLocks noGrp="1"/>
-          </p:cNvSpPr>
-          <p:nvPr>
-            <p:ph type="title"/>
-          </p:nvPr>
-        </p:nvSpPr>
-        <p:spPr/>
-        <p:txBody>
-          <a:bodyPr/>
-          <a:lstStyle/>
-          <a:p>
-            <a:pPr eaLnBrk="1" hangingPunct="1">
-              <a:defRPr/>
-            </a:pPr>
-            <a:r>
-              <a:rPr lang="pt-BR" dirty="0"/>
-              <a:t>MODULO PACIENTE</a:t>
-            </a:r>
-          </a:p>
-        </p:txBody>
-      </p:sp>
-      <p:pic>
-        <p:nvPicPr>
-          <p:cNvPr id="7170" name="Picture 2">
-            <a:extLst>
-              <a:ext uri="{FF2B5EF4-FFF2-40B4-BE49-F238E27FC236}">
-                <a16:creationId xmlns="" xmlns:a16="http://schemas.microsoft.com/office/drawing/2014/main" id="{6275A695-A03A-49D0-973C-4396A7F4314A}"/>
-              </a:ext>
-            </a:extLst>
-          </p:cNvPr>
-          <p:cNvPicPr>
-            <a:picLocks noChangeAspect="1" noChangeArrowheads="1"/>
-          </p:cNvPicPr>
-          <p:nvPr/>
-        </p:nvPicPr>
-        <p:blipFill>
-          <a:blip r:embed="rId2" cstate="print">
-            <a:extLst>
-              <a:ext uri="{28A0092B-C50C-407E-A947-70E740481C1C}">
-                <a14:useLocalDpi xmlns:a14="http://schemas.microsoft.com/office/drawing/2010/main" val="0"/>
-              </a:ext>
-            </a:extLst>
-          </a:blip>
-          <a:srcRect/>
-          <a:stretch>
-            <a:fillRect/>
-          </a:stretch>
-        </p:blipFill>
-        <p:spPr bwMode="auto">
-          <a:xfrm>
-            <a:off x="617975" y="1340768"/>
-            <a:ext cx="7770449" cy="5117260"/>
-          </a:xfrm>
-          <a:prstGeom prst="rect">
-            <a:avLst/>
-          </a:prstGeom>
-          <a:noFill/>
-          <a:ln>
-            <a:noFill/>
-          </a:ln>
-          <a:extLst>
-            <a:ext uri="{909E8E84-426E-40DD-AFC4-6F175D3DCCD1}">
-              <a14:hiddenFill xmlns:a14="http://schemas.microsoft.com/office/drawing/2010/main">
-                <a:solidFill>
-                  <a:srgbClr val="FFFFFF"/>
-                </a:solidFill>
-              </a14:hiddenFill>
-            </a:ext>
-            <a:ext uri="{91240B29-F687-4F45-9708-019B960494DF}">
-              <a14:hiddenLine xmlns:a14="http://schemas.microsoft.com/office/drawing/2010/main" w="9525">
-                <a:solidFill>
-                  <a:srgbClr val="000000"/>
-                </a:solidFill>
-                <a:miter lim="800000"/>
-                <a:headEnd/>
-                <a:tailEnd/>
-              </a14:hiddenLine>
-            </a:ext>
-          </a:extLst>
-        </p:spPr>
-      </p:pic>
-    </p:spTree>
-    <p:extLst>
-      <p:ext uri="{BB962C8B-B14F-4D97-AF65-F5344CB8AC3E}">
-        <p14:creationId xmlns:p14="http://schemas.microsoft.com/office/powerpoint/2010/main" val="3902333468"/>
-      </p:ext>
-    </p:extLst>
-  </p:cSld>
-  <p:clrMapOvr>
-    <a:masterClrMapping/>
-  </p:clrMapOvr>
-  <p:transition spd="med">
-    <p:fade/>
-  </p:transition>
-</p:sld>
-</file>
-
-<file path=ppt/slides/slide13.xml><?xml version="1.0" encoding="utf-8"?>
-<p:sld xmlns:a="http://schemas.openxmlformats.org/drawingml/2006/main" xmlns:r="http://schemas.openxmlformats.org/officeDocument/2006/relationships" xmlns:p="http://schemas.openxmlformats.org/presentationml/2006/main">
-  <p:cSld>
-    <p:spTree>
-      <p:nvGrpSpPr>
-        <p:cNvPr id="1" name=""/>
-        <p:cNvGrpSpPr/>
-        <p:nvPr/>
-      </p:nvGrpSpPr>
-      <p:grpSpPr>
-        <a:xfrm>
-          <a:off x="0" y="0"/>
-          <a:ext cx="0" cy="0"/>
-          <a:chOff x="0" y="0"/>
-          <a:chExt cx="0" cy="0"/>
-        </a:xfrm>
-      </p:grpSpPr>
-      <p:sp>
-        <p:nvSpPr>
-          <p:cNvPr id="4" name="Título 3"/>
-          <p:cNvSpPr>
-            <a:spLocks noGrp="1"/>
-          </p:cNvSpPr>
-          <p:nvPr>
-            <p:ph type="title"/>
-          </p:nvPr>
-        </p:nvSpPr>
-        <p:spPr/>
-        <p:txBody>
-          <a:bodyPr/>
-          <a:lstStyle/>
-          <a:p>
-            <a:pPr eaLnBrk="1" hangingPunct="1">
-              <a:defRPr/>
-            </a:pPr>
-            <a:r>
-              <a:rPr lang="pt-BR" dirty="0"/>
-              <a:t>MODULO PACIENTE</a:t>
-            </a:r>
-          </a:p>
-        </p:txBody>
-      </p:sp>
-      <p:pic>
-        <p:nvPicPr>
-          <p:cNvPr id="8194" name="Picture 2">
-            <a:extLst>
-              <a:ext uri="{FF2B5EF4-FFF2-40B4-BE49-F238E27FC236}">
-                <a16:creationId xmlns="" xmlns:a16="http://schemas.microsoft.com/office/drawing/2014/main" id="{BE3038CC-B9FD-49DA-BE5E-677673705C62}"/>
-              </a:ext>
-            </a:extLst>
-          </p:cNvPr>
-          <p:cNvPicPr>
-            <a:picLocks noChangeAspect="1" noChangeArrowheads="1"/>
-          </p:cNvPicPr>
-          <p:nvPr/>
-        </p:nvPicPr>
-        <p:blipFill>
-          <a:blip r:embed="rId2" cstate="print">
-            <a:extLst>
-              <a:ext uri="{28A0092B-C50C-407E-A947-70E740481C1C}">
-                <a14:useLocalDpi xmlns:a14="http://schemas.microsoft.com/office/drawing/2010/main" val="0"/>
-              </a:ext>
-            </a:extLst>
-          </a:blip>
-          <a:srcRect/>
-          <a:stretch>
-            <a:fillRect/>
-          </a:stretch>
-        </p:blipFill>
-        <p:spPr bwMode="auto">
-          <a:xfrm>
-            <a:off x="611560" y="1412776"/>
-            <a:ext cx="7810667" cy="4248472"/>
-          </a:xfrm>
-          <a:prstGeom prst="rect">
-            <a:avLst/>
-          </a:prstGeom>
-          <a:noFill/>
-          <a:ln>
-            <a:noFill/>
-          </a:ln>
-          <a:extLst>
-            <a:ext uri="{909E8E84-426E-40DD-AFC4-6F175D3DCCD1}">
-              <a14:hiddenFill xmlns:a14="http://schemas.microsoft.com/office/drawing/2010/main">
-                <a:solidFill>
-                  <a:srgbClr val="FFFFFF"/>
-                </a:solidFill>
-              </a14:hiddenFill>
-            </a:ext>
-            <a:ext uri="{91240B29-F687-4F45-9708-019B960494DF}">
-              <a14:hiddenLine xmlns:a14="http://schemas.microsoft.com/office/drawing/2010/main" w="9525">
-                <a:solidFill>
-                  <a:srgbClr val="000000"/>
-                </a:solidFill>
-                <a:miter lim="800000"/>
-                <a:headEnd/>
-                <a:tailEnd/>
-              </a14:hiddenLine>
-            </a:ext>
-          </a:extLst>
-        </p:spPr>
-      </p:pic>
-    </p:spTree>
-    <p:extLst>
-      <p:ext uri="{BB962C8B-B14F-4D97-AF65-F5344CB8AC3E}">
-        <p14:creationId xmlns:p14="http://schemas.microsoft.com/office/powerpoint/2010/main" val="2672192145"/>
-      </p:ext>
-    </p:extLst>
-  </p:cSld>
-  <p:clrMapOvr>
-    <a:masterClrMapping/>
-  </p:clrMapOvr>
-  <p:transition spd="med">
-    <p:fade/>
-  </p:transition>
-</p:sld>
-</file>
-
-<file path=ppt/slides/slide14.xml><?xml version="1.0" encoding="utf-8"?>
-<p:sld xmlns:a="http://schemas.openxmlformats.org/drawingml/2006/main" xmlns:r="http://schemas.openxmlformats.org/officeDocument/2006/relationships" xmlns:p="http://schemas.openxmlformats.org/presentationml/2006/main">
-  <p:cSld>
-    <p:spTree>
-      <p:nvGrpSpPr>
-        <p:cNvPr id="1" name=""/>
-        <p:cNvGrpSpPr/>
-        <p:nvPr/>
-      </p:nvGrpSpPr>
-      <p:grpSpPr>
-        <a:xfrm>
-          <a:off x="0" y="0"/>
-          <a:ext cx="0" cy="0"/>
-          <a:chOff x="0" y="0"/>
-          <a:chExt cx="0" cy="0"/>
-        </a:xfrm>
-      </p:grpSpPr>
-      <p:sp>
-        <p:nvSpPr>
-          <p:cNvPr id="4" name="Título 3"/>
-          <p:cNvSpPr>
-            <a:spLocks noGrp="1"/>
-          </p:cNvSpPr>
-          <p:nvPr>
-            <p:ph type="title"/>
-          </p:nvPr>
-        </p:nvSpPr>
-        <p:spPr/>
-        <p:txBody>
-          <a:bodyPr/>
-          <a:lstStyle/>
-          <a:p>
-            <a:pPr eaLnBrk="1" hangingPunct="1">
-              <a:defRPr/>
-            </a:pPr>
-            <a:r>
-              <a:rPr lang="pt-BR" dirty="0"/>
-              <a:t>MODULO PACIENTE</a:t>
-            </a:r>
-          </a:p>
-        </p:txBody>
-      </p:sp>
-      <p:pic>
-        <p:nvPicPr>
-          <p:cNvPr id="5123" name="Picture 3">
-            <a:extLst>
-              <a:ext uri="{FF2B5EF4-FFF2-40B4-BE49-F238E27FC236}">
-                <a16:creationId xmlns="" xmlns:a16="http://schemas.microsoft.com/office/drawing/2014/main" id="{7C997CB2-E61A-4434-B314-03D59FE8A94D}"/>
-              </a:ext>
-            </a:extLst>
-          </p:cNvPr>
-          <p:cNvPicPr>
-            <a:picLocks noChangeAspect="1" noChangeArrowheads="1"/>
-          </p:cNvPicPr>
-          <p:nvPr/>
-        </p:nvPicPr>
-        <p:blipFill>
-          <a:blip r:embed="rId2" cstate="print">
-            <a:extLst>
-              <a:ext uri="{28A0092B-C50C-407E-A947-70E740481C1C}">
-                <a14:useLocalDpi xmlns:a14="http://schemas.microsoft.com/office/drawing/2010/main" val="0"/>
-              </a:ext>
-            </a:extLst>
-          </a:blip>
-          <a:srcRect/>
-          <a:stretch>
-            <a:fillRect/>
-          </a:stretch>
-        </p:blipFill>
-        <p:spPr bwMode="auto">
-          <a:xfrm>
-            <a:off x="818059" y="1340768"/>
-            <a:ext cx="7495182" cy="5364320"/>
-          </a:xfrm>
-          <a:prstGeom prst="rect">
-            <a:avLst/>
-          </a:prstGeom>
-          <a:noFill/>
-          <a:ln>
-            <a:noFill/>
-          </a:ln>
-          <a:extLst>
-            <a:ext uri="{909E8E84-426E-40DD-AFC4-6F175D3DCCD1}">
-              <a14:hiddenFill xmlns:a14="http://schemas.microsoft.com/office/drawing/2010/main">
-                <a:solidFill>
-                  <a:srgbClr val="FFFFFF"/>
-                </a:solidFill>
-              </a14:hiddenFill>
-            </a:ext>
-            <a:ext uri="{91240B29-F687-4F45-9708-019B960494DF}">
-              <a14:hiddenLine xmlns:a14="http://schemas.microsoft.com/office/drawing/2010/main" w="9525">
-                <a:solidFill>
-                  <a:srgbClr val="000000"/>
-                </a:solidFill>
-                <a:miter lim="800000"/>
-                <a:headEnd/>
-                <a:tailEnd/>
-              </a14:hiddenLine>
-            </a:ext>
-          </a:extLst>
-        </p:spPr>
-      </p:pic>
-    </p:spTree>
-    <p:extLst>
-      <p:ext uri="{BB962C8B-B14F-4D97-AF65-F5344CB8AC3E}">
-        <p14:creationId xmlns:p14="http://schemas.microsoft.com/office/powerpoint/2010/main" val="395963370"/>
-      </p:ext>
-    </p:extLst>
-  </p:cSld>
-  <p:clrMapOvr>
-    <a:masterClrMapping/>
-  </p:clrMapOvr>
-  <p:transition spd="med">
-    <p:fade/>
-  </p:transition>
-</p:sld>
-</file>
-
-<file path=ppt/slides/slide15.xml><?xml version="1.0" encoding="utf-8"?>
-<p:sld xmlns:a="http://schemas.openxmlformats.org/drawingml/2006/main" xmlns:r="http://schemas.openxmlformats.org/officeDocument/2006/relationships" xmlns:p="http://schemas.openxmlformats.org/presentationml/2006/main">
-  <p:cSld>
-    <p:spTree>
-      <p:nvGrpSpPr>
-        <p:cNvPr id="1" name=""/>
-        <p:cNvGrpSpPr/>
-        <p:nvPr/>
-      </p:nvGrpSpPr>
-      <p:grpSpPr>
-        <a:xfrm>
-          <a:off x="0" y="0"/>
-          <a:ext cx="0" cy="0"/>
-          <a:chOff x="0" y="0"/>
-          <a:chExt cx="0" cy="0"/>
-        </a:xfrm>
-      </p:grpSpPr>
-      <p:sp>
-        <p:nvSpPr>
-          <p:cNvPr id="4" name="Título 3"/>
-          <p:cNvSpPr>
-            <a:spLocks noGrp="1"/>
-          </p:cNvSpPr>
-          <p:nvPr>
-            <p:ph type="title"/>
-          </p:nvPr>
-        </p:nvSpPr>
-        <p:spPr/>
-        <p:txBody>
-          <a:bodyPr/>
-          <a:lstStyle/>
-          <a:p>
-            <a:pPr eaLnBrk="1" hangingPunct="1">
-              <a:defRPr/>
-            </a:pPr>
-            <a:r>
-              <a:rPr lang="pt-BR" dirty="0"/>
-              <a:t>MODULO PACIENTE</a:t>
-            </a:r>
-          </a:p>
-        </p:txBody>
-      </p:sp>
-      <p:pic>
-        <p:nvPicPr>
-          <p:cNvPr id="9218" name="Picture 2">
-            <a:extLst>
-              <a:ext uri="{FF2B5EF4-FFF2-40B4-BE49-F238E27FC236}">
-                <a16:creationId xmlns="" xmlns:a16="http://schemas.microsoft.com/office/drawing/2014/main" id="{A17F7154-A810-45FB-BD82-9A98CA259559}"/>
-              </a:ext>
-            </a:extLst>
-          </p:cNvPr>
-          <p:cNvPicPr>
-            <a:picLocks noChangeAspect="1" noChangeArrowheads="1"/>
-          </p:cNvPicPr>
-          <p:nvPr/>
-        </p:nvPicPr>
-        <p:blipFill>
-          <a:blip r:embed="rId2" cstate="print">
-            <a:extLst>
-              <a:ext uri="{28A0092B-C50C-407E-A947-70E740481C1C}">
-                <a14:useLocalDpi xmlns:a14="http://schemas.microsoft.com/office/drawing/2010/main" val="0"/>
-              </a:ext>
-            </a:extLst>
-          </a:blip>
-          <a:srcRect/>
-          <a:stretch>
-            <a:fillRect/>
-          </a:stretch>
-        </p:blipFill>
-        <p:spPr bwMode="auto">
-          <a:xfrm>
-            <a:off x="971600" y="1340768"/>
-            <a:ext cx="7125592" cy="5384642"/>
-          </a:xfrm>
-          <a:prstGeom prst="rect">
-            <a:avLst/>
-          </a:prstGeom>
-          <a:noFill/>
-          <a:ln>
-            <a:noFill/>
-          </a:ln>
-          <a:extLst>
-            <a:ext uri="{909E8E84-426E-40DD-AFC4-6F175D3DCCD1}">
-              <a14:hiddenFill xmlns:a14="http://schemas.microsoft.com/office/drawing/2010/main">
-                <a:solidFill>
-                  <a:srgbClr val="FFFFFF"/>
-                </a:solidFill>
-              </a14:hiddenFill>
-            </a:ext>
-            <a:ext uri="{91240B29-F687-4F45-9708-019B960494DF}">
-              <a14:hiddenLine xmlns:a14="http://schemas.microsoft.com/office/drawing/2010/main" w="9525">
-                <a:solidFill>
-                  <a:srgbClr val="000000"/>
-                </a:solidFill>
-                <a:miter lim="800000"/>
-                <a:headEnd/>
-                <a:tailEnd/>
-              </a14:hiddenLine>
-            </a:ext>
-          </a:extLst>
-        </p:spPr>
-      </p:pic>
-    </p:spTree>
-    <p:extLst>
-      <p:ext uri="{BB962C8B-B14F-4D97-AF65-F5344CB8AC3E}">
-        <p14:creationId xmlns:p14="http://schemas.microsoft.com/office/powerpoint/2010/main" val="168637805"/>
-      </p:ext>
-    </p:extLst>
-  </p:cSld>
-  <p:clrMapOvr>
-    <a:masterClrMapping/>
-  </p:clrMapOvr>
-  <p:transition spd="med">
-    <p:fade/>
-  </p:transition>
-</p:sld>
-</file>
-
-<file path=ppt/slides/slide16.xml><?xml version="1.0" encoding="utf-8"?>
-<p:sld xmlns:a="http://schemas.openxmlformats.org/drawingml/2006/main" xmlns:r="http://schemas.openxmlformats.org/officeDocument/2006/relationships" xmlns:p="http://schemas.openxmlformats.org/presentationml/2006/main">
-  <p:cSld>
-    <p:spTree>
-      <p:nvGrpSpPr>
-        <p:cNvPr id="1" name=""/>
-        <p:cNvGrpSpPr/>
-        <p:nvPr/>
-      </p:nvGrpSpPr>
-      <p:grpSpPr>
-        <a:xfrm>
-          <a:off x="0" y="0"/>
-          <a:ext cx="0" cy="0"/>
-          <a:chOff x="0" y="0"/>
-          <a:chExt cx="0" cy="0"/>
-        </a:xfrm>
-      </p:grpSpPr>
-      <p:sp>
-        <p:nvSpPr>
-          <p:cNvPr id="4" name="Título 3"/>
-          <p:cNvSpPr>
-            <a:spLocks noGrp="1"/>
-          </p:cNvSpPr>
-          <p:nvPr>
-            <p:ph type="title"/>
-          </p:nvPr>
-        </p:nvSpPr>
-        <p:spPr/>
-        <p:txBody>
-          <a:bodyPr/>
-          <a:lstStyle/>
-          <a:p>
-            <a:pPr eaLnBrk="1" hangingPunct="1">
-              <a:defRPr/>
-            </a:pPr>
-            <a:r>
-              <a:rPr lang="pt-BR" dirty="0"/>
-              <a:t>MODULO PACIENTE</a:t>
-            </a:r>
-          </a:p>
-        </p:txBody>
-      </p:sp>
-      <p:pic>
-        <p:nvPicPr>
-          <p:cNvPr id="10242" name="Picture 2">
-            <a:extLst>
-              <a:ext uri="{FF2B5EF4-FFF2-40B4-BE49-F238E27FC236}">
-                <a16:creationId xmlns="" xmlns:a16="http://schemas.microsoft.com/office/drawing/2014/main" id="{1FC76A72-578F-4ECB-96DA-A5AEF6084358}"/>
-              </a:ext>
-            </a:extLst>
-          </p:cNvPr>
-          <p:cNvPicPr>
-            <a:picLocks noChangeAspect="1" noChangeArrowheads="1"/>
-          </p:cNvPicPr>
-          <p:nvPr/>
-        </p:nvPicPr>
-        <p:blipFill>
-          <a:blip r:embed="rId2" cstate="print">
-            <a:extLst>
-              <a:ext uri="{28A0092B-C50C-407E-A947-70E740481C1C}">
-                <a14:useLocalDpi xmlns:a14="http://schemas.microsoft.com/office/drawing/2010/main" val="0"/>
-              </a:ext>
-            </a:extLst>
-          </a:blip>
-          <a:srcRect/>
-          <a:stretch>
-            <a:fillRect/>
-          </a:stretch>
-        </p:blipFill>
-        <p:spPr bwMode="auto">
-          <a:xfrm>
-            <a:off x="574448" y="1412776"/>
-            <a:ext cx="8093007" cy="4968552"/>
-          </a:xfrm>
-          <a:prstGeom prst="rect">
-            <a:avLst/>
-          </a:prstGeom>
-          <a:noFill/>
-          <a:ln>
-            <a:noFill/>
-          </a:ln>
-          <a:extLst>
-            <a:ext uri="{909E8E84-426E-40DD-AFC4-6F175D3DCCD1}">
-              <a14:hiddenFill xmlns:a14="http://schemas.microsoft.com/office/drawing/2010/main">
-                <a:solidFill>
-                  <a:srgbClr val="FFFFFF"/>
-                </a:solidFill>
-              </a14:hiddenFill>
-            </a:ext>
-            <a:ext uri="{91240B29-F687-4F45-9708-019B960494DF}">
-              <a14:hiddenLine xmlns:a14="http://schemas.microsoft.com/office/drawing/2010/main" w="9525">
-                <a:solidFill>
-                  <a:srgbClr val="000000"/>
-                </a:solidFill>
-                <a:miter lim="800000"/>
-                <a:headEnd/>
-                <a:tailEnd/>
-              </a14:hiddenLine>
-            </a:ext>
-          </a:extLst>
-        </p:spPr>
-      </p:pic>
-    </p:spTree>
-    <p:extLst>
-      <p:ext uri="{BB962C8B-B14F-4D97-AF65-F5344CB8AC3E}">
-        <p14:creationId xmlns:p14="http://schemas.microsoft.com/office/powerpoint/2010/main" val="4087995979"/>
-      </p:ext>
-    </p:extLst>
-  </p:cSld>
-  <p:clrMapOvr>
-    <a:masterClrMapping/>
-  </p:clrMapOvr>
-  <p:transition spd="med">
-    <p:fade/>
-  </p:transition>
-</p:sld>
-</file>
-
-<file path=ppt/slides/slide17.xml><?xml version="1.0" encoding="utf-8"?>
-<p:sld xmlns:a="http://schemas.openxmlformats.org/drawingml/2006/main" xmlns:r="http://schemas.openxmlformats.org/officeDocument/2006/relationships" xmlns:p="http://schemas.openxmlformats.org/presentationml/2006/main">
-  <p:cSld>
-    <p:spTree>
-      <p:nvGrpSpPr>
-        <p:cNvPr id="1" name=""/>
-        <p:cNvGrpSpPr/>
-        <p:nvPr/>
-      </p:nvGrpSpPr>
-      <p:grpSpPr>
-        <a:xfrm>
-          <a:off x="0" y="0"/>
-          <a:ext cx="0" cy="0"/>
-          <a:chOff x="0" y="0"/>
-          <a:chExt cx="0" cy="0"/>
-        </a:xfrm>
-      </p:grpSpPr>
-      <p:sp>
-        <p:nvSpPr>
-          <p:cNvPr id="7170" name="Rectangle 2"/>
-          <p:cNvSpPr>
-            <a:spLocks noGrp="1" noChangeArrowheads="1"/>
-          </p:cNvSpPr>
-          <p:nvPr>
-            <p:ph type="ctrTitle"/>
-          </p:nvPr>
-        </p:nvSpPr>
-        <p:spPr>
-          <a:xfrm>
-            <a:off x="611560" y="1484784"/>
-            <a:ext cx="7815263" cy="2088232"/>
-          </a:xfrm>
-        </p:spPr>
-        <p:txBody>
-          <a:bodyPr/>
-          <a:lstStyle/>
-          <a:p>
-            <a:pPr eaLnBrk="1" fontAlgn="auto" hangingPunct="1">
-              <a:spcAft>
-                <a:spcPts val="0"/>
-              </a:spcAft>
-              <a:defRPr/>
-            </a:pPr>
-            <a:r>
-              <a:rPr lang="pt-BR" dirty="0">
-                <a:ea typeface="ＭＳ Ｐゴシック" pitchFamily="-106" charset="-128"/>
-              </a:rPr>
-              <a:t>MODULO AGENDA</a:t>
-            </a:r>
-          </a:p>
-        </p:txBody>
-      </p:sp>
-      <p:grpSp>
-        <p:nvGrpSpPr>
-          <p:cNvPr id="2" name="Group 11"/>
-          <p:cNvGrpSpPr>
-            <a:grpSpLocks/>
-          </p:cNvGrpSpPr>
-          <p:nvPr/>
-        </p:nvGrpSpPr>
-        <p:grpSpPr bwMode="auto">
-          <a:xfrm>
-            <a:off x="755650" y="3213100"/>
-            <a:ext cx="184150" cy="711200"/>
-            <a:chOff x="476" y="2078"/>
-            <a:chExt cx="116" cy="448"/>
-          </a:xfrm>
-        </p:grpSpPr>
-        <p:sp>
-          <p:nvSpPr>
-            <p:cNvPr id="4101" name="Text Box 4"/>
-            <p:cNvSpPr txBox="1">
-              <a:spLocks noChangeArrowheads="1"/>
-            </p:cNvSpPr>
-            <p:nvPr/>
-          </p:nvSpPr>
-          <p:spPr bwMode="auto">
-            <a:xfrm>
-              <a:off x="476" y="2078"/>
-              <a:ext cx="116" cy="233"/>
-            </a:xfrm>
-            <a:prstGeom prst="rect">
-              <a:avLst/>
-            </a:prstGeom>
-            <a:noFill/>
-            <a:ln>
-              <a:noFill/>
-            </a:ln>
-            <a:extLst>
-              <a:ext uri="{909E8E84-426E-40DD-AFC4-6F175D3DCCD1}">
-                <a14:hiddenFill xmlns:a14="http://schemas.microsoft.com/office/drawing/2010/main">
-                  <a:solidFill>
-                    <a:srgbClr val="FFFFFF"/>
-                  </a:solidFill>
-                </a14:hiddenFill>
-              </a:ext>
-              <a:ext uri="{91240B29-F687-4F45-9708-019B960494DF}">
-                <a14:hiddenLine xmlns:a14="http://schemas.microsoft.com/office/drawing/2010/main" w="9525">
-                  <a:solidFill>
-                    <a:srgbClr val="000000"/>
-                  </a:solidFill>
-                  <a:miter lim="800000"/>
-                  <a:headEnd/>
-                  <a:tailEnd/>
-                </a14:hiddenLine>
-              </a:ext>
-            </a:extLst>
-          </p:spPr>
-          <p:txBody>
-            <a:bodyPr wrap="none">
-              <a:spAutoFit/>
-            </a:bodyPr>
-            <a:lstStyle>
-              <a:lvl1pPr>
-                <a:defRPr>
-                  <a:solidFill>
-                    <a:schemeClr val="tx1"/>
-                  </a:solidFill>
-                  <a:latin typeface="Arial" charset="0"/>
-                  <a:ea typeface="ＭＳ Ｐゴシック" pitchFamily="34" charset="-128"/>
-                </a:defRPr>
-              </a:lvl1pPr>
-              <a:lvl2pPr marL="742950" indent="-285750">
-                <a:defRPr>
-                  <a:solidFill>
-                    <a:schemeClr val="tx1"/>
-                  </a:solidFill>
-                  <a:latin typeface="Arial" charset="0"/>
-                  <a:ea typeface="ＭＳ Ｐゴシック" pitchFamily="34" charset="-128"/>
-                </a:defRPr>
-              </a:lvl2pPr>
-              <a:lvl3pPr marL="1143000" indent="-228600">
-                <a:defRPr>
-                  <a:solidFill>
-                    <a:schemeClr val="tx1"/>
-                  </a:solidFill>
-                  <a:latin typeface="Arial" charset="0"/>
-                  <a:ea typeface="ＭＳ Ｐゴシック" pitchFamily="34" charset="-128"/>
-                </a:defRPr>
-              </a:lvl3pPr>
-              <a:lvl4pPr marL="1600200" indent="-228600">
-                <a:defRPr>
-                  <a:solidFill>
-                    <a:schemeClr val="tx1"/>
-                  </a:solidFill>
-                  <a:latin typeface="Arial" charset="0"/>
-                  <a:ea typeface="ＭＳ Ｐゴシック" pitchFamily="34" charset="-128"/>
-                </a:defRPr>
-              </a:lvl4pPr>
-              <a:lvl5pPr marL="2057400" indent="-228600">
-                <a:defRPr>
-                  <a:solidFill>
-                    <a:schemeClr val="tx1"/>
-                  </a:solidFill>
-                  <a:latin typeface="Arial" charset="0"/>
-                  <a:ea typeface="ＭＳ Ｐゴシック" pitchFamily="34" charset="-128"/>
-                </a:defRPr>
-              </a:lvl5pPr>
-              <a:lvl6pPr marL="2514600" indent="-228600" eaLnBrk="0" fontAlgn="base" hangingPunct="0">
-                <a:spcBef>
-                  <a:spcPct val="0"/>
-                </a:spcBef>
-                <a:spcAft>
-                  <a:spcPct val="0"/>
-                </a:spcAft>
-                <a:defRPr>
-                  <a:solidFill>
-                    <a:schemeClr val="tx1"/>
-                  </a:solidFill>
-                  <a:latin typeface="Arial" charset="0"/>
-                  <a:ea typeface="ＭＳ Ｐゴシック" pitchFamily="34" charset="-128"/>
-                </a:defRPr>
-              </a:lvl6pPr>
-              <a:lvl7pPr marL="2971800" indent="-228600" eaLnBrk="0" fontAlgn="base" hangingPunct="0">
-                <a:spcBef>
-                  <a:spcPct val="0"/>
-                </a:spcBef>
-                <a:spcAft>
-                  <a:spcPct val="0"/>
-                </a:spcAft>
-                <a:defRPr>
-                  <a:solidFill>
-                    <a:schemeClr val="tx1"/>
-                  </a:solidFill>
-                  <a:latin typeface="Arial" charset="0"/>
-                  <a:ea typeface="ＭＳ Ｐゴシック" pitchFamily="34" charset="-128"/>
-                </a:defRPr>
-              </a:lvl7pPr>
-              <a:lvl8pPr marL="3429000" indent="-228600" eaLnBrk="0" fontAlgn="base" hangingPunct="0">
-                <a:spcBef>
-                  <a:spcPct val="0"/>
-                </a:spcBef>
-                <a:spcAft>
-                  <a:spcPct val="0"/>
-                </a:spcAft>
-                <a:defRPr>
-                  <a:solidFill>
-                    <a:schemeClr val="tx1"/>
-                  </a:solidFill>
-                  <a:latin typeface="Arial" charset="0"/>
-                  <a:ea typeface="ＭＳ Ｐゴシック" pitchFamily="34" charset="-128"/>
-                </a:defRPr>
-              </a:lvl8pPr>
-              <a:lvl9pPr marL="3886200" indent="-228600" eaLnBrk="0" fontAlgn="base" hangingPunct="0">
-                <a:spcBef>
-                  <a:spcPct val="0"/>
-                </a:spcBef>
-                <a:spcAft>
-                  <a:spcPct val="0"/>
-                </a:spcAft>
-                <a:defRPr>
-                  <a:solidFill>
-                    <a:schemeClr val="tx1"/>
-                  </a:solidFill>
-                  <a:latin typeface="Arial" charset="0"/>
-                  <a:ea typeface="ＭＳ Ｐゴシック" pitchFamily="34" charset="-128"/>
-                </a:defRPr>
-              </a:lvl9pPr>
-            </a:lstStyle>
-            <a:p>
-              <a:pPr eaLnBrk="1" hangingPunct="1"/>
-              <a:endParaRPr lang="en-US"/>
-            </a:p>
-          </p:txBody>
-        </p:sp>
-        <p:sp>
-          <p:nvSpPr>
-            <p:cNvPr id="4102" name="Text Box 5"/>
-            <p:cNvSpPr txBox="1">
-              <a:spLocks noChangeArrowheads="1"/>
-            </p:cNvSpPr>
-            <p:nvPr/>
-          </p:nvSpPr>
-          <p:spPr bwMode="auto">
-            <a:xfrm>
-              <a:off x="476" y="2235"/>
-              <a:ext cx="116" cy="291"/>
-            </a:xfrm>
-            <a:prstGeom prst="rect">
-              <a:avLst/>
-            </a:prstGeom>
-            <a:noFill/>
-            <a:ln>
-              <a:noFill/>
-            </a:ln>
-            <a:extLst>
-              <a:ext uri="{909E8E84-426E-40DD-AFC4-6F175D3DCCD1}">
-                <a14:hiddenFill xmlns:a14="http://schemas.microsoft.com/office/drawing/2010/main">
-                  <a:solidFill>
-                    <a:srgbClr val="FFFFFF"/>
-                  </a:solidFill>
-                </a14:hiddenFill>
-              </a:ext>
-              <a:ext uri="{91240B29-F687-4F45-9708-019B960494DF}">
-                <a14:hiddenLine xmlns:a14="http://schemas.microsoft.com/office/drawing/2010/main" w="9525">
-                  <a:solidFill>
-                    <a:srgbClr val="000000"/>
-                  </a:solidFill>
-                  <a:miter lim="800000"/>
-                  <a:headEnd/>
-                  <a:tailEnd/>
-                </a14:hiddenLine>
-              </a:ext>
-            </a:extLst>
-          </p:spPr>
-          <p:txBody>
-            <a:bodyPr wrap="none">
-              <a:spAutoFit/>
-            </a:bodyPr>
-            <a:lstStyle>
-              <a:lvl1pPr>
-                <a:defRPr>
-                  <a:solidFill>
-                    <a:schemeClr val="tx1"/>
-                  </a:solidFill>
-                  <a:latin typeface="Arial" charset="0"/>
-                  <a:ea typeface="ＭＳ Ｐゴシック" pitchFamily="34" charset="-128"/>
-                </a:defRPr>
-              </a:lvl1pPr>
-              <a:lvl2pPr marL="742950" indent="-285750">
-                <a:defRPr>
-                  <a:solidFill>
-                    <a:schemeClr val="tx1"/>
-                  </a:solidFill>
-                  <a:latin typeface="Arial" charset="0"/>
-                  <a:ea typeface="ＭＳ Ｐゴシック" pitchFamily="34" charset="-128"/>
-                </a:defRPr>
-              </a:lvl2pPr>
-              <a:lvl3pPr marL="1143000" indent="-228600">
-                <a:defRPr>
-                  <a:solidFill>
-                    <a:schemeClr val="tx1"/>
-                  </a:solidFill>
-                  <a:latin typeface="Arial" charset="0"/>
-                  <a:ea typeface="ＭＳ Ｐゴシック" pitchFamily="34" charset="-128"/>
-                </a:defRPr>
-              </a:lvl3pPr>
-              <a:lvl4pPr marL="1600200" indent="-228600">
-                <a:defRPr>
-                  <a:solidFill>
-                    <a:schemeClr val="tx1"/>
-                  </a:solidFill>
-                  <a:latin typeface="Arial" charset="0"/>
-                  <a:ea typeface="ＭＳ Ｐゴシック" pitchFamily="34" charset="-128"/>
-                </a:defRPr>
-              </a:lvl4pPr>
-              <a:lvl5pPr marL="2057400" indent="-228600">
-                <a:defRPr>
-                  <a:solidFill>
-                    <a:schemeClr val="tx1"/>
-                  </a:solidFill>
-                  <a:latin typeface="Arial" charset="0"/>
-                  <a:ea typeface="ＭＳ Ｐゴシック" pitchFamily="34" charset="-128"/>
-                </a:defRPr>
-              </a:lvl5pPr>
-              <a:lvl6pPr marL="2514600" indent="-228600" eaLnBrk="0" fontAlgn="base" hangingPunct="0">
-                <a:spcBef>
-                  <a:spcPct val="0"/>
-                </a:spcBef>
-                <a:spcAft>
-                  <a:spcPct val="0"/>
-                </a:spcAft>
-                <a:defRPr>
-                  <a:solidFill>
-                    <a:schemeClr val="tx1"/>
-                  </a:solidFill>
-                  <a:latin typeface="Arial" charset="0"/>
-                  <a:ea typeface="ＭＳ Ｐゴシック" pitchFamily="34" charset="-128"/>
-                </a:defRPr>
-              </a:lvl6pPr>
-              <a:lvl7pPr marL="2971800" indent="-228600" eaLnBrk="0" fontAlgn="base" hangingPunct="0">
-                <a:spcBef>
-                  <a:spcPct val="0"/>
-                </a:spcBef>
-                <a:spcAft>
-                  <a:spcPct val="0"/>
-                </a:spcAft>
-                <a:defRPr>
-                  <a:solidFill>
-                    <a:schemeClr val="tx1"/>
-                  </a:solidFill>
-                  <a:latin typeface="Arial" charset="0"/>
-                  <a:ea typeface="ＭＳ Ｐゴシック" pitchFamily="34" charset="-128"/>
-                </a:defRPr>
-              </a:lvl7pPr>
-              <a:lvl8pPr marL="3429000" indent="-228600" eaLnBrk="0" fontAlgn="base" hangingPunct="0">
-                <a:spcBef>
-                  <a:spcPct val="0"/>
-                </a:spcBef>
-                <a:spcAft>
-                  <a:spcPct val="0"/>
-                </a:spcAft>
-                <a:defRPr>
-                  <a:solidFill>
-                    <a:schemeClr val="tx1"/>
-                  </a:solidFill>
-                  <a:latin typeface="Arial" charset="0"/>
-                  <a:ea typeface="ＭＳ Ｐゴシック" pitchFamily="34" charset="-128"/>
-                </a:defRPr>
-              </a:lvl8pPr>
-              <a:lvl9pPr marL="3886200" indent="-228600" eaLnBrk="0" fontAlgn="base" hangingPunct="0">
-                <a:spcBef>
-                  <a:spcPct val="0"/>
-                </a:spcBef>
-                <a:spcAft>
-                  <a:spcPct val="0"/>
-                </a:spcAft>
-                <a:defRPr>
-                  <a:solidFill>
-                    <a:schemeClr val="tx1"/>
-                  </a:solidFill>
-                  <a:latin typeface="Arial" charset="0"/>
-                  <a:ea typeface="ＭＳ Ｐゴシック" pitchFamily="34" charset="-128"/>
-                </a:defRPr>
-              </a:lvl9pPr>
-            </a:lstStyle>
-            <a:p>
-              <a:pPr eaLnBrk="1" hangingPunct="1"/>
-              <a:endParaRPr lang="pt-BR" sz="2400" b="1">
-                <a:solidFill>
-                  <a:srgbClr val="5F5F5F"/>
-                </a:solidFill>
-              </a:endParaRPr>
-            </a:p>
-          </p:txBody>
-        </p:sp>
-      </p:grpSp>
-      <p:sp>
-        <p:nvSpPr>
-          <p:cNvPr id="7" name="Rectangle 13"/>
-          <p:cNvSpPr txBox="1">
-            <a:spLocks noChangeArrowheads="1"/>
-          </p:cNvSpPr>
-          <p:nvPr/>
-        </p:nvSpPr>
-        <p:spPr>
-          <a:xfrm>
-            <a:off x="866775" y="2652713"/>
-            <a:ext cx="7786688" cy="2008808"/>
-          </a:xfrm>
-          <a:prstGeom prst="rect">
-            <a:avLst/>
-          </a:prstGeom>
-        </p:spPr>
-        <p:txBody>
-          <a:bodyPr/>
-          <a:lstStyle/>
-          <a:p>
-            <a:pPr marL="342900" marR="0" lvl="0" indent="-342900" algn="ctr" defTabSz="914400" rtl="0" eaLnBrk="1" fontAlgn="auto" latinLnBrk="0" hangingPunct="1">
-              <a:lnSpc>
-                <a:spcPct val="100000"/>
-              </a:lnSpc>
-              <a:spcBef>
-                <a:spcPct val="20000"/>
-              </a:spcBef>
-              <a:spcAft>
-                <a:spcPts val="0"/>
-              </a:spcAft>
-              <a:buClrTx/>
-              <a:buSzTx/>
-              <a:buFont typeface="Arial" panose="020B0604020202020204" pitchFamily="34" charset="0"/>
-              <a:buNone/>
-              <a:tabLst/>
-              <a:defRPr/>
-            </a:pPr>
-            <a:endParaRPr kumimoji="0" lang="pt-BR" sz="4000" b="0" i="0" u="none" strike="noStrike" kern="1200" cap="none" spc="0" normalizeH="0" baseline="0" noProof="0" dirty="0">
-              <a:ln>
-                <a:noFill/>
-              </a:ln>
-              <a:solidFill>
-                <a:schemeClr val="tx2">
-                  <a:lumMod val="75000"/>
-                </a:schemeClr>
-              </a:solidFill>
-              <a:effectLst/>
-              <a:uLnTx/>
-              <a:uFillTx/>
-              <a:latin typeface="Verdana" pitchFamily="34" charset="0"/>
-              <a:ea typeface="ＭＳ Ｐゴシック" pitchFamily="-106" charset="-128"/>
-              <a:cs typeface="Verdana" pitchFamily="34" charset="0"/>
-            </a:endParaRPr>
-          </a:p>
-          <a:p>
-            <a:pPr marL="342900" marR="0" lvl="0" indent="-342900" algn="ctr" defTabSz="914400" rtl="0" eaLnBrk="1" fontAlgn="auto" latinLnBrk="0" hangingPunct="1">
-              <a:lnSpc>
-                <a:spcPct val="100000"/>
-              </a:lnSpc>
-              <a:spcBef>
-                <a:spcPct val="20000"/>
-              </a:spcBef>
-              <a:spcAft>
-                <a:spcPts val="0"/>
-              </a:spcAft>
-              <a:buClrTx/>
-              <a:buSzTx/>
-              <a:buFont typeface="Arial" panose="020B0604020202020204" pitchFamily="34" charset="0"/>
-              <a:buNone/>
-              <a:tabLst/>
-              <a:defRPr/>
-            </a:pPr>
-            <a:r>
-              <a:rPr kumimoji="0" lang="pt-BR" sz="4000" b="0" i="0" u="none" strike="noStrike" kern="1200" cap="none" spc="0" normalizeH="0" baseline="0" noProof="0" dirty="0">
-                <a:ln>
-                  <a:noFill/>
-                </a:ln>
-                <a:solidFill>
-                  <a:schemeClr val="tx2">
-                    <a:lumMod val="75000"/>
-                  </a:schemeClr>
-                </a:solidFill>
-                <a:effectLst/>
-                <a:uLnTx/>
-                <a:uFillTx/>
-                <a:latin typeface="Verdana" pitchFamily="34" charset="0"/>
-                <a:ea typeface="ＭＳ Ｐゴシック" pitchFamily="-106" charset="-128"/>
-                <a:cs typeface="Verdana" pitchFamily="34" charset="0"/>
-              </a:rPr>
-              <a:t>Vagner</a:t>
-            </a:r>
-            <a:endParaRPr kumimoji="0" lang="pt-BR" sz="2000" b="1" i="0" u="none" strike="noStrike" kern="1200" cap="none" spc="0" normalizeH="0" baseline="0" noProof="0" dirty="0">
-              <a:ln>
-                <a:noFill/>
-              </a:ln>
-              <a:solidFill>
-                <a:srgbClr val="5F5F5F"/>
-              </a:solidFill>
-              <a:effectLst/>
-              <a:uLnTx/>
-              <a:uFillTx/>
-              <a:latin typeface="Verdana" pitchFamily="34" charset="0"/>
-              <a:ea typeface="Verdana" pitchFamily="34" charset="0"/>
-              <a:cs typeface="Verdana" pitchFamily="34" charset="0"/>
-            </a:endParaRPr>
-          </a:p>
-        </p:txBody>
-      </p:sp>
-    </p:spTree>
-    <p:extLst>
-      <p:ext uri="{BB962C8B-B14F-4D97-AF65-F5344CB8AC3E}">
-        <p14:creationId xmlns:p14="http://schemas.microsoft.com/office/powerpoint/2010/main" val="2005090747"/>
-      </p:ext>
-    </p:extLst>
-  </p:cSld>
-  <p:clrMapOvr>
-    <a:masterClrMapping/>
-  </p:clrMapOvr>
-  <p:transition spd="med">
-    <p:fade/>
-  </p:transition>
-</p:sld>
-</file>
-
-<file path=ppt/slides/slide18.xml><?xml version="1.0" encoding="utf-8"?>
-<p:sld xmlns:a="http://schemas.openxmlformats.org/drawingml/2006/main" xmlns:r="http://schemas.openxmlformats.org/officeDocument/2006/relationships" xmlns:p="http://schemas.openxmlformats.org/presentationml/2006/main">
-  <p:cSld>
-    <p:spTree>
-      <p:nvGrpSpPr>
-        <p:cNvPr id="1" name=""/>
-        <p:cNvGrpSpPr/>
-        <p:nvPr/>
-      </p:nvGrpSpPr>
-      <p:grpSpPr>
-        <a:xfrm>
-          <a:off x="0" y="0"/>
-          <a:ext cx="0" cy="0"/>
-          <a:chOff x="0" y="0"/>
-          <a:chExt cx="0" cy="0"/>
-        </a:xfrm>
-      </p:grpSpPr>
-      <p:sp>
-        <p:nvSpPr>
-          <p:cNvPr id="4" name="Título 3"/>
-          <p:cNvSpPr>
-            <a:spLocks noGrp="1"/>
-          </p:cNvSpPr>
-          <p:nvPr>
-            <p:ph type="title"/>
-          </p:nvPr>
-        </p:nvSpPr>
-        <p:spPr/>
-        <p:txBody>
-          <a:bodyPr/>
-          <a:lstStyle/>
-          <a:p>
-            <a:pPr eaLnBrk="1" hangingPunct="1">
-              <a:defRPr/>
-            </a:pPr>
-            <a:r>
-              <a:rPr lang="pt-BR" dirty="0"/>
-              <a:t>MODULO AGENDA</a:t>
-            </a:r>
-          </a:p>
-        </p:txBody>
-      </p:sp>
-      <p:sp>
-        <p:nvSpPr>
-          <p:cNvPr id="21507" name="Espaço Reservado para Conteúdo 4"/>
-          <p:cNvSpPr>
-            <a:spLocks noGrp="1"/>
-          </p:cNvSpPr>
-          <p:nvPr>
-            <p:ph idx="1"/>
-          </p:nvPr>
-        </p:nvSpPr>
-        <p:spPr bwMode="auto">
-          <a:xfrm>
-            <a:off x="179512" y="1340768"/>
-            <a:ext cx="8785225" cy="5328592"/>
-          </a:xfrm>
-          <a:extLst>
-            <a:ext uri="{909E8E84-426E-40DD-AFC4-6F175D3DCCD1}">
-              <a14:hiddenFill xmlns:a14="http://schemas.microsoft.com/office/drawing/2010/main">
-                <a:solidFill>
-                  <a:srgbClr val="FFFFFF"/>
-                </a:solidFill>
-              </a14:hiddenFill>
-            </a:ext>
-            <a:ext uri="{91240B29-F687-4F45-9708-019B960494DF}">
-              <a14:hiddenLine xmlns:a14="http://schemas.microsoft.com/office/drawing/2010/main" w="9525">
-                <a:solidFill>
-                  <a:srgbClr val="000000"/>
-                </a:solidFill>
-                <a:miter lim="800000"/>
-                <a:headEnd/>
-                <a:tailEnd/>
-              </a14:hiddenLine>
-            </a:ext>
-          </a:extLst>
-        </p:spPr>
-        <p:txBody>
-          <a:bodyPr vert="horz" wrap="square" lIns="91440" tIns="45720" rIns="91440" bIns="45720" numCol="1" anchor="t" anchorCtr="0" compatLnSpc="1">
-            <a:prstTxWarp prst="textNoShape">
-              <a:avLst/>
-            </a:prstTxWarp>
-          </a:bodyPr>
-          <a:lstStyle/>
-          <a:p>
-            <a:pPr algn="just" eaLnBrk="1" hangingPunct="1">
-              <a:buFont typeface="Arial" panose="020B0604020202020204" pitchFamily="34" charset="0"/>
-              <a:buChar char="•"/>
-              <a:defRPr/>
-            </a:pPr>
-            <a:r>
-              <a:rPr lang="pt-BR" sz="2000" dirty="0">
-                <a:solidFill>
-                  <a:schemeClr val="tx2">
-                    <a:lumMod val="75000"/>
-                  </a:schemeClr>
-                </a:solidFill>
-              </a:rPr>
-              <a:t>Consultar agenda</a:t>
-            </a:r>
-          </a:p>
-          <a:p>
-            <a:pPr lvl="1" algn="just" eaLnBrk="1" hangingPunct="1">
-              <a:buFont typeface="Arial" panose="020B0604020202020204" pitchFamily="34" charset="0"/>
-              <a:buChar char="•"/>
-              <a:defRPr/>
-            </a:pPr>
-            <a:r>
-              <a:rPr lang="pt-BR" sz="1800" dirty="0">
-                <a:solidFill>
-                  <a:schemeClr val="tx2">
-                    <a:lumMod val="75000"/>
-                  </a:schemeClr>
-                </a:solidFill>
-              </a:rPr>
-              <a:t>Consulta de agendamentos realizados e dias e horários disponíveis para novos agendamentos.</a:t>
-            </a:r>
-          </a:p>
-          <a:p>
-            <a:pPr algn="just" eaLnBrk="1" hangingPunct="1">
-              <a:buFont typeface="Arial" panose="020B0604020202020204" pitchFamily="34" charset="0"/>
-              <a:buChar char="•"/>
-              <a:defRPr/>
-            </a:pPr>
-            <a:r>
-              <a:rPr lang="pt-BR" sz="2000" dirty="0">
-                <a:solidFill>
-                  <a:schemeClr val="tx2">
-                    <a:lumMod val="75000"/>
-                  </a:schemeClr>
-                </a:solidFill>
-              </a:rPr>
-              <a:t>Agendar</a:t>
-            </a:r>
-          </a:p>
-          <a:p>
-            <a:pPr lvl="1" algn="just" eaLnBrk="1" hangingPunct="1">
-              <a:buFont typeface="Arial" panose="020B0604020202020204" pitchFamily="34" charset="0"/>
-              <a:buChar char="•"/>
-              <a:defRPr/>
-            </a:pPr>
-            <a:r>
-              <a:rPr lang="pt-BR" sz="1800" dirty="0">
-                <a:solidFill>
-                  <a:schemeClr val="tx2">
-                    <a:lumMod val="75000"/>
-                  </a:schemeClr>
-                </a:solidFill>
-              </a:rPr>
-              <a:t>Agendamento de serviços disponibilizados pela clinica.</a:t>
-            </a:r>
-          </a:p>
-          <a:p>
-            <a:pPr algn="just" eaLnBrk="1" hangingPunct="1">
-              <a:buFont typeface="Arial" panose="020B0604020202020204" pitchFamily="34" charset="0"/>
-              <a:buChar char="•"/>
-              <a:defRPr/>
-            </a:pPr>
-            <a:r>
-              <a:rPr lang="pt-BR" sz="2000" dirty="0">
-                <a:solidFill>
-                  <a:schemeClr val="tx2">
-                    <a:lumMod val="75000"/>
-                  </a:schemeClr>
-                </a:solidFill>
-              </a:rPr>
-              <a:t>Alterar agendamento</a:t>
-            </a:r>
-          </a:p>
-          <a:p>
-            <a:pPr lvl="1" algn="just" eaLnBrk="1" hangingPunct="1">
-              <a:buFont typeface="Arial" panose="020B0604020202020204" pitchFamily="34" charset="0"/>
-              <a:buChar char="•"/>
-              <a:defRPr/>
-            </a:pPr>
-            <a:r>
-              <a:rPr lang="pt-BR" sz="1800" dirty="0">
-                <a:solidFill>
-                  <a:schemeClr val="tx2">
-                    <a:lumMod val="75000"/>
-                  </a:schemeClr>
-                </a:solidFill>
-              </a:rPr>
-              <a:t>Alterar serviços, datas e horários previamente agendados, com possível geração de cobrança para alterações com menos de 24 horas de antecedência para a realização do serviço.</a:t>
-            </a:r>
-          </a:p>
-          <a:p>
-            <a:pPr algn="just" eaLnBrk="1" hangingPunct="1">
-              <a:buFont typeface="Arial" panose="020B0604020202020204" pitchFamily="34" charset="0"/>
-              <a:buChar char="•"/>
-              <a:defRPr/>
-            </a:pPr>
-            <a:r>
-              <a:rPr lang="pt-BR" sz="2000" dirty="0">
-                <a:solidFill>
-                  <a:schemeClr val="tx2">
-                    <a:lumMod val="75000"/>
-                  </a:schemeClr>
-                </a:solidFill>
-              </a:rPr>
-              <a:t>Cancelar Agendamento</a:t>
-            </a:r>
-          </a:p>
-          <a:p>
-            <a:pPr lvl="1" algn="just" eaLnBrk="1" hangingPunct="1">
-              <a:buFont typeface="Arial" panose="020B0604020202020204" pitchFamily="34" charset="0"/>
-              <a:buChar char="•"/>
-              <a:defRPr/>
-            </a:pPr>
-            <a:r>
-              <a:rPr lang="pt-BR" sz="1800" dirty="0">
-                <a:solidFill>
-                  <a:schemeClr val="tx2">
-                    <a:lumMod val="75000"/>
-                  </a:schemeClr>
-                </a:solidFill>
-              </a:rPr>
-              <a:t>Cancelamento de agendamentos, com possível geração de cobrança para cancelamentos com menos de 24 horas de antecedência para a realização do serviço.</a:t>
-            </a:r>
-          </a:p>
-          <a:p>
-            <a:pPr algn="just" eaLnBrk="1" hangingPunct="1">
-              <a:buFont typeface="Arial" panose="020B0604020202020204" pitchFamily="34" charset="0"/>
-              <a:buChar char="•"/>
-              <a:defRPr/>
-            </a:pPr>
-            <a:r>
-              <a:rPr lang="pt-BR" sz="2000" dirty="0">
-                <a:solidFill>
-                  <a:schemeClr val="tx2">
-                    <a:lumMod val="75000"/>
-                  </a:schemeClr>
-                </a:solidFill>
-              </a:rPr>
-              <a:t>Confirmar agendamento</a:t>
-            </a:r>
-          </a:p>
-          <a:p>
-            <a:pPr lvl="1" algn="just" eaLnBrk="1" hangingPunct="1">
-              <a:buFont typeface="Arial" panose="020B0604020202020204" pitchFamily="34" charset="0"/>
-              <a:buChar char="•"/>
-              <a:defRPr/>
-            </a:pPr>
-            <a:r>
-              <a:rPr lang="pt-BR" sz="1800" dirty="0">
-                <a:solidFill>
-                  <a:schemeClr val="tx2">
-                    <a:lumMod val="75000"/>
-                  </a:schemeClr>
-                </a:solidFill>
-              </a:rPr>
-              <a:t>Confirmação de agendamentos com possível geração de cobrança para confirmações com menos de 24 horas de antecedência para a realização do serviço.</a:t>
-            </a:r>
-          </a:p>
-          <a:p>
-            <a:pPr marL="0" indent="0" algn="ctr" eaLnBrk="1" hangingPunct="1">
-              <a:buFont typeface="Arial" panose="020B0604020202020204" pitchFamily="34" charset="0"/>
-              <a:buNone/>
-              <a:defRPr/>
-            </a:pPr>
-            <a:endParaRPr lang="pt-BR" sz="2000" dirty="0">
-              <a:solidFill>
-                <a:schemeClr val="tx2">
-                  <a:lumMod val="75000"/>
-                </a:schemeClr>
-              </a:solidFill>
-            </a:endParaRPr>
-          </a:p>
-          <a:p>
-            <a:pPr marL="0" indent="0" algn="ctr" eaLnBrk="1" hangingPunct="1">
-              <a:buFont typeface="Arial" panose="020B0604020202020204" pitchFamily="34" charset="0"/>
-              <a:buNone/>
-              <a:defRPr/>
-            </a:pPr>
-            <a:endParaRPr lang="pt-BR" sz="2000" dirty="0"/>
-          </a:p>
-          <a:p>
-            <a:pPr algn="just" eaLnBrk="1" hangingPunct="1">
-              <a:buFont typeface="Arial" panose="020B0604020202020204" pitchFamily="34" charset="0"/>
-              <a:buChar char="•"/>
-              <a:defRPr/>
-            </a:pPr>
-            <a:endParaRPr lang="pt-BR" sz="2000" dirty="0"/>
-          </a:p>
-        </p:txBody>
-      </p:sp>
-    </p:spTree>
-  </p:cSld>
-  <p:clrMapOvr>
-    <a:masterClrMapping/>
-  </p:clrMapOvr>
-  <p:transition spd="med">
-    <p:fade/>
-  </p:transition>
-</p:sld>
-</file>
-
-<file path=ppt/slides/slide19.xml><?xml version="1.0" encoding="utf-8"?>
-<p:sld xmlns:a="http://schemas.openxmlformats.org/drawingml/2006/main" xmlns:r="http://schemas.openxmlformats.org/officeDocument/2006/relationships" xmlns:p="http://schemas.openxmlformats.org/presentationml/2006/main">
-  <p:cSld>
-    <p:spTree>
-      <p:nvGrpSpPr>
-        <p:cNvPr id="1" name=""/>
-        <p:cNvGrpSpPr/>
-        <p:nvPr/>
-      </p:nvGrpSpPr>
-      <p:grpSpPr>
-        <a:xfrm>
-          <a:off x="0" y="0"/>
-          <a:ext cx="0" cy="0"/>
-          <a:chOff x="0" y="0"/>
-          <a:chExt cx="0" cy="0"/>
-        </a:xfrm>
-      </p:grpSpPr>
-      <p:pic>
-        <p:nvPicPr>
-          <p:cNvPr id="1026" name="Picture 2" descr="Realizar Agendamento de Consulta"/>
-          <p:cNvPicPr>
-            <a:picLocks noChangeAspect="1" noChangeArrowheads="1"/>
-          </p:cNvPicPr>
-          <p:nvPr/>
-        </p:nvPicPr>
-        <p:blipFill>
-          <a:blip r:embed="rId2" cstate="print">
-            <a:lum bright="10000"/>
-          </a:blip>
-          <a:srcRect/>
-          <a:stretch>
-            <a:fillRect/>
-          </a:stretch>
-        </p:blipFill>
-        <p:spPr bwMode="auto">
-          <a:xfrm>
-            <a:off x="611560" y="1484783"/>
-            <a:ext cx="8064896" cy="4938961"/>
-          </a:xfrm>
-          <a:prstGeom prst="rect">
-            <a:avLst/>
-          </a:prstGeom>
-          <a:noFill/>
-          <a:ln w="9525">
-            <a:noFill/>
-            <a:miter lim="800000"/>
-            <a:headEnd/>
-            <a:tailEnd/>
-          </a:ln>
-        </p:spPr>
-      </p:pic>
-      <p:sp>
-        <p:nvSpPr>
-          <p:cNvPr id="5" name="Título 3"/>
-          <p:cNvSpPr>
-            <a:spLocks noGrp="1"/>
-          </p:cNvSpPr>
-          <p:nvPr>
-            <p:ph type="title"/>
-          </p:nvPr>
-        </p:nvSpPr>
-        <p:spPr>
-          <a:xfrm>
-            <a:off x="166688" y="260350"/>
-            <a:ext cx="8797925" cy="922338"/>
-          </a:xfrm>
-        </p:spPr>
-        <p:txBody>
-          <a:bodyPr/>
-          <a:lstStyle/>
-          <a:p>
-            <a:pPr eaLnBrk="1" hangingPunct="1">
-              <a:defRPr/>
-            </a:pPr>
-            <a:r>
-              <a:rPr lang="pt-BR" dirty="0"/>
-              <a:t>MODULO AGENDA</a:t>
-            </a:r>
-          </a:p>
-        </p:txBody>
-      </p:sp>
-    </p:spTree>
-  </p:cSld>
-  <p:clrMapOvr>
-    <a:masterClrMapping/>
-  </p:clrMapOvr>
-</p:sld>
-</file>
-
-<file path=ppt/slides/slide2.xml><?xml version="1.0" encoding="utf-8"?>
-<p:sld xmlns:a="http://schemas.openxmlformats.org/drawingml/2006/main" xmlns:r="http://schemas.openxmlformats.org/officeDocument/2006/relationships" xmlns:p="http://schemas.openxmlformats.org/presentationml/2006/main">
-  <p:cSld>
-    <p:spTree>
-      <p:nvGrpSpPr>
-        <p:cNvPr id="1" name=""/>
-        <p:cNvGrpSpPr/>
-        <p:nvPr/>
-      </p:nvGrpSpPr>
-      <p:grpSpPr>
-        <a:xfrm>
-          <a:off x="0" y="0"/>
-          <a:ext cx="0" cy="0"/>
-          <a:chOff x="0" y="0"/>
-          <a:chExt cx="0" cy="0"/>
-        </a:xfrm>
-      </p:grpSpPr>
-      <p:sp>
-        <p:nvSpPr>
-          <p:cNvPr id="4" name="Título 3"/>
-          <p:cNvSpPr>
-            <a:spLocks noGrp="1"/>
-          </p:cNvSpPr>
-          <p:nvPr>
-            <p:ph type="title"/>
-          </p:nvPr>
-        </p:nvSpPr>
-        <p:spPr/>
-        <p:txBody>
-          <a:bodyPr/>
-          <a:lstStyle/>
-          <a:p>
-            <a:pPr eaLnBrk="1" hangingPunct="1">
-              <a:defRPr/>
-            </a:pPr>
-            <a:r>
-              <a:rPr lang="pt-BR" dirty="0"/>
-              <a:t>Introdução Negócio</a:t>
-            </a:r>
-          </a:p>
-        </p:txBody>
-      </p:sp>
-      <p:sp>
-        <p:nvSpPr>
-          <p:cNvPr id="6" name="Rectangle 5">
-            <a:extLst>
-              <a:ext uri="{FF2B5EF4-FFF2-40B4-BE49-F238E27FC236}">
-                <a16:creationId xmlns="" xmlns:a16="http://schemas.microsoft.com/office/drawing/2014/main" id="{4D05B3A1-B0A5-41E6-851D-8FE05033C664}"/>
-              </a:ext>
-            </a:extLst>
-          </p:cNvPr>
-          <p:cNvSpPr>
-            <a:spLocks noGrp="1" noChangeArrowheads="1"/>
-          </p:cNvSpPr>
-          <p:nvPr/>
-        </p:nvSpPr>
-        <p:spPr bwMode="auto">
-          <a:xfrm>
-            <a:off x="179388" y="1484784"/>
-            <a:ext cx="8785225" cy="4751387"/>
-          </a:xfrm>
-          <a:prstGeom prst="rect">
-            <a:avLst/>
-          </a:prstGeom>
-          <a:extLst>
-            <a:ext uri="{909E8E84-426E-40DD-AFC4-6F175D3DCCD1}">
-              <a14:hiddenFill xmlns:a14="http://schemas.microsoft.com/office/drawing/2010/main">
-                <a:solidFill>
-                  <a:srgbClr val="FFFFFF"/>
-                </a:solidFill>
-              </a14:hiddenFill>
-            </a:ext>
-            <a:ext uri="{91240B29-F687-4F45-9708-019B960494DF}">
-              <a14:hiddenLine xmlns:a14="http://schemas.microsoft.com/office/drawing/2010/main" w="9525">
-                <a:solidFill>
-                  <a:srgbClr val="000000"/>
-                </a:solidFill>
-                <a:miter lim="800000"/>
-                <a:headEnd/>
-                <a:tailEnd/>
-              </a14:hiddenLine>
-            </a:ext>
-          </a:extLst>
-        </p:spPr>
-        <p:txBody>
-          <a:bodyPr vert="horz" wrap="square" lIns="91440" tIns="45720" rIns="91440" bIns="45720" numCol="1" anchor="t" anchorCtr="0" compatLnSpc="1">
-            <a:prstTxWarp prst="textNoShape">
-              <a:avLst/>
-            </a:prstTxWarp>
-          </a:bodyPr>
-          <a:lstStyle>
-            <a:lvl1pPr marL="342900" indent="-342900" algn="l" rtl="0" eaLnBrk="0" fontAlgn="base" hangingPunct="0">
-              <a:spcBef>
-                <a:spcPct val="20000"/>
-              </a:spcBef>
-              <a:spcAft>
-                <a:spcPct val="0"/>
-              </a:spcAft>
-              <a:buFont typeface="Arial" panose="020B0604020202020204" pitchFamily="34" charset="0"/>
-              <a:buChar char="•"/>
-              <a:defRPr sz="2800" kern="1200">
-                <a:solidFill>
-                  <a:schemeClr val="tx2"/>
-                </a:solidFill>
-                <a:latin typeface="+mn-lt"/>
-                <a:ea typeface="+mn-ea"/>
-                <a:cs typeface="+mn-cs"/>
-              </a:defRPr>
-            </a:lvl1pPr>
-            <a:lvl2pPr marL="742950" indent="-285750" algn="l" rtl="0" eaLnBrk="0" fontAlgn="base" hangingPunct="0">
-              <a:spcBef>
-                <a:spcPct val="20000"/>
-              </a:spcBef>
-              <a:spcAft>
-                <a:spcPct val="0"/>
-              </a:spcAft>
-              <a:buFont typeface="Arial" panose="020B0604020202020204" pitchFamily="34" charset="0"/>
-              <a:buChar char="–"/>
-              <a:defRPr sz="2400" kern="1200">
-                <a:solidFill>
-                  <a:schemeClr val="tx2"/>
-                </a:solidFill>
-                <a:latin typeface="+mn-lt"/>
-                <a:ea typeface="+mn-ea"/>
-                <a:cs typeface="+mn-cs"/>
-              </a:defRPr>
-            </a:lvl2pPr>
-            <a:lvl3pPr marL="1143000" indent="-228600" algn="l" rtl="0" eaLnBrk="0" fontAlgn="base" hangingPunct="0">
-              <a:spcBef>
-                <a:spcPct val="20000"/>
-              </a:spcBef>
-              <a:spcAft>
-                <a:spcPct val="0"/>
-              </a:spcAft>
-              <a:buFont typeface="Arial" panose="020B0604020202020204" pitchFamily="34" charset="0"/>
-              <a:buChar char="•"/>
-              <a:defRPr sz="2000" kern="1200">
-                <a:solidFill>
-                  <a:schemeClr val="tx2"/>
-                </a:solidFill>
-                <a:latin typeface="+mn-lt"/>
-                <a:ea typeface="+mn-ea"/>
-                <a:cs typeface="+mn-cs"/>
-              </a:defRPr>
-            </a:lvl3pPr>
-            <a:lvl4pPr marL="1600200" indent="-228600" algn="l" rtl="0" eaLnBrk="0" fontAlgn="base" hangingPunct="0">
-              <a:spcBef>
-                <a:spcPct val="20000"/>
-              </a:spcBef>
-              <a:spcAft>
-                <a:spcPct val="0"/>
-              </a:spcAft>
-              <a:buFont typeface="Arial" panose="020B0604020202020204" pitchFamily="34" charset="0"/>
-              <a:buChar char="–"/>
-              <a:defRPr sz="1800" kern="1200">
-                <a:solidFill>
-                  <a:schemeClr val="tx2"/>
-                </a:solidFill>
-                <a:latin typeface="+mn-lt"/>
-                <a:ea typeface="+mn-ea"/>
-                <a:cs typeface="+mn-cs"/>
-              </a:defRPr>
-            </a:lvl4pPr>
-            <a:lvl5pPr marL="2057400" indent="-228600" algn="l" rtl="0" eaLnBrk="0" fontAlgn="base" hangingPunct="0">
-              <a:spcBef>
-                <a:spcPct val="20000"/>
-              </a:spcBef>
-              <a:spcAft>
-                <a:spcPct val="0"/>
-              </a:spcAft>
-              <a:buFont typeface="Arial" panose="020B0604020202020204" pitchFamily="34" charset="0"/>
-              <a:buChar char="»"/>
-              <a:defRPr sz="1800" kern="1200">
-                <a:solidFill>
-                  <a:schemeClr val="tx2"/>
-                </a:solidFill>
-                <a:latin typeface="+mn-lt"/>
-                <a:ea typeface="+mn-ea"/>
-                <a:cs typeface="+mn-cs"/>
-              </a:defRPr>
-            </a:lvl5pPr>
-            <a:lvl6pPr marL="2514600" indent="-228600" algn="l" defTabSz="914400" rtl="0" eaLnBrk="1" latinLnBrk="0" hangingPunct="1">
-              <a:spcBef>
-                <a:spcPct val="20000"/>
-              </a:spcBef>
-              <a:buFont typeface="Arial" pitchFamily="34" charset="0"/>
-              <a:buChar char="•"/>
-              <a:defRPr sz="2000" kern="1200">
-                <a:solidFill>
-                  <a:schemeClr val="tx1"/>
-                </a:solidFill>
-                <a:latin typeface="+mn-lt"/>
-                <a:ea typeface="+mn-ea"/>
-                <a:cs typeface="+mn-cs"/>
-              </a:defRPr>
-            </a:lvl6pPr>
-            <a:lvl7pPr marL="2971800" indent="-228600" algn="l" defTabSz="914400" rtl="0" eaLnBrk="1" latinLnBrk="0" hangingPunct="1">
-              <a:spcBef>
-                <a:spcPct val="20000"/>
-              </a:spcBef>
-              <a:buFont typeface="Arial" pitchFamily="34" charset="0"/>
-              <a:buChar char="•"/>
-              <a:defRPr sz="2000" kern="1200">
-                <a:solidFill>
-                  <a:schemeClr val="tx1"/>
-                </a:solidFill>
-                <a:latin typeface="+mn-lt"/>
-                <a:ea typeface="+mn-ea"/>
-                <a:cs typeface="+mn-cs"/>
-              </a:defRPr>
-            </a:lvl7pPr>
-            <a:lvl8pPr marL="3429000" indent="-228600" algn="l" defTabSz="914400" rtl="0" eaLnBrk="1" latinLnBrk="0" hangingPunct="1">
-              <a:spcBef>
-                <a:spcPct val="20000"/>
-              </a:spcBef>
-              <a:buFont typeface="Arial" pitchFamily="34" charset="0"/>
-              <a:buChar char="•"/>
-              <a:defRPr sz="2000" kern="1200">
-                <a:solidFill>
-                  <a:schemeClr val="tx1"/>
-                </a:solidFill>
-                <a:latin typeface="+mn-lt"/>
-                <a:ea typeface="+mn-ea"/>
-                <a:cs typeface="+mn-cs"/>
-              </a:defRPr>
-            </a:lvl8pPr>
-            <a:lvl9pPr marL="3886200" indent="-228600" algn="l" defTabSz="914400" rtl="0" eaLnBrk="1" latinLnBrk="0" hangingPunct="1">
-              <a:spcBef>
-                <a:spcPct val="20000"/>
-              </a:spcBef>
-              <a:buFont typeface="Arial" pitchFamily="34" charset="0"/>
-              <a:buChar char="•"/>
-              <a:defRPr sz="2000" kern="1200">
-                <a:solidFill>
-                  <a:schemeClr val="tx1"/>
-                </a:solidFill>
-                <a:latin typeface="+mn-lt"/>
-                <a:ea typeface="+mn-ea"/>
-                <a:cs typeface="+mn-cs"/>
-              </a:defRPr>
-            </a:lvl9pPr>
-          </a:lstStyle>
-          <a:p>
-            <a:pPr eaLnBrk="1" hangingPunct="1">
-              <a:defRPr/>
-            </a:pPr>
-            <a:r>
-              <a:rPr lang="pt-BR" altLang="pt-BR" sz="2400" b="1" dirty="0">
-                <a:solidFill>
-                  <a:schemeClr val="tx2">
-                    <a:lumMod val="75000"/>
-                  </a:schemeClr>
-                </a:solidFill>
-              </a:rPr>
-              <a:t>Cliente: </a:t>
-            </a:r>
-            <a:r>
-              <a:rPr lang="pt-BR" altLang="pt-BR" sz="2400" dirty="0">
-                <a:solidFill>
-                  <a:schemeClr val="tx2">
-                    <a:lumMod val="75000"/>
-                  </a:schemeClr>
-                </a:solidFill>
-              </a:rPr>
-              <a:t>NR Avaliações Psicológicas</a:t>
-            </a:r>
-          </a:p>
-          <a:p>
-            <a:pPr marL="0" indent="0" eaLnBrk="1" hangingPunct="1">
-              <a:buFont typeface="Arial" panose="020B0604020202020204" pitchFamily="34" charset="0"/>
-              <a:buNone/>
-              <a:defRPr/>
-            </a:pPr>
-            <a:endParaRPr lang="pt-BR" altLang="pt-BR" sz="2400" dirty="0">
-              <a:solidFill>
-                <a:schemeClr val="tx2">
-                  <a:lumMod val="75000"/>
-                </a:schemeClr>
-              </a:solidFill>
-            </a:endParaRPr>
-          </a:p>
-          <a:p>
-            <a:pPr>
-              <a:defRPr/>
-            </a:pPr>
-            <a:r>
-              <a:rPr lang="pt-BR" altLang="pt-BR" sz="2400" b="1" dirty="0">
-                <a:solidFill>
-                  <a:schemeClr val="tx2">
-                    <a:lumMod val="75000"/>
-                  </a:schemeClr>
-                </a:solidFill>
-              </a:rPr>
-              <a:t>Ramo de Atividade: </a:t>
-            </a:r>
-            <a:r>
-              <a:rPr lang="pt-BR" altLang="pt-BR" sz="2400" dirty="0">
-                <a:solidFill>
-                  <a:schemeClr val="tx2">
-                    <a:lumMod val="75000"/>
-                  </a:schemeClr>
-                </a:solidFill>
-              </a:rPr>
-              <a:t>Empresa especializada em Avaliação Psicossocial voltada para Medicina e Segurança do Trabalho. </a:t>
-            </a:r>
-          </a:p>
-          <a:p>
-            <a:pPr marL="0" indent="0">
-              <a:buFont typeface="Arial" panose="020B0604020202020204" pitchFamily="34" charset="0"/>
-              <a:buNone/>
-              <a:defRPr/>
-            </a:pPr>
-            <a:endParaRPr lang="pt-BR" altLang="pt-BR" sz="2400" dirty="0">
-              <a:solidFill>
-                <a:schemeClr val="tx2">
-                  <a:lumMod val="75000"/>
-                </a:schemeClr>
-              </a:solidFill>
-            </a:endParaRPr>
-          </a:p>
-          <a:p>
-            <a:pPr>
-              <a:defRPr/>
-            </a:pPr>
-            <a:r>
-              <a:rPr lang="pt-BR" altLang="pt-BR" sz="2400" b="1" dirty="0">
-                <a:solidFill>
-                  <a:schemeClr val="tx2">
-                    <a:lumMod val="75000"/>
-                  </a:schemeClr>
-                </a:solidFill>
-              </a:rPr>
-              <a:t>Tempo de Atividade: </a:t>
-            </a:r>
-            <a:r>
-              <a:rPr lang="pt-BR" altLang="pt-BR" sz="2400" dirty="0">
-                <a:solidFill>
-                  <a:schemeClr val="tx2">
-                    <a:lumMod val="75000"/>
-                  </a:schemeClr>
-                </a:solidFill>
-              </a:rPr>
-              <a:t>2 anos</a:t>
-            </a:r>
-          </a:p>
-          <a:p>
-            <a:pPr lvl="1" eaLnBrk="1" hangingPunct="1">
-              <a:defRPr/>
-            </a:pPr>
-            <a:r>
-              <a:rPr lang="pt-BR" altLang="pt-BR" dirty="0">
-                <a:solidFill>
-                  <a:schemeClr val="tx2">
-                    <a:lumMod val="75000"/>
-                  </a:schemeClr>
-                </a:solidFill>
-              </a:rPr>
-              <a:t>Quantidade de Funcionários: Somente a Psicóloga.</a:t>
-            </a:r>
-          </a:p>
-          <a:p>
-            <a:pPr lvl="1" eaLnBrk="1" hangingPunct="1">
-              <a:defRPr/>
-            </a:pPr>
-            <a:r>
-              <a:rPr lang="pt-BR" altLang="pt-BR" dirty="0">
-                <a:solidFill>
-                  <a:schemeClr val="tx2">
-                    <a:lumMod val="75000"/>
-                  </a:schemeClr>
-                </a:solidFill>
-              </a:rPr>
-              <a:t>Principais Clientes: Empresas de Construção Civil / Empreiteiras.</a:t>
-            </a:r>
-          </a:p>
-        </p:txBody>
-      </p:sp>
-    </p:spTree>
-  </p:cSld>
-  <p:clrMapOvr>
-    <a:masterClrMapping/>
-  </p:clrMapOvr>
-  <p:transition spd="med">
-    <p:fade/>
-  </p:transition>
-</p:sld>
-</file>
-
-<file path=ppt/slides/slide20.xml><?xml version="1.0" encoding="utf-8"?>
-<p:sld xmlns:a="http://schemas.openxmlformats.org/drawingml/2006/main" xmlns:r="http://schemas.openxmlformats.org/officeDocument/2006/relationships" xmlns:p="http://schemas.openxmlformats.org/presentationml/2006/main">
-  <p:cSld>
-    <p:spTree>
-      <p:nvGrpSpPr>
-        <p:cNvPr id="1" name=""/>
-        <p:cNvGrpSpPr/>
-        <p:nvPr/>
-      </p:nvGrpSpPr>
-      <p:grpSpPr>
-        <a:xfrm>
-          <a:off x="0" y="0"/>
-          <a:ext cx="0" cy="0"/>
-          <a:chOff x="0" y="0"/>
-          <a:chExt cx="0" cy="0"/>
-        </a:xfrm>
-      </p:grpSpPr>
-      <p:sp>
-        <p:nvSpPr>
-          <p:cNvPr id="5" name="Título 3"/>
-          <p:cNvSpPr>
-            <a:spLocks noGrp="1"/>
-          </p:cNvSpPr>
-          <p:nvPr>
-            <p:ph type="title"/>
-          </p:nvPr>
-        </p:nvSpPr>
-        <p:spPr>
-          <a:xfrm>
-            <a:off x="166688" y="260350"/>
-            <a:ext cx="8797925" cy="922338"/>
-          </a:xfrm>
-        </p:spPr>
-        <p:txBody>
-          <a:bodyPr/>
-          <a:lstStyle/>
-          <a:p>
-            <a:pPr eaLnBrk="1" hangingPunct="1">
-              <a:defRPr/>
-            </a:pPr>
-            <a:r>
-              <a:rPr lang="pt-BR" dirty="0"/>
-              <a:t>MODULO AGENDA</a:t>
-            </a:r>
-          </a:p>
-        </p:txBody>
-      </p:sp>
-      <p:pic>
-        <p:nvPicPr>
-          <p:cNvPr id="4" name="Imagem 3" descr="UCAGD01_0000_TelaInicial.png"/>
-          <p:cNvPicPr>
-            <a:picLocks noChangeAspect="1"/>
-          </p:cNvPicPr>
-          <p:nvPr/>
-        </p:nvPicPr>
-        <p:blipFill>
-          <a:blip r:embed="rId2" cstate="print"/>
-          <a:stretch>
-            <a:fillRect/>
-          </a:stretch>
-        </p:blipFill>
-        <p:spPr>
-          <a:xfrm>
-            <a:off x="261335" y="1266523"/>
-            <a:ext cx="8621329" cy="4324954"/>
-          </a:xfrm>
-          <a:prstGeom prst="rect">
-            <a:avLst/>
-          </a:prstGeom>
-        </p:spPr>
-      </p:pic>
-      <p:cxnSp>
-        <p:nvCxnSpPr>
-          <p:cNvPr id="7" name="Conector de seta reta 6"/>
-          <p:cNvCxnSpPr/>
-          <p:nvPr/>
-        </p:nvCxnSpPr>
-        <p:spPr>
-          <a:xfrm flipV="1">
-            <a:off x="6228184" y="1916832"/>
-            <a:ext cx="1224136" cy="504056"/>
-          </a:xfrm>
-          <a:prstGeom prst="straightConnector1">
-            <a:avLst/>
-          </a:prstGeom>
-          <a:ln>
-            <a:tailEnd type="arrow"/>
-          </a:ln>
-        </p:spPr>
-        <p:style>
-          <a:lnRef idx="3">
-            <a:schemeClr val="accent2"/>
-          </a:lnRef>
-          <a:fillRef idx="0">
-            <a:schemeClr val="accent2"/>
-          </a:fillRef>
-          <a:effectRef idx="2">
-            <a:schemeClr val="accent2"/>
-          </a:effectRef>
-          <a:fontRef idx="minor">
-            <a:schemeClr val="tx1"/>
-          </a:fontRef>
-        </p:style>
-      </p:cxnSp>
-    </p:spTree>
-  </p:cSld>
-  <p:clrMapOvr>
-    <a:masterClrMapping/>
-  </p:clrMapOvr>
-</p:sld>
-</file>
-
-<file path=ppt/slides/slide21.xml><?xml version="1.0" encoding="utf-8"?>
-<p:sld xmlns:a="http://schemas.openxmlformats.org/drawingml/2006/main" xmlns:r="http://schemas.openxmlformats.org/officeDocument/2006/relationships" xmlns:p="http://schemas.openxmlformats.org/presentationml/2006/main">
-  <p:cSld>
-    <p:spTree>
-      <p:nvGrpSpPr>
-        <p:cNvPr id="1" name=""/>
-        <p:cNvGrpSpPr/>
-        <p:nvPr/>
-      </p:nvGrpSpPr>
-      <p:grpSpPr>
-        <a:xfrm>
-          <a:off x="0" y="0"/>
-          <a:ext cx="0" cy="0"/>
-          <a:chOff x="0" y="0"/>
-          <a:chExt cx="0" cy="0"/>
-        </a:xfrm>
-      </p:grpSpPr>
-      <p:sp>
-        <p:nvSpPr>
           <p:cNvPr id="5" name="Título 3"/>
           <p:cNvSpPr>
             <a:spLocks noGrp="1"/>
@@ -5342,7 +3117,7 @@
 </p:sld>
 </file>
 
-<file path=ppt/slides/slide22.xml><?xml version="1.0" encoding="utf-8"?>
+<file path=ppt/slides/slide11.xml><?xml version="1.0" encoding="utf-8"?>
 <p:sld xmlns:a="http://schemas.openxmlformats.org/drawingml/2006/main" xmlns:r="http://schemas.openxmlformats.org/officeDocument/2006/relationships" xmlns:p="http://schemas.openxmlformats.org/presentationml/2006/main">
   <p:cSld>
     <p:spTree>
@@ -5454,7 +3229,7 @@
 </p:sld>
 </file>
 
-<file path=ppt/slides/slide23.xml><?xml version="1.0" encoding="utf-8"?>
+<file path=ppt/slides/slide12.xml><?xml version="1.0" encoding="utf-8"?>
 <p:sld xmlns:a="http://schemas.openxmlformats.org/drawingml/2006/main" xmlns:r="http://schemas.openxmlformats.org/officeDocument/2006/relationships" xmlns:p="http://schemas.openxmlformats.org/presentationml/2006/main">
   <p:cSld>
     <p:spTree>
@@ -5566,7 +3341,7 @@
 </p:sld>
 </file>
 
-<file path=ppt/slides/slide24.xml><?xml version="1.0" encoding="utf-8"?>
+<file path=ppt/slides/slide13.xml><?xml version="1.0" encoding="utf-8"?>
 <p:sld xmlns:a="http://schemas.openxmlformats.org/drawingml/2006/main" xmlns:r="http://schemas.openxmlformats.org/officeDocument/2006/relationships" xmlns:p="http://schemas.openxmlformats.org/presentationml/2006/main">
   <p:cSld>
     <p:spTree>
@@ -5645,7 +3420,7 @@
 </p:sld>
 </file>
 
-<file path=ppt/slides/slide25.xml><?xml version="1.0" encoding="utf-8"?>
+<file path=ppt/slides/slide14.xml><?xml version="1.0" encoding="utf-8"?>
 <p:sld xmlns:a="http://schemas.openxmlformats.org/drawingml/2006/main" xmlns:r="http://schemas.openxmlformats.org/officeDocument/2006/relationships" xmlns:p="http://schemas.openxmlformats.org/presentationml/2006/main">
   <p:cSld>
     <p:spTree>
@@ -6157,7 +3932,7 @@
 </p:sld>
 </file>
 
-<file path=ppt/slides/slide26.xml><?xml version="1.0" encoding="utf-8"?>
+<file path=ppt/slides/slide15.xml><?xml version="1.0" encoding="utf-8"?>
 <p:sld xmlns:a="http://schemas.openxmlformats.org/drawingml/2006/main" xmlns:r="http://schemas.openxmlformats.org/officeDocument/2006/relationships" xmlns:p="http://schemas.openxmlformats.org/presentationml/2006/main">
   <p:cSld>
     <p:spTree>
@@ -6179,7 +3954,7 @@
           <p:cNvPr id="2" name="Título 1">
             <a:extLst>
               <a:ext uri="{FF2B5EF4-FFF2-40B4-BE49-F238E27FC236}">
-                <a16:creationId xmlns="" xmlns:a16="http://schemas.microsoft.com/office/drawing/2014/main" id="{4420E5F6-C592-489E-8742-39113C67F28C}"/>
+                <a16:creationId xmlns:a16="http://schemas.microsoft.com/office/drawing/2014/main" id="{4420E5F6-C592-489E-8742-39113C67F28C}"/>
               </a:ext>
             </a:extLst>
           </p:cNvPr>
@@ -6207,7 +3982,7 @@
           <p:cNvPr id="3" name="Espaço Reservado para Conteúdo 2">
             <a:extLst>
               <a:ext uri="{FF2B5EF4-FFF2-40B4-BE49-F238E27FC236}">
-                <a16:creationId xmlns="" xmlns:a16="http://schemas.microsoft.com/office/drawing/2014/main" id="{FB12D05B-E47F-4BA3-B1A7-F1DCD4D8F90E}"/>
+                <a16:creationId xmlns:a16="http://schemas.microsoft.com/office/drawing/2014/main" id="{FB12D05B-E47F-4BA3-B1A7-F1DCD4D8F90E}"/>
               </a:ext>
             </a:extLst>
           </p:cNvPr>
@@ -6430,7 +4205,7 @@
 </p:sld>
 </file>
 
-<file path=ppt/slides/slide27.xml><?xml version="1.0" encoding="utf-8"?>
+<file path=ppt/slides/slide16.xml><?xml version="1.0" encoding="utf-8"?>
 <p:sld xmlns:a="http://schemas.openxmlformats.org/drawingml/2006/main" xmlns:r="http://schemas.openxmlformats.org/officeDocument/2006/relationships" xmlns:p="http://schemas.openxmlformats.org/presentationml/2006/main">
   <p:cSld>
     <p:spTree>
@@ -6452,7 +4227,7 @@
           <p:cNvPr id="2" name="Título 1">
             <a:extLst>
               <a:ext uri="{FF2B5EF4-FFF2-40B4-BE49-F238E27FC236}">
-                <a16:creationId xmlns="" xmlns:a16="http://schemas.microsoft.com/office/drawing/2014/main" id="{BEBA4382-BFBE-49EA-B613-397871EFBC81}"/>
+                <a16:creationId xmlns:a16="http://schemas.microsoft.com/office/drawing/2014/main" id="{BEBA4382-BFBE-49EA-B613-397871EFBC81}"/>
               </a:ext>
             </a:extLst>
           </p:cNvPr>
@@ -6480,7 +4255,7 @@
           <p:cNvPr id="4" name="Picture 2">
             <a:extLst>
               <a:ext uri="{FF2B5EF4-FFF2-40B4-BE49-F238E27FC236}">
-                <a16:creationId xmlns="" xmlns:a16="http://schemas.microsoft.com/office/drawing/2014/main" id="{73C6ED76-2527-4DEA-B4E5-D39F619C62E1}"/>
+                <a16:creationId xmlns:a16="http://schemas.microsoft.com/office/drawing/2014/main" id="{73C6ED76-2527-4DEA-B4E5-D39F619C62E1}"/>
               </a:ext>
             </a:extLst>
           </p:cNvPr>
@@ -6550,7 +4325,7 @@
 </p:sld>
 </file>
 
-<file path=ppt/slides/slide28.xml><?xml version="1.0" encoding="utf-8"?>
+<file path=ppt/slides/slide17.xml><?xml version="1.0" encoding="utf-8"?>
 <p:sld xmlns:a="http://schemas.openxmlformats.org/drawingml/2006/main" xmlns:r="http://schemas.openxmlformats.org/officeDocument/2006/relationships" xmlns:p="http://schemas.openxmlformats.org/presentationml/2006/main">
   <p:cSld>
     <p:spTree>
@@ -6572,7 +4347,7 @@
           <p:cNvPr id="2" name="Título 1">
             <a:extLst>
               <a:ext uri="{FF2B5EF4-FFF2-40B4-BE49-F238E27FC236}">
-                <a16:creationId xmlns="" xmlns:a16="http://schemas.microsoft.com/office/drawing/2014/main" id="{4242F5FA-70CB-4D15-8FA2-0A8B9B2D9EE8}"/>
+                <a16:creationId xmlns:a16="http://schemas.microsoft.com/office/drawing/2014/main" id="{4242F5FA-70CB-4D15-8FA2-0A8B9B2D9EE8}"/>
               </a:ext>
             </a:extLst>
           </p:cNvPr>
@@ -6600,7 +4375,7 @@
           <p:cNvPr id="5" name="Espaço Reservado para Conteúdo 4">
             <a:extLst>
               <a:ext uri="{FF2B5EF4-FFF2-40B4-BE49-F238E27FC236}">
-                <a16:creationId xmlns="" xmlns:a16="http://schemas.microsoft.com/office/drawing/2014/main" id="{0EB6ED7E-6CFB-4E85-B7ED-4873840A1BE0}"/>
+                <a16:creationId xmlns:a16="http://schemas.microsoft.com/office/drawing/2014/main" id="{0EB6ED7E-6CFB-4E85-B7ED-4873840A1BE0}"/>
               </a:ext>
             </a:extLst>
           </p:cNvPr>
@@ -6643,7 +4418,7 @@
 </p:sld>
 </file>
 
-<file path=ppt/slides/slide29.xml><?xml version="1.0" encoding="utf-8"?>
+<file path=ppt/slides/slide18.xml><?xml version="1.0" encoding="utf-8"?>
 <p:sld xmlns:a="http://schemas.openxmlformats.org/drawingml/2006/main" xmlns:r="http://schemas.openxmlformats.org/officeDocument/2006/relationships" xmlns:p="http://schemas.openxmlformats.org/presentationml/2006/main">
   <p:cSld>
     <p:spTree>
@@ -6665,7 +4440,7 @@
           <p:cNvPr id="2" name="Título 1">
             <a:extLst>
               <a:ext uri="{FF2B5EF4-FFF2-40B4-BE49-F238E27FC236}">
-                <a16:creationId xmlns="" xmlns:a16="http://schemas.microsoft.com/office/drawing/2014/main" id="{1258A6B5-29A2-40E3-9451-ECF7822CE513}"/>
+                <a16:creationId xmlns:a16="http://schemas.microsoft.com/office/drawing/2014/main" id="{1258A6B5-29A2-40E3-9451-ECF7822CE513}"/>
               </a:ext>
             </a:extLst>
           </p:cNvPr>
@@ -6693,7 +4468,7 @@
           <p:cNvPr id="5" name="Espaço Reservado para Conteúdo 4">
             <a:extLst>
               <a:ext uri="{FF2B5EF4-FFF2-40B4-BE49-F238E27FC236}">
-                <a16:creationId xmlns="" xmlns:a16="http://schemas.microsoft.com/office/drawing/2014/main" id="{B614B2BC-1672-4B4C-B1D9-8F6906444D11}"/>
+                <a16:creationId xmlns:a16="http://schemas.microsoft.com/office/drawing/2014/main" id="{B614B2BC-1672-4B4C-B1D9-8F6906444D11}"/>
               </a:ext>
             </a:extLst>
           </p:cNvPr>
@@ -6736,90 +4511,7 @@
 </p:sld>
 </file>
 
-<file path=ppt/slides/slide3.xml><?xml version="1.0" encoding="utf-8"?>
-<p:sld xmlns:a="http://schemas.openxmlformats.org/drawingml/2006/main" xmlns:r="http://schemas.openxmlformats.org/officeDocument/2006/relationships" xmlns:p="http://schemas.openxmlformats.org/presentationml/2006/main">
-  <p:cSld>
-    <p:spTree>
-      <p:nvGrpSpPr>
-        <p:cNvPr id="1" name=""/>
-        <p:cNvGrpSpPr/>
-        <p:nvPr/>
-      </p:nvGrpSpPr>
-      <p:grpSpPr>
-        <a:xfrm>
-          <a:off x="0" y="0"/>
-          <a:ext cx="0" cy="0"/>
-          <a:chOff x="0" y="0"/>
-          <a:chExt cx="0" cy="0"/>
-        </a:xfrm>
-      </p:grpSpPr>
-      <p:sp>
-        <p:nvSpPr>
-          <p:cNvPr id="4" name="Título 3"/>
-          <p:cNvSpPr>
-            <a:spLocks noGrp="1"/>
-          </p:cNvSpPr>
-          <p:nvPr>
-            <p:ph type="title"/>
-          </p:nvPr>
-        </p:nvSpPr>
-        <p:spPr/>
-        <p:txBody>
-          <a:bodyPr/>
-          <a:lstStyle/>
-          <a:p>
-            <a:pPr eaLnBrk="1" hangingPunct="1">
-              <a:defRPr/>
-            </a:pPr>
-            <a:r>
-              <a:rPr lang="pt-BR" dirty="0"/>
-              <a:t>O problema</a:t>
-            </a:r>
-          </a:p>
-        </p:txBody>
-      </p:sp>
-      <p:pic>
-        <p:nvPicPr>
-          <p:cNvPr id="8" name="Picture 7">
-            <a:extLst>
-              <a:ext uri="{FF2B5EF4-FFF2-40B4-BE49-F238E27FC236}">
-                <a16:creationId xmlns="" xmlns:a16="http://schemas.microsoft.com/office/drawing/2014/main" id="{6802FF0F-183C-4A30-9C30-D9C9C5405CD1}"/>
-              </a:ext>
-            </a:extLst>
-          </p:cNvPr>
-          <p:cNvPicPr>
-            <a:picLocks noChangeAspect="1"/>
-          </p:cNvPicPr>
-          <p:nvPr/>
-        </p:nvPicPr>
-        <p:blipFill>
-          <a:blip r:embed="rId2" cstate="print"/>
-          <a:stretch>
-            <a:fillRect/>
-          </a:stretch>
-        </p:blipFill>
-        <p:spPr>
-          <a:xfrm>
-            <a:off x="430925" y="1484784"/>
-            <a:ext cx="8269449" cy="4104456"/>
-          </a:xfrm>
-          <a:prstGeom prst="rect">
-            <a:avLst/>
-          </a:prstGeom>
-        </p:spPr>
-      </p:pic>
-    </p:spTree>
-  </p:cSld>
-  <p:clrMapOvr>
-    <a:masterClrMapping/>
-  </p:clrMapOvr>
-  <p:transition spd="med">
-    <p:fade/>
-  </p:transition>
-</p:sld>
-</file>
-
-<file path=ppt/slides/slide30.xml><?xml version="1.0" encoding="utf-8"?>
+<file path=ppt/slides/slide19.xml><?xml version="1.0" encoding="utf-8"?>
 <p:sld xmlns:a="http://schemas.openxmlformats.org/drawingml/2006/main" xmlns:r="http://schemas.openxmlformats.org/officeDocument/2006/relationships" xmlns:p="http://schemas.openxmlformats.org/presentationml/2006/main">
   <p:cSld>
     <p:spTree>
@@ -6841,7 +4533,7 @@
           <p:cNvPr id="2" name="Título 1">
             <a:extLst>
               <a:ext uri="{FF2B5EF4-FFF2-40B4-BE49-F238E27FC236}">
-                <a16:creationId xmlns="" xmlns:a16="http://schemas.microsoft.com/office/drawing/2014/main" id="{4DBEE726-2AAB-4969-973C-8C26FE82FEF2}"/>
+                <a16:creationId xmlns:a16="http://schemas.microsoft.com/office/drawing/2014/main" id="{4DBEE726-2AAB-4969-973C-8C26FE82FEF2}"/>
               </a:ext>
             </a:extLst>
           </p:cNvPr>
@@ -6869,7 +4561,7 @@
           <p:cNvPr id="5" name="Espaço Reservado para Conteúdo 4">
             <a:extLst>
               <a:ext uri="{FF2B5EF4-FFF2-40B4-BE49-F238E27FC236}">
-                <a16:creationId xmlns="" xmlns:a16="http://schemas.microsoft.com/office/drawing/2014/main" id="{D0E0BD5E-9A99-41F6-AEAA-D122187C4B06}"/>
+                <a16:creationId xmlns:a16="http://schemas.microsoft.com/office/drawing/2014/main" id="{D0E0BD5E-9A99-41F6-AEAA-D122187C4B06}"/>
               </a:ext>
             </a:extLst>
           </p:cNvPr>
@@ -6912,7 +4604,90 @@
 </p:sld>
 </file>
 
-<file path=ppt/slides/slide31.xml><?xml version="1.0" encoding="utf-8"?>
+<file path=ppt/slides/slide2.xml><?xml version="1.0" encoding="utf-8"?>
+<p:sld xmlns:a="http://schemas.openxmlformats.org/drawingml/2006/main" xmlns:r="http://schemas.openxmlformats.org/officeDocument/2006/relationships" xmlns:p="http://schemas.openxmlformats.org/presentationml/2006/main">
+  <p:cSld>
+    <p:spTree>
+      <p:nvGrpSpPr>
+        <p:cNvPr id="1" name=""/>
+        <p:cNvGrpSpPr/>
+        <p:nvPr/>
+      </p:nvGrpSpPr>
+      <p:grpSpPr>
+        <a:xfrm>
+          <a:off x="0" y="0"/>
+          <a:ext cx="0" cy="0"/>
+          <a:chOff x="0" y="0"/>
+          <a:chExt cx="0" cy="0"/>
+        </a:xfrm>
+      </p:grpSpPr>
+      <p:sp>
+        <p:nvSpPr>
+          <p:cNvPr id="4" name="Título 3"/>
+          <p:cNvSpPr>
+            <a:spLocks noGrp="1"/>
+          </p:cNvSpPr>
+          <p:nvPr>
+            <p:ph type="title"/>
+          </p:nvPr>
+        </p:nvSpPr>
+        <p:spPr/>
+        <p:txBody>
+          <a:bodyPr/>
+          <a:lstStyle/>
+          <a:p>
+            <a:pPr eaLnBrk="1" hangingPunct="1">
+              <a:defRPr/>
+            </a:pPr>
+            <a:r>
+              <a:rPr lang="pt-BR" dirty="0"/>
+              <a:t>Introdução Negócio</a:t>
+            </a:r>
+          </a:p>
+        </p:txBody>
+      </p:sp>
+      <p:pic>
+        <p:nvPicPr>
+          <p:cNvPr id="5" name="Picture 4">
+            <a:extLst>
+              <a:ext uri="{FF2B5EF4-FFF2-40B4-BE49-F238E27FC236}">
+                <a16:creationId xmlns:a16="http://schemas.microsoft.com/office/drawing/2014/main" id="{47BB9FD5-5FAB-47BE-936F-4BD6B4C3D29C}"/>
+              </a:ext>
+            </a:extLst>
+          </p:cNvPr>
+          <p:cNvPicPr>
+            <a:picLocks noChangeAspect="1"/>
+          </p:cNvPicPr>
+          <p:nvPr/>
+        </p:nvPicPr>
+        <p:blipFill>
+          <a:blip r:embed="rId2"/>
+          <a:stretch>
+            <a:fillRect/>
+          </a:stretch>
+        </p:blipFill>
+        <p:spPr>
+          <a:xfrm>
+            <a:off x="22879" y="1340768"/>
+            <a:ext cx="9318461" cy="5328592"/>
+          </a:xfrm>
+          <a:prstGeom prst="rect">
+            <a:avLst/>
+          </a:prstGeom>
+        </p:spPr>
+      </p:pic>
+    </p:spTree>
+  </p:cSld>
+  <p:clrMapOvr>
+    <a:masterClrMapping/>
+  </p:clrMapOvr>
+  <p:transition spd="med">
+    <p:fade/>
+  </p:transition>
+</p:sld>
+</file>
+
+<file path=ppt/slides/slide20.xml><?xml version="1.0" encoding="utf-8"?>
 <p:sld xmlns:a="http://schemas.openxmlformats.org/drawingml/2006/main" xmlns:r="http://schemas.openxmlformats.org/officeDocument/2006/relationships" xmlns:p="http://schemas.openxmlformats.org/presentationml/2006/main">
   <p:cSld>
     <p:spTree>
@@ -7424,7 +5199,7 @@
 </p:sld>
 </file>
 
-<file path=ppt/slides/slide32.xml><?xml version="1.0" encoding="utf-8"?>
+<file path=ppt/slides/slide21.xml><?xml version="1.0" encoding="utf-8"?>
 <p:sld xmlns:a="http://schemas.openxmlformats.org/drawingml/2006/main" xmlns:r="http://schemas.openxmlformats.org/officeDocument/2006/relationships" xmlns:p="http://schemas.openxmlformats.org/presentationml/2006/main">
   <p:cSld>
     <p:spTree>
@@ -7461,13 +5236,8 @@
             </a:pPr>
             <a:r>
               <a:rPr lang="pt-BR" dirty="0"/>
-              <a:t>MODULO </a:t>
+              <a:t>MODULO EMPRESA</a:t>
             </a:r>
-            <a:r>
-              <a:rPr lang="pt-BR" dirty="0" smtClean="0"/>
-              <a:t>EMPRESA</a:t>
-            </a:r>
-            <a:endParaRPr lang="pt-BR" dirty="0"/>
           </a:p>
         </p:txBody>
       </p:sp>
@@ -7520,7 +5290,7 @@
               <a:defRPr/>
             </a:pPr>
             <a:r>
-              <a:rPr lang="pt-BR" sz="2000" dirty="0" smtClean="0">
+              <a:rPr lang="pt-BR" sz="2000" dirty="0">
                 <a:solidFill>
                   <a:schemeClr val="tx2">
                     <a:lumMod val="75000"/>
@@ -7529,13 +5299,6 @@
               </a:rPr>
               <a:t>Manter Cliente</a:t>
             </a:r>
-            <a:endParaRPr lang="pt-BR" sz="2000" dirty="0">
-              <a:solidFill>
-                <a:schemeClr val="tx2">
-                  <a:lumMod val="75000"/>
-                </a:schemeClr>
-              </a:solidFill>
-            </a:endParaRPr>
           </a:p>
           <a:p>
             <a:pPr lvl="1" algn="just" eaLnBrk="1" hangingPunct="1">
@@ -7544,7 +5307,7 @@
               <a:defRPr/>
             </a:pPr>
             <a:r>
-              <a:rPr lang="pt-BR" sz="1800" dirty="0" smtClean="0">
+              <a:rPr lang="pt-BR" sz="1800" dirty="0">
                 <a:solidFill>
                   <a:schemeClr val="tx2">
                     <a:lumMod val="75000"/>
@@ -7553,13 +5316,6 @@
               </a:rPr>
               <a:t>Incluir novos clientes, editar seus dados e excluir quando necessário.</a:t>
             </a:r>
-            <a:endParaRPr lang="pt-BR" sz="1800" dirty="0">
-              <a:solidFill>
-                <a:schemeClr val="tx2">
-                  <a:lumMod val="75000"/>
-                </a:schemeClr>
-              </a:solidFill>
-            </a:endParaRPr>
           </a:p>
           <a:p>
             <a:pPr algn="just" eaLnBrk="1" hangingPunct="1">
@@ -7568,7 +5324,7 @@
               <a:defRPr/>
             </a:pPr>
             <a:r>
-              <a:rPr lang="pt-BR" sz="2000" dirty="0" smtClean="0">
+              <a:rPr lang="pt-BR" sz="2000" dirty="0">
                 <a:solidFill>
                   <a:schemeClr val="tx2">
                     <a:lumMod val="75000"/>
@@ -7577,13 +5333,6 @@
               </a:rPr>
               <a:t>Manter Parceria</a:t>
             </a:r>
-            <a:endParaRPr lang="pt-BR" sz="2000" dirty="0">
-              <a:solidFill>
-                <a:schemeClr val="tx2">
-                  <a:lumMod val="75000"/>
-                </a:schemeClr>
-              </a:solidFill>
-            </a:endParaRPr>
           </a:p>
           <a:p>
             <a:pPr lvl="1" algn="just" eaLnBrk="1" hangingPunct="1">
@@ -7592,7 +5341,7 @@
               <a:defRPr/>
             </a:pPr>
             <a:r>
-              <a:rPr lang="pt-BR" sz="1800" dirty="0" smtClean="0">
+              <a:rPr lang="pt-BR" sz="1800" dirty="0">
                 <a:solidFill>
                   <a:schemeClr val="tx2">
                     <a:lumMod val="75000"/>
@@ -7601,13 +5350,6 @@
               </a:rPr>
               <a:t>Cadastra uma empresa como parceira, editar seus dados e remover parceria.</a:t>
             </a:r>
-            <a:endParaRPr lang="pt-BR" sz="1800" dirty="0">
-              <a:solidFill>
-                <a:schemeClr val="tx2">
-                  <a:lumMod val="75000"/>
-                </a:schemeClr>
-              </a:solidFill>
-            </a:endParaRPr>
           </a:p>
           <a:p>
             <a:pPr algn="just" eaLnBrk="1" hangingPunct="1">
@@ -7616,7 +5358,7 @@
               <a:defRPr/>
             </a:pPr>
             <a:r>
-              <a:rPr lang="pt-BR" sz="2000" dirty="0" smtClean="0">
+              <a:rPr lang="pt-BR" sz="2000" dirty="0">
                 <a:solidFill>
                   <a:schemeClr val="tx2">
                     <a:lumMod val="75000"/>
@@ -7625,13 +5367,6 @@
               </a:rPr>
               <a:t>Manter Convênio</a:t>
             </a:r>
-            <a:endParaRPr lang="pt-BR" sz="2000" dirty="0">
-              <a:solidFill>
-                <a:schemeClr val="tx2">
-                  <a:lumMod val="75000"/>
-                </a:schemeClr>
-              </a:solidFill>
-            </a:endParaRPr>
           </a:p>
           <a:p>
             <a:pPr lvl="1" algn="just" eaLnBrk="1" hangingPunct="1">
@@ -7640,7 +5375,7 @@
               <a:defRPr/>
             </a:pPr>
             <a:r>
-              <a:rPr lang="pt-BR" sz="1800" dirty="0" smtClean="0">
+              <a:rPr lang="pt-BR" sz="1800" dirty="0">
                 <a:solidFill>
                   <a:schemeClr val="tx2">
                     <a:lumMod val="75000"/>
@@ -7691,7 +5426,7 @@
 </p:sld>
 </file>
 
-<file path=ppt/slides/slide33.xml><?xml version="1.0" encoding="utf-8"?>
+<file path=ppt/slides/slide22.xml><?xml version="1.0" encoding="utf-8"?>
 <p:sld xmlns:a="http://schemas.openxmlformats.org/drawingml/2006/main" xmlns:r="http://schemas.openxmlformats.org/officeDocument/2006/relationships" xmlns:p="http://schemas.openxmlformats.org/presentationml/2006/main">
   <p:cSld>
     <p:spTree>
@@ -7728,13 +5463,8 @@
             </a:pPr>
             <a:r>
               <a:rPr lang="pt-BR" dirty="0"/>
-              <a:t>MODULO </a:t>
+              <a:t>MODULO EMPRESA</a:t>
             </a:r>
-            <a:r>
-              <a:rPr lang="pt-BR" dirty="0" smtClean="0"/>
-              <a:t>EMPRESA</a:t>
-            </a:r>
-            <a:endParaRPr lang="pt-BR" dirty="0"/>
           </a:p>
         </p:txBody>
       </p:sp>
@@ -7844,7 +5574,7 @@
 </p:sld>
 </file>
 
-<file path=ppt/slides/slide34.xml><?xml version="1.0" encoding="utf-8"?>
+<file path=ppt/slides/slide23.xml><?xml version="1.0" encoding="utf-8"?>
 <p:sld xmlns:a="http://schemas.openxmlformats.org/drawingml/2006/main" xmlns:r="http://schemas.openxmlformats.org/officeDocument/2006/relationships" xmlns:p="http://schemas.openxmlformats.org/presentationml/2006/main">
   <p:cSld>
     <p:spTree>
@@ -7881,13 +5611,8 @@
             </a:pPr>
             <a:r>
               <a:rPr lang="pt-BR" dirty="0"/>
-              <a:t>MODULO </a:t>
+              <a:t>MODULO EMPRESA</a:t>
             </a:r>
-            <a:r>
-              <a:rPr lang="pt-BR" dirty="0" smtClean="0"/>
-              <a:t>EMPRESA</a:t>
-            </a:r>
-            <a:endParaRPr lang="pt-BR" dirty="0"/>
           </a:p>
         </p:txBody>
       </p:sp>
@@ -7997,7 +5722,7 @@
 </p:sld>
 </file>
 
-<file path=ppt/slides/slide35.xml><?xml version="1.0" encoding="utf-8"?>
+<file path=ppt/slides/slide24.xml><?xml version="1.0" encoding="utf-8"?>
 <p:sld xmlns:a="http://schemas.openxmlformats.org/drawingml/2006/main" xmlns:r="http://schemas.openxmlformats.org/officeDocument/2006/relationships" xmlns:p="http://schemas.openxmlformats.org/presentationml/2006/main">
   <p:cSld>
     <p:spTree>
@@ -8034,13 +5759,8 @@
             </a:pPr>
             <a:r>
               <a:rPr lang="pt-BR" dirty="0"/>
-              <a:t>MODULO </a:t>
+              <a:t>MODULO EMPRESA</a:t>
             </a:r>
-            <a:r>
-              <a:rPr lang="pt-BR" dirty="0" smtClean="0"/>
-              <a:t>EMPRESA</a:t>
-            </a:r>
-            <a:endParaRPr lang="pt-BR" dirty="0"/>
           </a:p>
         </p:txBody>
       </p:sp>
@@ -8150,7 +5870,7 @@
 </p:sld>
 </file>
 
-<file path=ppt/slides/slide36.xml><?xml version="1.0" encoding="utf-8"?>
+<file path=ppt/slides/slide25.xml><?xml version="1.0" encoding="utf-8"?>
 <p:sld xmlns:a="http://schemas.openxmlformats.org/drawingml/2006/main" xmlns:r="http://schemas.openxmlformats.org/officeDocument/2006/relationships" xmlns:p="http://schemas.openxmlformats.org/presentationml/2006/main">
   <p:cSld>
     <p:spTree>
@@ -8187,13 +5907,8 @@
             </a:pPr>
             <a:r>
               <a:rPr lang="pt-BR" dirty="0"/>
-              <a:t>MODULO </a:t>
+              <a:t>MODULO EMPRESA</a:t>
             </a:r>
-            <a:r>
-              <a:rPr lang="pt-BR" dirty="0" smtClean="0"/>
-              <a:t>EMPRESA</a:t>
-            </a:r>
-            <a:endParaRPr lang="pt-BR" dirty="0"/>
           </a:p>
         </p:txBody>
       </p:sp>
@@ -8303,7 +6018,7 @@
 </p:sld>
 </file>
 
-<file path=ppt/slides/slide37.xml><?xml version="1.0" encoding="utf-8"?>
+<file path=ppt/slides/slide26.xml><?xml version="1.0" encoding="utf-8"?>
 <p:sld xmlns:a="http://schemas.openxmlformats.org/drawingml/2006/main" xmlns:r="http://schemas.openxmlformats.org/officeDocument/2006/relationships" xmlns:p="http://schemas.openxmlformats.org/presentationml/2006/main">
   <p:cSld>
     <p:spTree>
@@ -8815,7 +6530,7 @@
 </p:sld>
 </file>
 
-<file path=ppt/slides/slide38.xml><?xml version="1.0" encoding="utf-8"?>
+<file path=ppt/slides/slide27.xml><?xml version="1.0" encoding="utf-8"?>
 <p:sld xmlns:a="http://schemas.openxmlformats.org/drawingml/2006/main" xmlns:r="http://schemas.openxmlformats.org/officeDocument/2006/relationships" xmlns:p="http://schemas.openxmlformats.org/presentationml/2006/main">
   <p:cSld>
     <p:spTree>
@@ -9018,7 +6733,7 @@
 </p:sld>
 </file>
 
-<file path=ppt/slides/slide39.xml><?xml version="1.0" encoding="utf-8"?>
+<file path=ppt/slides/slide28.xml><?xml version="1.0" encoding="utf-8"?>
 <p:sld xmlns:a="http://schemas.openxmlformats.org/drawingml/2006/main" xmlns:r="http://schemas.openxmlformats.org/officeDocument/2006/relationships" xmlns:p="http://schemas.openxmlformats.org/presentationml/2006/main">
   <p:cSld>
     <p:spTree>
@@ -9262,120 +6977,7 @@
 </p:sld>
 </file>
 
-<file path=ppt/slides/slide4.xml><?xml version="1.0" encoding="utf-8"?>
-<p:sld xmlns:a="http://schemas.openxmlformats.org/drawingml/2006/main" xmlns:r="http://schemas.openxmlformats.org/officeDocument/2006/relationships" xmlns:p="http://schemas.openxmlformats.org/presentationml/2006/main">
-  <p:cSld>
-    <p:spTree>
-      <p:nvGrpSpPr>
-        <p:cNvPr id="1" name=""/>
-        <p:cNvGrpSpPr/>
-        <p:nvPr/>
-      </p:nvGrpSpPr>
-      <p:grpSpPr>
-        <a:xfrm>
-          <a:off x="0" y="0"/>
-          <a:ext cx="0" cy="0"/>
-          <a:chOff x="0" y="0"/>
-          <a:chExt cx="0" cy="0"/>
-        </a:xfrm>
-      </p:grpSpPr>
-      <p:sp>
-        <p:nvSpPr>
-          <p:cNvPr id="4" name="Título 3"/>
-          <p:cNvSpPr>
-            <a:spLocks noGrp="1"/>
-          </p:cNvSpPr>
-          <p:nvPr>
-            <p:ph type="title"/>
-          </p:nvPr>
-        </p:nvSpPr>
-        <p:spPr/>
-        <p:txBody>
-          <a:bodyPr/>
-          <a:lstStyle/>
-          <a:p>
-            <a:pPr eaLnBrk="1" hangingPunct="1">
-              <a:defRPr/>
-            </a:pPr>
-            <a:r>
-              <a:rPr lang="pt-BR" dirty="0"/>
-              <a:t>O Sistema</a:t>
-            </a:r>
-          </a:p>
-        </p:txBody>
-      </p:sp>
-      <p:pic>
-        <p:nvPicPr>
-          <p:cNvPr id="11266" name="Diagrama 1">
-            <a:extLst>
-              <a:ext uri="{FF2B5EF4-FFF2-40B4-BE49-F238E27FC236}">
-                <a16:creationId xmlns="" xmlns:a16="http://schemas.microsoft.com/office/drawing/2014/main" id="{4C81840A-E9DF-427C-85B7-BC425FCD88EA}"/>
-              </a:ext>
-            </a:extLst>
-          </p:cNvPr>
-          <p:cNvPicPr>
-            <a:picLocks noChangeArrowheads="1"/>
-          </p:cNvPicPr>
-          <p:nvPr/>
-        </p:nvPicPr>
-        <p:blipFill>
-          <a:blip r:embed="rId2" cstate="print">
-            <a:extLst>
-              <a:ext uri="{28A0092B-C50C-407E-A947-70E740481C1C}">
-                <a14:useLocalDpi xmlns:a14="http://schemas.microsoft.com/office/drawing/2010/main" val="0"/>
-              </a:ext>
-            </a:extLst>
-          </a:blip>
-          <a:srcRect l="-20329" r="-20883"/>
-          <a:stretch>
-            <a:fillRect/>
-          </a:stretch>
-        </p:blipFill>
-        <p:spPr bwMode="auto">
-          <a:xfrm>
-            <a:off x="166688" y="1340768"/>
-            <a:ext cx="8977311" cy="5184576"/>
-          </a:xfrm>
-          <a:prstGeom prst="rect">
-            <a:avLst/>
-          </a:prstGeom>
-          <a:noFill/>
-          <a:ln>
-            <a:noFill/>
-          </a:ln>
-          <a:extLst>
-            <a:ext uri="{909E8E84-426E-40DD-AFC4-6F175D3DCCD1}">
-              <a14:hiddenFill xmlns:a14="http://schemas.microsoft.com/office/drawing/2010/main">
-                <a:solidFill>
-                  <a:srgbClr val="FFFFFF"/>
-                </a:solidFill>
-              </a14:hiddenFill>
-            </a:ext>
-            <a:ext uri="{91240B29-F687-4F45-9708-019B960494DF}">
-              <a14:hiddenLine xmlns:a14="http://schemas.microsoft.com/office/drawing/2010/main" w="9525">
-                <a:solidFill>
-                  <a:srgbClr val="000000"/>
-                </a:solidFill>
-                <a:miter lim="800000"/>
-                <a:headEnd/>
-                <a:tailEnd/>
-              </a14:hiddenLine>
-            </a:ext>
-          </a:extLst>
-        </p:spPr>
-      </p:pic>
-    </p:spTree>
-  </p:cSld>
-  <p:clrMapOvr>
-    <a:masterClrMapping/>
-  </p:clrMapOvr>
-  <p:transition spd="med">
-    <p:fade/>
-  </p:transition>
-</p:sld>
-</file>
-
-<file path=ppt/slides/slide40.xml><?xml version="1.0" encoding="utf-8"?>
+<file path=ppt/slides/slide29.xml><?xml version="1.0" encoding="utf-8"?>
 <p:sld xmlns:a="http://schemas.openxmlformats.org/drawingml/2006/main" xmlns:r="http://schemas.openxmlformats.org/officeDocument/2006/relationships" xmlns:p="http://schemas.openxmlformats.org/presentationml/2006/main">
   <p:cSld>
     <p:spTree>
@@ -9619,7 +7221,90 @@
 </p:sld>
 </file>
 
-<file path=ppt/slides/slide41.xml><?xml version="1.0" encoding="utf-8"?>
+<file path=ppt/slides/slide3.xml><?xml version="1.0" encoding="utf-8"?>
+<p:sld xmlns:a="http://schemas.openxmlformats.org/drawingml/2006/main" xmlns:r="http://schemas.openxmlformats.org/officeDocument/2006/relationships" xmlns:p="http://schemas.openxmlformats.org/presentationml/2006/main">
+  <p:cSld>
+    <p:spTree>
+      <p:nvGrpSpPr>
+        <p:cNvPr id="1" name=""/>
+        <p:cNvGrpSpPr/>
+        <p:nvPr/>
+      </p:nvGrpSpPr>
+      <p:grpSpPr>
+        <a:xfrm>
+          <a:off x="0" y="0"/>
+          <a:ext cx="0" cy="0"/>
+          <a:chOff x="0" y="0"/>
+          <a:chExt cx="0" cy="0"/>
+        </a:xfrm>
+      </p:grpSpPr>
+      <p:sp>
+        <p:nvSpPr>
+          <p:cNvPr id="4" name="Título 3"/>
+          <p:cNvSpPr>
+            <a:spLocks noGrp="1"/>
+          </p:cNvSpPr>
+          <p:nvPr>
+            <p:ph type="title"/>
+          </p:nvPr>
+        </p:nvSpPr>
+        <p:spPr/>
+        <p:txBody>
+          <a:bodyPr/>
+          <a:lstStyle/>
+          <a:p>
+            <a:pPr eaLnBrk="1" hangingPunct="1">
+              <a:defRPr/>
+            </a:pPr>
+            <a:r>
+              <a:rPr lang="pt-BR" dirty="0"/>
+              <a:t>O problema</a:t>
+            </a:r>
+          </a:p>
+        </p:txBody>
+      </p:sp>
+      <p:pic>
+        <p:nvPicPr>
+          <p:cNvPr id="2" name="Picture 1">
+            <a:extLst>
+              <a:ext uri="{FF2B5EF4-FFF2-40B4-BE49-F238E27FC236}">
+                <a16:creationId xmlns:a16="http://schemas.microsoft.com/office/drawing/2014/main" id="{7394DCF1-64AE-4F2C-AE84-F0B1DDB08AE1}"/>
+              </a:ext>
+            </a:extLst>
+          </p:cNvPr>
+          <p:cNvPicPr>
+            <a:picLocks noChangeAspect="1"/>
+          </p:cNvPicPr>
+          <p:nvPr/>
+        </p:nvPicPr>
+        <p:blipFill>
+          <a:blip r:embed="rId2"/>
+          <a:stretch>
+            <a:fillRect/>
+          </a:stretch>
+        </p:blipFill>
+        <p:spPr>
+          <a:xfrm>
+            <a:off x="827584" y="1556792"/>
+            <a:ext cx="7923799" cy="3676245"/>
+          </a:xfrm>
+          <a:prstGeom prst="rect">
+            <a:avLst/>
+          </a:prstGeom>
+        </p:spPr>
+      </p:pic>
+    </p:spTree>
+  </p:cSld>
+  <p:clrMapOvr>
+    <a:masterClrMapping/>
+  </p:clrMapOvr>
+  <p:transition spd="med">
+    <p:fade/>
+  </p:transition>
+</p:sld>
+</file>
+
+<file path=ppt/slides/slide30.xml><?xml version="1.0" encoding="utf-8"?>
 <p:sld xmlns:a="http://schemas.openxmlformats.org/drawingml/2006/main" xmlns:r="http://schemas.openxmlformats.org/officeDocument/2006/relationships" xmlns:p="http://schemas.openxmlformats.org/presentationml/2006/main">
   <p:cSld>
     <p:spTree>
@@ -9863,7 +7548,7 @@
 </p:sld>
 </file>
 
-<file path=ppt/slides/slide42.xml><?xml version="1.0" encoding="utf-8"?>
+<file path=ppt/slides/slide31.xml><?xml version="1.0" encoding="utf-8"?>
 <p:sld xmlns:a="http://schemas.openxmlformats.org/drawingml/2006/main" xmlns:r="http://schemas.openxmlformats.org/officeDocument/2006/relationships" xmlns:p="http://schemas.openxmlformats.org/presentationml/2006/main">
   <p:cSld>
     <p:spTree>
@@ -10107,7 +7792,7 @@
 </p:sld>
 </file>
 
-<file path=ppt/slides/slide43.xml><?xml version="1.0" encoding="utf-8"?>
+<file path=ppt/slides/slide32.xml><?xml version="1.0" encoding="utf-8"?>
 <p:sld xmlns:a="http://schemas.openxmlformats.org/drawingml/2006/main" xmlns:r="http://schemas.openxmlformats.org/officeDocument/2006/relationships" xmlns:p="http://schemas.openxmlformats.org/presentationml/2006/main">
   <p:cSld>
     <p:spTree>
@@ -10351,7 +8036,514 @@
 </p:sld>
 </file>
 
-<file path=ppt/slides/slide44.xml><?xml version="1.0" encoding="utf-8"?>
+<file path=ppt/slides/slide33.xml><?xml version="1.0" encoding="utf-8"?>
+<p:sld xmlns:a="http://schemas.openxmlformats.org/drawingml/2006/main" xmlns:r="http://schemas.openxmlformats.org/officeDocument/2006/relationships" xmlns:p="http://schemas.openxmlformats.org/presentationml/2006/main">
+  <p:cSld>
+    <p:spTree>
+      <p:nvGrpSpPr>
+        <p:cNvPr id="1" name=""/>
+        <p:cNvGrpSpPr/>
+        <p:nvPr/>
+      </p:nvGrpSpPr>
+      <p:grpSpPr>
+        <a:xfrm>
+          <a:off x="0" y="0"/>
+          <a:ext cx="0" cy="0"/>
+          <a:chOff x="0" y="0"/>
+          <a:chExt cx="0" cy="0"/>
+        </a:xfrm>
+      </p:grpSpPr>
+      <p:sp>
+        <p:nvSpPr>
+          <p:cNvPr id="7170" name="Rectangle 2"/>
+          <p:cNvSpPr>
+            <a:spLocks noGrp="1" noChangeArrowheads="1"/>
+          </p:cNvSpPr>
+          <p:nvPr>
+            <p:ph type="ctrTitle"/>
+          </p:nvPr>
+        </p:nvSpPr>
+        <p:spPr>
+          <a:xfrm>
+            <a:off x="611560" y="1484784"/>
+            <a:ext cx="7815263" cy="2088232"/>
+          </a:xfrm>
+        </p:spPr>
+        <p:txBody>
+          <a:bodyPr/>
+          <a:lstStyle/>
+          <a:p>
+            <a:pPr eaLnBrk="1" fontAlgn="auto" hangingPunct="1">
+              <a:spcAft>
+                <a:spcPts val="0"/>
+              </a:spcAft>
+              <a:defRPr/>
+            </a:pPr>
+            <a:r>
+              <a:rPr lang="pt-BR" dirty="0">
+                <a:ea typeface="ＭＳ Ｐゴシック" pitchFamily="-106" charset="-128"/>
+              </a:rPr>
+              <a:t>MODULO PACIENTE</a:t>
+            </a:r>
+          </a:p>
+        </p:txBody>
+      </p:sp>
+      <p:grpSp>
+        <p:nvGrpSpPr>
+          <p:cNvPr id="2" name="Group 11"/>
+          <p:cNvGrpSpPr>
+            <a:grpSpLocks/>
+          </p:cNvGrpSpPr>
+          <p:nvPr/>
+        </p:nvGrpSpPr>
+        <p:grpSpPr bwMode="auto">
+          <a:xfrm>
+            <a:off x="755650" y="3213100"/>
+            <a:ext cx="184150" cy="711200"/>
+            <a:chOff x="476" y="2078"/>
+            <a:chExt cx="116" cy="448"/>
+          </a:xfrm>
+        </p:grpSpPr>
+        <p:sp>
+          <p:nvSpPr>
+            <p:cNvPr id="4101" name="Text Box 4"/>
+            <p:cNvSpPr txBox="1">
+              <a:spLocks noChangeArrowheads="1"/>
+            </p:cNvSpPr>
+            <p:nvPr/>
+          </p:nvSpPr>
+          <p:spPr bwMode="auto">
+            <a:xfrm>
+              <a:off x="476" y="2078"/>
+              <a:ext cx="116" cy="233"/>
+            </a:xfrm>
+            <a:prstGeom prst="rect">
+              <a:avLst/>
+            </a:prstGeom>
+            <a:noFill/>
+            <a:ln>
+              <a:noFill/>
+            </a:ln>
+            <a:extLst>
+              <a:ext uri="{909E8E84-426E-40DD-AFC4-6F175D3DCCD1}">
+                <a14:hiddenFill xmlns:a14="http://schemas.microsoft.com/office/drawing/2010/main">
+                  <a:solidFill>
+                    <a:srgbClr val="FFFFFF"/>
+                  </a:solidFill>
+                </a14:hiddenFill>
+              </a:ext>
+              <a:ext uri="{91240B29-F687-4F45-9708-019B960494DF}">
+                <a14:hiddenLine xmlns:a14="http://schemas.microsoft.com/office/drawing/2010/main" w="9525">
+                  <a:solidFill>
+                    <a:srgbClr val="000000"/>
+                  </a:solidFill>
+                  <a:miter lim="800000"/>
+                  <a:headEnd/>
+                  <a:tailEnd/>
+                </a14:hiddenLine>
+              </a:ext>
+            </a:extLst>
+          </p:spPr>
+          <p:txBody>
+            <a:bodyPr wrap="none">
+              <a:spAutoFit/>
+            </a:bodyPr>
+            <a:lstStyle>
+              <a:lvl1pPr>
+                <a:defRPr>
+                  <a:solidFill>
+                    <a:schemeClr val="tx1"/>
+                  </a:solidFill>
+                  <a:latin typeface="Arial" charset="0"/>
+                  <a:ea typeface="ＭＳ Ｐゴシック" pitchFamily="34" charset="-128"/>
+                </a:defRPr>
+              </a:lvl1pPr>
+              <a:lvl2pPr marL="742950" indent="-285750">
+                <a:defRPr>
+                  <a:solidFill>
+                    <a:schemeClr val="tx1"/>
+                  </a:solidFill>
+                  <a:latin typeface="Arial" charset="0"/>
+                  <a:ea typeface="ＭＳ Ｐゴシック" pitchFamily="34" charset="-128"/>
+                </a:defRPr>
+              </a:lvl2pPr>
+              <a:lvl3pPr marL="1143000" indent="-228600">
+                <a:defRPr>
+                  <a:solidFill>
+                    <a:schemeClr val="tx1"/>
+                  </a:solidFill>
+                  <a:latin typeface="Arial" charset="0"/>
+                  <a:ea typeface="ＭＳ Ｐゴシック" pitchFamily="34" charset="-128"/>
+                </a:defRPr>
+              </a:lvl3pPr>
+              <a:lvl4pPr marL="1600200" indent="-228600">
+                <a:defRPr>
+                  <a:solidFill>
+                    <a:schemeClr val="tx1"/>
+                  </a:solidFill>
+                  <a:latin typeface="Arial" charset="0"/>
+                  <a:ea typeface="ＭＳ Ｐゴシック" pitchFamily="34" charset="-128"/>
+                </a:defRPr>
+              </a:lvl4pPr>
+              <a:lvl5pPr marL="2057400" indent="-228600">
+                <a:defRPr>
+                  <a:solidFill>
+                    <a:schemeClr val="tx1"/>
+                  </a:solidFill>
+                  <a:latin typeface="Arial" charset="0"/>
+                  <a:ea typeface="ＭＳ Ｐゴシック" pitchFamily="34" charset="-128"/>
+                </a:defRPr>
+              </a:lvl5pPr>
+              <a:lvl6pPr marL="2514600" indent="-228600" eaLnBrk="0" fontAlgn="base" hangingPunct="0">
+                <a:spcBef>
+                  <a:spcPct val="0"/>
+                </a:spcBef>
+                <a:spcAft>
+                  <a:spcPct val="0"/>
+                </a:spcAft>
+                <a:defRPr>
+                  <a:solidFill>
+                    <a:schemeClr val="tx1"/>
+                  </a:solidFill>
+                  <a:latin typeface="Arial" charset="0"/>
+                  <a:ea typeface="ＭＳ Ｐゴシック" pitchFamily="34" charset="-128"/>
+                </a:defRPr>
+              </a:lvl6pPr>
+              <a:lvl7pPr marL="2971800" indent="-228600" eaLnBrk="0" fontAlgn="base" hangingPunct="0">
+                <a:spcBef>
+                  <a:spcPct val="0"/>
+                </a:spcBef>
+                <a:spcAft>
+                  <a:spcPct val="0"/>
+                </a:spcAft>
+                <a:defRPr>
+                  <a:solidFill>
+                    <a:schemeClr val="tx1"/>
+                  </a:solidFill>
+                  <a:latin typeface="Arial" charset="0"/>
+                  <a:ea typeface="ＭＳ Ｐゴシック" pitchFamily="34" charset="-128"/>
+                </a:defRPr>
+              </a:lvl7pPr>
+              <a:lvl8pPr marL="3429000" indent="-228600" eaLnBrk="0" fontAlgn="base" hangingPunct="0">
+                <a:spcBef>
+                  <a:spcPct val="0"/>
+                </a:spcBef>
+                <a:spcAft>
+                  <a:spcPct val="0"/>
+                </a:spcAft>
+                <a:defRPr>
+                  <a:solidFill>
+                    <a:schemeClr val="tx1"/>
+                  </a:solidFill>
+                  <a:latin typeface="Arial" charset="0"/>
+                  <a:ea typeface="ＭＳ Ｐゴシック" pitchFamily="34" charset="-128"/>
+                </a:defRPr>
+              </a:lvl8pPr>
+              <a:lvl9pPr marL="3886200" indent="-228600" eaLnBrk="0" fontAlgn="base" hangingPunct="0">
+                <a:spcBef>
+                  <a:spcPct val="0"/>
+                </a:spcBef>
+                <a:spcAft>
+                  <a:spcPct val="0"/>
+                </a:spcAft>
+                <a:defRPr>
+                  <a:solidFill>
+                    <a:schemeClr val="tx1"/>
+                  </a:solidFill>
+                  <a:latin typeface="Arial" charset="0"/>
+                  <a:ea typeface="ＭＳ Ｐゴシック" pitchFamily="34" charset="-128"/>
+                </a:defRPr>
+              </a:lvl9pPr>
+            </a:lstStyle>
+            <a:p>
+              <a:pPr eaLnBrk="1" hangingPunct="1"/>
+              <a:endParaRPr lang="en-US"/>
+            </a:p>
+          </p:txBody>
+        </p:sp>
+        <p:sp>
+          <p:nvSpPr>
+            <p:cNvPr id="4102" name="Text Box 5"/>
+            <p:cNvSpPr txBox="1">
+              <a:spLocks noChangeArrowheads="1"/>
+            </p:cNvSpPr>
+            <p:nvPr/>
+          </p:nvSpPr>
+          <p:spPr bwMode="auto">
+            <a:xfrm>
+              <a:off x="476" y="2235"/>
+              <a:ext cx="116" cy="291"/>
+            </a:xfrm>
+            <a:prstGeom prst="rect">
+              <a:avLst/>
+            </a:prstGeom>
+            <a:noFill/>
+            <a:ln>
+              <a:noFill/>
+            </a:ln>
+            <a:extLst>
+              <a:ext uri="{909E8E84-426E-40DD-AFC4-6F175D3DCCD1}">
+                <a14:hiddenFill xmlns:a14="http://schemas.microsoft.com/office/drawing/2010/main">
+                  <a:solidFill>
+                    <a:srgbClr val="FFFFFF"/>
+                  </a:solidFill>
+                </a14:hiddenFill>
+              </a:ext>
+              <a:ext uri="{91240B29-F687-4F45-9708-019B960494DF}">
+                <a14:hiddenLine xmlns:a14="http://schemas.microsoft.com/office/drawing/2010/main" w="9525">
+                  <a:solidFill>
+                    <a:srgbClr val="000000"/>
+                  </a:solidFill>
+                  <a:miter lim="800000"/>
+                  <a:headEnd/>
+                  <a:tailEnd/>
+                </a14:hiddenLine>
+              </a:ext>
+            </a:extLst>
+          </p:spPr>
+          <p:txBody>
+            <a:bodyPr wrap="none">
+              <a:spAutoFit/>
+            </a:bodyPr>
+            <a:lstStyle>
+              <a:lvl1pPr>
+                <a:defRPr>
+                  <a:solidFill>
+                    <a:schemeClr val="tx1"/>
+                  </a:solidFill>
+                  <a:latin typeface="Arial" charset="0"/>
+                  <a:ea typeface="ＭＳ Ｐゴシック" pitchFamily="34" charset="-128"/>
+                </a:defRPr>
+              </a:lvl1pPr>
+              <a:lvl2pPr marL="742950" indent="-285750">
+                <a:defRPr>
+                  <a:solidFill>
+                    <a:schemeClr val="tx1"/>
+                  </a:solidFill>
+                  <a:latin typeface="Arial" charset="0"/>
+                  <a:ea typeface="ＭＳ Ｐゴシック" pitchFamily="34" charset="-128"/>
+                </a:defRPr>
+              </a:lvl2pPr>
+              <a:lvl3pPr marL="1143000" indent="-228600">
+                <a:defRPr>
+                  <a:solidFill>
+                    <a:schemeClr val="tx1"/>
+                  </a:solidFill>
+                  <a:latin typeface="Arial" charset="0"/>
+                  <a:ea typeface="ＭＳ Ｐゴシック" pitchFamily="34" charset="-128"/>
+                </a:defRPr>
+              </a:lvl3pPr>
+              <a:lvl4pPr marL="1600200" indent="-228600">
+                <a:defRPr>
+                  <a:solidFill>
+                    <a:schemeClr val="tx1"/>
+                  </a:solidFill>
+                  <a:latin typeface="Arial" charset="0"/>
+                  <a:ea typeface="ＭＳ Ｐゴシック" pitchFamily="34" charset="-128"/>
+                </a:defRPr>
+              </a:lvl4pPr>
+              <a:lvl5pPr marL="2057400" indent="-228600">
+                <a:defRPr>
+                  <a:solidFill>
+                    <a:schemeClr val="tx1"/>
+                  </a:solidFill>
+                  <a:latin typeface="Arial" charset="0"/>
+                  <a:ea typeface="ＭＳ Ｐゴシック" pitchFamily="34" charset="-128"/>
+                </a:defRPr>
+              </a:lvl5pPr>
+              <a:lvl6pPr marL="2514600" indent="-228600" eaLnBrk="0" fontAlgn="base" hangingPunct="0">
+                <a:spcBef>
+                  <a:spcPct val="0"/>
+                </a:spcBef>
+                <a:spcAft>
+                  <a:spcPct val="0"/>
+                </a:spcAft>
+                <a:defRPr>
+                  <a:solidFill>
+                    <a:schemeClr val="tx1"/>
+                  </a:solidFill>
+                  <a:latin typeface="Arial" charset="0"/>
+                  <a:ea typeface="ＭＳ Ｐゴシック" pitchFamily="34" charset="-128"/>
+                </a:defRPr>
+              </a:lvl6pPr>
+              <a:lvl7pPr marL="2971800" indent="-228600" eaLnBrk="0" fontAlgn="base" hangingPunct="0">
+                <a:spcBef>
+                  <a:spcPct val="0"/>
+                </a:spcBef>
+                <a:spcAft>
+                  <a:spcPct val="0"/>
+                </a:spcAft>
+                <a:defRPr>
+                  <a:solidFill>
+                    <a:schemeClr val="tx1"/>
+                  </a:solidFill>
+                  <a:latin typeface="Arial" charset="0"/>
+                  <a:ea typeface="ＭＳ Ｐゴシック" pitchFamily="34" charset="-128"/>
+                </a:defRPr>
+              </a:lvl7pPr>
+              <a:lvl8pPr marL="3429000" indent="-228600" eaLnBrk="0" fontAlgn="base" hangingPunct="0">
+                <a:spcBef>
+                  <a:spcPct val="0"/>
+                </a:spcBef>
+                <a:spcAft>
+                  <a:spcPct val="0"/>
+                </a:spcAft>
+                <a:defRPr>
+                  <a:solidFill>
+                    <a:schemeClr val="tx1"/>
+                  </a:solidFill>
+                  <a:latin typeface="Arial" charset="0"/>
+                  <a:ea typeface="ＭＳ Ｐゴシック" pitchFamily="34" charset="-128"/>
+                </a:defRPr>
+              </a:lvl8pPr>
+              <a:lvl9pPr marL="3886200" indent="-228600" eaLnBrk="0" fontAlgn="base" hangingPunct="0">
+                <a:spcBef>
+                  <a:spcPct val="0"/>
+                </a:spcBef>
+                <a:spcAft>
+                  <a:spcPct val="0"/>
+                </a:spcAft>
+                <a:defRPr>
+                  <a:solidFill>
+                    <a:schemeClr val="tx1"/>
+                  </a:solidFill>
+                  <a:latin typeface="Arial" charset="0"/>
+                  <a:ea typeface="ＭＳ Ｐゴシック" pitchFamily="34" charset="-128"/>
+                </a:defRPr>
+              </a:lvl9pPr>
+            </a:lstStyle>
+            <a:p>
+              <a:pPr eaLnBrk="1" hangingPunct="1"/>
+              <a:endParaRPr lang="pt-BR" sz="2400" b="1">
+                <a:solidFill>
+                  <a:srgbClr val="5F5F5F"/>
+                </a:solidFill>
+              </a:endParaRPr>
+            </a:p>
+          </p:txBody>
+        </p:sp>
+      </p:grpSp>
+      <p:sp>
+        <p:nvSpPr>
+          <p:cNvPr id="7" name="Rectangle 13"/>
+          <p:cNvSpPr txBox="1">
+            <a:spLocks noChangeArrowheads="1"/>
+          </p:cNvSpPr>
+          <p:nvPr/>
+        </p:nvSpPr>
+        <p:spPr>
+          <a:xfrm>
+            <a:off x="866775" y="2652713"/>
+            <a:ext cx="7786688" cy="2008808"/>
+          </a:xfrm>
+          <a:prstGeom prst="rect">
+            <a:avLst/>
+          </a:prstGeom>
+        </p:spPr>
+        <p:txBody>
+          <a:bodyPr/>
+          <a:lstStyle/>
+          <a:p>
+            <a:pPr marL="342900" marR="0" lvl="0" indent="-342900" algn="ctr" defTabSz="914400" rtl="0" eaLnBrk="1" fontAlgn="auto" latinLnBrk="0" hangingPunct="1">
+              <a:lnSpc>
+                <a:spcPct val="100000"/>
+              </a:lnSpc>
+              <a:spcBef>
+                <a:spcPct val="20000"/>
+              </a:spcBef>
+              <a:spcAft>
+                <a:spcPts val="0"/>
+              </a:spcAft>
+              <a:buClrTx/>
+              <a:buSzTx/>
+              <a:buFont typeface="Arial" panose="020B0604020202020204" pitchFamily="34" charset="0"/>
+              <a:buNone/>
+              <a:tabLst/>
+              <a:defRPr/>
+            </a:pPr>
+            <a:endParaRPr kumimoji="0" lang="pt-BR" sz="4000" b="0" i="0" u="none" strike="noStrike" kern="1200" cap="none" spc="0" normalizeH="0" baseline="0" noProof="0" dirty="0">
+              <a:ln>
+                <a:noFill/>
+              </a:ln>
+              <a:solidFill>
+                <a:schemeClr val="tx2">
+                  <a:lumMod val="75000"/>
+                </a:schemeClr>
+              </a:solidFill>
+              <a:effectLst/>
+              <a:uLnTx/>
+              <a:uFillTx/>
+              <a:latin typeface="Verdana" pitchFamily="34" charset="0"/>
+              <a:ea typeface="ＭＳ Ｐゴシック" pitchFamily="-106" charset="-128"/>
+              <a:cs typeface="Verdana" pitchFamily="34" charset="0"/>
+            </a:endParaRPr>
+          </a:p>
+          <a:p>
+            <a:pPr marL="342900" marR="0" lvl="0" indent="-342900" algn="ctr" defTabSz="914400" rtl="0" eaLnBrk="1" fontAlgn="auto" latinLnBrk="0" hangingPunct="1">
+              <a:lnSpc>
+                <a:spcPct val="100000"/>
+              </a:lnSpc>
+              <a:spcBef>
+                <a:spcPct val="20000"/>
+              </a:spcBef>
+              <a:spcAft>
+                <a:spcPts val="0"/>
+              </a:spcAft>
+              <a:buClrTx/>
+              <a:buSzTx/>
+              <a:buFont typeface="Arial" panose="020B0604020202020204" pitchFamily="34" charset="0"/>
+              <a:buNone/>
+              <a:tabLst/>
+              <a:defRPr/>
+            </a:pPr>
+            <a:r>
+              <a:rPr kumimoji="0" lang="pt-BR" sz="4000" b="0" i="0" u="none" strike="noStrike" kern="1200" cap="none" spc="0" normalizeH="0" baseline="0" noProof="0" dirty="0">
+                <a:ln>
+                  <a:noFill/>
+                </a:ln>
+                <a:solidFill>
+                  <a:schemeClr val="tx2">
+                    <a:lumMod val="75000"/>
+                  </a:schemeClr>
+                </a:solidFill>
+                <a:effectLst/>
+                <a:uLnTx/>
+                <a:uFillTx/>
+                <a:latin typeface="Verdana" pitchFamily="34" charset="0"/>
+                <a:ea typeface="ＭＳ Ｐゴシック" pitchFamily="-106" charset="-128"/>
+                <a:cs typeface="Verdana" pitchFamily="34" charset="0"/>
+              </a:rPr>
+              <a:t>Tatiana Silva de Oliveira Santana</a:t>
+            </a:r>
+            <a:endParaRPr kumimoji="0" lang="pt-BR" sz="2000" b="1" i="0" u="none" strike="noStrike" kern="1200" cap="none" spc="0" normalizeH="0" baseline="0" noProof="0" dirty="0">
+              <a:ln>
+                <a:noFill/>
+              </a:ln>
+              <a:solidFill>
+                <a:srgbClr val="5F5F5F"/>
+              </a:solidFill>
+              <a:effectLst/>
+              <a:uLnTx/>
+              <a:uFillTx/>
+              <a:latin typeface="Verdana" pitchFamily="34" charset="0"/>
+              <a:ea typeface="Verdana" pitchFamily="34" charset="0"/>
+              <a:cs typeface="Verdana" pitchFamily="34" charset="0"/>
+            </a:endParaRPr>
+          </a:p>
+        </p:txBody>
+      </p:sp>
+    </p:spTree>
+  </p:cSld>
+  <p:clrMapOvr>
+    <a:masterClrMapping/>
+  </p:clrMapOvr>
+  <p:transition spd="med">
+    <p:fade/>
+  </p:transition>
+</p:sld>
+</file>
+
+<file path=ppt/slides/slide34.xml><?xml version="1.0" encoding="utf-8"?>
 <p:sld xmlns:a="http://schemas.openxmlformats.org/drawingml/2006/main" xmlns:r="http://schemas.openxmlformats.org/officeDocument/2006/relationships" xmlns:p="http://schemas.openxmlformats.org/presentationml/2006/main">
   <p:cSld>
     <p:spTree>
@@ -10388,6 +8580,1147 @@
             </a:pPr>
             <a:r>
               <a:rPr lang="pt-BR" dirty="0"/>
+              <a:t>MODULO PACIENTE</a:t>
+            </a:r>
+          </a:p>
+        </p:txBody>
+      </p:sp>
+      <p:pic>
+        <p:nvPicPr>
+          <p:cNvPr id="3" name="Picture 2">
+            <a:extLst>
+              <a:ext uri="{FF2B5EF4-FFF2-40B4-BE49-F238E27FC236}">
+                <a16:creationId xmlns:a16="http://schemas.microsoft.com/office/drawing/2014/main" id="{1488CEA1-615B-4D4C-A130-F1FD32F916CA}"/>
+              </a:ext>
+            </a:extLst>
+          </p:cNvPr>
+          <p:cNvPicPr>
+            <a:picLocks noChangeAspect="1"/>
+          </p:cNvPicPr>
+          <p:nvPr/>
+        </p:nvPicPr>
+        <p:blipFill>
+          <a:blip r:embed="rId2">
+            <a:extLst>
+              <a:ext uri="{28A0092B-C50C-407E-A947-70E740481C1C}">
+                <a14:useLocalDpi xmlns:a14="http://schemas.microsoft.com/office/drawing/2010/main" val="0"/>
+              </a:ext>
+            </a:extLst>
+          </a:blip>
+          <a:stretch>
+            <a:fillRect/>
+          </a:stretch>
+        </p:blipFill>
+        <p:spPr>
+          <a:xfrm>
+            <a:off x="2267744" y="965937"/>
+            <a:ext cx="4990476" cy="5892063"/>
+          </a:xfrm>
+          <a:prstGeom prst="rect">
+            <a:avLst/>
+          </a:prstGeom>
+        </p:spPr>
+      </p:pic>
+    </p:spTree>
+  </p:cSld>
+  <p:clrMapOvr>
+    <a:masterClrMapping/>
+  </p:clrMapOvr>
+  <p:transition spd="med">
+    <p:fade/>
+  </p:transition>
+</p:sld>
+</file>
+
+<file path=ppt/slides/slide35.xml><?xml version="1.0" encoding="utf-8"?>
+<p:sld xmlns:a="http://schemas.openxmlformats.org/drawingml/2006/main" xmlns:r="http://schemas.openxmlformats.org/officeDocument/2006/relationships" xmlns:p="http://schemas.openxmlformats.org/presentationml/2006/main">
+  <p:cSld>
+    <p:spTree>
+      <p:nvGrpSpPr>
+        <p:cNvPr id="1" name=""/>
+        <p:cNvGrpSpPr/>
+        <p:nvPr/>
+      </p:nvGrpSpPr>
+      <p:grpSpPr>
+        <a:xfrm>
+          <a:off x="0" y="0"/>
+          <a:ext cx="0" cy="0"/>
+          <a:chOff x="0" y="0"/>
+          <a:chExt cx="0" cy="0"/>
+        </a:xfrm>
+      </p:grpSpPr>
+      <p:sp>
+        <p:nvSpPr>
+          <p:cNvPr id="4" name="Título 3"/>
+          <p:cNvSpPr>
+            <a:spLocks noGrp="1"/>
+          </p:cNvSpPr>
+          <p:nvPr>
+            <p:ph type="title"/>
+          </p:nvPr>
+        </p:nvSpPr>
+        <p:spPr/>
+        <p:txBody>
+          <a:bodyPr/>
+          <a:lstStyle/>
+          <a:p>
+            <a:pPr eaLnBrk="1" hangingPunct="1">
+              <a:defRPr/>
+            </a:pPr>
+            <a:r>
+              <a:rPr lang="pt-BR" dirty="0"/>
+              <a:t>MODULO PACIENTE</a:t>
+            </a:r>
+          </a:p>
+        </p:txBody>
+      </p:sp>
+      <p:pic>
+        <p:nvPicPr>
+          <p:cNvPr id="3074" name="Picture 2">
+            <a:extLst>
+              <a:ext uri="{FF2B5EF4-FFF2-40B4-BE49-F238E27FC236}">
+                <a16:creationId xmlns:a16="http://schemas.microsoft.com/office/drawing/2014/main" id="{8E1DF024-FFFB-4CD4-9A0E-7DFABA40FF83}"/>
+              </a:ext>
+            </a:extLst>
+          </p:cNvPr>
+          <p:cNvPicPr>
+            <a:picLocks noChangeAspect="1" noChangeArrowheads="1"/>
+          </p:cNvPicPr>
+          <p:nvPr/>
+        </p:nvPicPr>
+        <p:blipFill>
+          <a:blip r:embed="rId2" cstate="print">
+            <a:extLst>
+              <a:ext uri="{28A0092B-C50C-407E-A947-70E740481C1C}">
+                <a14:useLocalDpi xmlns:a14="http://schemas.microsoft.com/office/drawing/2010/main" val="0"/>
+              </a:ext>
+            </a:extLst>
+          </a:blip>
+          <a:srcRect/>
+          <a:stretch>
+            <a:fillRect/>
+          </a:stretch>
+        </p:blipFill>
+        <p:spPr bwMode="auto">
+          <a:xfrm>
+            <a:off x="-540568" y="1484784"/>
+            <a:ext cx="10014544" cy="4608512"/>
+          </a:xfrm>
+          <a:prstGeom prst="rect">
+            <a:avLst/>
+          </a:prstGeom>
+          <a:noFill/>
+          <a:ln>
+            <a:noFill/>
+          </a:ln>
+          <a:extLst>
+            <a:ext uri="{909E8E84-426E-40DD-AFC4-6F175D3DCCD1}">
+              <a14:hiddenFill xmlns:a14="http://schemas.microsoft.com/office/drawing/2010/main">
+                <a:solidFill>
+                  <a:srgbClr val="FFFFFF"/>
+                </a:solidFill>
+              </a14:hiddenFill>
+            </a:ext>
+            <a:ext uri="{91240B29-F687-4F45-9708-019B960494DF}">
+              <a14:hiddenLine xmlns:a14="http://schemas.microsoft.com/office/drawing/2010/main" w="9525">
+                <a:solidFill>
+                  <a:srgbClr val="000000"/>
+                </a:solidFill>
+                <a:miter lim="800000"/>
+                <a:headEnd/>
+                <a:tailEnd/>
+              </a14:hiddenLine>
+            </a:ext>
+          </a:extLst>
+        </p:spPr>
+      </p:pic>
+    </p:spTree>
+  </p:cSld>
+  <p:clrMapOvr>
+    <a:masterClrMapping/>
+  </p:clrMapOvr>
+  <p:transition spd="med">
+    <p:fade/>
+  </p:transition>
+</p:sld>
+</file>
+
+<file path=ppt/slides/slide36.xml><?xml version="1.0" encoding="utf-8"?>
+<p:sld xmlns:a="http://schemas.openxmlformats.org/drawingml/2006/main" xmlns:r="http://schemas.openxmlformats.org/officeDocument/2006/relationships" xmlns:p="http://schemas.openxmlformats.org/presentationml/2006/main">
+  <p:cSld>
+    <p:spTree>
+      <p:nvGrpSpPr>
+        <p:cNvPr id="1" name=""/>
+        <p:cNvGrpSpPr/>
+        <p:nvPr/>
+      </p:nvGrpSpPr>
+      <p:grpSpPr>
+        <a:xfrm>
+          <a:off x="0" y="0"/>
+          <a:ext cx="0" cy="0"/>
+          <a:chOff x="0" y="0"/>
+          <a:chExt cx="0" cy="0"/>
+        </a:xfrm>
+      </p:grpSpPr>
+      <p:sp>
+        <p:nvSpPr>
+          <p:cNvPr id="4" name="Título 3"/>
+          <p:cNvSpPr>
+            <a:spLocks noGrp="1"/>
+          </p:cNvSpPr>
+          <p:nvPr>
+            <p:ph type="title"/>
+          </p:nvPr>
+        </p:nvSpPr>
+        <p:spPr/>
+        <p:txBody>
+          <a:bodyPr/>
+          <a:lstStyle/>
+          <a:p>
+            <a:pPr eaLnBrk="1" hangingPunct="1">
+              <a:defRPr/>
+            </a:pPr>
+            <a:r>
+              <a:rPr lang="pt-BR" dirty="0"/>
+              <a:t>MODULO PACIENTE</a:t>
+            </a:r>
+          </a:p>
+        </p:txBody>
+      </p:sp>
+      <p:pic>
+        <p:nvPicPr>
+          <p:cNvPr id="4098" name="Picture 2">
+            <a:extLst>
+              <a:ext uri="{FF2B5EF4-FFF2-40B4-BE49-F238E27FC236}">
+                <a16:creationId xmlns:a16="http://schemas.microsoft.com/office/drawing/2014/main" id="{E78D3342-3CB1-4010-9B6B-88EB7ABCFE33}"/>
+              </a:ext>
+            </a:extLst>
+          </p:cNvPr>
+          <p:cNvPicPr>
+            <a:picLocks noChangeAspect="1" noChangeArrowheads="1"/>
+          </p:cNvPicPr>
+          <p:nvPr/>
+        </p:nvPicPr>
+        <p:blipFill>
+          <a:blip r:embed="rId2" cstate="print">
+            <a:extLst>
+              <a:ext uri="{28A0092B-C50C-407E-A947-70E740481C1C}">
+                <a14:useLocalDpi xmlns:a14="http://schemas.microsoft.com/office/drawing/2010/main" val="0"/>
+              </a:ext>
+            </a:extLst>
+          </a:blip>
+          <a:srcRect/>
+          <a:stretch>
+            <a:fillRect/>
+          </a:stretch>
+        </p:blipFill>
+        <p:spPr bwMode="auto">
+          <a:xfrm>
+            <a:off x="166688" y="1288690"/>
+            <a:ext cx="8808878" cy="5308662"/>
+          </a:xfrm>
+          <a:prstGeom prst="rect">
+            <a:avLst/>
+          </a:prstGeom>
+          <a:noFill/>
+          <a:ln>
+            <a:noFill/>
+          </a:ln>
+          <a:extLst>
+            <a:ext uri="{909E8E84-426E-40DD-AFC4-6F175D3DCCD1}">
+              <a14:hiddenFill xmlns:a14="http://schemas.microsoft.com/office/drawing/2010/main">
+                <a:solidFill>
+                  <a:srgbClr val="FFFFFF"/>
+                </a:solidFill>
+              </a14:hiddenFill>
+            </a:ext>
+            <a:ext uri="{91240B29-F687-4F45-9708-019B960494DF}">
+              <a14:hiddenLine xmlns:a14="http://schemas.microsoft.com/office/drawing/2010/main" w="9525">
+                <a:solidFill>
+                  <a:srgbClr val="000000"/>
+                </a:solidFill>
+                <a:miter lim="800000"/>
+                <a:headEnd/>
+                <a:tailEnd/>
+              </a14:hiddenLine>
+            </a:ext>
+          </a:extLst>
+        </p:spPr>
+      </p:pic>
+    </p:spTree>
+    <p:extLst>
+      <p:ext uri="{BB962C8B-B14F-4D97-AF65-F5344CB8AC3E}">
+        <p14:creationId xmlns:p14="http://schemas.microsoft.com/office/powerpoint/2010/main" val="1781569390"/>
+      </p:ext>
+    </p:extLst>
+  </p:cSld>
+  <p:clrMapOvr>
+    <a:masterClrMapping/>
+  </p:clrMapOvr>
+  <p:transition spd="med">
+    <p:fade/>
+  </p:transition>
+</p:sld>
+</file>
+
+<file path=ppt/slides/slide37.xml><?xml version="1.0" encoding="utf-8"?>
+<p:sld xmlns:a="http://schemas.openxmlformats.org/drawingml/2006/main" xmlns:r="http://schemas.openxmlformats.org/officeDocument/2006/relationships" xmlns:p="http://schemas.openxmlformats.org/presentationml/2006/main">
+  <p:cSld>
+    <p:spTree>
+      <p:nvGrpSpPr>
+        <p:cNvPr id="1" name=""/>
+        <p:cNvGrpSpPr/>
+        <p:nvPr/>
+      </p:nvGrpSpPr>
+      <p:grpSpPr>
+        <a:xfrm>
+          <a:off x="0" y="0"/>
+          <a:ext cx="0" cy="0"/>
+          <a:chOff x="0" y="0"/>
+          <a:chExt cx="0" cy="0"/>
+        </a:xfrm>
+      </p:grpSpPr>
+      <p:sp>
+        <p:nvSpPr>
+          <p:cNvPr id="4" name="Título 3"/>
+          <p:cNvSpPr>
+            <a:spLocks noGrp="1"/>
+          </p:cNvSpPr>
+          <p:nvPr>
+            <p:ph type="title"/>
+          </p:nvPr>
+        </p:nvSpPr>
+        <p:spPr/>
+        <p:txBody>
+          <a:bodyPr/>
+          <a:lstStyle/>
+          <a:p>
+            <a:pPr eaLnBrk="1" hangingPunct="1">
+              <a:defRPr/>
+            </a:pPr>
+            <a:r>
+              <a:rPr lang="pt-BR" dirty="0"/>
+              <a:t>MODULO PACIENTE</a:t>
+            </a:r>
+          </a:p>
+        </p:txBody>
+      </p:sp>
+      <p:pic>
+        <p:nvPicPr>
+          <p:cNvPr id="6146" name="Picture 2">
+            <a:extLst>
+              <a:ext uri="{FF2B5EF4-FFF2-40B4-BE49-F238E27FC236}">
+                <a16:creationId xmlns:a16="http://schemas.microsoft.com/office/drawing/2014/main" id="{556A2F80-2684-47F2-8981-F7DE44CA7C80}"/>
+              </a:ext>
+            </a:extLst>
+          </p:cNvPr>
+          <p:cNvPicPr>
+            <a:picLocks noChangeAspect="1" noChangeArrowheads="1"/>
+          </p:cNvPicPr>
+          <p:nvPr/>
+        </p:nvPicPr>
+        <p:blipFill>
+          <a:blip r:embed="rId2" cstate="print">
+            <a:extLst>
+              <a:ext uri="{28A0092B-C50C-407E-A947-70E740481C1C}">
+                <a14:useLocalDpi xmlns:a14="http://schemas.microsoft.com/office/drawing/2010/main" val="0"/>
+              </a:ext>
+            </a:extLst>
+          </a:blip>
+          <a:srcRect/>
+          <a:stretch>
+            <a:fillRect/>
+          </a:stretch>
+        </p:blipFill>
+        <p:spPr bwMode="auto">
+          <a:xfrm>
+            <a:off x="1684337" y="1340768"/>
+            <a:ext cx="6200031" cy="5441680"/>
+          </a:xfrm>
+          <a:prstGeom prst="rect">
+            <a:avLst/>
+          </a:prstGeom>
+          <a:noFill/>
+          <a:ln>
+            <a:noFill/>
+          </a:ln>
+          <a:extLst>
+            <a:ext uri="{909E8E84-426E-40DD-AFC4-6F175D3DCCD1}">
+              <a14:hiddenFill xmlns:a14="http://schemas.microsoft.com/office/drawing/2010/main">
+                <a:solidFill>
+                  <a:srgbClr val="FFFFFF"/>
+                </a:solidFill>
+              </a14:hiddenFill>
+            </a:ext>
+            <a:ext uri="{91240B29-F687-4F45-9708-019B960494DF}">
+              <a14:hiddenLine xmlns:a14="http://schemas.microsoft.com/office/drawing/2010/main" w="9525">
+                <a:solidFill>
+                  <a:srgbClr val="000000"/>
+                </a:solidFill>
+                <a:miter lim="800000"/>
+                <a:headEnd/>
+                <a:tailEnd/>
+              </a14:hiddenLine>
+            </a:ext>
+          </a:extLst>
+        </p:spPr>
+      </p:pic>
+    </p:spTree>
+    <p:extLst>
+      <p:ext uri="{BB962C8B-B14F-4D97-AF65-F5344CB8AC3E}">
+        <p14:creationId xmlns:p14="http://schemas.microsoft.com/office/powerpoint/2010/main" val="2106631967"/>
+      </p:ext>
+    </p:extLst>
+  </p:cSld>
+  <p:clrMapOvr>
+    <a:masterClrMapping/>
+  </p:clrMapOvr>
+  <p:transition spd="med">
+    <p:fade/>
+  </p:transition>
+</p:sld>
+</file>
+
+<file path=ppt/slides/slide38.xml><?xml version="1.0" encoding="utf-8"?>
+<p:sld xmlns:a="http://schemas.openxmlformats.org/drawingml/2006/main" xmlns:r="http://schemas.openxmlformats.org/officeDocument/2006/relationships" xmlns:p="http://schemas.openxmlformats.org/presentationml/2006/main">
+  <p:cSld>
+    <p:spTree>
+      <p:nvGrpSpPr>
+        <p:cNvPr id="1" name=""/>
+        <p:cNvGrpSpPr/>
+        <p:nvPr/>
+      </p:nvGrpSpPr>
+      <p:grpSpPr>
+        <a:xfrm>
+          <a:off x="0" y="0"/>
+          <a:ext cx="0" cy="0"/>
+          <a:chOff x="0" y="0"/>
+          <a:chExt cx="0" cy="0"/>
+        </a:xfrm>
+      </p:grpSpPr>
+      <p:sp>
+        <p:nvSpPr>
+          <p:cNvPr id="4" name="Título 3"/>
+          <p:cNvSpPr>
+            <a:spLocks noGrp="1"/>
+          </p:cNvSpPr>
+          <p:nvPr>
+            <p:ph type="title"/>
+          </p:nvPr>
+        </p:nvSpPr>
+        <p:spPr/>
+        <p:txBody>
+          <a:bodyPr/>
+          <a:lstStyle/>
+          <a:p>
+            <a:pPr eaLnBrk="1" hangingPunct="1">
+              <a:defRPr/>
+            </a:pPr>
+            <a:r>
+              <a:rPr lang="pt-BR" dirty="0"/>
+              <a:t>MODULO PACIENTE</a:t>
+            </a:r>
+          </a:p>
+        </p:txBody>
+      </p:sp>
+      <p:pic>
+        <p:nvPicPr>
+          <p:cNvPr id="7170" name="Picture 2">
+            <a:extLst>
+              <a:ext uri="{FF2B5EF4-FFF2-40B4-BE49-F238E27FC236}">
+                <a16:creationId xmlns:a16="http://schemas.microsoft.com/office/drawing/2014/main" id="{6275A695-A03A-49D0-973C-4396A7F4314A}"/>
+              </a:ext>
+            </a:extLst>
+          </p:cNvPr>
+          <p:cNvPicPr>
+            <a:picLocks noChangeAspect="1" noChangeArrowheads="1"/>
+          </p:cNvPicPr>
+          <p:nvPr/>
+        </p:nvPicPr>
+        <p:blipFill>
+          <a:blip r:embed="rId2" cstate="print">
+            <a:extLst>
+              <a:ext uri="{28A0092B-C50C-407E-A947-70E740481C1C}">
+                <a14:useLocalDpi xmlns:a14="http://schemas.microsoft.com/office/drawing/2010/main" val="0"/>
+              </a:ext>
+            </a:extLst>
+          </a:blip>
+          <a:srcRect/>
+          <a:stretch>
+            <a:fillRect/>
+          </a:stretch>
+        </p:blipFill>
+        <p:spPr bwMode="auto">
+          <a:xfrm>
+            <a:off x="617975" y="1340768"/>
+            <a:ext cx="7770449" cy="5117260"/>
+          </a:xfrm>
+          <a:prstGeom prst="rect">
+            <a:avLst/>
+          </a:prstGeom>
+          <a:noFill/>
+          <a:ln>
+            <a:noFill/>
+          </a:ln>
+          <a:extLst>
+            <a:ext uri="{909E8E84-426E-40DD-AFC4-6F175D3DCCD1}">
+              <a14:hiddenFill xmlns:a14="http://schemas.microsoft.com/office/drawing/2010/main">
+                <a:solidFill>
+                  <a:srgbClr val="FFFFFF"/>
+                </a:solidFill>
+              </a14:hiddenFill>
+            </a:ext>
+            <a:ext uri="{91240B29-F687-4F45-9708-019B960494DF}">
+              <a14:hiddenLine xmlns:a14="http://schemas.microsoft.com/office/drawing/2010/main" w="9525">
+                <a:solidFill>
+                  <a:srgbClr val="000000"/>
+                </a:solidFill>
+                <a:miter lim="800000"/>
+                <a:headEnd/>
+                <a:tailEnd/>
+              </a14:hiddenLine>
+            </a:ext>
+          </a:extLst>
+        </p:spPr>
+      </p:pic>
+    </p:spTree>
+    <p:extLst>
+      <p:ext uri="{BB962C8B-B14F-4D97-AF65-F5344CB8AC3E}">
+        <p14:creationId xmlns:p14="http://schemas.microsoft.com/office/powerpoint/2010/main" val="3902333468"/>
+      </p:ext>
+    </p:extLst>
+  </p:cSld>
+  <p:clrMapOvr>
+    <a:masterClrMapping/>
+  </p:clrMapOvr>
+  <p:transition spd="med">
+    <p:fade/>
+  </p:transition>
+</p:sld>
+</file>
+
+<file path=ppt/slides/slide39.xml><?xml version="1.0" encoding="utf-8"?>
+<p:sld xmlns:a="http://schemas.openxmlformats.org/drawingml/2006/main" xmlns:r="http://schemas.openxmlformats.org/officeDocument/2006/relationships" xmlns:p="http://schemas.openxmlformats.org/presentationml/2006/main">
+  <p:cSld>
+    <p:spTree>
+      <p:nvGrpSpPr>
+        <p:cNvPr id="1" name=""/>
+        <p:cNvGrpSpPr/>
+        <p:nvPr/>
+      </p:nvGrpSpPr>
+      <p:grpSpPr>
+        <a:xfrm>
+          <a:off x="0" y="0"/>
+          <a:ext cx="0" cy="0"/>
+          <a:chOff x="0" y="0"/>
+          <a:chExt cx="0" cy="0"/>
+        </a:xfrm>
+      </p:grpSpPr>
+      <p:sp>
+        <p:nvSpPr>
+          <p:cNvPr id="4" name="Título 3"/>
+          <p:cNvSpPr>
+            <a:spLocks noGrp="1"/>
+          </p:cNvSpPr>
+          <p:nvPr>
+            <p:ph type="title"/>
+          </p:nvPr>
+        </p:nvSpPr>
+        <p:spPr/>
+        <p:txBody>
+          <a:bodyPr/>
+          <a:lstStyle/>
+          <a:p>
+            <a:pPr eaLnBrk="1" hangingPunct="1">
+              <a:defRPr/>
+            </a:pPr>
+            <a:r>
+              <a:rPr lang="pt-BR" dirty="0"/>
+              <a:t>MODULO PACIENTE</a:t>
+            </a:r>
+          </a:p>
+        </p:txBody>
+      </p:sp>
+      <p:pic>
+        <p:nvPicPr>
+          <p:cNvPr id="8194" name="Picture 2">
+            <a:extLst>
+              <a:ext uri="{FF2B5EF4-FFF2-40B4-BE49-F238E27FC236}">
+                <a16:creationId xmlns:a16="http://schemas.microsoft.com/office/drawing/2014/main" id="{BE3038CC-B9FD-49DA-BE5E-677673705C62}"/>
+              </a:ext>
+            </a:extLst>
+          </p:cNvPr>
+          <p:cNvPicPr>
+            <a:picLocks noChangeAspect="1" noChangeArrowheads="1"/>
+          </p:cNvPicPr>
+          <p:nvPr/>
+        </p:nvPicPr>
+        <p:blipFill>
+          <a:blip r:embed="rId2" cstate="print">
+            <a:extLst>
+              <a:ext uri="{28A0092B-C50C-407E-A947-70E740481C1C}">
+                <a14:useLocalDpi xmlns:a14="http://schemas.microsoft.com/office/drawing/2010/main" val="0"/>
+              </a:ext>
+            </a:extLst>
+          </a:blip>
+          <a:srcRect/>
+          <a:stretch>
+            <a:fillRect/>
+          </a:stretch>
+        </p:blipFill>
+        <p:spPr bwMode="auto">
+          <a:xfrm>
+            <a:off x="611560" y="1412776"/>
+            <a:ext cx="7810667" cy="4248472"/>
+          </a:xfrm>
+          <a:prstGeom prst="rect">
+            <a:avLst/>
+          </a:prstGeom>
+          <a:noFill/>
+          <a:ln>
+            <a:noFill/>
+          </a:ln>
+          <a:extLst>
+            <a:ext uri="{909E8E84-426E-40DD-AFC4-6F175D3DCCD1}">
+              <a14:hiddenFill xmlns:a14="http://schemas.microsoft.com/office/drawing/2010/main">
+                <a:solidFill>
+                  <a:srgbClr val="FFFFFF"/>
+                </a:solidFill>
+              </a14:hiddenFill>
+            </a:ext>
+            <a:ext uri="{91240B29-F687-4F45-9708-019B960494DF}">
+              <a14:hiddenLine xmlns:a14="http://schemas.microsoft.com/office/drawing/2010/main" w="9525">
+                <a:solidFill>
+                  <a:srgbClr val="000000"/>
+                </a:solidFill>
+                <a:miter lim="800000"/>
+                <a:headEnd/>
+                <a:tailEnd/>
+              </a14:hiddenLine>
+            </a:ext>
+          </a:extLst>
+        </p:spPr>
+      </p:pic>
+    </p:spTree>
+    <p:extLst>
+      <p:ext uri="{BB962C8B-B14F-4D97-AF65-F5344CB8AC3E}">
+        <p14:creationId xmlns:p14="http://schemas.microsoft.com/office/powerpoint/2010/main" val="2672192145"/>
+      </p:ext>
+    </p:extLst>
+  </p:cSld>
+  <p:clrMapOvr>
+    <a:masterClrMapping/>
+  </p:clrMapOvr>
+  <p:transition spd="med">
+    <p:fade/>
+  </p:transition>
+</p:sld>
+</file>
+
+<file path=ppt/slides/slide4.xml><?xml version="1.0" encoding="utf-8"?>
+<p:sld xmlns:a="http://schemas.openxmlformats.org/drawingml/2006/main" xmlns:r="http://schemas.openxmlformats.org/officeDocument/2006/relationships" xmlns:p="http://schemas.openxmlformats.org/presentationml/2006/main">
+  <p:cSld>
+    <p:spTree>
+      <p:nvGrpSpPr>
+        <p:cNvPr id="1" name=""/>
+        <p:cNvGrpSpPr/>
+        <p:nvPr/>
+      </p:nvGrpSpPr>
+      <p:grpSpPr>
+        <a:xfrm>
+          <a:off x="0" y="0"/>
+          <a:ext cx="0" cy="0"/>
+          <a:chOff x="0" y="0"/>
+          <a:chExt cx="0" cy="0"/>
+        </a:xfrm>
+      </p:grpSpPr>
+      <p:sp>
+        <p:nvSpPr>
+          <p:cNvPr id="4" name="Título 3"/>
+          <p:cNvSpPr>
+            <a:spLocks noGrp="1"/>
+          </p:cNvSpPr>
+          <p:nvPr>
+            <p:ph type="title"/>
+          </p:nvPr>
+        </p:nvSpPr>
+        <p:spPr/>
+        <p:txBody>
+          <a:bodyPr/>
+          <a:lstStyle/>
+          <a:p>
+            <a:pPr eaLnBrk="1" hangingPunct="1">
+              <a:defRPr/>
+            </a:pPr>
+            <a:r>
+              <a:rPr lang="pt-BR" dirty="0"/>
+              <a:t>O Sistema</a:t>
+            </a:r>
+          </a:p>
+        </p:txBody>
+      </p:sp>
+      <p:pic>
+        <p:nvPicPr>
+          <p:cNvPr id="11266" name="Diagrama 1">
+            <a:extLst>
+              <a:ext uri="{FF2B5EF4-FFF2-40B4-BE49-F238E27FC236}">
+                <a16:creationId xmlns:a16="http://schemas.microsoft.com/office/drawing/2014/main" id="{4C81840A-E9DF-427C-85B7-BC425FCD88EA}"/>
+              </a:ext>
+            </a:extLst>
+          </p:cNvPr>
+          <p:cNvPicPr>
+            <a:picLocks noChangeArrowheads="1"/>
+          </p:cNvPicPr>
+          <p:nvPr/>
+        </p:nvPicPr>
+        <p:blipFill>
+          <a:blip r:embed="rId2" cstate="print">
+            <a:extLst>
+              <a:ext uri="{28A0092B-C50C-407E-A947-70E740481C1C}">
+                <a14:useLocalDpi xmlns:a14="http://schemas.microsoft.com/office/drawing/2010/main" val="0"/>
+              </a:ext>
+            </a:extLst>
+          </a:blip>
+          <a:srcRect l="-20329" r="-20883"/>
+          <a:stretch>
+            <a:fillRect/>
+          </a:stretch>
+        </p:blipFill>
+        <p:spPr bwMode="auto">
+          <a:xfrm>
+            <a:off x="166688" y="1340768"/>
+            <a:ext cx="8977311" cy="5184576"/>
+          </a:xfrm>
+          <a:prstGeom prst="rect">
+            <a:avLst/>
+          </a:prstGeom>
+          <a:noFill/>
+          <a:ln>
+            <a:noFill/>
+          </a:ln>
+          <a:extLst>
+            <a:ext uri="{909E8E84-426E-40DD-AFC4-6F175D3DCCD1}">
+              <a14:hiddenFill xmlns:a14="http://schemas.microsoft.com/office/drawing/2010/main">
+                <a:solidFill>
+                  <a:srgbClr val="FFFFFF"/>
+                </a:solidFill>
+              </a14:hiddenFill>
+            </a:ext>
+            <a:ext uri="{91240B29-F687-4F45-9708-019B960494DF}">
+              <a14:hiddenLine xmlns:a14="http://schemas.microsoft.com/office/drawing/2010/main" w="9525">
+                <a:solidFill>
+                  <a:srgbClr val="000000"/>
+                </a:solidFill>
+                <a:miter lim="800000"/>
+                <a:headEnd/>
+                <a:tailEnd/>
+              </a14:hiddenLine>
+            </a:ext>
+          </a:extLst>
+        </p:spPr>
+      </p:pic>
+    </p:spTree>
+  </p:cSld>
+  <p:clrMapOvr>
+    <a:masterClrMapping/>
+  </p:clrMapOvr>
+  <p:transition spd="med">
+    <p:fade/>
+  </p:transition>
+</p:sld>
+</file>
+
+<file path=ppt/slides/slide40.xml><?xml version="1.0" encoding="utf-8"?>
+<p:sld xmlns:a="http://schemas.openxmlformats.org/drawingml/2006/main" xmlns:r="http://schemas.openxmlformats.org/officeDocument/2006/relationships" xmlns:p="http://schemas.openxmlformats.org/presentationml/2006/main">
+  <p:cSld>
+    <p:spTree>
+      <p:nvGrpSpPr>
+        <p:cNvPr id="1" name=""/>
+        <p:cNvGrpSpPr/>
+        <p:nvPr/>
+      </p:nvGrpSpPr>
+      <p:grpSpPr>
+        <a:xfrm>
+          <a:off x="0" y="0"/>
+          <a:ext cx="0" cy="0"/>
+          <a:chOff x="0" y="0"/>
+          <a:chExt cx="0" cy="0"/>
+        </a:xfrm>
+      </p:grpSpPr>
+      <p:sp>
+        <p:nvSpPr>
+          <p:cNvPr id="4" name="Título 3"/>
+          <p:cNvSpPr>
+            <a:spLocks noGrp="1"/>
+          </p:cNvSpPr>
+          <p:nvPr>
+            <p:ph type="title"/>
+          </p:nvPr>
+        </p:nvSpPr>
+        <p:spPr/>
+        <p:txBody>
+          <a:bodyPr/>
+          <a:lstStyle/>
+          <a:p>
+            <a:pPr eaLnBrk="1" hangingPunct="1">
+              <a:defRPr/>
+            </a:pPr>
+            <a:r>
+              <a:rPr lang="pt-BR" dirty="0"/>
+              <a:t>MODULO PACIENTE</a:t>
+            </a:r>
+          </a:p>
+        </p:txBody>
+      </p:sp>
+      <p:pic>
+        <p:nvPicPr>
+          <p:cNvPr id="5123" name="Picture 3">
+            <a:extLst>
+              <a:ext uri="{FF2B5EF4-FFF2-40B4-BE49-F238E27FC236}">
+                <a16:creationId xmlns:a16="http://schemas.microsoft.com/office/drawing/2014/main" id="{7C997CB2-E61A-4434-B314-03D59FE8A94D}"/>
+              </a:ext>
+            </a:extLst>
+          </p:cNvPr>
+          <p:cNvPicPr>
+            <a:picLocks noChangeAspect="1" noChangeArrowheads="1"/>
+          </p:cNvPicPr>
+          <p:nvPr/>
+        </p:nvPicPr>
+        <p:blipFill>
+          <a:blip r:embed="rId2" cstate="print">
+            <a:extLst>
+              <a:ext uri="{28A0092B-C50C-407E-A947-70E740481C1C}">
+                <a14:useLocalDpi xmlns:a14="http://schemas.microsoft.com/office/drawing/2010/main" val="0"/>
+              </a:ext>
+            </a:extLst>
+          </a:blip>
+          <a:srcRect/>
+          <a:stretch>
+            <a:fillRect/>
+          </a:stretch>
+        </p:blipFill>
+        <p:spPr bwMode="auto">
+          <a:xfrm>
+            <a:off x="818059" y="1340768"/>
+            <a:ext cx="7495182" cy="5364320"/>
+          </a:xfrm>
+          <a:prstGeom prst="rect">
+            <a:avLst/>
+          </a:prstGeom>
+          <a:noFill/>
+          <a:ln>
+            <a:noFill/>
+          </a:ln>
+          <a:extLst>
+            <a:ext uri="{909E8E84-426E-40DD-AFC4-6F175D3DCCD1}">
+              <a14:hiddenFill xmlns:a14="http://schemas.microsoft.com/office/drawing/2010/main">
+                <a:solidFill>
+                  <a:srgbClr val="FFFFFF"/>
+                </a:solidFill>
+              </a14:hiddenFill>
+            </a:ext>
+            <a:ext uri="{91240B29-F687-4F45-9708-019B960494DF}">
+              <a14:hiddenLine xmlns:a14="http://schemas.microsoft.com/office/drawing/2010/main" w="9525">
+                <a:solidFill>
+                  <a:srgbClr val="000000"/>
+                </a:solidFill>
+                <a:miter lim="800000"/>
+                <a:headEnd/>
+                <a:tailEnd/>
+              </a14:hiddenLine>
+            </a:ext>
+          </a:extLst>
+        </p:spPr>
+      </p:pic>
+    </p:spTree>
+    <p:extLst>
+      <p:ext uri="{BB962C8B-B14F-4D97-AF65-F5344CB8AC3E}">
+        <p14:creationId xmlns:p14="http://schemas.microsoft.com/office/powerpoint/2010/main" val="395963370"/>
+      </p:ext>
+    </p:extLst>
+  </p:cSld>
+  <p:clrMapOvr>
+    <a:masterClrMapping/>
+  </p:clrMapOvr>
+  <p:transition spd="med">
+    <p:fade/>
+  </p:transition>
+</p:sld>
+</file>
+
+<file path=ppt/slides/slide41.xml><?xml version="1.0" encoding="utf-8"?>
+<p:sld xmlns:a="http://schemas.openxmlformats.org/drawingml/2006/main" xmlns:r="http://schemas.openxmlformats.org/officeDocument/2006/relationships" xmlns:p="http://schemas.openxmlformats.org/presentationml/2006/main">
+  <p:cSld>
+    <p:spTree>
+      <p:nvGrpSpPr>
+        <p:cNvPr id="1" name=""/>
+        <p:cNvGrpSpPr/>
+        <p:nvPr/>
+      </p:nvGrpSpPr>
+      <p:grpSpPr>
+        <a:xfrm>
+          <a:off x="0" y="0"/>
+          <a:ext cx="0" cy="0"/>
+          <a:chOff x="0" y="0"/>
+          <a:chExt cx="0" cy="0"/>
+        </a:xfrm>
+      </p:grpSpPr>
+      <p:sp>
+        <p:nvSpPr>
+          <p:cNvPr id="4" name="Título 3"/>
+          <p:cNvSpPr>
+            <a:spLocks noGrp="1"/>
+          </p:cNvSpPr>
+          <p:nvPr>
+            <p:ph type="title"/>
+          </p:nvPr>
+        </p:nvSpPr>
+        <p:spPr/>
+        <p:txBody>
+          <a:bodyPr/>
+          <a:lstStyle/>
+          <a:p>
+            <a:pPr eaLnBrk="1" hangingPunct="1">
+              <a:defRPr/>
+            </a:pPr>
+            <a:r>
+              <a:rPr lang="pt-BR" dirty="0"/>
+              <a:t>MODULO PACIENTE</a:t>
+            </a:r>
+          </a:p>
+        </p:txBody>
+      </p:sp>
+      <p:pic>
+        <p:nvPicPr>
+          <p:cNvPr id="9218" name="Picture 2">
+            <a:extLst>
+              <a:ext uri="{FF2B5EF4-FFF2-40B4-BE49-F238E27FC236}">
+                <a16:creationId xmlns:a16="http://schemas.microsoft.com/office/drawing/2014/main" id="{A17F7154-A810-45FB-BD82-9A98CA259559}"/>
+              </a:ext>
+            </a:extLst>
+          </p:cNvPr>
+          <p:cNvPicPr>
+            <a:picLocks noChangeAspect="1" noChangeArrowheads="1"/>
+          </p:cNvPicPr>
+          <p:nvPr/>
+        </p:nvPicPr>
+        <p:blipFill>
+          <a:blip r:embed="rId2" cstate="print">
+            <a:extLst>
+              <a:ext uri="{28A0092B-C50C-407E-A947-70E740481C1C}">
+                <a14:useLocalDpi xmlns:a14="http://schemas.microsoft.com/office/drawing/2010/main" val="0"/>
+              </a:ext>
+            </a:extLst>
+          </a:blip>
+          <a:srcRect/>
+          <a:stretch>
+            <a:fillRect/>
+          </a:stretch>
+        </p:blipFill>
+        <p:spPr bwMode="auto">
+          <a:xfrm>
+            <a:off x="971600" y="1340768"/>
+            <a:ext cx="7125592" cy="5384642"/>
+          </a:xfrm>
+          <a:prstGeom prst="rect">
+            <a:avLst/>
+          </a:prstGeom>
+          <a:noFill/>
+          <a:ln>
+            <a:noFill/>
+          </a:ln>
+          <a:extLst>
+            <a:ext uri="{909E8E84-426E-40DD-AFC4-6F175D3DCCD1}">
+              <a14:hiddenFill xmlns:a14="http://schemas.microsoft.com/office/drawing/2010/main">
+                <a:solidFill>
+                  <a:srgbClr val="FFFFFF"/>
+                </a:solidFill>
+              </a14:hiddenFill>
+            </a:ext>
+            <a:ext uri="{91240B29-F687-4F45-9708-019B960494DF}">
+              <a14:hiddenLine xmlns:a14="http://schemas.microsoft.com/office/drawing/2010/main" w="9525">
+                <a:solidFill>
+                  <a:srgbClr val="000000"/>
+                </a:solidFill>
+                <a:miter lim="800000"/>
+                <a:headEnd/>
+                <a:tailEnd/>
+              </a14:hiddenLine>
+            </a:ext>
+          </a:extLst>
+        </p:spPr>
+      </p:pic>
+    </p:spTree>
+    <p:extLst>
+      <p:ext uri="{BB962C8B-B14F-4D97-AF65-F5344CB8AC3E}">
+        <p14:creationId xmlns:p14="http://schemas.microsoft.com/office/powerpoint/2010/main" val="168637805"/>
+      </p:ext>
+    </p:extLst>
+  </p:cSld>
+  <p:clrMapOvr>
+    <a:masterClrMapping/>
+  </p:clrMapOvr>
+  <p:transition spd="med">
+    <p:fade/>
+  </p:transition>
+</p:sld>
+</file>
+
+<file path=ppt/slides/slide42.xml><?xml version="1.0" encoding="utf-8"?>
+<p:sld xmlns:a="http://schemas.openxmlformats.org/drawingml/2006/main" xmlns:r="http://schemas.openxmlformats.org/officeDocument/2006/relationships" xmlns:p="http://schemas.openxmlformats.org/presentationml/2006/main">
+  <p:cSld>
+    <p:spTree>
+      <p:nvGrpSpPr>
+        <p:cNvPr id="1" name=""/>
+        <p:cNvGrpSpPr/>
+        <p:nvPr/>
+      </p:nvGrpSpPr>
+      <p:grpSpPr>
+        <a:xfrm>
+          <a:off x="0" y="0"/>
+          <a:ext cx="0" cy="0"/>
+          <a:chOff x="0" y="0"/>
+          <a:chExt cx="0" cy="0"/>
+        </a:xfrm>
+      </p:grpSpPr>
+      <p:sp>
+        <p:nvSpPr>
+          <p:cNvPr id="4" name="Título 3"/>
+          <p:cNvSpPr>
+            <a:spLocks noGrp="1"/>
+          </p:cNvSpPr>
+          <p:nvPr>
+            <p:ph type="title"/>
+          </p:nvPr>
+        </p:nvSpPr>
+        <p:spPr/>
+        <p:txBody>
+          <a:bodyPr/>
+          <a:lstStyle/>
+          <a:p>
+            <a:pPr eaLnBrk="1" hangingPunct="1">
+              <a:defRPr/>
+            </a:pPr>
+            <a:r>
+              <a:rPr lang="pt-BR" dirty="0"/>
+              <a:t>MODULO PACIENTE</a:t>
+            </a:r>
+          </a:p>
+        </p:txBody>
+      </p:sp>
+      <p:pic>
+        <p:nvPicPr>
+          <p:cNvPr id="10242" name="Picture 2">
+            <a:extLst>
+              <a:ext uri="{FF2B5EF4-FFF2-40B4-BE49-F238E27FC236}">
+                <a16:creationId xmlns:a16="http://schemas.microsoft.com/office/drawing/2014/main" id="{1FC76A72-578F-4ECB-96DA-A5AEF6084358}"/>
+              </a:ext>
+            </a:extLst>
+          </p:cNvPr>
+          <p:cNvPicPr>
+            <a:picLocks noChangeAspect="1" noChangeArrowheads="1"/>
+          </p:cNvPicPr>
+          <p:nvPr/>
+        </p:nvPicPr>
+        <p:blipFill>
+          <a:blip r:embed="rId2" cstate="print">
+            <a:extLst>
+              <a:ext uri="{28A0092B-C50C-407E-A947-70E740481C1C}">
+                <a14:useLocalDpi xmlns:a14="http://schemas.microsoft.com/office/drawing/2010/main" val="0"/>
+              </a:ext>
+            </a:extLst>
+          </a:blip>
+          <a:srcRect/>
+          <a:stretch>
+            <a:fillRect/>
+          </a:stretch>
+        </p:blipFill>
+        <p:spPr bwMode="auto">
+          <a:xfrm>
+            <a:off x="574448" y="1412776"/>
+            <a:ext cx="8093007" cy="4968552"/>
+          </a:xfrm>
+          <a:prstGeom prst="rect">
+            <a:avLst/>
+          </a:prstGeom>
+          <a:noFill/>
+          <a:ln>
+            <a:noFill/>
+          </a:ln>
+          <a:extLst>
+            <a:ext uri="{909E8E84-426E-40DD-AFC4-6F175D3DCCD1}">
+              <a14:hiddenFill xmlns:a14="http://schemas.microsoft.com/office/drawing/2010/main">
+                <a:solidFill>
+                  <a:srgbClr val="FFFFFF"/>
+                </a:solidFill>
+              </a14:hiddenFill>
+            </a:ext>
+            <a:ext uri="{91240B29-F687-4F45-9708-019B960494DF}">
+              <a14:hiddenLine xmlns:a14="http://schemas.microsoft.com/office/drawing/2010/main" w="9525">
+                <a:solidFill>
+                  <a:srgbClr val="000000"/>
+                </a:solidFill>
+                <a:miter lim="800000"/>
+                <a:headEnd/>
+                <a:tailEnd/>
+              </a14:hiddenLine>
+            </a:ext>
+          </a:extLst>
+        </p:spPr>
+      </p:pic>
+    </p:spTree>
+    <p:extLst>
+      <p:ext uri="{BB962C8B-B14F-4D97-AF65-F5344CB8AC3E}">
+        <p14:creationId xmlns:p14="http://schemas.microsoft.com/office/powerpoint/2010/main" val="4087995979"/>
+      </p:ext>
+    </p:extLst>
+  </p:cSld>
+  <p:clrMapOvr>
+    <a:masterClrMapping/>
+  </p:clrMapOvr>
+  <p:transition spd="med">
+    <p:fade/>
+  </p:transition>
+</p:sld>
+</file>
+
+<file path=ppt/slides/slide43.xml><?xml version="1.0" encoding="utf-8"?>
+<p:sld xmlns:a="http://schemas.openxmlformats.org/drawingml/2006/main" xmlns:r="http://schemas.openxmlformats.org/officeDocument/2006/relationships" xmlns:p="http://schemas.openxmlformats.org/presentationml/2006/main">
+  <p:cSld>
+    <p:spTree>
+      <p:nvGrpSpPr>
+        <p:cNvPr id="1" name=""/>
+        <p:cNvGrpSpPr/>
+        <p:nvPr/>
+      </p:nvGrpSpPr>
+      <p:grpSpPr>
+        <a:xfrm>
+          <a:off x="0" y="0"/>
+          <a:ext cx="0" cy="0"/>
+          <a:chOff x="0" y="0"/>
+          <a:chExt cx="0" cy="0"/>
+        </a:xfrm>
+      </p:grpSpPr>
+      <p:sp>
+        <p:nvSpPr>
+          <p:cNvPr id="4" name="Título 3"/>
+          <p:cNvSpPr>
+            <a:spLocks noGrp="1"/>
+          </p:cNvSpPr>
+          <p:nvPr>
+            <p:ph type="title"/>
+          </p:nvPr>
+        </p:nvSpPr>
+        <p:spPr/>
+        <p:txBody>
+          <a:bodyPr/>
+          <a:lstStyle/>
+          <a:p>
+            <a:pPr eaLnBrk="1" hangingPunct="1">
+              <a:defRPr/>
+            </a:pPr>
+            <a:r>
+              <a:rPr lang="pt-BR" dirty="0"/>
               <a:t>Próximos passos</a:t>
             </a:r>
           </a:p>
@@ -10426,7 +9759,7 @@
 </p:sld>
 </file>
 
-<file path=ppt/slides/slide45.xml><?xml version="1.0" encoding="utf-8"?>
+<file path=ppt/slides/slide44.xml><?xml version="1.0" encoding="utf-8"?>
 <p:sld xmlns:a="http://schemas.openxmlformats.org/drawingml/2006/main" xmlns:r="http://schemas.openxmlformats.org/officeDocument/2006/relationships" xmlns:p="http://schemas.openxmlformats.org/presentationml/2006/main">
   <p:cSld>
     <p:spTree>
@@ -10548,7 +9881,7 @@
           <p:cNvPr id="13314" name="Picture 2" descr="Arquitetura do Sistema v2">
             <a:extLst>
               <a:ext uri="{FF2B5EF4-FFF2-40B4-BE49-F238E27FC236}">
-                <a16:creationId xmlns="" xmlns:a16="http://schemas.microsoft.com/office/drawing/2014/main" id="{EA7FDE5E-A5FA-4E94-8B57-8FB50D8A51A9}"/>
+                <a16:creationId xmlns:a16="http://schemas.microsoft.com/office/drawing/2014/main" id="{EA7FDE5E-A5FA-4E94-8B57-8FB50D8A51A9}"/>
               </a:ext>
             </a:extLst>
           </p:cNvPr>
@@ -10661,7 +9994,7 @@
               <a:rPr lang="pt-BR" dirty="0">
                 <a:ea typeface="ＭＳ Ｐゴシック" pitchFamily="-106" charset="-128"/>
               </a:rPr>
-              <a:t>MODULO PACIENTE</a:t>
+              <a:t>MODULO AGENDA</a:t>
             </a:r>
           </a:p>
         </p:txBody>
@@ -11091,7 +10424,7 @@
                 <a:ea typeface="ＭＳ Ｐゴシック" pitchFamily="-106" charset="-128"/>
                 <a:cs typeface="Verdana" pitchFamily="34" charset="0"/>
               </a:rPr>
-              <a:t>Tatiana Silva de Oliveira Santana</a:t>
+              <a:t>Vagner</a:t>
             </a:r>
             <a:endParaRPr kumimoji="0" lang="pt-BR" sz="2000" b="1" i="0" u="none" strike="noStrike" kern="1200" cap="none" spc="0" normalizeH="0" baseline="0" noProof="0" dirty="0">
               <a:ln>
@@ -11111,6 +10444,11 @@
         </p:txBody>
       </p:sp>
     </p:spTree>
+    <p:extLst>
+      <p:ext uri="{BB962C8B-B14F-4D97-AF65-F5344CB8AC3E}">
+        <p14:creationId xmlns:p14="http://schemas.microsoft.com/office/powerpoint/2010/main" val="2005090747"/>
+      </p:ext>
+    </p:extLst>
   </p:cSld>
   <p:clrMapOvr>
     <a:masterClrMapping/>
@@ -11158,7 +10496,7 @@
             </a:pPr>
             <a:r>
               <a:rPr lang="pt-BR" dirty="0"/>
-              <a:t>MODULO PACIENTE</a:t>
+              <a:t>MODULO AGENDA</a:t>
             </a:r>
           </a:p>
         </p:txBody>
@@ -11176,7 +10514,7 @@
         <p:spPr bwMode="auto">
           <a:xfrm>
             <a:off x="179512" y="1340768"/>
-            <a:ext cx="8785225" cy="4751387"/>
+            <a:ext cx="8785225" cy="5328592"/>
           </a:xfrm>
           <a:extLst>
             <a:ext uri="{909E8E84-426E-40DD-AFC4-6F175D3DCCD1}">
@@ -11212,14 +10550,14 @@
               <a:defRPr/>
             </a:pPr>
             <a:r>
-              <a:rPr lang="pt-BR" dirty="0">
+              <a:rPr lang="pt-BR" sz="2000" dirty="0">
                 <a:solidFill>
                   <a:schemeClr val="tx2">
                     <a:lumMod val="75000"/>
                   </a:schemeClr>
                 </a:solidFill>
               </a:rPr>
-              <a:t>Manter Paciente</a:t>
+              <a:t>Consultar agenda</a:t>
             </a:r>
           </a:p>
           <a:p>
@@ -11229,14 +10567,14 @@
               <a:defRPr/>
             </a:pPr>
             <a:r>
-              <a:rPr lang="pt-BR" dirty="0">
+              <a:rPr lang="pt-BR" sz="1800" dirty="0">
                 <a:solidFill>
                   <a:schemeClr val="tx2">
                     <a:lumMod val="75000"/>
                   </a:schemeClr>
                 </a:solidFill>
               </a:rPr>
-              <a:t>Manutenção dos dados pessoais dos pacientes.</a:t>
+              <a:t>Consulta de agendamentos realizados e dias e horários disponíveis para novos agendamentos.</a:t>
             </a:r>
           </a:p>
           <a:p>
@@ -11246,14 +10584,14 @@
               <a:defRPr/>
             </a:pPr>
             <a:r>
-              <a:rPr lang="pt-BR" dirty="0">
+              <a:rPr lang="pt-BR" sz="2000" dirty="0">
                 <a:solidFill>
                   <a:schemeClr val="tx2">
                     <a:lumMod val="75000"/>
                   </a:schemeClr>
                 </a:solidFill>
               </a:rPr>
-              <a:t>Manter Prontuário</a:t>
+              <a:t>Agendar</a:t>
             </a:r>
           </a:p>
           <a:p>
@@ -11263,14 +10601,14 @@
               <a:defRPr/>
             </a:pPr>
             <a:r>
-              <a:rPr lang="pt-BR" dirty="0">
+              <a:rPr lang="pt-BR" sz="1800" dirty="0">
                 <a:solidFill>
                   <a:schemeClr val="tx2">
                     <a:lumMod val="75000"/>
                   </a:schemeClr>
                 </a:solidFill>
               </a:rPr>
-              <a:t>Manutenção do prontuário do paciente.</a:t>
+              <a:t>Agendamento de serviços disponibilizados pela clinica.</a:t>
             </a:r>
           </a:p>
           <a:p>
@@ -11280,14 +10618,14 @@
               <a:defRPr/>
             </a:pPr>
             <a:r>
-              <a:rPr lang="pt-BR" dirty="0">
+              <a:rPr lang="pt-BR" sz="2000" dirty="0">
                 <a:solidFill>
                   <a:schemeClr val="tx2">
                     <a:lumMod val="75000"/>
                   </a:schemeClr>
                 </a:solidFill>
               </a:rPr>
-              <a:t>Realizar Atendimento</a:t>
+              <a:t>Alterar agendamento</a:t>
             </a:r>
           </a:p>
           <a:p>
@@ -11297,14 +10635,82 @@
               <a:defRPr/>
             </a:pPr>
             <a:r>
-              <a:rPr lang="pt-BR" dirty="0">
+              <a:rPr lang="pt-BR" sz="1800" dirty="0">
                 <a:solidFill>
                   <a:schemeClr val="tx2">
                     <a:lumMod val="75000"/>
                   </a:schemeClr>
                 </a:solidFill>
               </a:rPr>
-              <a:t>Permite registrar o atendimento realizado ao paciente, com emissão de laudo de avaliação psicossocial ou edição do prontuário.</a:t>
+              <a:t>Alterar serviços, datas e horários previamente agendados, com possível geração de cobrança para alterações com menos de 24 horas de antecedência para a realização do serviço.</a:t>
+            </a:r>
+          </a:p>
+          <a:p>
+            <a:pPr algn="just" eaLnBrk="1" hangingPunct="1">
+              <a:buFont typeface="Arial" panose="020B0604020202020204" pitchFamily="34" charset="0"/>
+              <a:buChar char="•"/>
+              <a:defRPr/>
+            </a:pPr>
+            <a:r>
+              <a:rPr lang="pt-BR" sz="2000" dirty="0">
+                <a:solidFill>
+                  <a:schemeClr val="tx2">
+                    <a:lumMod val="75000"/>
+                  </a:schemeClr>
+                </a:solidFill>
+              </a:rPr>
+              <a:t>Cancelar Agendamento</a:t>
+            </a:r>
+          </a:p>
+          <a:p>
+            <a:pPr lvl="1" algn="just" eaLnBrk="1" hangingPunct="1">
+              <a:buFont typeface="Arial" panose="020B0604020202020204" pitchFamily="34" charset="0"/>
+              <a:buChar char="•"/>
+              <a:defRPr/>
+            </a:pPr>
+            <a:r>
+              <a:rPr lang="pt-BR" sz="1800" dirty="0">
+                <a:solidFill>
+                  <a:schemeClr val="tx2">
+                    <a:lumMod val="75000"/>
+                  </a:schemeClr>
+                </a:solidFill>
+              </a:rPr>
+              <a:t>Cancelamento de agendamentos, com possível geração de cobrança para cancelamentos com menos de 24 horas de antecedência para a realização do serviço.</a:t>
+            </a:r>
+          </a:p>
+          <a:p>
+            <a:pPr algn="just" eaLnBrk="1" hangingPunct="1">
+              <a:buFont typeface="Arial" panose="020B0604020202020204" pitchFamily="34" charset="0"/>
+              <a:buChar char="•"/>
+              <a:defRPr/>
+            </a:pPr>
+            <a:r>
+              <a:rPr lang="pt-BR" sz="2000" dirty="0">
+                <a:solidFill>
+                  <a:schemeClr val="tx2">
+                    <a:lumMod val="75000"/>
+                  </a:schemeClr>
+                </a:solidFill>
+              </a:rPr>
+              <a:t>Confirmar agendamento</a:t>
+            </a:r>
+          </a:p>
+          <a:p>
+            <a:pPr lvl="1" algn="just" eaLnBrk="1" hangingPunct="1">
+              <a:buFont typeface="Arial" panose="020B0604020202020204" pitchFamily="34" charset="0"/>
+              <a:buChar char="•"/>
+              <a:defRPr/>
+            </a:pPr>
+            <a:r>
+              <a:rPr lang="pt-BR" sz="1800" dirty="0">
+                <a:solidFill>
+                  <a:schemeClr val="tx2">
+                    <a:lumMod val="75000"/>
+                  </a:schemeClr>
+                </a:solidFill>
+              </a:rPr>
+              <a:t>Confirmação de agendamentos com possível geração de cobrança para confirmações com menos de 24 horas de antecedência para a realização do serviço.</a:t>
             </a:r>
           </a:p>
           <a:p>
@@ -11313,7 +10719,7 @@
               <a:buNone/>
               <a:defRPr/>
             </a:pPr>
-            <a:endParaRPr lang="pt-BR" dirty="0">
+            <a:endParaRPr lang="pt-BR" sz="2000" dirty="0">
               <a:solidFill>
                 <a:schemeClr val="tx2">
                   <a:lumMod val="75000"/>
@@ -11327,7 +10733,7 @@
               <a:buNone/>
               <a:defRPr/>
             </a:pPr>
-            <a:endParaRPr lang="pt-BR" dirty="0"/>
+            <a:endParaRPr lang="pt-BR" sz="2000" dirty="0"/>
           </a:p>
           <a:p>
             <a:pPr algn="just" eaLnBrk="1" hangingPunct="1">
@@ -11335,7 +10741,7 @@
               <a:buChar char="•"/>
               <a:defRPr/>
             </a:pPr>
-            <a:endParaRPr lang="pt-BR" dirty="0"/>
+            <a:endParaRPr lang="pt-BR" sz="2000" dirty="0"/>
           </a:p>
         </p:txBody>
       </p:sp>
@@ -11367,40 +10773,9 @@
           <a:chExt cx="0" cy="0"/>
         </a:xfrm>
       </p:grpSpPr>
-      <p:sp>
-        <p:nvSpPr>
-          <p:cNvPr id="4" name="Título 3"/>
-          <p:cNvSpPr>
-            <a:spLocks noGrp="1"/>
-          </p:cNvSpPr>
-          <p:nvPr>
-            <p:ph type="title"/>
-          </p:nvPr>
-        </p:nvSpPr>
-        <p:spPr/>
-        <p:txBody>
-          <a:bodyPr/>
-          <a:lstStyle/>
-          <a:p>
-            <a:pPr eaLnBrk="1" hangingPunct="1">
-              <a:defRPr/>
-            </a:pPr>
-            <a:r>
-              <a:rPr lang="pt-BR" dirty="0"/>
-              <a:t>MODULO PACIENTE</a:t>
-            </a:r>
-          </a:p>
-        </p:txBody>
-      </p:sp>
       <p:pic>
         <p:nvPicPr>
-          <p:cNvPr id="2050" name="Picture 2" descr="Realizar Atendimento do Paciente">
-            <a:extLst>
-              <a:ext uri="{FF2B5EF4-FFF2-40B4-BE49-F238E27FC236}">
-                <a16:creationId xmlns="" xmlns:a16="http://schemas.microsoft.com/office/drawing/2014/main" id="{382A9180-B432-418B-9317-1CB76F230FC8}"/>
-              </a:ext>
-            </a:extLst>
-          </p:cNvPr>
+          <p:cNvPr id="1026" name="Picture 2" descr="Realizar Agendamento de Consulta"/>
           <p:cNvPicPr>
             <a:picLocks noChangeAspect="1" noChangeArrowheads="1"/>
           </p:cNvPicPr>
@@ -11408,11 +10783,7 @@
         </p:nvPicPr>
         <p:blipFill>
           <a:blip r:embed="rId2" cstate="print">
-            <a:extLst>
-              <a:ext uri="{28A0092B-C50C-407E-A947-70E740481C1C}">
-                <a14:useLocalDpi xmlns:a14="http://schemas.microsoft.com/office/drawing/2010/main" val="0"/>
-              </a:ext>
-            </a:extLst>
+            <a:lum bright="10000"/>
           </a:blip>
           <a:srcRect/>
           <a:stretch>
@@ -11421,45 +10792,56 @@
         </p:blipFill>
         <p:spPr bwMode="auto">
           <a:xfrm>
-            <a:off x="539552" y="1341626"/>
-            <a:ext cx="8604448" cy="6200480"/>
+            <a:off x="611560" y="1484783"/>
+            <a:ext cx="8064896" cy="4938961"/>
           </a:xfrm>
           <a:prstGeom prst="rect">
             <a:avLst/>
           </a:prstGeom>
           <a:noFill/>
-          <a:ln>
+          <a:ln w="9525">
             <a:noFill/>
+            <a:miter lim="800000"/>
+            <a:headEnd/>
+            <a:tailEnd/>
           </a:ln>
-          <a:extLst>
-            <a:ext uri="{909E8E84-426E-40DD-AFC4-6F175D3DCCD1}">
-              <a14:hiddenFill xmlns:a14="http://schemas.microsoft.com/office/drawing/2010/main">
-                <a:solidFill>
-                  <a:srgbClr val="FFFFFF"/>
-                </a:solidFill>
-              </a14:hiddenFill>
-            </a:ext>
-            <a:ext uri="{91240B29-F687-4F45-9708-019B960494DF}">
-              <a14:hiddenLine xmlns:a14="http://schemas.microsoft.com/office/drawing/2010/main" w="9525">
-                <a:solidFill>
-                  <a:srgbClr val="000000"/>
-                </a:solidFill>
-                <a:miter lim="800000"/>
-                <a:headEnd/>
-                <a:tailEnd/>
-              </a14:hiddenLine>
-            </a:ext>
-          </a:extLst>
         </p:spPr>
       </p:pic>
+      <p:sp>
+        <p:nvSpPr>
+          <p:cNvPr id="5" name="Título 3"/>
+          <p:cNvSpPr>
+            <a:spLocks noGrp="1"/>
+          </p:cNvSpPr>
+          <p:nvPr>
+            <p:ph type="title"/>
+          </p:nvPr>
+        </p:nvSpPr>
+        <p:spPr>
+          <a:xfrm>
+            <a:off x="166688" y="260350"/>
+            <a:ext cx="8797925" cy="922338"/>
+          </a:xfrm>
+        </p:spPr>
+        <p:txBody>
+          <a:bodyPr/>
+          <a:lstStyle/>
+          <a:p>
+            <a:pPr eaLnBrk="1" hangingPunct="1">
+              <a:defRPr/>
+            </a:pPr>
+            <a:r>
+              <a:rPr lang="pt-BR" dirty="0"/>
+              <a:t>MODULO AGENDA</a:t>
+            </a:r>
+          </a:p>
+        </p:txBody>
+      </p:sp>
     </p:spTree>
   </p:cSld>
   <p:clrMapOvr>
     <a:masterClrMapping/>
   </p:clrMapOvr>
-  <p:transition spd="med">
-    <p:fade/>
-  </p:transition>
 </p:sld>
 </file>
 
@@ -11482,7 +10864,7 @@
       </p:grpSpPr>
       <p:sp>
         <p:nvSpPr>
-          <p:cNvPr id="4" name="Título 3"/>
+          <p:cNvPr id="5" name="Título 3"/>
           <p:cNvSpPr>
             <a:spLocks noGrp="1"/>
           </p:cNvSpPr>
@@ -11490,7 +10872,12 @@
             <p:ph type="title"/>
           </p:nvPr>
         </p:nvSpPr>
-        <p:spPr/>
+        <p:spPr>
+          <a:xfrm>
+            <a:off x="166688" y="260350"/>
+            <a:ext cx="8797925" cy="922338"/>
+          </a:xfrm>
+        </p:spPr>
         <p:txBody>
           <a:bodyPr/>
           <a:lstStyle/>
@@ -11500,79 +10887,73 @@
             </a:pPr>
             <a:r>
               <a:rPr lang="pt-BR" dirty="0"/>
-              <a:t>MODULO PACIENTE</a:t>
+              <a:t>MODULO AGENDA</a:t>
             </a:r>
           </a:p>
         </p:txBody>
       </p:sp>
       <p:pic>
         <p:nvPicPr>
-          <p:cNvPr id="3074" name="Picture 2">
-            <a:extLst>
-              <a:ext uri="{FF2B5EF4-FFF2-40B4-BE49-F238E27FC236}">
-                <a16:creationId xmlns="" xmlns:a16="http://schemas.microsoft.com/office/drawing/2014/main" id="{8E1DF024-FFFB-4CD4-9A0E-7DFABA40FF83}"/>
-              </a:ext>
-            </a:extLst>
-          </p:cNvPr>
+          <p:cNvPr id="4" name="Imagem 3" descr="UCAGD01_0000_TelaInicial.png"/>
           <p:cNvPicPr>
-            <a:picLocks noChangeAspect="1" noChangeArrowheads="1"/>
+            <a:picLocks noChangeAspect="1"/>
           </p:cNvPicPr>
           <p:nvPr/>
         </p:nvPicPr>
         <p:blipFill>
-          <a:blip r:embed="rId2" cstate="print">
-            <a:extLst>
-              <a:ext uri="{28A0092B-C50C-407E-A947-70E740481C1C}">
-                <a14:useLocalDpi xmlns:a14="http://schemas.microsoft.com/office/drawing/2010/main" val="0"/>
-              </a:ext>
-            </a:extLst>
-          </a:blip>
-          <a:srcRect/>
+          <a:blip r:embed="rId2" cstate="print"/>
           <a:stretch>
             <a:fillRect/>
           </a:stretch>
         </p:blipFill>
-        <p:spPr bwMode="auto">
+        <p:spPr>
           <a:xfrm>
-            <a:off x="-540568" y="1484784"/>
-            <a:ext cx="10014544" cy="4608512"/>
+            <a:off x="261335" y="1266523"/>
+            <a:ext cx="8621329" cy="4324954"/>
           </a:xfrm>
           <a:prstGeom prst="rect">
             <a:avLst/>
           </a:prstGeom>
-          <a:noFill/>
-          <a:ln>
-            <a:noFill/>
-          </a:ln>
-          <a:extLst>
-            <a:ext uri="{909E8E84-426E-40DD-AFC4-6F175D3DCCD1}">
-              <a14:hiddenFill xmlns:a14="http://schemas.microsoft.com/office/drawing/2010/main">
-                <a:solidFill>
-                  <a:srgbClr val="FFFFFF"/>
-                </a:solidFill>
-              </a14:hiddenFill>
-            </a:ext>
-            <a:ext uri="{91240B29-F687-4F45-9708-019B960494DF}">
-              <a14:hiddenLine xmlns:a14="http://schemas.microsoft.com/office/drawing/2010/main" w="9525">
-                <a:solidFill>
-                  <a:srgbClr val="000000"/>
-                </a:solidFill>
-                <a:miter lim="800000"/>
-                <a:headEnd/>
-                <a:tailEnd/>
-              </a14:hiddenLine>
-            </a:ext>
-          </a:extLst>
         </p:spPr>
       </p:pic>
+      <p:cxnSp>
+        <p:nvCxnSpPr>
+          <p:cNvPr id="7" name="Conector de seta reta 6"/>
+          <p:cNvCxnSpPr/>
+          <p:nvPr/>
+        </p:nvCxnSpPr>
+        <p:spPr>
+          <a:xfrm flipV="1">
+            <a:off x="6228184" y="1916832"/>
+            <a:ext cx="1224136" cy="504056"/>
+          </a:xfrm>
+          <a:prstGeom prst="straightConnector1">
+            <a:avLst/>
+          </a:prstGeom>
+          <a:ln>
+            <a:tailEnd type="arrow"/>
+          </a:ln>
+        </p:spPr>
+        <p:style>
+          <a:lnRef idx="3">
+            <a:schemeClr val="accent2"/>
+          </a:lnRef>
+          <a:fillRef idx="0">
+            <a:schemeClr val="accent2"/>
+          </a:fillRef>
+          <a:effectRef idx="2">
+            <a:schemeClr val="accent2"/>
+          </a:effectRef>
+          <a:fontRef idx="minor">
+            <a:schemeClr val="tx1"/>
+          </a:fontRef>
+        </p:style>
+      </p:cxnSp>
     </p:spTree>
   </p:cSld>
   <p:clrMapOvr>
     <a:masterClrMapping/>
   </p:clrMapOvr>
-  <p:transition spd="med">
-    <p:fade/>
-  </p:transition>
 </p:sld>
 </file>
 
